--- a/Plantilla.pptx
+++ b/Plantilla.pptx
@@ -5,10 +5,10 @@
     <p:sldMasterId id="2147483648" r:id="rId1"/>
   </p:sldMasterIdLst>
   <p:notesMasterIdLst>
-    <p:notesMasterId r:id="rId107"/>
+    <p:notesMasterId r:id="rId114"/>
   </p:notesMasterIdLst>
   <p:handoutMasterIdLst>
-    <p:handoutMasterId r:id="rId108"/>
+    <p:handoutMasterId r:id="rId115"/>
   </p:handoutMasterIdLst>
   <p:sldIdLst>
     <p:sldId id="256" r:id="rId2"/>
@@ -95,27 +95,34 @@
     <p:sldId id="360" r:id="rId83"/>
     <p:sldId id="361" r:id="rId84"/>
     <p:sldId id="362" r:id="rId85"/>
-    <p:sldId id="363" r:id="rId86"/>
-    <p:sldId id="364" r:id="rId87"/>
-    <p:sldId id="365" r:id="rId88"/>
-    <p:sldId id="367" r:id="rId89"/>
-    <p:sldId id="366" r:id="rId90"/>
-    <p:sldId id="368" r:id="rId91"/>
-    <p:sldId id="369" r:id="rId92"/>
-    <p:sldId id="330" r:id="rId93"/>
-    <p:sldId id="329" r:id="rId94"/>
-    <p:sldId id="331" r:id="rId95"/>
-    <p:sldId id="332" r:id="rId96"/>
-    <p:sldId id="334" r:id="rId97"/>
-    <p:sldId id="333" r:id="rId98"/>
-    <p:sldId id="374" r:id="rId99"/>
-    <p:sldId id="372" r:id="rId100"/>
-    <p:sldId id="373" r:id="rId101"/>
-    <p:sldId id="375" r:id="rId102"/>
-    <p:sldId id="376" r:id="rId103"/>
-    <p:sldId id="377" r:id="rId104"/>
-    <p:sldId id="339" r:id="rId105"/>
-    <p:sldId id="286" r:id="rId106"/>
+    <p:sldId id="378" r:id="rId86"/>
+    <p:sldId id="383" r:id="rId87"/>
+    <p:sldId id="381" r:id="rId88"/>
+    <p:sldId id="380" r:id="rId89"/>
+    <p:sldId id="385" r:id="rId90"/>
+    <p:sldId id="379" r:id="rId91"/>
+    <p:sldId id="363" r:id="rId92"/>
+    <p:sldId id="364" r:id="rId93"/>
+    <p:sldId id="365" r:id="rId94"/>
+    <p:sldId id="367" r:id="rId95"/>
+    <p:sldId id="366" r:id="rId96"/>
+    <p:sldId id="368" r:id="rId97"/>
+    <p:sldId id="369" r:id="rId98"/>
+    <p:sldId id="330" r:id="rId99"/>
+    <p:sldId id="386" r:id="rId100"/>
+    <p:sldId id="329" r:id="rId101"/>
+    <p:sldId id="331" r:id="rId102"/>
+    <p:sldId id="332" r:id="rId103"/>
+    <p:sldId id="334" r:id="rId104"/>
+    <p:sldId id="333" r:id="rId105"/>
+    <p:sldId id="374" r:id="rId106"/>
+    <p:sldId id="372" r:id="rId107"/>
+    <p:sldId id="373" r:id="rId108"/>
+    <p:sldId id="375" r:id="rId109"/>
+    <p:sldId id="376" r:id="rId110"/>
+    <p:sldId id="377" r:id="rId111"/>
+    <p:sldId id="339" r:id="rId112"/>
+    <p:sldId id="286" r:id="rId113"/>
   </p:sldIdLst>
   <p:sldSz cx="12192000" cy="6858000"/>
   <p:notesSz cx="7315200" cy="9601200"/>
@@ -307,7 +314,7 @@
           <a:p>
             <a:fld id="{EDC82A51-097F-4864-A4F6-46FECE056A0F}" type="datetimeFigureOut">
               <a:rPr lang="es-MX" smtClean="0"/>
-              <a:t>26/02/2018</a:t>
+              <a:t>01/03/2018</a:t>
             </a:fld>
             <a:endParaRPr lang="es-MX"/>
           </a:p>
@@ -473,7 +480,7 @@
           <a:p>
             <a:fld id="{E63B3BB3-357B-4FB6-ADE2-74838EC5FF5B}" type="datetimeFigureOut">
               <a:rPr lang="es-MX" smtClean="0"/>
-              <a:t>26/02/2018</a:t>
+              <a:t>01/03/2018</a:t>
             </a:fld>
             <a:endParaRPr lang="es-MX"/>
           </a:p>
@@ -2815,7 +2822,7 @@
                 <a:latin typeface="Calibri" panose="020F0502020204030204" pitchFamily="34" charset="0"/>
               </a:rPr>
               <a:pPr eaLnBrk="1" hangingPunct="1"/>
-              <a:t>92</a:t>
+              <a:t>98</a:t>
             </a:fld>
             <a:endParaRPr lang="es-ES" altLang="es-MX">
               <a:latin typeface="Calibri" panose="020F0502020204030204" pitchFamily="34" charset="0"/>
@@ -2855,7 +2862,7 @@
       </p:grpSpPr>
       <p:sp>
         <p:nvSpPr>
-          <p:cNvPr id="62466" name="1 Marcador de imagen de diapositiva"/>
+          <p:cNvPr id="63490" name="1 Marcador de imagen de diapositiva"/>
           <p:cNvSpPr>
             <a:spLocks noGrp="1" noRot="1" noChangeAspect="1" noTextEdit="1"/>
           </p:cNvSpPr>
@@ -2886,7 +2893,7 @@
       </p:sp>
       <p:sp>
         <p:nvSpPr>
-          <p:cNvPr id="62467" name="2 Marcador de notas"/>
+          <p:cNvPr id="63491" name="2 Marcador de notas"/>
           <p:cNvSpPr>
             <a:spLocks noGrp="1"/>
           </p:cNvSpPr>
@@ -3051,12 +3058,12 @@
           </a:lstStyle>
           <a:p>
             <a:pPr eaLnBrk="1" hangingPunct="1"/>
-            <a:fld id="{2FF26215-9A40-4E97-A615-DA9E30D41C96}" type="slidenum">
+            <a:fld id="{87DE7F00-E9CF-4012-BFCC-58D5270AC86C}" type="slidenum">
               <a:rPr lang="es-ES" altLang="es-MX">
                 <a:latin typeface="Calibri" panose="020F0502020204030204" pitchFamily="34" charset="0"/>
               </a:rPr>
               <a:pPr eaLnBrk="1" hangingPunct="1"/>
-              <a:t>93</a:t>
+              <a:t>99</a:t>
             </a:fld>
             <a:endParaRPr lang="es-ES" altLang="es-MX">
               <a:latin typeface="Calibri" panose="020F0502020204030204" pitchFamily="34" charset="0"/>
@@ -3067,7 +3074,7 @@
     </p:spTree>
     <p:extLst>
       <p:ext uri="{BB962C8B-B14F-4D97-AF65-F5344CB8AC3E}">
-        <p14:creationId xmlns:p14="http://schemas.microsoft.com/office/powerpoint/2010/main" val="3564442759"/>
+        <p14:creationId xmlns:p14="http://schemas.microsoft.com/office/powerpoint/2010/main" val="3224725704"/>
       </p:ext>
     </p:extLst>
   </p:cSld>
@@ -3096,7 +3103,7 @@
       </p:grpSpPr>
       <p:sp>
         <p:nvSpPr>
-          <p:cNvPr id="64514" name="1 Marcador de imagen de diapositiva"/>
+          <p:cNvPr id="62466" name="1 Marcador de imagen de diapositiva"/>
           <p:cNvSpPr>
             <a:spLocks noGrp="1" noRot="1" noChangeAspect="1" noTextEdit="1"/>
           </p:cNvSpPr>
@@ -3127,7 +3134,7 @@
       </p:sp>
       <p:sp>
         <p:nvSpPr>
-          <p:cNvPr id="64515" name="2 Marcador de notas"/>
+          <p:cNvPr id="62467" name="2 Marcador de notas"/>
           <p:cNvSpPr>
             <a:spLocks noGrp="1"/>
           </p:cNvSpPr>
@@ -3165,18 +3172,14 @@
           </a:bodyPr>
           <a:lstStyle/>
           <a:p>
-            <a:pPr eaLnBrk="1" hangingPunct="1">
-              <a:spcBef>
-                <a:spcPct val="0"/>
-              </a:spcBef>
-            </a:pPr>
+            <a:pPr eaLnBrk="1" hangingPunct="1"/>
             <a:endParaRPr lang="es-MX" altLang="es-MX" smtClean="0"/>
           </a:p>
         </p:txBody>
       </p:sp>
       <p:sp>
         <p:nvSpPr>
-          <p:cNvPr id="49156" name="3 Marcador de número de diapositiva"/>
+          <p:cNvPr id="4" name="3 Marcador de número de diapositiva"/>
           <p:cNvSpPr>
             <a:spLocks noGrp="1"/>
           </p:cNvSpPr>
@@ -3184,13 +3187,7 @@
             <p:ph type="sldNum" sz="quarter" idx="5"/>
           </p:nvPr>
         </p:nvSpPr>
-        <p:spPr bwMode="auto">
-          <a:ln>
-            <a:miter lim="800000"/>
-            <a:headEnd/>
-            <a:tailEnd/>
-          </a:ln>
-        </p:spPr>
+        <p:spPr/>
         <p:txBody>
           <a:bodyPr/>
           <a:lstStyle>
@@ -3302,12 +3299,12 @@
           </a:lstStyle>
           <a:p>
             <a:pPr eaLnBrk="1" hangingPunct="1"/>
-            <a:fld id="{F9EAEE89-FF36-487E-8932-511261EFEC68}" type="slidenum">
+            <a:fld id="{2FF26215-9A40-4E97-A615-DA9E30D41C96}" type="slidenum">
               <a:rPr lang="es-ES" altLang="es-MX">
                 <a:latin typeface="Calibri" panose="020F0502020204030204" pitchFamily="34" charset="0"/>
               </a:rPr>
               <a:pPr eaLnBrk="1" hangingPunct="1"/>
-              <a:t>94</a:t>
+              <a:t>100</a:t>
             </a:fld>
             <a:endParaRPr lang="es-ES" altLang="es-MX">
               <a:latin typeface="Calibri" panose="020F0502020204030204" pitchFamily="34" charset="0"/>
@@ -3318,7 +3315,7 @@
     </p:spTree>
     <p:extLst>
       <p:ext uri="{BB962C8B-B14F-4D97-AF65-F5344CB8AC3E}">
-        <p14:creationId xmlns:p14="http://schemas.microsoft.com/office/powerpoint/2010/main" val="366625925"/>
+        <p14:creationId xmlns:p14="http://schemas.microsoft.com/office/powerpoint/2010/main" val="3564442759"/>
       </p:ext>
     </p:extLst>
   </p:cSld>
@@ -3347,7 +3344,7 @@
       </p:grpSpPr>
       <p:sp>
         <p:nvSpPr>
-          <p:cNvPr id="65538" name="1 Marcador de imagen de diapositiva"/>
+          <p:cNvPr id="64514" name="1 Marcador de imagen de diapositiva"/>
           <p:cNvSpPr>
             <a:spLocks noGrp="1" noRot="1" noChangeAspect="1" noTextEdit="1"/>
           </p:cNvSpPr>
@@ -3378,7 +3375,7 @@
       </p:sp>
       <p:sp>
         <p:nvSpPr>
-          <p:cNvPr id="65539" name="2 Marcador de notas"/>
+          <p:cNvPr id="64515" name="2 Marcador de notas"/>
           <p:cNvSpPr>
             <a:spLocks noGrp="1"/>
           </p:cNvSpPr>
@@ -3427,7 +3424,7 @@
       </p:sp>
       <p:sp>
         <p:nvSpPr>
-          <p:cNvPr id="50180" name="3 Marcador de número de diapositiva"/>
+          <p:cNvPr id="49156" name="3 Marcador de número de diapositiva"/>
           <p:cNvSpPr>
             <a:spLocks noGrp="1"/>
           </p:cNvSpPr>
@@ -3553,12 +3550,12 @@
           </a:lstStyle>
           <a:p>
             <a:pPr eaLnBrk="1" hangingPunct="1"/>
-            <a:fld id="{EA1EC237-9778-40BB-B605-9EC5DFB5D4C2}" type="slidenum">
+            <a:fld id="{F9EAEE89-FF36-487E-8932-511261EFEC68}" type="slidenum">
               <a:rPr lang="es-ES" altLang="es-MX">
                 <a:latin typeface="Calibri" panose="020F0502020204030204" pitchFamily="34" charset="0"/>
               </a:rPr>
               <a:pPr eaLnBrk="1" hangingPunct="1"/>
-              <a:t>95</a:t>
+              <a:t>101</a:t>
             </a:fld>
             <a:endParaRPr lang="es-ES" altLang="es-MX">
               <a:latin typeface="Calibri" panose="020F0502020204030204" pitchFamily="34" charset="0"/>
@@ -3569,7 +3566,7 @@
     </p:spTree>
     <p:extLst>
       <p:ext uri="{BB962C8B-B14F-4D97-AF65-F5344CB8AC3E}">
-        <p14:creationId xmlns:p14="http://schemas.microsoft.com/office/powerpoint/2010/main" val="496652967"/>
+        <p14:creationId xmlns:p14="http://schemas.microsoft.com/office/powerpoint/2010/main" val="366625925"/>
       </p:ext>
     </p:extLst>
   </p:cSld>
@@ -3598,7 +3595,7 @@
       </p:grpSpPr>
       <p:sp>
         <p:nvSpPr>
-          <p:cNvPr id="67586" name="1 Marcador de imagen de diapositiva"/>
+          <p:cNvPr id="65538" name="1 Marcador de imagen de diapositiva"/>
           <p:cNvSpPr>
             <a:spLocks noGrp="1" noRot="1" noChangeAspect="1" noTextEdit="1"/>
           </p:cNvSpPr>
@@ -3629,7 +3626,7 @@
       </p:sp>
       <p:sp>
         <p:nvSpPr>
-          <p:cNvPr id="67587" name="2 Marcador de notas"/>
+          <p:cNvPr id="65539" name="2 Marcador de notas"/>
           <p:cNvSpPr>
             <a:spLocks noGrp="1"/>
           </p:cNvSpPr>
@@ -3678,7 +3675,7 @@
       </p:sp>
       <p:sp>
         <p:nvSpPr>
-          <p:cNvPr id="52228" name="3 Marcador de número de diapositiva"/>
+          <p:cNvPr id="50180" name="3 Marcador de número de diapositiva"/>
           <p:cNvSpPr>
             <a:spLocks noGrp="1"/>
           </p:cNvSpPr>
@@ -3804,12 +3801,12 @@
           </a:lstStyle>
           <a:p>
             <a:pPr eaLnBrk="1" hangingPunct="1"/>
-            <a:fld id="{E775AD88-E61C-4413-B345-AF24F9C818A0}" type="slidenum">
+            <a:fld id="{EA1EC237-9778-40BB-B605-9EC5DFB5D4C2}" type="slidenum">
               <a:rPr lang="es-ES" altLang="es-MX">
                 <a:latin typeface="Calibri" panose="020F0502020204030204" pitchFamily="34" charset="0"/>
               </a:rPr>
               <a:pPr eaLnBrk="1" hangingPunct="1"/>
-              <a:t>96</a:t>
+              <a:t>102</a:t>
             </a:fld>
             <a:endParaRPr lang="es-ES" altLang="es-MX">
               <a:latin typeface="Calibri" panose="020F0502020204030204" pitchFamily="34" charset="0"/>
@@ -3820,7 +3817,7 @@
     </p:spTree>
     <p:extLst>
       <p:ext uri="{BB962C8B-B14F-4D97-AF65-F5344CB8AC3E}">
-        <p14:creationId xmlns:p14="http://schemas.microsoft.com/office/powerpoint/2010/main" val="823421347"/>
+        <p14:creationId xmlns:p14="http://schemas.microsoft.com/office/powerpoint/2010/main" val="496652967"/>
       </p:ext>
     </p:extLst>
   </p:cSld>
@@ -3938,7 +3935,7 @@
       </p:grpSpPr>
       <p:sp>
         <p:nvSpPr>
-          <p:cNvPr id="66562" name="1 Marcador de imagen de diapositiva"/>
+          <p:cNvPr id="67586" name="1 Marcador de imagen de diapositiva"/>
           <p:cNvSpPr>
             <a:spLocks noGrp="1" noRot="1" noChangeAspect="1" noTextEdit="1"/>
           </p:cNvSpPr>
@@ -3969,7 +3966,7 @@
       </p:sp>
       <p:sp>
         <p:nvSpPr>
-          <p:cNvPr id="66563" name="2 Marcador de notas"/>
+          <p:cNvPr id="67587" name="2 Marcador de notas"/>
           <p:cNvSpPr>
             <a:spLocks noGrp="1"/>
           </p:cNvSpPr>
@@ -4018,7 +4015,7 @@
       </p:sp>
       <p:sp>
         <p:nvSpPr>
-          <p:cNvPr id="51204" name="3 Marcador de número de diapositiva"/>
+          <p:cNvPr id="52228" name="3 Marcador de número de diapositiva"/>
           <p:cNvSpPr>
             <a:spLocks noGrp="1"/>
           </p:cNvSpPr>
@@ -4144,12 +4141,12 @@
           </a:lstStyle>
           <a:p>
             <a:pPr eaLnBrk="1" hangingPunct="1"/>
-            <a:fld id="{BB9A6B99-64EC-4984-9D41-874D67EBE331}" type="slidenum">
+            <a:fld id="{E775AD88-E61C-4413-B345-AF24F9C818A0}" type="slidenum">
               <a:rPr lang="es-ES" altLang="es-MX">
                 <a:latin typeface="Calibri" panose="020F0502020204030204" pitchFamily="34" charset="0"/>
               </a:rPr>
               <a:pPr eaLnBrk="1" hangingPunct="1"/>
-              <a:t>97</a:t>
+              <a:t>103</a:t>
             </a:fld>
             <a:endParaRPr lang="es-ES" altLang="es-MX">
               <a:latin typeface="Calibri" panose="020F0502020204030204" pitchFamily="34" charset="0"/>
@@ -4160,7 +4157,7 @@
     </p:spTree>
     <p:extLst>
       <p:ext uri="{BB962C8B-B14F-4D97-AF65-F5344CB8AC3E}">
-        <p14:creationId xmlns:p14="http://schemas.microsoft.com/office/powerpoint/2010/main" val="680853349"/>
+        <p14:creationId xmlns:p14="http://schemas.microsoft.com/office/powerpoint/2010/main" val="823421347"/>
       </p:ext>
     </p:extLst>
   </p:cSld>
@@ -4400,7 +4397,7 @@
                 <a:latin typeface="Calibri" panose="020F0502020204030204" pitchFamily="34" charset="0"/>
               </a:rPr>
               <a:pPr eaLnBrk="1" hangingPunct="1"/>
-              <a:t>98</a:t>
+              <a:t>104</a:t>
             </a:fld>
             <a:endParaRPr lang="es-ES" altLang="es-MX">
               <a:latin typeface="Calibri" panose="020F0502020204030204" pitchFamily="34" charset="0"/>
@@ -4411,7 +4408,7 @@
     </p:spTree>
     <p:extLst>
       <p:ext uri="{BB962C8B-B14F-4D97-AF65-F5344CB8AC3E}">
-        <p14:creationId xmlns:p14="http://schemas.microsoft.com/office/powerpoint/2010/main" val="2512068065"/>
+        <p14:creationId xmlns:p14="http://schemas.microsoft.com/office/powerpoint/2010/main" val="680853349"/>
       </p:ext>
     </p:extLst>
   </p:cSld>
@@ -4651,7 +4648,7 @@
                 <a:latin typeface="Calibri" panose="020F0502020204030204" pitchFamily="34" charset="0"/>
               </a:rPr>
               <a:pPr eaLnBrk="1" hangingPunct="1"/>
-              <a:t>99</a:t>
+              <a:t>105</a:t>
             </a:fld>
             <a:endParaRPr lang="es-ES" altLang="es-MX">
               <a:latin typeface="Calibri" panose="020F0502020204030204" pitchFamily="34" charset="0"/>
@@ -4662,7 +4659,7 @@
     </p:spTree>
     <p:extLst>
       <p:ext uri="{BB962C8B-B14F-4D97-AF65-F5344CB8AC3E}">
-        <p14:creationId xmlns:p14="http://schemas.microsoft.com/office/powerpoint/2010/main" val="3548404973"/>
+        <p14:creationId xmlns:p14="http://schemas.microsoft.com/office/powerpoint/2010/main" val="2512068065"/>
       </p:ext>
     </p:extLst>
   </p:cSld>
@@ -4902,7 +4899,7 @@
                 <a:latin typeface="Calibri" panose="020F0502020204030204" pitchFamily="34" charset="0"/>
               </a:rPr>
               <a:pPr eaLnBrk="1" hangingPunct="1"/>
-              <a:t>100</a:t>
+              <a:t>106</a:t>
             </a:fld>
             <a:endParaRPr lang="es-ES" altLang="es-MX">
               <a:latin typeface="Calibri" panose="020F0502020204030204" pitchFamily="34" charset="0"/>
@@ -4913,7 +4910,7 @@
     </p:spTree>
     <p:extLst>
       <p:ext uri="{BB962C8B-B14F-4D97-AF65-F5344CB8AC3E}">
-        <p14:creationId xmlns:p14="http://schemas.microsoft.com/office/powerpoint/2010/main" val="2956981017"/>
+        <p14:creationId xmlns:p14="http://schemas.microsoft.com/office/powerpoint/2010/main" val="3548404973"/>
       </p:ext>
     </p:extLst>
   </p:cSld>
@@ -5153,7 +5150,258 @@
                 <a:latin typeface="Calibri" panose="020F0502020204030204" pitchFamily="34" charset="0"/>
               </a:rPr>
               <a:pPr eaLnBrk="1" hangingPunct="1"/>
-              <a:t>101</a:t>
+              <a:t>107</a:t>
+            </a:fld>
+            <a:endParaRPr lang="es-ES" altLang="es-MX">
+              <a:latin typeface="Calibri" panose="020F0502020204030204" pitchFamily="34" charset="0"/>
+            </a:endParaRPr>
+          </a:p>
+        </p:txBody>
+      </p:sp>
+    </p:spTree>
+    <p:extLst>
+      <p:ext uri="{BB962C8B-B14F-4D97-AF65-F5344CB8AC3E}">
+        <p14:creationId xmlns:p14="http://schemas.microsoft.com/office/powerpoint/2010/main" val="2956981017"/>
+      </p:ext>
+    </p:extLst>
+  </p:cSld>
+  <p:clrMapOvr>
+    <a:masterClrMapping/>
+  </p:clrMapOvr>
+</p:notes>
+</file>
+
+<file path=ppt/notesSlides/notesSlide35.xml><?xml version="1.0" encoding="utf-8"?>
+<p:notes xmlns:a="http://schemas.openxmlformats.org/drawingml/2006/main" xmlns:r="http://schemas.openxmlformats.org/officeDocument/2006/relationships" xmlns:p="http://schemas.openxmlformats.org/presentationml/2006/main">
+  <p:cSld>
+    <p:spTree>
+      <p:nvGrpSpPr>
+        <p:cNvPr id="1" name=""/>
+        <p:cNvGrpSpPr/>
+        <p:nvPr/>
+      </p:nvGrpSpPr>
+      <p:grpSpPr>
+        <a:xfrm>
+          <a:off x="0" y="0"/>
+          <a:ext cx="0" cy="0"/>
+          <a:chOff x="0" y="0"/>
+          <a:chExt cx="0" cy="0"/>
+        </a:xfrm>
+      </p:grpSpPr>
+      <p:sp>
+        <p:nvSpPr>
+          <p:cNvPr id="66562" name="1 Marcador de imagen de diapositiva"/>
+          <p:cNvSpPr>
+            <a:spLocks noGrp="1" noRot="1" noChangeAspect="1" noTextEdit="1"/>
+          </p:cNvSpPr>
+          <p:nvPr>
+            <p:ph type="sldImg"/>
+          </p:nvPr>
+        </p:nvSpPr>
+        <p:spPr bwMode="auto">
+          <a:noFill/>
+          <a:ln>
+            <a:solidFill>
+              <a:srgbClr val="000000"/>
+            </a:solidFill>
+            <a:miter lim="800000"/>
+            <a:headEnd/>
+            <a:tailEnd/>
+          </a:ln>
+          <a:extLst>
+            <a:ext uri="{909E8E84-426E-40DD-AFC4-6F175D3DCCD1}">
+              <a14:hiddenFill xmlns:a14="http://schemas.microsoft.com/office/drawing/2010/main">
+                <a:solidFill>
+                  <a:srgbClr val="FFFFFF"/>
+                </a:solidFill>
+              </a14:hiddenFill>
+            </a:ext>
+          </a:extLst>
+        </p:spPr>
+      </p:sp>
+      <p:sp>
+        <p:nvSpPr>
+          <p:cNvPr id="66563" name="2 Marcador de notas"/>
+          <p:cNvSpPr>
+            <a:spLocks noGrp="1"/>
+          </p:cNvSpPr>
+          <p:nvPr>
+            <p:ph type="body" idx="1"/>
+          </p:nvPr>
+        </p:nvSpPr>
+        <p:spPr bwMode="auto">
+          <a:noFill/>
+          <a:extLst>
+            <a:ext uri="{909E8E84-426E-40DD-AFC4-6F175D3DCCD1}">
+              <a14:hiddenFill xmlns:a14="http://schemas.microsoft.com/office/drawing/2010/main">
+                <a:solidFill>
+                  <a:srgbClr val="FFFFFF"/>
+                </a:solidFill>
+              </a14:hiddenFill>
+            </a:ext>
+            <a:ext uri="{91240B29-F687-4F45-9708-019B960494DF}">
+              <a14:hiddenLine xmlns:a14="http://schemas.microsoft.com/office/drawing/2010/main" w="9525">
+                <a:solidFill>
+                  <a:srgbClr val="000000"/>
+                </a:solidFill>
+                <a:miter lim="800000"/>
+                <a:headEnd/>
+                <a:tailEnd/>
+              </a14:hiddenLine>
+            </a:ext>
+          </a:extLst>
+        </p:spPr>
+        <p:txBody>
+          <a:bodyPr wrap="square" numCol="1" anchor="t" anchorCtr="0" compatLnSpc="1">
+            <a:prstTxWarp prst="textNoShape">
+              <a:avLst/>
+            </a:prstTxWarp>
+          </a:bodyPr>
+          <a:lstStyle/>
+          <a:p>
+            <a:pPr eaLnBrk="1" hangingPunct="1">
+              <a:spcBef>
+                <a:spcPct val="0"/>
+              </a:spcBef>
+            </a:pPr>
+            <a:endParaRPr lang="es-MX" altLang="es-MX" smtClean="0"/>
+          </a:p>
+        </p:txBody>
+      </p:sp>
+      <p:sp>
+        <p:nvSpPr>
+          <p:cNvPr id="51204" name="3 Marcador de número de diapositiva"/>
+          <p:cNvSpPr>
+            <a:spLocks noGrp="1"/>
+          </p:cNvSpPr>
+          <p:nvPr>
+            <p:ph type="sldNum" sz="quarter" idx="5"/>
+          </p:nvPr>
+        </p:nvSpPr>
+        <p:spPr bwMode="auto">
+          <a:ln>
+            <a:miter lim="800000"/>
+            <a:headEnd/>
+            <a:tailEnd/>
+          </a:ln>
+        </p:spPr>
+        <p:txBody>
+          <a:bodyPr/>
+          <a:lstStyle>
+            <a:lvl1pPr eaLnBrk="0" hangingPunct="0">
+              <a:defRPr>
+                <a:solidFill>
+                  <a:schemeClr val="tx1"/>
+                </a:solidFill>
+                <a:latin typeface="Arial" panose="020B0604020202020204" pitchFamily="34" charset="0"/>
+                <a:cs typeface="Arial" panose="020B0604020202020204" pitchFamily="34" charset="0"/>
+              </a:defRPr>
+            </a:lvl1pPr>
+            <a:lvl2pPr marL="742950" indent="-285750" eaLnBrk="0" hangingPunct="0">
+              <a:defRPr>
+                <a:solidFill>
+                  <a:schemeClr val="tx1"/>
+                </a:solidFill>
+                <a:latin typeface="Arial" panose="020B0604020202020204" pitchFamily="34" charset="0"/>
+                <a:cs typeface="Arial" panose="020B0604020202020204" pitchFamily="34" charset="0"/>
+              </a:defRPr>
+            </a:lvl2pPr>
+            <a:lvl3pPr marL="1143000" indent="-228600" eaLnBrk="0" hangingPunct="0">
+              <a:defRPr>
+                <a:solidFill>
+                  <a:schemeClr val="tx1"/>
+                </a:solidFill>
+                <a:latin typeface="Arial" panose="020B0604020202020204" pitchFamily="34" charset="0"/>
+                <a:cs typeface="Arial" panose="020B0604020202020204" pitchFamily="34" charset="0"/>
+              </a:defRPr>
+            </a:lvl3pPr>
+            <a:lvl4pPr marL="1600200" indent="-228600" eaLnBrk="0" hangingPunct="0">
+              <a:defRPr>
+                <a:solidFill>
+                  <a:schemeClr val="tx1"/>
+                </a:solidFill>
+                <a:latin typeface="Arial" panose="020B0604020202020204" pitchFamily="34" charset="0"/>
+                <a:cs typeface="Arial" panose="020B0604020202020204" pitchFamily="34" charset="0"/>
+              </a:defRPr>
+            </a:lvl4pPr>
+            <a:lvl5pPr marL="2057400" indent="-228600" eaLnBrk="0" hangingPunct="0">
+              <a:defRPr>
+                <a:solidFill>
+                  <a:schemeClr val="tx1"/>
+                </a:solidFill>
+                <a:latin typeface="Arial" panose="020B0604020202020204" pitchFamily="34" charset="0"/>
+                <a:cs typeface="Arial" panose="020B0604020202020204" pitchFamily="34" charset="0"/>
+              </a:defRPr>
+            </a:lvl5pPr>
+            <a:lvl6pPr marL="2514600" indent="-228600" eaLnBrk="0" fontAlgn="base" hangingPunct="0">
+              <a:spcBef>
+                <a:spcPct val="0"/>
+              </a:spcBef>
+              <a:spcAft>
+                <a:spcPct val="0"/>
+              </a:spcAft>
+              <a:defRPr>
+                <a:solidFill>
+                  <a:schemeClr val="tx1"/>
+                </a:solidFill>
+                <a:latin typeface="Arial" panose="020B0604020202020204" pitchFamily="34" charset="0"/>
+                <a:cs typeface="Arial" panose="020B0604020202020204" pitchFamily="34" charset="0"/>
+              </a:defRPr>
+            </a:lvl6pPr>
+            <a:lvl7pPr marL="2971800" indent="-228600" eaLnBrk="0" fontAlgn="base" hangingPunct="0">
+              <a:spcBef>
+                <a:spcPct val="0"/>
+              </a:spcBef>
+              <a:spcAft>
+                <a:spcPct val="0"/>
+              </a:spcAft>
+              <a:defRPr>
+                <a:solidFill>
+                  <a:schemeClr val="tx1"/>
+                </a:solidFill>
+                <a:latin typeface="Arial" panose="020B0604020202020204" pitchFamily="34" charset="0"/>
+                <a:cs typeface="Arial" panose="020B0604020202020204" pitchFamily="34" charset="0"/>
+              </a:defRPr>
+            </a:lvl7pPr>
+            <a:lvl8pPr marL="3429000" indent="-228600" eaLnBrk="0" fontAlgn="base" hangingPunct="0">
+              <a:spcBef>
+                <a:spcPct val="0"/>
+              </a:spcBef>
+              <a:spcAft>
+                <a:spcPct val="0"/>
+              </a:spcAft>
+              <a:defRPr>
+                <a:solidFill>
+                  <a:schemeClr val="tx1"/>
+                </a:solidFill>
+                <a:latin typeface="Arial" panose="020B0604020202020204" pitchFamily="34" charset="0"/>
+                <a:cs typeface="Arial" panose="020B0604020202020204" pitchFamily="34" charset="0"/>
+              </a:defRPr>
+            </a:lvl8pPr>
+            <a:lvl9pPr marL="3886200" indent="-228600" eaLnBrk="0" fontAlgn="base" hangingPunct="0">
+              <a:spcBef>
+                <a:spcPct val="0"/>
+              </a:spcBef>
+              <a:spcAft>
+                <a:spcPct val="0"/>
+              </a:spcAft>
+              <a:defRPr>
+                <a:solidFill>
+                  <a:schemeClr val="tx1"/>
+                </a:solidFill>
+                <a:latin typeface="Arial" panose="020B0604020202020204" pitchFamily="34" charset="0"/>
+                <a:cs typeface="Arial" panose="020B0604020202020204" pitchFamily="34" charset="0"/>
+              </a:defRPr>
+            </a:lvl9pPr>
+          </a:lstStyle>
+          <a:p>
+            <a:pPr eaLnBrk="1" hangingPunct="1"/>
+            <a:fld id="{BB9A6B99-64EC-4984-9D41-874D67EBE331}" type="slidenum">
+              <a:rPr lang="es-ES" altLang="es-MX">
+                <a:latin typeface="Calibri" panose="020F0502020204030204" pitchFamily="34" charset="0"/>
+              </a:rPr>
+              <a:pPr eaLnBrk="1" hangingPunct="1"/>
+              <a:t>108</a:t>
             </a:fld>
             <a:endParaRPr lang="es-ES" altLang="es-MX">
               <a:latin typeface="Calibri" panose="020F0502020204030204" pitchFamily="34" charset="0"/>
@@ -5990,7 +6238,7 @@
           <a:p>
             <a:fld id="{78BB2372-2761-44A5-AED3-734D90A1B253}" type="datetime1">
               <a:rPr lang="es-MX" smtClean="0"/>
-              <a:t>26/02/2018</a:t>
+              <a:t>01/03/2018</a:t>
             </a:fld>
             <a:endParaRPr lang="es-MX"/>
           </a:p>
@@ -6317,7 +6565,7 @@
           <a:p>
             <a:fld id="{B9B91C8B-79E6-4FAB-AAA7-803997839D51}" type="datetime1">
               <a:rPr lang="es-MX" smtClean="0"/>
-              <a:t>26/02/2018</a:t>
+              <a:t>01/03/2018</a:t>
             </a:fld>
             <a:endParaRPr lang="es-MX"/>
           </a:p>
@@ -6706,7 +6954,7 @@
           <a:p>
             <a:fld id="{525A6663-3E4E-4BE2-B7C2-3A277D8C1141}" type="datetime1">
               <a:rPr lang="es-MX" smtClean="0"/>
-              <a:t>26/02/2018</a:t>
+              <a:t>01/03/2018</a:t>
             </a:fld>
             <a:endParaRPr lang="es-MX"/>
           </a:p>
@@ -7230,7 +7478,7 @@
           <a:p>
             <a:fld id="{20C663D8-7129-46BF-8062-AF5F0D6B0C91}" type="datetime1">
               <a:rPr lang="es-MX" smtClean="0"/>
-              <a:t>26/02/2018</a:t>
+              <a:t>01/03/2018</a:t>
             </a:fld>
             <a:endParaRPr lang="es-MX"/>
           </a:p>
@@ -7704,7 +7952,7 @@
           <a:p>
             <a:fld id="{A59B6387-BD91-404A-94B0-4B385FB9C007}" type="datetime1">
               <a:rPr lang="es-MX" smtClean="0"/>
-              <a:t>26/02/2018</a:t>
+              <a:t>01/03/2018</a:t>
             </a:fld>
             <a:endParaRPr lang="es-MX"/>
           </a:p>
@@ -8099,7 +8347,7 @@
           <a:p>
             <a:fld id="{423DBE62-F9C6-4A5A-BC68-93E95FD9505D}" type="datetime1">
               <a:rPr lang="es-MX" smtClean="0"/>
-              <a:t>26/02/2018</a:t>
+              <a:t>01/03/2018</a:t>
             </a:fld>
             <a:endParaRPr lang="es-MX"/>
           </a:p>
@@ -8675,7 +8923,7 @@
           <a:p>
             <a:fld id="{A602A375-89B7-4F9D-A448-9546AA8105B1}" type="datetime1">
               <a:rPr lang="es-MX" smtClean="0"/>
-              <a:t>26/02/2018</a:t>
+              <a:t>01/03/2018</a:t>
             </a:fld>
             <a:endParaRPr lang="es-MX"/>
           </a:p>
@@ -9086,7 +9334,7 @@
           <a:p>
             <a:fld id="{5B8F175C-BFB3-412A-AB80-C4D6AE6272F7}" type="datetime1">
               <a:rPr lang="es-MX" smtClean="0"/>
-              <a:t>26/02/2018</a:t>
+              <a:t>01/03/2018</a:t>
             </a:fld>
             <a:endParaRPr lang="es-MX"/>
           </a:p>
@@ -9336,7 +9584,7 @@
             <a:fld id="{78BB2372-2761-44A5-AED3-734D90A1B253}" type="datetime1">
               <a:rPr lang="es-MX" smtClean="0"/>
               <a:pPr/>
-              <a:t>26/02/2018</a:t>
+              <a:t>01/03/2018</a:t>
             </a:fld>
             <a:endParaRPr lang="es-MX"/>
           </a:p>
@@ -9461,7 +9709,7 @@
           <a:p>
             <a:fld id="{4E6F4C02-A620-45D8-940B-97B1E5288140}" type="datetime1">
               <a:rPr lang="es-MX" smtClean="0"/>
-              <a:t>26/02/2018</a:t>
+              <a:t>01/03/2018</a:t>
             </a:fld>
             <a:endParaRPr lang="es-MX"/>
           </a:p>
@@ -9794,7 +10042,7 @@
           <a:p>
             <a:fld id="{71D4A01E-58B7-4E95-B611-CCD75B026A5D}" type="datetime1">
               <a:rPr lang="es-MX" smtClean="0"/>
-              <a:t>26/02/2018</a:t>
+              <a:t>01/03/2018</a:t>
             </a:fld>
             <a:endParaRPr lang="es-MX"/>
           </a:p>
@@ -10230,7 +10478,7 @@
           <a:p>
             <a:fld id="{2F1087C9-DB44-44FD-9E1D-7A9C2507E50D}" type="datetime1">
               <a:rPr lang="es-MX" smtClean="0"/>
-              <a:t>26/02/2018</a:t>
+              <a:t>01/03/2018</a:t>
             </a:fld>
             <a:endParaRPr lang="es-MX"/>
           </a:p>
@@ -10657,7 +10905,7 @@
           <a:p>
             <a:fld id="{86C499C8-E619-40EE-A327-D03ADBE772E0}" type="datetime1">
               <a:rPr lang="es-MX" smtClean="0"/>
-              <a:t>26/02/2018</a:t>
+              <a:t>01/03/2018</a:t>
             </a:fld>
             <a:endParaRPr lang="es-MX"/>
           </a:p>
@@ -11422,7 +11670,7 @@
       </p:grpSpPr>
       <p:sp>
         <p:nvSpPr>
-          <p:cNvPr id="25602" name="1 Título"/>
+          <p:cNvPr id="21506" name="1 Título"/>
           <p:cNvSpPr>
             <a:spLocks noGrp="1"/>
           </p:cNvSpPr>
@@ -11437,228 +11685,69 @@
           <a:p>
             <a:r>
               <a:rPr lang="es-ES" altLang="es-MX" smtClean="0"/>
-              <a:t>DOM: Manejadores de eventos como funciones externas</a:t>
-            </a:r>
-            <a:endParaRPr lang="es-ES" altLang="es-MX" dirty="0" smtClean="0"/>
+              <a:t>Ejemplo de árbol DOM</a:t>
+            </a:r>
           </a:p>
         </p:txBody>
       </p:sp>
-      <p:sp>
-        <p:nvSpPr>
-          <p:cNvPr id="25603" name="2 Marcador de contenido"/>
-          <p:cNvSpPr>
-            <a:spLocks noGrp="1"/>
-          </p:cNvSpPr>
-          <p:nvPr>
-            <p:ph idx="1"/>
-          </p:nvPr>
-        </p:nvSpPr>
-        <p:spPr/>
-        <p:txBody>
-          <a:bodyPr>
-            <a:normAutofit lnSpcReduction="10000"/>
-          </a:bodyPr>
-          <a:lstStyle/>
-          <a:p>
-            <a:pPr marL="0" indent="0">
-              <a:buNone/>
-            </a:pPr>
-            <a:r>
-              <a:rPr lang="es-MX" altLang="es-MX" dirty="0"/>
-              <a:t>De esta forma, el siguiente ejemplo:</a:t>
-            </a:r>
-          </a:p>
-          <a:p>
-            <a:pPr marL="457200" lvl="1" indent="0">
-              <a:buNone/>
-            </a:pPr>
-            <a:r>
-              <a:rPr lang="es-MX" altLang="es-MX" dirty="0"/>
-              <a:t>&lt;input </a:t>
-            </a:r>
-            <a:r>
-              <a:rPr lang="es-MX" altLang="es-MX" dirty="0" err="1"/>
-              <a:t>type</a:t>
-            </a:r>
-            <a:r>
-              <a:rPr lang="es-MX" altLang="es-MX" dirty="0"/>
-              <a:t>="</a:t>
-            </a:r>
-            <a:r>
-              <a:rPr lang="es-MX" altLang="es-MX" dirty="0" err="1"/>
-              <a:t>button</a:t>
-            </a:r>
-            <a:r>
-              <a:rPr lang="es-MX" altLang="es-MX" dirty="0"/>
-              <a:t>" </a:t>
-            </a:r>
-            <a:r>
-              <a:rPr lang="es-MX" altLang="es-MX" dirty="0" err="1"/>
-              <a:t>value</a:t>
-            </a:r>
-            <a:r>
-              <a:rPr lang="es-MX" altLang="es-MX" dirty="0"/>
-              <a:t>="</a:t>
-            </a:r>
-            <a:r>
-              <a:rPr lang="es-MX" altLang="es-MX" dirty="0" err="1"/>
-              <a:t>Pinchame</a:t>
-            </a:r>
-            <a:r>
-              <a:rPr lang="es-MX" altLang="es-MX" dirty="0"/>
-              <a:t> y verás" </a:t>
-            </a:r>
-            <a:r>
-              <a:rPr lang="es-MX" altLang="es-MX" dirty="0" err="1"/>
-              <a:t>onclick</a:t>
-            </a:r>
-            <a:r>
-              <a:rPr lang="es-MX" altLang="es-MX" dirty="0"/>
-              <a:t>="</a:t>
-            </a:r>
-            <a:r>
-              <a:rPr lang="es-MX" altLang="es-MX" dirty="0" err="1"/>
-              <a:t>alert</a:t>
-            </a:r>
-            <a:r>
-              <a:rPr lang="es-MX" altLang="es-MX" dirty="0"/>
-              <a:t>('Gracias por pinchar');" </a:t>
-            </a:r>
-            <a:r>
-              <a:rPr lang="es-MX" altLang="es-MX" dirty="0" smtClean="0"/>
-              <a:t>/&gt;</a:t>
-            </a:r>
-          </a:p>
-          <a:p>
-            <a:pPr marL="0" indent="0">
-              <a:buNone/>
-            </a:pPr>
-            <a:endParaRPr lang="es-MX" altLang="es-MX" dirty="0"/>
-          </a:p>
-          <a:p>
-            <a:pPr marL="0" indent="0">
-              <a:buNone/>
-            </a:pPr>
-            <a:r>
-              <a:rPr lang="es-MX" altLang="es-MX" dirty="0" smtClean="0"/>
-              <a:t>Se </a:t>
-            </a:r>
-            <a:r>
-              <a:rPr lang="es-MX" altLang="es-MX" dirty="0"/>
-              <a:t>puede transformar en:</a:t>
-            </a:r>
-          </a:p>
-          <a:p>
-            <a:pPr marL="457200" lvl="1" indent="0">
-              <a:buNone/>
-            </a:pPr>
-            <a:r>
-              <a:rPr lang="es-MX" altLang="es-MX" dirty="0" err="1"/>
-              <a:t>function</a:t>
-            </a:r>
-            <a:r>
-              <a:rPr lang="es-MX" altLang="es-MX" dirty="0"/>
-              <a:t> </a:t>
-            </a:r>
-            <a:r>
-              <a:rPr lang="es-MX" altLang="es-MX" dirty="0" err="1"/>
-              <a:t>muestraMensaje</a:t>
-            </a:r>
-            <a:r>
-              <a:rPr lang="es-MX" altLang="es-MX" dirty="0"/>
-              <a:t>() {</a:t>
-            </a:r>
-          </a:p>
-          <a:p>
-            <a:pPr marL="457200" lvl="1" indent="0">
-              <a:buNone/>
-            </a:pPr>
-            <a:r>
-              <a:rPr lang="es-MX" altLang="es-MX" dirty="0"/>
-              <a:t>  </a:t>
-            </a:r>
-            <a:r>
-              <a:rPr lang="es-MX" altLang="es-MX" dirty="0" err="1"/>
-              <a:t>alert</a:t>
-            </a:r>
-            <a:r>
-              <a:rPr lang="es-MX" altLang="es-MX" dirty="0"/>
-              <a:t>('Gracias por pinchar');</a:t>
-            </a:r>
-          </a:p>
-          <a:p>
-            <a:pPr marL="457200" lvl="1" indent="0">
-              <a:buNone/>
-            </a:pPr>
-            <a:r>
-              <a:rPr lang="es-MX" altLang="es-MX" dirty="0"/>
-              <a:t>}</a:t>
-            </a:r>
-          </a:p>
-          <a:p>
-            <a:pPr marL="457200" lvl="1" indent="0">
-              <a:buNone/>
-            </a:pPr>
-            <a:r>
-              <a:rPr lang="es-MX" altLang="es-MX" dirty="0"/>
-              <a:t> &lt;input </a:t>
-            </a:r>
-            <a:r>
-              <a:rPr lang="es-MX" altLang="es-MX" dirty="0" err="1"/>
-              <a:t>type</a:t>
-            </a:r>
-            <a:r>
-              <a:rPr lang="es-MX" altLang="es-MX" dirty="0"/>
-              <a:t>="</a:t>
-            </a:r>
-            <a:r>
-              <a:rPr lang="es-MX" altLang="es-MX" dirty="0" err="1"/>
-              <a:t>button</a:t>
-            </a:r>
-            <a:r>
-              <a:rPr lang="es-MX" altLang="es-MX" dirty="0"/>
-              <a:t>" </a:t>
-            </a:r>
-            <a:r>
-              <a:rPr lang="es-MX" altLang="es-MX" dirty="0" err="1"/>
-              <a:t>value</a:t>
-            </a:r>
-            <a:r>
-              <a:rPr lang="es-MX" altLang="es-MX" dirty="0"/>
-              <a:t>="</a:t>
-            </a:r>
-            <a:r>
-              <a:rPr lang="es-MX" altLang="es-MX" dirty="0" err="1"/>
-              <a:t>Pinchame</a:t>
-            </a:r>
-            <a:r>
-              <a:rPr lang="es-MX" altLang="es-MX" dirty="0"/>
-              <a:t> y verás" </a:t>
-            </a:r>
-            <a:r>
-              <a:rPr lang="es-MX" altLang="es-MX" dirty="0" err="1"/>
-              <a:t>onclick</a:t>
-            </a:r>
-            <a:r>
-              <a:rPr lang="es-MX" altLang="es-MX" dirty="0"/>
-              <a:t>="</a:t>
-            </a:r>
-            <a:r>
-              <a:rPr lang="es-MX" altLang="es-MX" dirty="0" err="1"/>
-              <a:t>muestraMensaje</a:t>
-            </a:r>
-            <a:r>
-              <a:rPr lang="es-MX" altLang="es-MX" dirty="0"/>
-              <a:t>()" /&gt;</a:t>
-            </a:r>
-            <a:endParaRPr lang="es-ES" altLang="es-MX" dirty="0"/>
-          </a:p>
-        </p:txBody>
-      </p:sp>
+      <p:pic>
+        <p:nvPicPr>
+          <p:cNvPr id="21507" name="Picture 2" descr="DOM node tree"/>
+          <p:cNvPicPr>
+            <a:picLocks noChangeAspect="1" noChangeArrowheads="1"/>
+          </p:cNvPicPr>
+          <p:nvPr/>
+        </p:nvPicPr>
+        <p:blipFill>
+          <a:blip r:embed="rId3">
+            <a:extLst>
+              <a:ext uri="{28A0092B-C50C-407E-A947-70E740481C1C}">
+                <a14:useLocalDpi xmlns:a14="http://schemas.microsoft.com/office/drawing/2010/main" val="0"/>
+              </a:ext>
+            </a:extLst>
+          </a:blip>
+          <a:srcRect/>
+          <a:stretch>
+            <a:fillRect/>
+          </a:stretch>
+        </p:blipFill>
+        <p:spPr bwMode="auto">
+          <a:xfrm>
+            <a:off x="2024063" y="1643063"/>
+            <a:ext cx="8215312" cy="4648200"/>
+          </a:xfrm>
+          <a:prstGeom prst="rect">
+            <a:avLst/>
+          </a:prstGeom>
+          <a:noFill/>
+          <a:ln>
+            <a:noFill/>
+          </a:ln>
+          <a:extLst>
+            <a:ext uri="{909E8E84-426E-40DD-AFC4-6F175D3DCCD1}">
+              <a14:hiddenFill xmlns:a14="http://schemas.microsoft.com/office/drawing/2010/main">
+                <a:solidFill>
+                  <a:srgbClr val="FFFFFF"/>
+                </a:solidFill>
+              </a14:hiddenFill>
+            </a:ext>
+            <a:ext uri="{91240B29-F687-4F45-9708-019B960494DF}">
+              <a14:hiddenLine xmlns:a14="http://schemas.microsoft.com/office/drawing/2010/main" w="9525">
+                <a:solidFill>
+                  <a:srgbClr val="000000"/>
+                </a:solidFill>
+                <a:miter lim="800000"/>
+                <a:headEnd/>
+                <a:tailEnd/>
+              </a14:hiddenLine>
+            </a:ext>
+          </a:extLst>
+        </p:spPr>
+      </p:pic>
     </p:spTree>
     <p:extLst>
       <p:ext uri="{BB962C8B-B14F-4D97-AF65-F5344CB8AC3E}">
-        <p14:creationId xmlns:p14="http://schemas.microsoft.com/office/powerpoint/2010/main" val="1903076041"/>
+        <p14:creationId xmlns:p14="http://schemas.microsoft.com/office/powerpoint/2010/main" val="2972122350"/>
       </p:ext>
     </p:extLst>
   </p:cSld>
@@ -11694,7 +11783,7 @@
       </p:grpSpPr>
       <p:sp>
         <p:nvSpPr>
-          <p:cNvPr id="25602" name="1 Título"/>
+          <p:cNvPr id="2" name="1 Título"/>
           <p:cNvSpPr>
             <a:spLocks noGrp="1"/>
           </p:cNvSpPr>
@@ -11704,83 +11793,277 @@
         </p:nvSpPr>
         <p:spPr/>
         <p:txBody>
-          <a:bodyPr/>
-          <a:lstStyle/>
-          <a:p>
-            <a:r>
-              <a:rPr lang="es-ES" altLang="es-MX" dirty="0" smtClean="0"/>
-              <a:t>DOM: Manejadores semánticos</a:t>
-            </a:r>
-          </a:p>
-        </p:txBody>
-      </p:sp>
-      <p:sp>
-        <p:nvSpPr>
-          <p:cNvPr id="25603" name="2 Marcador de contenido"/>
-          <p:cNvSpPr>
-            <a:spLocks noGrp="1"/>
-          </p:cNvSpPr>
-          <p:nvPr>
-            <p:ph idx="1"/>
-          </p:nvPr>
-        </p:nvSpPr>
-        <p:spPr/>
-        <p:txBody>
           <a:bodyPr>
             <a:normAutofit/>
           </a:bodyPr>
           <a:lstStyle/>
           <a:p>
-            <a:pPr marL="0" indent="0">
-              <a:buNone/>
+            <a:pPr>
+              <a:defRPr/>
             </a:pPr>
             <a:r>
-              <a:rPr lang="es-MX" altLang="es-MX" dirty="0" smtClean="0"/>
-              <a:t>Las formas anteriores de manejar eventos tienen inconvenientes, puesto que nos obliga a colocar código ajeno a la etiqueta y esta queda visible para el usuario.</a:t>
-            </a:r>
-          </a:p>
-          <a:p>
-            <a:pPr marL="0" indent="0">
-              <a:buNone/>
-            </a:pPr>
-            <a:endParaRPr lang="es-MX" altLang="es-MX" dirty="0"/>
-          </a:p>
-          <a:p>
-            <a:pPr marL="0" indent="0">
-              <a:buNone/>
-            </a:pPr>
-            <a:r>
-              <a:rPr lang="es-ES" altLang="es-MX" dirty="0" smtClean="0"/>
-              <a:t>Para ocultar esta información al usuario, </a:t>
-            </a:r>
-            <a:r>
-              <a:rPr lang="es-ES" altLang="es-MX" dirty="0"/>
-              <a:t>emplearemos </a:t>
-            </a:r>
-            <a:r>
-              <a:rPr lang="es-ES" altLang="es-MX" dirty="0" smtClean="0"/>
-              <a:t>: </a:t>
-            </a:r>
-            <a:r>
-              <a:rPr lang="es-ES" altLang="es-MX" dirty="0" err="1" smtClean="0"/>
-              <a:t>addEventListener</a:t>
-            </a:r>
-            <a:r>
-              <a:rPr lang="es-ES" altLang="es-MX" dirty="0" smtClean="0"/>
-              <a:t> y </a:t>
-            </a:r>
-            <a:r>
-              <a:rPr lang="es-ES" altLang="es-MX" dirty="0" err="1" smtClean="0"/>
-              <a:t>removeEventListener</a:t>
-            </a:r>
-            <a:endParaRPr lang="es-MX" altLang="es-MX" dirty="0" smtClean="0"/>
+              <a:rPr lang="es-ES" dirty="0" smtClean="0"/>
+              <a:t>Windows vs </a:t>
+            </a:r>
+            <a:r>
+              <a:rPr lang="es-ES" dirty="0" err="1" smtClean="0"/>
+              <a:t>Document</a:t>
+            </a:r>
+            <a:endParaRPr lang="es-ES" dirty="0"/>
           </a:p>
         </p:txBody>
       </p:sp>
+      <p:graphicFrame>
+        <p:nvGraphicFramePr>
+          <p:cNvPr id="4" name="Marcador de contenido 3"/>
+          <p:cNvGraphicFramePr>
+            <a:graphicFrameLocks noGrp="1"/>
+          </p:cNvGraphicFramePr>
+          <p:nvPr>
+            <p:ph idx="1"/>
+            <p:extLst>
+              <p:ext uri="{D42A27DB-BD31-4B8C-83A1-F6EECF244321}">
+                <p14:modId xmlns:p14="http://schemas.microsoft.com/office/powerpoint/2010/main" val="3743169109"/>
+              </p:ext>
+            </p:extLst>
+          </p:nvPr>
+        </p:nvGraphicFramePr>
+        <p:xfrm>
+          <a:off x="2072640" y="1965959"/>
+          <a:ext cx="8351520" cy="4058843"/>
+        </p:xfrm>
+        <a:graphic>
+          <a:graphicData uri="http://schemas.openxmlformats.org/drawingml/2006/table">
+            <a:tbl>
+              <a:tblPr firstRow="1" bandRow="1">
+                <a:tableStyleId>{073A0DAA-6AF3-43AB-8588-CEC1D06C72B9}</a:tableStyleId>
+              </a:tblPr>
+              <a:tblGrid>
+                <a:gridCol w="4175760">
+                  <a:extLst>
+                    <a:ext uri="{9D8B030D-6E8A-4147-A177-3AD203B41FA5}">
+                      <a16:colId xmlns:a16="http://schemas.microsoft.com/office/drawing/2014/main" val="1596070528"/>
+                    </a:ext>
+                  </a:extLst>
+                </a:gridCol>
+                <a:gridCol w="4175760">
+                  <a:extLst>
+                    <a:ext uri="{9D8B030D-6E8A-4147-A177-3AD203B41FA5}">
+                      <a16:colId xmlns:a16="http://schemas.microsoft.com/office/drawing/2014/main" val="2641734424"/>
+                    </a:ext>
+                  </a:extLst>
+                </a:gridCol>
+              </a:tblGrid>
+              <a:tr h="468834">
+                <a:tc>
+                  <a:txBody>
+                    <a:bodyPr/>
+                    <a:lstStyle/>
+                    <a:p>
+                      <a:pPr algn="ctr"/>
+                      <a:r>
+                        <a:rPr lang="es-MX" dirty="0" err="1" smtClean="0"/>
+                        <a:t>Window</a:t>
+                      </a:r>
+                      <a:endParaRPr lang="es-MX" dirty="0"/>
+                    </a:p>
+                  </a:txBody>
+                  <a:tcPr anchor="ctr"/>
+                </a:tc>
+                <a:tc>
+                  <a:txBody>
+                    <a:bodyPr/>
+                    <a:lstStyle/>
+                    <a:p>
+                      <a:pPr algn="ctr"/>
+                      <a:r>
+                        <a:rPr lang="es-MX" dirty="0" err="1" smtClean="0"/>
+                        <a:t>Document</a:t>
+                      </a:r>
+                      <a:endParaRPr lang="es-MX" dirty="0"/>
+                    </a:p>
+                  </a:txBody>
+                  <a:tcPr anchor="ctr"/>
+                </a:tc>
+                <a:extLst>
+                  <a:ext uri="{0D108BD9-81ED-4DB2-BD59-A6C34878D82A}">
+                    <a16:rowId xmlns:a16="http://schemas.microsoft.com/office/drawing/2014/main" val="3965714803"/>
+                  </a:ext>
+                </a:extLst>
+              </a:tr>
+              <a:tr h="973425">
+                <a:tc>
+                  <a:txBody>
+                    <a:bodyPr/>
+                    <a:lstStyle/>
+                    <a:p>
+                      <a:pPr>
+                        <a:defRPr/>
+                      </a:pPr>
+                      <a:r>
+                        <a:rPr lang="es-ES" dirty="0" err="1" smtClean="0"/>
+                        <a:t>window</a:t>
+                      </a:r>
+                      <a:r>
+                        <a:rPr lang="es-ES" dirty="0" smtClean="0"/>
+                        <a:t> representa la ventana</a:t>
+                      </a:r>
+                      <a:endParaRPr lang="es-MX" dirty="0"/>
+                    </a:p>
+                  </a:txBody>
+                  <a:tcPr/>
+                </a:tc>
+                <a:tc>
+                  <a:txBody>
+                    <a:bodyPr/>
+                    <a:lstStyle/>
+                    <a:p>
+                      <a:pPr>
+                        <a:defRPr/>
+                      </a:pPr>
+                      <a:r>
+                        <a:rPr lang="es-ES" dirty="0" err="1" smtClean="0"/>
+                        <a:t>document</a:t>
+                      </a:r>
+                      <a:r>
+                        <a:rPr lang="es-ES" dirty="0" smtClean="0"/>
+                        <a:t> representa el documento</a:t>
+                      </a:r>
+                      <a:endParaRPr lang="es-MX" dirty="0"/>
+                    </a:p>
+                  </a:txBody>
+                  <a:tcPr/>
+                </a:tc>
+                <a:extLst>
+                  <a:ext uri="{0D108BD9-81ED-4DB2-BD59-A6C34878D82A}">
+                    <a16:rowId xmlns:a16="http://schemas.microsoft.com/office/drawing/2014/main" val="3608420769"/>
+                  </a:ext>
+                </a:extLst>
+              </a:tr>
+              <a:tr h="1460555">
+                <a:tc>
+                  <a:txBody>
+                    <a:bodyPr/>
+                    <a:lstStyle/>
+                    <a:p>
+                      <a:pPr marL="0" marR="0" indent="0" algn="l" defTabSz="914400" rtl="0" eaLnBrk="1" fontAlgn="auto" latinLnBrk="0" hangingPunct="1">
+                        <a:lnSpc>
+                          <a:spcPct val="100000"/>
+                        </a:lnSpc>
+                        <a:spcBef>
+                          <a:spcPts val="0"/>
+                        </a:spcBef>
+                        <a:spcAft>
+                          <a:spcPts val="0"/>
+                        </a:spcAft>
+                        <a:buClrTx/>
+                        <a:buSzTx/>
+                        <a:buFontTx/>
+                        <a:buNone/>
+                        <a:tabLst/>
+                        <a:defRPr/>
+                      </a:pPr>
+                      <a:r>
+                        <a:rPr lang="es-ES" dirty="0" smtClean="0"/>
+                        <a:t>Entre los miembros de </a:t>
+                      </a:r>
+                      <a:r>
+                        <a:rPr lang="es-ES" dirty="0" err="1" smtClean="0"/>
+                        <a:t>window</a:t>
+                      </a:r>
+                      <a:r>
+                        <a:rPr lang="es-ES" dirty="0" smtClean="0"/>
+                        <a:t> están su ancho y alto (interiores y exteriores)</a:t>
+                      </a:r>
+                    </a:p>
+                    <a:p>
+                      <a:endParaRPr lang="es-MX" dirty="0"/>
+                    </a:p>
+                  </a:txBody>
+                  <a:tcPr/>
+                </a:tc>
+                <a:tc>
+                  <a:txBody>
+                    <a:bodyPr/>
+                    <a:lstStyle/>
+                    <a:p>
+                      <a:pPr marL="0" marR="0" indent="0" algn="l" defTabSz="914400" rtl="0" eaLnBrk="1" fontAlgn="auto" latinLnBrk="0" hangingPunct="1">
+                        <a:lnSpc>
+                          <a:spcPct val="100000"/>
+                        </a:lnSpc>
+                        <a:spcBef>
+                          <a:spcPts val="0"/>
+                        </a:spcBef>
+                        <a:spcAft>
+                          <a:spcPts val="0"/>
+                        </a:spcAft>
+                        <a:buClrTx/>
+                        <a:buSzTx/>
+                        <a:buFontTx/>
+                        <a:buNone/>
+                        <a:tabLst/>
+                        <a:defRPr/>
+                      </a:pPr>
+                      <a:r>
+                        <a:rPr lang="es-ES" dirty="0" smtClean="0"/>
+                        <a:t>Entre los miembros de </a:t>
+                      </a:r>
+                      <a:r>
+                        <a:rPr lang="es-ES" dirty="0" err="1" smtClean="0"/>
+                        <a:t>document</a:t>
+                      </a:r>
+                      <a:r>
+                        <a:rPr lang="es-ES" dirty="0" smtClean="0"/>
+                        <a:t> están su cookie y URL</a:t>
+                      </a:r>
+                    </a:p>
+                    <a:p>
+                      <a:endParaRPr lang="es-MX" dirty="0"/>
+                    </a:p>
+                  </a:txBody>
+                  <a:tcPr/>
+                </a:tc>
+                <a:extLst>
+                  <a:ext uri="{0D108BD9-81ED-4DB2-BD59-A6C34878D82A}">
+                    <a16:rowId xmlns:a16="http://schemas.microsoft.com/office/drawing/2014/main" val="1604709653"/>
+                  </a:ext>
+                </a:extLst>
+              </a:tr>
+              <a:tr h="1156029">
+                <a:tc>
+                  <a:txBody>
+                    <a:bodyPr/>
+                    <a:lstStyle/>
+                    <a:p>
+                      <a:endParaRPr lang="es-MX" dirty="0"/>
+                    </a:p>
+                  </a:txBody>
+                  <a:tcPr/>
+                </a:tc>
+                <a:tc>
+                  <a:txBody>
+                    <a:bodyPr/>
+                    <a:lstStyle/>
+                    <a:p>
+                      <a:endParaRPr lang="es-MX" dirty="0"/>
+                    </a:p>
+                  </a:txBody>
+                  <a:tcPr/>
+                </a:tc>
+                <a:extLst>
+                  <a:ext uri="{0D108BD9-81ED-4DB2-BD59-A6C34878D82A}">
+                    <a16:rowId xmlns:a16="http://schemas.microsoft.com/office/drawing/2014/main" val="3862893529"/>
+                  </a:ext>
+                </a:extLst>
+              </a:tr>
+            </a:tbl>
+          </a:graphicData>
+        </a:graphic>
+      </p:graphicFrame>
     </p:spTree>
     <p:extLst>
       <p:ext uri="{BB962C8B-B14F-4D97-AF65-F5344CB8AC3E}">
-        <p14:creationId xmlns:p14="http://schemas.microsoft.com/office/powerpoint/2010/main" val="383020567"/>
+        <p14:creationId xmlns:p14="http://schemas.microsoft.com/office/powerpoint/2010/main" val="2490450363"/>
       </p:ext>
     </p:extLst>
   </p:cSld>
@@ -11816,7 +12099,7 @@
       </p:grpSpPr>
       <p:sp>
         <p:nvSpPr>
-          <p:cNvPr id="2" name="Título 1"/>
+          <p:cNvPr id="24578" name="1 Título"/>
           <p:cNvSpPr>
             <a:spLocks noGrp="1"/>
           </p:cNvSpPr>
@@ -11831,15 +12114,14 @@
           <a:p>
             <a:r>
               <a:rPr lang="es-ES" altLang="es-MX" smtClean="0"/>
-              <a:t>DOM: Manejadores semánticos</a:t>
-            </a:r>
-            <a:endParaRPr lang="es-MX" dirty="0"/>
+              <a:t>DOM: Eventos</a:t>
+            </a:r>
           </a:p>
         </p:txBody>
       </p:sp>
       <p:sp>
         <p:nvSpPr>
-          <p:cNvPr id="3" name="Marcador de contenido 2"/>
+          <p:cNvPr id="3" name="2 Marcador de contenido"/>
           <p:cNvSpPr>
             <a:spLocks noGrp="1"/>
           </p:cNvSpPr>
@@ -11850,198 +12132,86 @@
         <p:spPr/>
         <p:txBody>
           <a:bodyPr>
-            <a:normAutofit fontScale="85000" lnSpcReduction="20000"/>
+            <a:normAutofit/>
           </a:bodyPr>
           <a:lstStyle/>
+          <a:p>
+            <a:pPr marL="0" indent="0">
+              <a:buNone/>
+              <a:defRPr/>
+            </a:pPr>
+            <a:r>
+              <a:rPr lang="es-ES" dirty="0" smtClean="0"/>
+              <a:t>DOM prevé el envío de eventos cuando se accede a documentos HTML o XML. </a:t>
+            </a:r>
+          </a:p>
           <a:p>
             <a:pPr marL="0" indent="0">
               <a:buNone/>
             </a:pPr>
             <a:r>
-              <a:rPr lang="es-MX" dirty="0" err="1" smtClean="0"/>
-              <a:t>addEventListener</a:t>
-            </a:r>
-            <a:endParaRPr lang="es-MX" dirty="0" smtClean="0"/>
+              <a:rPr lang="es-ES" altLang="es-MX" dirty="0" smtClean="0"/>
+              <a:t>Cada objeto tiene asociado una serie de eventos posibles de ejecutar (</a:t>
+            </a:r>
+            <a:r>
+              <a:rPr lang="es-ES" altLang="es-MX" b="1" dirty="0" smtClean="0"/>
+              <a:t>HANDLER</a:t>
+            </a:r>
+            <a:r>
+              <a:rPr lang="es-ES" altLang="es-MX" dirty="0" smtClean="0"/>
+              <a:t>), pero estos solo pueden ejecutar una  instrucción asociada al mismo.</a:t>
+            </a:r>
           </a:p>
           <a:p>
             <a:pPr marL="0" indent="0">
               <a:buNone/>
             </a:pPr>
-            <a:endParaRPr lang="es-MX" dirty="0" smtClean="0"/>
-          </a:p>
-          <a:p>
-            <a:pPr marL="0" indent="0">
-              <a:buNone/>
+            <a:r>
+              <a:rPr lang="es-ES" altLang="es-MX" dirty="0" smtClean="0"/>
+              <a:t>Por </a:t>
+            </a:r>
+            <a:r>
+              <a:rPr lang="es-ES" altLang="es-MX" dirty="0"/>
+              <a:t>ejemplo, el evento de pulsar un botón del ratón sobre un elemento tiene asociado el método o instrucciones correspondientes al atributo </a:t>
+            </a:r>
+            <a:r>
+              <a:rPr lang="es-ES" altLang="es-MX" i="1" dirty="0" err="1"/>
+              <a:t>onclick</a:t>
+            </a:r>
+            <a:r>
+              <a:rPr lang="es-ES" altLang="es-MX" i="1" dirty="0"/>
+              <a:t> </a:t>
+            </a:r>
+            <a:r>
+              <a:rPr lang="es-ES" altLang="es-MX" dirty="0"/>
+              <a:t>de su etiqueta.</a:t>
+            </a:r>
+          </a:p>
+          <a:p>
+            <a:pPr>
+              <a:defRPr/>
             </a:pPr>
-            <a:r>
-              <a:rPr lang="es-MX" dirty="0" err="1" smtClean="0"/>
-              <a:t>function</a:t>
-            </a:r>
-            <a:r>
-              <a:rPr lang="es-MX" dirty="0" smtClean="0"/>
-              <a:t> </a:t>
-            </a:r>
-            <a:r>
-              <a:rPr lang="es-MX" dirty="0" err="1" smtClean="0"/>
-              <a:t>muestraMensaje</a:t>
-            </a:r>
-            <a:r>
-              <a:rPr lang="es-MX" dirty="0" smtClean="0"/>
-              <a:t>() {</a:t>
-            </a:r>
-          </a:p>
-          <a:p>
-            <a:pPr marL="0" indent="0">
-              <a:buNone/>
-            </a:pPr>
-            <a:r>
-              <a:rPr lang="es-MX" dirty="0" smtClean="0"/>
-              <a:t>  </a:t>
-            </a:r>
-            <a:r>
-              <a:rPr lang="es-MX" dirty="0" err="1" smtClean="0"/>
-              <a:t>alert</a:t>
-            </a:r>
-            <a:r>
-              <a:rPr lang="es-MX" dirty="0" smtClean="0"/>
-              <a:t>("Has pulsado el ratón");</a:t>
-            </a:r>
-          </a:p>
-          <a:p>
-            <a:pPr marL="0" indent="0">
-              <a:buNone/>
-            </a:pPr>
-            <a:r>
-              <a:rPr lang="es-MX" dirty="0" smtClean="0"/>
-              <a:t>}</a:t>
-            </a:r>
-          </a:p>
-          <a:p>
-            <a:pPr marL="0" indent="0">
-              <a:buNone/>
-            </a:pPr>
-            <a:r>
-              <a:rPr lang="es-MX" dirty="0" err="1" smtClean="0"/>
-              <a:t>var</a:t>
-            </a:r>
-            <a:r>
-              <a:rPr lang="es-MX" dirty="0" smtClean="0"/>
-              <a:t> </a:t>
-            </a:r>
-            <a:r>
-              <a:rPr lang="es-MX" dirty="0" err="1" smtClean="0"/>
-              <a:t>elDiv</a:t>
-            </a:r>
-            <a:r>
-              <a:rPr lang="es-MX" dirty="0" smtClean="0"/>
-              <a:t> = </a:t>
-            </a:r>
-            <a:r>
-              <a:rPr lang="es-MX" dirty="0" err="1" smtClean="0"/>
-              <a:t>document.getElementById</a:t>
-            </a:r>
-            <a:r>
-              <a:rPr lang="es-MX" dirty="0" smtClean="0"/>
-              <a:t>("</a:t>
-            </a:r>
-            <a:r>
-              <a:rPr lang="es-MX" dirty="0" err="1" smtClean="0"/>
-              <a:t>div_principal</a:t>
-            </a:r>
-            <a:r>
-              <a:rPr lang="es-MX" dirty="0" smtClean="0"/>
-              <a:t>");</a:t>
-            </a:r>
-          </a:p>
-          <a:p>
-            <a:pPr marL="0" indent="0">
-              <a:buNone/>
-            </a:pPr>
-            <a:r>
-              <a:rPr lang="es-MX" dirty="0" err="1" smtClean="0"/>
-              <a:t>elDiv.addEventListener</a:t>
-            </a:r>
-            <a:r>
-              <a:rPr lang="es-MX" dirty="0" smtClean="0"/>
-              <a:t>("</a:t>
-            </a:r>
-            <a:r>
-              <a:rPr lang="es-MX" dirty="0" err="1" smtClean="0"/>
-              <a:t>click</a:t>
-            </a:r>
-            <a:r>
-              <a:rPr lang="es-MX" dirty="0" smtClean="0"/>
-              <a:t>", </a:t>
-            </a:r>
-            <a:r>
-              <a:rPr lang="es-MX" dirty="0" err="1" smtClean="0"/>
-              <a:t>muestraMensaje</a:t>
-            </a:r>
-            <a:r>
-              <a:rPr lang="es-MX" dirty="0" smtClean="0"/>
-              <a:t>, false);</a:t>
-            </a:r>
-          </a:p>
-          <a:p>
-            <a:pPr marL="0" indent="0">
-              <a:buNone/>
-            </a:pPr>
-            <a:r>
-              <a:rPr lang="es-MX" dirty="0" smtClean="0"/>
-              <a:t> </a:t>
-            </a:r>
-          </a:p>
-          <a:p>
-            <a:pPr marL="0" indent="0">
-              <a:buNone/>
-            </a:pPr>
-            <a:r>
-              <a:rPr lang="es-MX" dirty="0" smtClean="0"/>
-              <a:t>// Más adelante se decide desasociar la función al evento</a:t>
-            </a:r>
-          </a:p>
-          <a:p>
-            <a:pPr marL="0" indent="0">
-              <a:buNone/>
-            </a:pPr>
-            <a:r>
-              <a:rPr lang="es-MX" dirty="0" err="1" smtClean="0"/>
-              <a:t>elDiv.removeEventListener</a:t>
-            </a:r>
-            <a:r>
-              <a:rPr lang="es-MX" dirty="0" smtClean="0"/>
-              <a:t>("</a:t>
-            </a:r>
-            <a:r>
-              <a:rPr lang="es-MX" dirty="0" err="1" smtClean="0"/>
-              <a:t>click</a:t>
-            </a:r>
-            <a:r>
-              <a:rPr lang="es-MX" dirty="0" smtClean="0"/>
-              <a:t>", </a:t>
-            </a:r>
-            <a:r>
-              <a:rPr lang="es-MX" dirty="0" err="1" smtClean="0"/>
-              <a:t>muestraMensaje</a:t>
-            </a:r>
-            <a:r>
-              <a:rPr lang="es-MX" dirty="0" smtClean="0"/>
-              <a:t>, false);</a:t>
-            </a:r>
-            <a:endParaRPr lang="es-MX" dirty="0"/>
+            <a:endParaRPr lang="es-ES" dirty="0"/>
           </a:p>
         </p:txBody>
       </p:sp>
     </p:spTree>
     <p:extLst>
       <p:ext uri="{BB962C8B-B14F-4D97-AF65-F5344CB8AC3E}">
-        <p14:creationId xmlns:p14="http://schemas.microsoft.com/office/powerpoint/2010/main" val="3518499788"/>
+        <p14:creationId xmlns:p14="http://schemas.microsoft.com/office/powerpoint/2010/main" val="3234957777"/>
       </p:ext>
     </p:extLst>
   </p:cSld>
   <p:clrMapOvr>
     <a:masterClrMapping/>
   </p:clrMapOvr>
+  <p:timing>
+    <p:tnLst>
+      <p:par>
+        <p:cTn id="1" dur="indefinite" restart="never" nodeType="tmRoot"/>
+      </p:par>
+    </p:tnLst>
+  </p:timing>
 </p:sld>
 </file>
 
@@ -12064,7 +12234,7 @@
       </p:grpSpPr>
       <p:sp>
         <p:nvSpPr>
-          <p:cNvPr id="2" name="Título 1"/>
+          <p:cNvPr id="2" name="1 Título"/>
           <p:cNvSpPr>
             <a:spLocks noGrp="1"/>
           </p:cNvSpPr>
@@ -12074,20 +12244,32 @@
         </p:nvSpPr>
         <p:spPr/>
         <p:txBody>
-          <a:bodyPr/>
+          <a:bodyPr>
+            <a:normAutofit/>
+          </a:bodyPr>
           <a:lstStyle/>
           <a:p>
-            <a:r>
-              <a:rPr lang="es-ES" altLang="es-MX" smtClean="0"/>
-              <a:t>DOM: Manejadores semánticos</a:t>
-            </a:r>
-            <a:endParaRPr lang="es-MX" dirty="0"/>
+            <a:pPr>
+              <a:defRPr/>
+            </a:pPr>
+            <a:r>
+              <a:rPr lang="es-ES" dirty="0" smtClean="0"/>
+              <a:t>DOM: Eventos. </a:t>
+            </a:r>
+            <a:br>
+              <a:rPr lang="es-ES" dirty="0" smtClean="0"/>
+            </a:br>
+            <a:r>
+              <a:rPr lang="es-ES" sz="2400" dirty="0" smtClean="0"/>
+              <a:t>Atributos HTML que indican los métodos asociados</a:t>
+            </a:r>
+            <a:endParaRPr lang="es-ES" dirty="0"/>
           </a:p>
         </p:txBody>
       </p:sp>
       <p:sp>
         <p:nvSpPr>
-          <p:cNvPr id="3" name="Marcador de contenido 2"/>
+          <p:cNvPr id="3" name="2 Marcador de contenido"/>
           <p:cNvSpPr>
             <a:spLocks noGrp="1"/>
           </p:cNvSpPr>
@@ -12098,192 +12280,128 @@
         <p:spPr/>
         <p:txBody>
           <a:bodyPr>
-            <a:normAutofit fontScale="92500" lnSpcReduction="10000"/>
+            <a:normAutofit lnSpcReduction="10000"/>
           </a:bodyPr>
           <a:lstStyle/>
           <a:p>
-            <a:pPr marL="0" indent="0">
-              <a:buNone/>
+            <a:pPr>
+              <a:defRPr/>
             </a:pPr>
             <a:r>
-              <a:rPr lang="es-MX" dirty="0" err="1"/>
-              <a:t>removeEventListener</a:t>
-            </a:r>
-            <a:endParaRPr lang="es-MX" dirty="0" smtClean="0"/>
-          </a:p>
-          <a:p>
-            <a:pPr marL="0" indent="0">
-              <a:buNone/>
+              <a:rPr lang="es-ES" dirty="0" smtClean="0"/>
+              <a:t>Finalización de la carga de una página o de una imagen: </a:t>
+            </a:r>
+            <a:r>
+              <a:rPr lang="es-ES" b="1" dirty="0" err="1" smtClean="0"/>
+              <a:t>onLoad</a:t>
+            </a:r>
+            <a:endParaRPr lang="es-ES" b="1" dirty="0" smtClean="0"/>
+          </a:p>
+          <a:p>
+            <a:pPr>
+              <a:defRPr/>
             </a:pPr>
             <a:r>
-              <a:rPr lang="es-MX" dirty="0" err="1"/>
-              <a:t>function</a:t>
-            </a:r>
-            <a:r>
-              <a:rPr lang="es-MX" dirty="0"/>
-              <a:t> </a:t>
-            </a:r>
-            <a:r>
-              <a:rPr lang="es-MX" dirty="0" err="1"/>
-              <a:t>muestraMensaje</a:t>
-            </a:r>
-            <a:r>
-              <a:rPr lang="es-MX" dirty="0"/>
-              <a:t>() {</a:t>
-            </a:r>
-          </a:p>
-          <a:p>
-            <a:pPr marL="0" indent="0">
-              <a:buNone/>
+              <a:rPr lang="es-ES" dirty="0" smtClean="0"/>
+              <a:t>Pulsar un botón del ratón: </a:t>
+            </a:r>
+            <a:r>
+              <a:rPr lang="es-ES" b="1" dirty="0" err="1" smtClean="0"/>
+              <a:t>onclick</a:t>
+            </a:r>
+            <a:endParaRPr lang="es-ES" b="1" dirty="0" smtClean="0"/>
+          </a:p>
+          <a:p>
+            <a:pPr>
+              <a:defRPr/>
             </a:pPr>
             <a:r>
-              <a:rPr lang="es-MX" dirty="0"/>
-              <a:t>  </a:t>
-            </a:r>
-            <a:r>
-              <a:rPr lang="es-MX" dirty="0" err="1"/>
-              <a:t>alert</a:t>
-            </a:r>
-            <a:r>
-              <a:rPr lang="es-MX" dirty="0"/>
-              <a:t>("Has pulsado el ratón");</a:t>
-            </a:r>
-          </a:p>
-          <a:p>
-            <a:pPr marL="0" indent="0">
-              <a:buNone/>
+              <a:rPr lang="es-ES" dirty="0" smtClean="0"/>
+              <a:t>Entrar con el cursor del ratón sobre un elemento: </a:t>
+            </a:r>
+            <a:r>
+              <a:rPr lang="es-ES" b="1" dirty="0" err="1" smtClean="0"/>
+              <a:t>onMouseOver</a:t>
+            </a:r>
+            <a:r>
+              <a:rPr lang="es-ES" dirty="0" smtClean="0"/>
+              <a:t>, </a:t>
+            </a:r>
+            <a:r>
+              <a:rPr lang="es-ES" b="1" dirty="0" err="1" smtClean="0"/>
+              <a:t>onMouseOut</a:t>
+            </a:r>
+            <a:endParaRPr lang="es-ES" b="1" dirty="0" smtClean="0"/>
+          </a:p>
+          <a:p>
+            <a:pPr>
+              <a:defRPr/>
             </a:pPr>
             <a:r>
-              <a:rPr lang="es-MX" dirty="0"/>
-              <a:t>}</a:t>
-            </a:r>
-          </a:p>
-          <a:p>
-            <a:pPr marL="0" indent="0">
-              <a:buNone/>
+              <a:rPr lang="es-ES" dirty="0" smtClean="0"/>
+              <a:t>Seleccionar un campo en un formulario: </a:t>
+            </a:r>
+            <a:r>
+              <a:rPr lang="es-ES" b="1" dirty="0" err="1" smtClean="0"/>
+              <a:t>onFocus</a:t>
+            </a:r>
+            <a:endParaRPr lang="es-ES" b="1" dirty="0" smtClean="0"/>
+          </a:p>
+          <a:p>
+            <a:pPr>
+              <a:defRPr/>
             </a:pPr>
             <a:r>
-              <a:rPr lang="es-MX" dirty="0" err="1"/>
-              <a:t>var</a:t>
-            </a:r>
-            <a:r>
-              <a:rPr lang="es-MX" dirty="0"/>
-              <a:t> </a:t>
-            </a:r>
-            <a:r>
-              <a:rPr lang="es-MX" dirty="0" err="1"/>
-              <a:t>elDiv</a:t>
-            </a:r>
-            <a:r>
-              <a:rPr lang="es-MX" dirty="0"/>
-              <a:t> = </a:t>
-            </a:r>
-            <a:r>
-              <a:rPr lang="es-MX" dirty="0" err="1"/>
-              <a:t>document.getElementById</a:t>
-            </a:r>
-            <a:r>
-              <a:rPr lang="es-MX" dirty="0"/>
-              <a:t>("</a:t>
-            </a:r>
-            <a:r>
-              <a:rPr lang="es-MX" dirty="0" err="1"/>
-              <a:t>div_principal</a:t>
-            </a:r>
-            <a:r>
-              <a:rPr lang="es-MX" dirty="0"/>
-              <a:t>");</a:t>
-            </a:r>
-          </a:p>
-          <a:p>
-            <a:pPr marL="0" indent="0">
-              <a:buNone/>
+              <a:rPr lang="es-ES" dirty="0" smtClean="0"/>
+              <a:t>Enviar el contenido de un formulario mediante </a:t>
+            </a:r>
+            <a:r>
+              <a:rPr lang="es-ES" b="1" dirty="0" smtClean="0"/>
+              <a:t>HTTP</a:t>
+            </a:r>
+            <a:r>
+              <a:rPr lang="es-ES" dirty="0" smtClean="0"/>
+              <a:t>: </a:t>
+            </a:r>
+            <a:r>
+              <a:rPr lang="es-ES" b="1" dirty="0" err="1" smtClean="0"/>
+              <a:t>onSubmit</a:t>
+            </a:r>
+            <a:endParaRPr lang="es-ES" b="1" dirty="0" smtClean="0"/>
+          </a:p>
+          <a:p>
+            <a:pPr>
+              <a:defRPr/>
             </a:pPr>
             <a:r>
-              <a:rPr lang="es-MX" dirty="0" err="1"/>
-              <a:t>elDiv.addEventListener</a:t>
-            </a:r>
-            <a:r>
-              <a:rPr lang="es-MX" dirty="0"/>
-              <a:t>("</a:t>
-            </a:r>
-            <a:r>
-              <a:rPr lang="es-MX" dirty="0" err="1"/>
-              <a:t>click</a:t>
-            </a:r>
-            <a:r>
-              <a:rPr lang="es-MX" dirty="0"/>
-              <a:t>", </a:t>
-            </a:r>
-            <a:r>
-              <a:rPr lang="es-MX" dirty="0" err="1"/>
-              <a:t>muestraMensaje</a:t>
-            </a:r>
-            <a:r>
-              <a:rPr lang="es-MX" dirty="0"/>
-              <a:t>, false);</a:t>
-            </a:r>
-          </a:p>
-          <a:p>
-            <a:pPr marL="0" indent="0">
-              <a:buNone/>
-            </a:pPr>
-            <a:r>
-              <a:rPr lang="es-MX" dirty="0"/>
-              <a:t> </a:t>
-            </a:r>
-          </a:p>
-          <a:p>
-            <a:pPr marL="0" indent="0">
-              <a:buNone/>
-            </a:pPr>
-            <a:r>
-              <a:rPr lang="es-MX" dirty="0"/>
-              <a:t>// Más adelante se decide desasociar la función al evento</a:t>
-            </a:r>
-          </a:p>
-          <a:p>
-            <a:pPr marL="0" indent="0">
-              <a:buNone/>
-            </a:pPr>
-            <a:r>
-              <a:rPr lang="es-MX" dirty="0" err="1"/>
-              <a:t>elDiv.removeEventListener</a:t>
-            </a:r>
-            <a:r>
-              <a:rPr lang="es-MX" dirty="0"/>
-              <a:t>("</a:t>
-            </a:r>
-            <a:r>
-              <a:rPr lang="es-MX" dirty="0" err="1"/>
-              <a:t>click</a:t>
-            </a:r>
-            <a:r>
-              <a:rPr lang="es-MX" dirty="0"/>
-              <a:t>", </a:t>
-            </a:r>
-            <a:r>
-              <a:rPr lang="es-MX" dirty="0" err="1"/>
-              <a:t>muestraMensaje</a:t>
-            </a:r>
-            <a:r>
-              <a:rPr lang="es-MX" dirty="0"/>
-              <a:t>, true);</a:t>
-            </a:r>
-            <a:endParaRPr lang="es-MX" dirty="0" smtClean="0"/>
+              <a:rPr lang="es-ES" dirty="0" smtClean="0"/>
+              <a:t>Pulsar sobre una tecla: </a:t>
+            </a:r>
+            <a:r>
+              <a:rPr lang="es-ES" b="1" dirty="0" err="1" smtClean="0"/>
+              <a:t>onkeydown</a:t>
+            </a:r>
+            <a:endParaRPr lang="es-ES" b="1" dirty="0" smtClean="0"/>
           </a:p>
         </p:txBody>
       </p:sp>
     </p:spTree>
     <p:extLst>
       <p:ext uri="{BB962C8B-B14F-4D97-AF65-F5344CB8AC3E}">
-        <p14:creationId xmlns:p14="http://schemas.microsoft.com/office/powerpoint/2010/main" val="1802846173"/>
+        <p14:creationId xmlns:p14="http://schemas.microsoft.com/office/powerpoint/2010/main" val="1089338212"/>
       </p:ext>
     </p:extLst>
   </p:cSld>
   <p:clrMapOvr>
     <a:masterClrMapping/>
   </p:clrMapOvr>
+  <p:timing>
+    <p:tnLst>
+      <p:par>
+        <p:cTn id="1" dur="indefinite" restart="never" nodeType="tmRoot"/>
+      </p:par>
+    </p:tnLst>
+  </p:timing>
 </p:sld>
 </file>
 
@@ -12306,7 +12424,7 @@
       </p:grpSpPr>
       <p:sp>
         <p:nvSpPr>
-          <p:cNvPr id="2" name="Título 1"/>
+          <p:cNvPr id="25602" name="1 Título"/>
           <p:cNvSpPr>
             <a:spLocks noGrp="1"/>
           </p:cNvSpPr>
@@ -12320,48 +12438,87 @@
           <a:lstStyle/>
           <a:p>
             <a:r>
-              <a:rPr lang="es-MX" dirty="0" smtClean="0"/>
-              <a:t>Ejemplo de clase</a:t>
-            </a:r>
-            <a:endParaRPr lang="es-MX" dirty="0"/>
+              <a:rPr lang="es-ES" altLang="es-MX" dirty="0" smtClean="0"/>
+              <a:t>DOM: Eventos</a:t>
+            </a:r>
           </a:p>
         </p:txBody>
       </p:sp>
-      <p:pic>
-        <p:nvPicPr>
-          <p:cNvPr id="5" name="Marcador de contenido 4"/>
-          <p:cNvPicPr>
-            <a:picLocks noGrp="1" noChangeAspect="1"/>
-          </p:cNvPicPr>
+      <p:sp>
+        <p:nvSpPr>
+          <p:cNvPr id="25603" name="2 Marcador de contenido"/>
+          <p:cNvSpPr>
+            <a:spLocks noGrp="1"/>
+          </p:cNvSpPr>
           <p:nvPr>
             <p:ph idx="1"/>
           </p:nvPr>
-        </p:nvPicPr>
-        <p:blipFill rotWithShape="1">
-          <a:blip r:embed="rId2"/>
-          <a:srcRect l="2782"/>
-          <a:stretch/>
-        </p:blipFill>
-        <p:spPr>
-          <a:xfrm>
-            <a:off x="1933303" y="1449977"/>
-            <a:ext cx="9321526" cy="4392023"/>
-          </a:xfrm>
-          <a:prstGeom prst="rect">
-            <a:avLst/>
-          </a:prstGeom>
-        </p:spPr>
-      </p:pic>
+        </p:nvSpPr>
+        <p:spPr/>
+        <p:txBody>
+          <a:bodyPr/>
+          <a:lstStyle/>
+          <a:p>
+            <a:pPr marL="0" indent="0">
+              <a:buNone/>
+            </a:pPr>
+            <a:r>
+              <a:rPr lang="es-MX" altLang="es-MX" dirty="0" smtClean="0"/>
+              <a:t>Se </a:t>
+            </a:r>
+            <a:r>
+              <a:rPr lang="es-MX" altLang="es-MX" dirty="0"/>
+              <a:t>puede utilizar la palabra reservada </a:t>
+            </a:r>
+            <a:r>
+              <a:rPr lang="es-MX" altLang="es-MX" b="1" dirty="0" smtClean="0"/>
+              <a:t>THIS</a:t>
+            </a:r>
+            <a:r>
+              <a:rPr lang="es-MX" altLang="es-MX" dirty="0" smtClean="0"/>
+              <a:t> </a:t>
+            </a:r>
+            <a:r>
+              <a:rPr lang="es-MX" altLang="es-MX" dirty="0"/>
+              <a:t>para referirse al elemento XHTML sobre el que se está ejecutando el evento. </a:t>
+            </a:r>
+            <a:endParaRPr lang="es-MX" altLang="es-MX" dirty="0" smtClean="0"/>
+          </a:p>
+          <a:p>
+            <a:pPr marL="0" indent="0">
+              <a:buNone/>
+            </a:pPr>
+            <a:endParaRPr lang="es-MX" altLang="es-MX" dirty="0" smtClean="0"/>
+          </a:p>
+          <a:p>
+            <a:pPr marL="0" indent="0">
+              <a:buNone/>
+            </a:pPr>
+            <a:r>
+              <a:rPr lang="es-MX" altLang="es-MX" dirty="0" smtClean="0"/>
+              <a:t>Esto es útil cuando necesitamos interactuar con el objeto que invoco al método.</a:t>
+            </a:r>
+            <a:endParaRPr lang="es-ES" altLang="es-MX" dirty="0" smtClean="0"/>
+          </a:p>
+        </p:txBody>
+      </p:sp>
     </p:spTree>
     <p:extLst>
       <p:ext uri="{BB962C8B-B14F-4D97-AF65-F5344CB8AC3E}">
-        <p14:creationId xmlns:p14="http://schemas.microsoft.com/office/powerpoint/2010/main" val="3489203078"/>
+        <p14:creationId xmlns:p14="http://schemas.microsoft.com/office/powerpoint/2010/main" val="1986504087"/>
       </p:ext>
     </p:extLst>
   </p:cSld>
   <p:clrMapOvr>
     <a:masterClrMapping/>
   </p:clrMapOvr>
+  <p:timing>
+    <p:tnLst>
+      <p:par>
+        <p:cTn id="1" dur="indefinite" restart="never" nodeType="tmRoot"/>
+      </p:par>
+    </p:tnLst>
+  </p:timing>
 </p:sld>
 </file>
 
@@ -12384,6 +12541,872 @@
       </p:grpSpPr>
       <p:sp>
         <p:nvSpPr>
+          <p:cNvPr id="25602" name="1 Título"/>
+          <p:cNvSpPr>
+            <a:spLocks noGrp="1"/>
+          </p:cNvSpPr>
+          <p:nvPr>
+            <p:ph type="title"/>
+          </p:nvPr>
+        </p:nvSpPr>
+        <p:spPr/>
+        <p:txBody>
+          <a:bodyPr/>
+          <a:lstStyle/>
+          <a:p>
+            <a:r>
+              <a:rPr lang="es-ES" altLang="es-MX" dirty="0" smtClean="0"/>
+              <a:t>DOM: Eventos</a:t>
+            </a:r>
+          </a:p>
+        </p:txBody>
+      </p:sp>
+      <p:sp>
+        <p:nvSpPr>
+          <p:cNvPr id="25603" name="2 Marcador de contenido"/>
+          <p:cNvSpPr>
+            <a:spLocks noGrp="1"/>
+          </p:cNvSpPr>
+          <p:nvPr>
+            <p:ph idx="1"/>
+          </p:nvPr>
+        </p:nvSpPr>
+        <p:spPr/>
+        <p:txBody>
+          <a:bodyPr/>
+          <a:lstStyle/>
+          <a:p>
+            <a:pPr marL="0" indent="0">
+              <a:buNone/>
+            </a:pPr>
+            <a:r>
+              <a:rPr lang="es-MX" altLang="es-MX" dirty="0"/>
+              <a:t>La definición de manejadores de eventos en los atributos XHTML es un método sencillo pero poco aconsejable para tratar con los eventos en JavaScript. </a:t>
+            </a:r>
+            <a:endParaRPr lang="es-MX" altLang="es-MX" dirty="0" smtClean="0"/>
+          </a:p>
+          <a:p>
+            <a:pPr marL="0" indent="0">
+              <a:buNone/>
+            </a:pPr>
+            <a:endParaRPr lang="es-MX" altLang="es-MX" dirty="0"/>
+          </a:p>
+          <a:p>
+            <a:pPr marL="0" indent="0">
+              <a:buNone/>
+            </a:pPr>
+            <a:r>
+              <a:rPr lang="es-MX" altLang="es-MX" dirty="0" smtClean="0"/>
+              <a:t>El </a:t>
+            </a:r>
+            <a:r>
+              <a:rPr lang="es-MX" altLang="es-MX" dirty="0"/>
+              <a:t>principal inconveniente </a:t>
+            </a:r>
+            <a:r>
+              <a:rPr lang="es-MX" altLang="es-MX" dirty="0" smtClean="0"/>
+              <a:t>es que si vas a colocar operaciones más </a:t>
+            </a:r>
+            <a:r>
+              <a:rPr lang="es-MX" altLang="es-MX" dirty="0" err="1" smtClean="0"/>
+              <a:t>complejas,va</a:t>
+            </a:r>
+            <a:r>
+              <a:rPr lang="es-MX" altLang="es-MX" dirty="0" smtClean="0"/>
+              <a:t> a incrementar el grado de complejidad al momento de actualizar o editar el comportamiento de la misma.</a:t>
+            </a:r>
+            <a:endParaRPr lang="es-ES" altLang="es-MX" dirty="0" smtClean="0"/>
+          </a:p>
+        </p:txBody>
+      </p:sp>
+    </p:spTree>
+    <p:extLst>
+      <p:ext uri="{BB962C8B-B14F-4D97-AF65-F5344CB8AC3E}">
+        <p14:creationId xmlns:p14="http://schemas.microsoft.com/office/powerpoint/2010/main" val="1858236102"/>
+      </p:ext>
+    </p:extLst>
+  </p:cSld>
+  <p:clrMapOvr>
+    <a:masterClrMapping/>
+  </p:clrMapOvr>
+  <p:timing>
+    <p:tnLst>
+      <p:par>
+        <p:cTn id="1" dur="indefinite" restart="never" nodeType="tmRoot"/>
+      </p:par>
+    </p:tnLst>
+  </p:timing>
+</p:sld>
+</file>
+
+<file path=ppt/slides/slide106.xml><?xml version="1.0" encoding="utf-8"?>
+<p:sld xmlns:a="http://schemas.openxmlformats.org/drawingml/2006/main" xmlns:r="http://schemas.openxmlformats.org/officeDocument/2006/relationships" xmlns:p="http://schemas.openxmlformats.org/presentationml/2006/main">
+  <p:cSld>
+    <p:spTree>
+      <p:nvGrpSpPr>
+        <p:cNvPr id="1" name=""/>
+        <p:cNvGrpSpPr/>
+        <p:nvPr/>
+      </p:nvGrpSpPr>
+      <p:grpSpPr>
+        <a:xfrm>
+          <a:off x="0" y="0"/>
+          <a:ext cx="0" cy="0"/>
+          <a:chOff x="0" y="0"/>
+          <a:chExt cx="0" cy="0"/>
+        </a:xfrm>
+      </p:grpSpPr>
+      <p:sp>
+        <p:nvSpPr>
+          <p:cNvPr id="25602" name="1 Título"/>
+          <p:cNvSpPr>
+            <a:spLocks noGrp="1"/>
+          </p:cNvSpPr>
+          <p:nvPr>
+            <p:ph type="title"/>
+          </p:nvPr>
+        </p:nvSpPr>
+        <p:spPr/>
+        <p:txBody>
+          <a:bodyPr/>
+          <a:lstStyle/>
+          <a:p>
+            <a:r>
+              <a:rPr lang="es-ES" altLang="es-MX" dirty="0" smtClean="0"/>
+              <a:t>DOM: </a:t>
+            </a:r>
+            <a:r>
+              <a:rPr lang="es-ES" altLang="es-MX" dirty="0" err="1" smtClean="0"/>
+              <a:t>This</a:t>
+            </a:r>
+            <a:endParaRPr lang="es-ES" altLang="es-MX" dirty="0" smtClean="0"/>
+          </a:p>
+        </p:txBody>
+      </p:sp>
+      <p:sp>
+        <p:nvSpPr>
+          <p:cNvPr id="25603" name="2 Marcador de contenido"/>
+          <p:cNvSpPr>
+            <a:spLocks noGrp="1"/>
+          </p:cNvSpPr>
+          <p:nvPr>
+            <p:ph idx="1"/>
+          </p:nvPr>
+        </p:nvSpPr>
+        <p:spPr/>
+        <p:txBody>
+          <a:bodyPr>
+            <a:normAutofit lnSpcReduction="10000"/>
+          </a:bodyPr>
+          <a:lstStyle/>
+          <a:p>
+            <a:pPr marL="0" indent="0">
+              <a:buNone/>
+            </a:pPr>
+            <a:r>
+              <a:rPr lang="es-MX" altLang="es-MX" sz="3000" dirty="0" smtClean="0"/>
+              <a:t>Sin </a:t>
+            </a:r>
+            <a:r>
+              <a:rPr lang="es-MX" altLang="es-MX" sz="3000" u="sng" dirty="0" err="1" smtClean="0"/>
+              <a:t>this</a:t>
+            </a:r>
+            <a:r>
+              <a:rPr lang="es-MX" altLang="es-MX" sz="3000" dirty="0" smtClean="0"/>
+              <a:t>:</a:t>
+            </a:r>
+          </a:p>
+          <a:p>
+            <a:pPr marL="0" indent="0">
+              <a:buNone/>
+            </a:pPr>
+            <a:r>
+              <a:rPr lang="es-ES" altLang="es-MX" sz="1800" dirty="0"/>
+              <a:t>&lt;div id="elemento" </a:t>
+            </a:r>
+            <a:r>
+              <a:rPr lang="es-ES" altLang="es-MX" sz="1800" dirty="0" err="1"/>
+              <a:t>style</a:t>
+            </a:r>
+            <a:r>
+              <a:rPr lang="es-ES" altLang="es-MX" sz="1800" dirty="0" smtClean="0"/>
+              <a:t>=" </a:t>
+            </a:r>
+            <a:r>
+              <a:rPr lang="es-ES" altLang="es-MX" sz="1800" dirty="0" err="1"/>
+              <a:t>border</a:t>
+            </a:r>
+            <a:r>
+              <a:rPr lang="es-ES" altLang="es-MX" sz="1800" dirty="0"/>
+              <a:t>: </a:t>
+            </a:r>
+            <a:r>
+              <a:rPr lang="es-ES" altLang="es-MX" sz="1800" dirty="0" err="1"/>
+              <a:t>thin</a:t>
+            </a:r>
+            <a:r>
+              <a:rPr lang="es-ES" altLang="es-MX" sz="1800" dirty="0"/>
+              <a:t> </a:t>
+            </a:r>
+            <a:r>
+              <a:rPr lang="es-ES" altLang="es-MX" sz="1800" dirty="0" err="1"/>
+              <a:t>solid</a:t>
+            </a:r>
+            <a:r>
+              <a:rPr lang="es-ES" altLang="es-MX" sz="1800" dirty="0"/>
+              <a:t> </a:t>
+            </a:r>
+            <a:r>
+              <a:rPr lang="es-ES" altLang="es-MX" sz="1800" dirty="0" err="1"/>
+              <a:t>silver</a:t>
+            </a:r>
+            <a:r>
+              <a:rPr lang="es-ES" altLang="es-MX" sz="1800" dirty="0"/>
+              <a:t>" </a:t>
+            </a:r>
+            <a:r>
+              <a:rPr lang="es-ES" altLang="es-MX" sz="1800" dirty="0" smtClean="0"/>
+              <a:t/>
+            </a:r>
+            <a:br>
+              <a:rPr lang="es-ES" altLang="es-MX" sz="1800" dirty="0" smtClean="0"/>
+            </a:br>
+            <a:r>
+              <a:rPr lang="es-ES" altLang="es-MX" sz="1800" dirty="0" err="1" smtClean="0"/>
+              <a:t>onmouseover</a:t>
+            </a:r>
+            <a:r>
+              <a:rPr lang="es-ES" altLang="es-MX" sz="1800" dirty="0" smtClean="0"/>
+              <a:t> </a:t>
+            </a:r>
+            <a:r>
+              <a:rPr lang="es-ES" altLang="es-MX" sz="1800" dirty="0"/>
+              <a:t>= "</a:t>
+            </a:r>
+            <a:r>
+              <a:rPr lang="es-ES" altLang="es-MX" sz="1800" dirty="0" err="1"/>
+              <a:t>document.getElementById</a:t>
+            </a:r>
+            <a:r>
+              <a:rPr lang="es-ES" altLang="es-MX" sz="1800" dirty="0"/>
+              <a:t>('elemento').</a:t>
+            </a:r>
+            <a:r>
+              <a:rPr lang="es-ES" altLang="es-MX" sz="1800" dirty="0" err="1"/>
+              <a:t>style.borderColor</a:t>
+            </a:r>
+            <a:r>
+              <a:rPr lang="es-ES" altLang="es-MX" sz="1800" dirty="0"/>
+              <a:t> = '</a:t>
+            </a:r>
+            <a:r>
+              <a:rPr lang="es-ES" altLang="es-MX" sz="1800" dirty="0" err="1"/>
+              <a:t>black</a:t>
+            </a:r>
+            <a:r>
+              <a:rPr lang="es-ES" altLang="es-MX" sz="1800" dirty="0" smtClean="0"/>
+              <a:t>'"&gt;</a:t>
+            </a:r>
+            <a:endParaRPr lang="es-ES" altLang="es-MX" sz="1800" dirty="0"/>
+          </a:p>
+          <a:p>
+            <a:pPr marL="0" indent="0">
+              <a:buNone/>
+            </a:pPr>
+            <a:r>
+              <a:rPr lang="es-ES" altLang="es-MX" sz="1800" dirty="0"/>
+              <a:t>  Sección de contenidos...</a:t>
+            </a:r>
+          </a:p>
+          <a:p>
+            <a:pPr marL="0" indent="0">
+              <a:buNone/>
+            </a:pPr>
+            <a:r>
+              <a:rPr lang="es-ES" altLang="es-MX" sz="1800" dirty="0"/>
+              <a:t>&lt;/div</a:t>
+            </a:r>
+            <a:r>
+              <a:rPr lang="es-ES" altLang="es-MX" sz="1800" dirty="0" smtClean="0"/>
+              <a:t>&gt;</a:t>
+            </a:r>
+          </a:p>
+          <a:p>
+            <a:pPr marL="0" indent="0">
+              <a:buNone/>
+            </a:pPr>
+            <a:r>
+              <a:rPr lang="es-ES" altLang="es-MX" sz="3000" dirty="0" smtClean="0"/>
+              <a:t>Con </a:t>
+            </a:r>
+            <a:r>
+              <a:rPr lang="es-ES" altLang="es-MX" sz="3000" dirty="0" err="1" smtClean="0"/>
+              <a:t>this</a:t>
+            </a:r>
+            <a:r>
+              <a:rPr lang="es-ES" altLang="es-MX" sz="3000" dirty="0" smtClean="0"/>
+              <a:t>:</a:t>
+            </a:r>
+          </a:p>
+          <a:p>
+            <a:pPr marL="0" indent="0">
+              <a:buNone/>
+            </a:pPr>
+            <a:r>
+              <a:rPr lang="es-ES" altLang="es-MX" sz="1800" dirty="0" smtClean="0"/>
+              <a:t>&lt;</a:t>
+            </a:r>
+            <a:r>
+              <a:rPr lang="es-ES" altLang="es-MX" sz="1800" dirty="0"/>
+              <a:t>div id="elemento" </a:t>
+            </a:r>
+            <a:r>
+              <a:rPr lang="es-ES" altLang="es-MX" sz="1800" dirty="0" err="1"/>
+              <a:t>style</a:t>
+            </a:r>
+            <a:r>
+              <a:rPr lang="es-ES" altLang="es-MX" sz="1800" dirty="0"/>
+              <a:t>=" </a:t>
+            </a:r>
+            <a:r>
+              <a:rPr lang="es-ES" altLang="es-MX" sz="1800" dirty="0" err="1"/>
+              <a:t>border</a:t>
+            </a:r>
+            <a:r>
+              <a:rPr lang="es-ES" altLang="es-MX" sz="1800" dirty="0"/>
+              <a:t>: </a:t>
+            </a:r>
+            <a:r>
+              <a:rPr lang="es-ES" altLang="es-MX" sz="1800" dirty="0" err="1"/>
+              <a:t>thin</a:t>
+            </a:r>
+            <a:r>
+              <a:rPr lang="es-ES" altLang="es-MX" sz="1800" dirty="0"/>
+              <a:t> </a:t>
+            </a:r>
+            <a:r>
+              <a:rPr lang="es-ES" altLang="es-MX" sz="1800" dirty="0" err="1"/>
+              <a:t>solid</a:t>
+            </a:r>
+            <a:r>
+              <a:rPr lang="es-ES" altLang="es-MX" sz="1800" dirty="0"/>
+              <a:t> </a:t>
+            </a:r>
+            <a:r>
+              <a:rPr lang="es-ES" altLang="es-MX" sz="1800" dirty="0" err="1"/>
+              <a:t>silver</a:t>
+            </a:r>
+            <a:r>
+              <a:rPr lang="es-ES" altLang="es-MX" sz="1800" dirty="0"/>
+              <a:t>" </a:t>
+            </a:r>
+            <a:r>
+              <a:rPr lang="es-ES" altLang="es-MX" sz="1800" dirty="0" smtClean="0"/>
+              <a:t> </a:t>
+            </a:r>
+            <a:r>
+              <a:rPr lang="es-ES" altLang="es-MX" sz="1800" dirty="0" err="1" smtClean="0"/>
+              <a:t>onmouseover</a:t>
+            </a:r>
+            <a:r>
+              <a:rPr lang="es-ES" altLang="es-MX" sz="1800" dirty="0" smtClean="0"/>
+              <a:t> </a:t>
+            </a:r>
+            <a:r>
+              <a:rPr lang="es-ES" altLang="es-MX" sz="1800" dirty="0"/>
+              <a:t>= </a:t>
+            </a:r>
+            <a:r>
+              <a:rPr lang="es-ES" altLang="es-MX" sz="1800" dirty="0" smtClean="0"/>
+              <a:t>“</a:t>
+            </a:r>
+            <a:r>
+              <a:rPr lang="es-ES" altLang="es-MX" sz="1800" u="sng" dirty="0" err="1" smtClean="0"/>
+              <a:t>this.style.borderColor</a:t>
+            </a:r>
+            <a:r>
+              <a:rPr lang="es-ES" altLang="es-MX" sz="1800" dirty="0" smtClean="0"/>
+              <a:t> </a:t>
+            </a:r>
+            <a:r>
+              <a:rPr lang="es-ES" altLang="es-MX" sz="1800" dirty="0"/>
+              <a:t>= '</a:t>
+            </a:r>
+            <a:r>
+              <a:rPr lang="es-ES" altLang="es-MX" sz="1800" dirty="0" err="1"/>
+              <a:t>black</a:t>
+            </a:r>
+            <a:r>
+              <a:rPr lang="es-ES" altLang="es-MX" sz="1800" dirty="0" smtClean="0"/>
+              <a:t>'" </a:t>
+            </a:r>
+            <a:br>
+              <a:rPr lang="es-ES" altLang="es-MX" sz="1800" dirty="0" smtClean="0"/>
+            </a:br>
+            <a:r>
+              <a:rPr lang="es-ES" altLang="es-MX" sz="1800" dirty="0" smtClean="0"/>
+              <a:t>&gt;</a:t>
+            </a:r>
+            <a:endParaRPr lang="es-ES" altLang="es-MX" sz="1800" dirty="0"/>
+          </a:p>
+          <a:p>
+            <a:pPr marL="0" indent="0">
+              <a:buNone/>
+            </a:pPr>
+            <a:r>
+              <a:rPr lang="es-ES" altLang="es-MX" sz="1800" dirty="0"/>
+              <a:t>  Sección de contenidos...</a:t>
+            </a:r>
+          </a:p>
+          <a:p>
+            <a:pPr marL="0" indent="0">
+              <a:buNone/>
+            </a:pPr>
+            <a:r>
+              <a:rPr lang="es-ES" altLang="es-MX" sz="1800" dirty="0"/>
+              <a:t>&lt;/div</a:t>
+            </a:r>
+            <a:r>
+              <a:rPr lang="es-ES" altLang="es-MX" sz="1800" dirty="0" smtClean="0"/>
+              <a:t>&gt;</a:t>
+            </a:r>
+            <a:endParaRPr lang="es-ES" altLang="es-MX" sz="1800" dirty="0"/>
+          </a:p>
+        </p:txBody>
+      </p:sp>
+    </p:spTree>
+    <p:extLst>
+      <p:ext uri="{BB962C8B-B14F-4D97-AF65-F5344CB8AC3E}">
+        <p14:creationId xmlns:p14="http://schemas.microsoft.com/office/powerpoint/2010/main" val="2528752969"/>
+      </p:ext>
+    </p:extLst>
+  </p:cSld>
+  <p:clrMapOvr>
+    <a:masterClrMapping/>
+  </p:clrMapOvr>
+  <p:timing>
+    <p:tnLst>
+      <p:par>
+        <p:cTn id="1" dur="indefinite" restart="never" nodeType="tmRoot"/>
+      </p:par>
+    </p:tnLst>
+  </p:timing>
+</p:sld>
+</file>
+
+<file path=ppt/slides/slide107.xml><?xml version="1.0" encoding="utf-8"?>
+<p:sld xmlns:a="http://schemas.openxmlformats.org/drawingml/2006/main" xmlns:r="http://schemas.openxmlformats.org/officeDocument/2006/relationships" xmlns:p="http://schemas.openxmlformats.org/presentationml/2006/main">
+  <p:cSld>
+    <p:spTree>
+      <p:nvGrpSpPr>
+        <p:cNvPr id="1" name=""/>
+        <p:cNvGrpSpPr/>
+        <p:nvPr/>
+      </p:nvGrpSpPr>
+      <p:grpSpPr>
+        <a:xfrm>
+          <a:off x="0" y="0"/>
+          <a:ext cx="0" cy="0"/>
+          <a:chOff x="0" y="0"/>
+          <a:chExt cx="0" cy="0"/>
+        </a:xfrm>
+      </p:grpSpPr>
+      <p:sp>
+        <p:nvSpPr>
+          <p:cNvPr id="25602" name="1 Título"/>
+          <p:cNvSpPr>
+            <a:spLocks noGrp="1"/>
+          </p:cNvSpPr>
+          <p:nvPr>
+            <p:ph type="title"/>
+          </p:nvPr>
+        </p:nvSpPr>
+        <p:spPr/>
+        <p:txBody>
+          <a:bodyPr/>
+          <a:lstStyle/>
+          <a:p>
+            <a:r>
+              <a:rPr lang="es-ES" altLang="es-MX" smtClean="0"/>
+              <a:t>DOM: Manejadores de eventos como funciones externas</a:t>
+            </a:r>
+            <a:endParaRPr lang="es-ES" altLang="es-MX" dirty="0" smtClean="0"/>
+          </a:p>
+        </p:txBody>
+      </p:sp>
+      <p:sp>
+        <p:nvSpPr>
+          <p:cNvPr id="25603" name="2 Marcador de contenido"/>
+          <p:cNvSpPr>
+            <a:spLocks noGrp="1"/>
+          </p:cNvSpPr>
+          <p:nvPr>
+            <p:ph idx="1"/>
+          </p:nvPr>
+        </p:nvSpPr>
+        <p:spPr/>
+        <p:txBody>
+          <a:bodyPr>
+            <a:normAutofit lnSpcReduction="10000"/>
+          </a:bodyPr>
+          <a:lstStyle/>
+          <a:p>
+            <a:pPr marL="0" indent="0">
+              <a:buNone/>
+            </a:pPr>
+            <a:r>
+              <a:rPr lang="es-MX" altLang="es-MX" dirty="0"/>
+              <a:t>De esta forma, el siguiente ejemplo:</a:t>
+            </a:r>
+          </a:p>
+          <a:p>
+            <a:pPr marL="457200" lvl="1" indent="0">
+              <a:buNone/>
+            </a:pPr>
+            <a:r>
+              <a:rPr lang="es-MX" altLang="es-MX" dirty="0"/>
+              <a:t>&lt;input </a:t>
+            </a:r>
+            <a:r>
+              <a:rPr lang="es-MX" altLang="es-MX" dirty="0" err="1"/>
+              <a:t>type</a:t>
+            </a:r>
+            <a:r>
+              <a:rPr lang="es-MX" altLang="es-MX" dirty="0"/>
+              <a:t>="</a:t>
+            </a:r>
+            <a:r>
+              <a:rPr lang="es-MX" altLang="es-MX" dirty="0" err="1"/>
+              <a:t>button</a:t>
+            </a:r>
+            <a:r>
+              <a:rPr lang="es-MX" altLang="es-MX" dirty="0"/>
+              <a:t>" </a:t>
+            </a:r>
+            <a:r>
+              <a:rPr lang="es-MX" altLang="es-MX" dirty="0" err="1"/>
+              <a:t>value</a:t>
+            </a:r>
+            <a:r>
+              <a:rPr lang="es-MX" altLang="es-MX" dirty="0"/>
+              <a:t>="</a:t>
+            </a:r>
+            <a:r>
+              <a:rPr lang="es-MX" altLang="es-MX" dirty="0" err="1"/>
+              <a:t>Pinchame</a:t>
+            </a:r>
+            <a:r>
+              <a:rPr lang="es-MX" altLang="es-MX" dirty="0"/>
+              <a:t> y verás" </a:t>
+            </a:r>
+            <a:r>
+              <a:rPr lang="es-MX" altLang="es-MX" dirty="0" err="1"/>
+              <a:t>onclick</a:t>
+            </a:r>
+            <a:r>
+              <a:rPr lang="es-MX" altLang="es-MX" dirty="0"/>
+              <a:t>="</a:t>
+            </a:r>
+            <a:r>
+              <a:rPr lang="es-MX" altLang="es-MX" dirty="0" err="1"/>
+              <a:t>alert</a:t>
+            </a:r>
+            <a:r>
+              <a:rPr lang="es-MX" altLang="es-MX" dirty="0"/>
+              <a:t>('Gracias por pinchar');" </a:t>
+            </a:r>
+            <a:r>
+              <a:rPr lang="es-MX" altLang="es-MX" dirty="0" smtClean="0"/>
+              <a:t>/&gt;</a:t>
+            </a:r>
+          </a:p>
+          <a:p>
+            <a:pPr marL="0" indent="0">
+              <a:buNone/>
+            </a:pPr>
+            <a:endParaRPr lang="es-MX" altLang="es-MX" dirty="0"/>
+          </a:p>
+          <a:p>
+            <a:pPr marL="0" indent="0">
+              <a:buNone/>
+            </a:pPr>
+            <a:r>
+              <a:rPr lang="es-MX" altLang="es-MX" dirty="0" smtClean="0"/>
+              <a:t>Se </a:t>
+            </a:r>
+            <a:r>
+              <a:rPr lang="es-MX" altLang="es-MX" dirty="0"/>
+              <a:t>puede transformar en:</a:t>
+            </a:r>
+          </a:p>
+          <a:p>
+            <a:pPr marL="457200" lvl="1" indent="0">
+              <a:buNone/>
+            </a:pPr>
+            <a:r>
+              <a:rPr lang="es-MX" altLang="es-MX" dirty="0" err="1"/>
+              <a:t>function</a:t>
+            </a:r>
+            <a:r>
+              <a:rPr lang="es-MX" altLang="es-MX" dirty="0"/>
+              <a:t> </a:t>
+            </a:r>
+            <a:r>
+              <a:rPr lang="es-MX" altLang="es-MX" dirty="0" err="1"/>
+              <a:t>muestraMensaje</a:t>
+            </a:r>
+            <a:r>
+              <a:rPr lang="es-MX" altLang="es-MX" dirty="0"/>
+              <a:t>() {</a:t>
+            </a:r>
+          </a:p>
+          <a:p>
+            <a:pPr marL="457200" lvl="1" indent="0">
+              <a:buNone/>
+            </a:pPr>
+            <a:r>
+              <a:rPr lang="es-MX" altLang="es-MX" dirty="0"/>
+              <a:t>  </a:t>
+            </a:r>
+            <a:r>
+              <a:rPr lang="es-MX" altLang="es-MX" dirty="0" err="1"/>
+              <a:t>alert</a:t>
+            </a:r>
+            <a:r>
+              <a:rPr lang="es-MX" altLang="es-MX" dirty="0"/>
+              <a:t>('Gracias por pinchar');</a:t>
+            </a:r>
+          </a:p>
+          <a:p>
+            <a:pPr marL="457200" lvl="1" indent="0">
+              <a:buNone/>
+            </a:pPr>
+            <a:r>
+              <a:rPr lang="es-MX" altLang="es-MX" dirty="0"/>
+              <a:t>}</a:t>
+            </a:r>
+          </a:p>
+          <a:p>
+            <a:pPr marL="457200" lvl="1" indent="0">
+              <a:buNone/>
+            </a:pPr>
+            <a:r>
+              <a:rPr lang="es-MX" altLang="es-MX" dirty="0"/>
+              <a:t> &lt;input </a:t>
+            </a:r>
+            <a:r>
+              <a:rPr lang="es-MX" altLang="es-MX" dirty="0" err="1"/>
+              <a:t>type</a:t>
+            </a:r>
+            <a:r>
+              <a:rPr lang="es-MX" altLang="es-MX" dirty="0"/>
+              <a:t>="</a:t>
+            </a:r>
+            <a:r>
+              <a:rPr lang="es-MX" altLang="es-MX" dirty="0" err="1"/>
+              <a:t>button</a:t>
+            </a:r>
+            <a:r>
+              <a:rPr lang="es-MX" altLang="es-MX" dirty="0"/>
+              <a:t>" </a:t>
+            </a:r>
+            <a:r>
+              <a:rPr lang="es-MX" altLang="es-MX" dirty="0" err="1"/>
+              <a:t>value</a:t>
+            </a:r>
+            <a:r>
+              <a:rPr lang="es-MX" altLang="es-MX" dirty="0"/>
+              <a:t>="</a:t>
+            </a:r>
+            <a:r>
+              <a:rPr lang="es-MX" altLang="es-MX" dirty="0" err="1"/>
+              <a:t>Pinchame</a:t>
+            </a:r>
+            <a:r>
+              <a:rPr lang="es-MX" altLang="es-MX" dirty="0"/>
+              <a:t> y verás" </a:t>
+            </a:r>
+            <a:r>
+              <a:rPr lang="es-MX" altLang="es-MX" dirty="0" err="1"/>
+              <a:t>onclick</a:t>
+            </a:r>
+            <a:r>
+              <a:rPr lang="es-MX" altLang="es-MX" dirty="0"/>
+              <a:t>="</a:t>
+            </a:r>
+            <a:r>
+              <a:rPr lang="es-MX" altLang="es-MX" dirty="0" err="1"/>
+              <a:t>muestraMensaje</a:t>
+            </a:r>
+            <a:r>
+              <a:rPr lang="es-MX" altLang="es-MX" dirty="0"/>
+              <a:t>()" /&gt;</a:t>
+            </a:r>
+            <a:endParaRPr lang="es-ES" altLang="es-MX" dirty="0"/>
+          </a:p>
+        </p:txBody>
+      </p:sp>
+    </p:spTree>
+    <p:extLst>
+      <p:ext uri="{BB962C8B-B14F-4D97-AF65-F5344CB8AC3E}">
+        <p14:creationId xmlns:p14="http://schemas.microsoft.com/office/powerpoint/2010/main" val="1903076041"/>
+      </p:ext>
+    </p:extLst>
+  </p:cSld>
+  <p:clrMapOvr>
+    <a:masterClrMapping/>
+  </p:clrMapOvr>
+  <p:timing>
+    <p:tnLst>
+      <p:par>
+        <p:cTn id="1" dur="indefinite" restart="never" nodeType="tmRoot"/>
+      </p:par>
+    </p:tnLst>
+  </p:timing>
+</p:sld>
+</file>
+
+<file path=ppt/slides/slide108.xml><?xml version="1.0" encoding="utf-8"?>
+<p:sld xmlns:a="http://schemas.openxmlformats.org/drawingml/2006/main" xmlns:r="http://schemas.openxmlformats.org/officeDocument/2006/relationships" xmlns:p="http://schemas.openxmlformats.org/presentationml/2006/main">
+  <p:cSld>
+    <p:spTree>
+      <p:nvGrpSpPr>
+        <p:cNvPr id="1" name=""/>
+        <p:cNvGrpSpPr/>
+        <p:nvPr/>
+      </p:nvGrpSpPr>
+      <p:grpSpPr>
+        <a:xfrm>
+          <a:off x="0" y="0"/>
+          <a:ext cx="0" cy="0"/>
+          <a:chOff x="0" y="0"/>
+          <a:chExt cx="0" cy="0"/>
+        </a:xfrm>
+      </p:grpSpPr>
+      <p:sp>
+        <p:nvSpPr>
+          <p:cNvPr id="25602" name="1 Título"/>
+          <p:cNvSpPr>
+            <a:spLocks noGrp="1"/>
+          </p:cNvSpPr>
+          <p:nvPr>
+            <p:ph type="title"/>
+          </p:nvPr>
+        </p:nvSpPr>
+        <p:spPr/>
+        <p:txBody>
+          <a:bodyPr/>
+          <a:lstStyle/>
+          <a:p>
+            <a:r>
+              <a:rPr lang="es-ES" altLang="es-MX" dirty="0" smtClean="0"/>
+              <a:t>DOM: Manejadores semánticos</a:t>
+            </a:r>
+          </a:p>
+        </p:txBody>
+      </p:sp>
+      <p:sp>
+        <p:nvSpPr>
+          <p:cNvPr id="25603" name="2 Marcador de contenido"/>
+          <p:cNvSpPr>
+            <a:spLocks noGrp="1"/>
+          </p:cNvSpPr>
+          <p:nvPr>
+            <p:ph idx="1"/>
+          </p:nvPr>
+        </p:nvSpPr>
+        <p:spPr/>
+        <p:txBody>
+          <a:bodyPr>
+            <a:normAutofit/>
+          </a:bodyPr>
+          <a:lstStyle/>
+          <a:p>
+            <a:pPr marL="0" indent="0">
+              <a:buNone/>
+            </a:pPr>
+            <a:r>
+              <a:rPr lang="es-MX" altLang="es-MX" dirty="0" smtClean="0"/>
+              <a:t>Las formas anteriores de manejar eventos tienen inconvenientes, puesto que nos obliga a colocar código ajeno a la etiqueta y esta queda visible para el usuario.</a:t>
+            </a:r>
+          </a:p>
+          <a:p>
+            <a:pPr marL="0" indent="0">
+              <a:buNone/>
+            </a:pPr>
+            <a:endParaRPr lang="es-MX" altLang="es-MX" dirty="0"/>
+          </a:p>
+          <a:p>
+            <a:pPr marL="0" indent="0">
+              <a:buNone/>
+            </a:pPr>
+            <a:r>
+              <a:rPr lang="es-ES" altLang="es-MX" dirty="0" smtClean="0"/>
+              <a:t>Para ocultar esta información al usuario, </a:t>
+            </a:r>
+            <a:r>
+              <a:rPr lang="es-ES" altLang="es-MX" dirty="0"/>
+              <a:t>emplearemos </a:t>
+            </a:r>
+            <a:r>
+              <a:rPr lang="es-ES" altLang="es-MX" dirty="0" smtClean="0"/>
+              <a:t>: </a:t>
+            </a:r>
+            <a:r>
+              <a:rPr lang="es-ES" altLang="es-MX" dirty="0" err="1" smtClean="0"/>
+              <a:t>addEventListener</a:t>
+            </a:r>
+            <a:r>
+              <a:rPr lang="es-ES" altLang="es-MX" dirty="0" smtClean="0"/>
+              <a:t> y </a:t>
+            </a:r>
+            <a:r>
+              <a:rPr lang="es-ES" altLang="es-MX" dirty="0" err="1" smtClean="0"/>
+              <a:t>removeEventListener</a:t>
+            </a:r>
+            <a:endParaRPr lang="es-MX" altLang="es-MX" dirty="0" smtClean="0"/>
+          </a:p>
+        </p:txBody>
+      </p:sp>
+    </p:spTree>
+    <p:extLst>
+      <p:ext uri="{BB962C8B-B14F-4D97-AF65-F5344CB8AC3E}">
+        <p14:creationId xmlns:p14="http://schemas.microsoft.com/office/powerpoint/2010/main" val="383020567"/>
+      </p:ext>
+    </p:extLst>
+  </p:cSld>
+  <p:clrMapOvr>
+    <a:masterClrMapping/>
+  </p:clrMapOvr>
+  <p:timing>
+    <p:tnLst>
+      <p:par>
+        <p:cTn id="1" dur="indefinite" restart="never" nodeType="tmRoot"/>
+      </p:par>
+    </p:tnLst>
+  </p:timing>
+</p:sld>
+</file>
+
+<file path=ppt/slides/slide109.xml><?xml version="1.0" encoding="utf-8"?>
+<p:sld xmlns:a="http://schemas.openxmlformats.org/drawingml/2006/main" xmlns:r="http://schemas.openxmlformats.org/officeDocument/2006/relationships" xmlns:p="http://schemas.openxmlformats.org/presentationml/2006/main">
+  <p:cSld>
+    <p:spTree>
+      <p:nvGrpSpPr>
+        <p:cNvPr id="1" name=""/>
+        <p:cNvGrpSpPr/>
+        <p:nvPr/>
+      </p:nvGrpSpPr>
+      <p:grpSpPr>
+        <a:xfrm>
+          <a:off x="0" y="0"/>
+          <a:ext cx="0" cy="0"/>
+          <a:chOff x="0" y="0"/>
+          <a:chExt cx="0" cy="0"/>
+        </a:xfrm>
+      </p:grpSpPr>
+      <p:sp>
+        <p:nvSpPr>
           <p:cNvPr id="2" name="Título 1"/>
           <p:cNvSpPr>
             <a:spLocks noGrp="1"/>
@@ -12398,10 +13421,10 @@
           <a:lstStyle/>
           <a:p>
             <a:r>
-              <a:rPr lang="es-CO" dirty="0" smtClean="0"/>
-              <a:t>Bibliografía </a:t>
-            </a:r>
-            <a:endParaRPr lang="es-CO" dirty="0"/>
+              <a:rPr lang="es-ES" altLang="es-MX" smtClean="0"/>
+              <a:t>DOM: Manejadores semánticos</a:t>
+            </a:r>
+            <a:endParaRPr lang="es-MX" dirty="0"/>
           </a:p>
         </p:txBody>
       </p:sp>
@@ -12417,33 +13440,193 @@
         </p:nvSpPr>
         <p:spPr/>
         <p:txBody>
-          <a:bodyPr/>
+          <a:bodyPr>
+            <a:normAutofit fontScale="85000" lnSpcReduction="20000"/>
+          </a:bodyPr>
           <a:lstStyle/>
           <a:p>
-            <a:r>
-              <a:rPr lang="es-CO" dirty="0">
-                <a:hlinkClick r:id="rId2"/>
-              </a:rPr>
-              <a:t>http://librosweb.es</a:t>
-            </a:r>
-            <a:r>
-              <a:rPr lang="es-CO" dirty="0" smtClean="0">
-                <a:hlinkClick r:id="rId2"/>
-              </a:rPr>
-              <a:t>/</a:t>
-            </a:r>
-            <a:r>
-              <a:rPr lang="es-CO" dirty="0" smtClean="0"/>
-              <a:t>, 2014. Introducción a JavaScript.</a:t>
-            </a:r>
-            <a:endParaRPr lang="es-CO" dirty="0"/>
+            <a:pPr marL="0" indent="0">
+              <a:buNone/>
+            </a:pPr>
+            <a:r>
+              <a:rPr lang="es-MX" dirty="0" err="1" smtClean="0"/>
+              <a:t>addEventListener</a:t>
+            </a:r>
+            <a:endParaRPr lang="es-MX" dirty="0" smtClean="0"/>
+          </a:p>
+          <a:p>
+            <a:pPr marL="0" indent="0">
+              <a:buNone/>
+            </a:pPr>
+            <a:endParaRPr lang="es-MX" dirty="0" smtClean="0"/>
+          </a:p>
+          <a:p>
+            <a:pPr marL="0" indent="0">
+              <a:buNone/>
+            </a:pPr>
+            <a:r>
+              <a:rPr lang="es-MX" dirty="0" err="1" smtClean="0"/>
+              <a:t>function</a:t>
+            </a:r>
+            <a:r>
+              <a:rPr lang="es-MX" dirty="0" smtClean="0"/>
+              <a:t> </a:t>
+            </a:r>
+            <a:r>
+              <a:rPr lang="es-MX" dirty="0" err="1" smtClean="0"/>
+              <a:t>muestraMensaje</a:t>
+            </a:r>
+            <a:r>
+              <a:rPr lang="es-MX" dirty="0" smtClean="0"/>
+              <a:t>() {</a:t>
+            </a:r>
+          </a:p>
+          <a:p>
+            <a:pPr marL="0" indent="0">
+              <a:buNone/>
+            </a:pPr>
+            <a:r>
+              <a:rPr lang="es-MX" dirty="0" smtClean="0"/>
+              <a:t>  </a:t>
+            </a:r>
+            <a:r>
+              <a:rPr lang="es-MX" dirty="0" err="1" smtClean="0"/>
+              <a:t>alert</a:t>
+            </a:r>
+            <a:r>
+              <a:rPr lang="es-MX" dirty="0" smtClean="0"/>
+              <a:t>("Has pulsado el ratón");</a:t>
+            </a:r>
+          </a:p>
+          <a:p>
+            <a:pPr marL="0" indent="0">
+              <a:buNone/>
+            </a:pPr>
+            <a:r>
+              <a:rPr lang="es-MX" dirty="0" smtClean="0"/>
+              <a:t>}</a:t>
+            </a:r>
+          </a:p>
+          <a:p>
+            <a:pPr marL="0" indent="0">
+              <a:buNone/>
+            </a:pPr>
+            <a:r>
+              <a:rPr lang="es-MX" dirty="0" err="1" smtClean="0"/>
+              <a:t>var</a:t>
+            </a:r>
+            <a:r>
+              <a:rPr lang="es-MX" dirty="0" smtClean="0"/>
+              <a:t> </a:t>
+            </a:r>
+            <a:r>
+              <a:rPr lang="es-MX" dirty="0" err="1" smtClean="0"/>
+              <a:t>elDiv</a:t>
+            </a:r>
+            <a:r>
+              <a:rPr lang="es-MX" dirty="0" smtClean="0"/>
+              <a:t> = </a:t>
+            </a:r>
+            <a:r>
+              <a:rPr lang="es-MX" dirty="0" err="1" smtClean="0"/>
+              <a:t>document.getElementById</a:t>
+            </a:r>
+            <a:r>
+              <a:rPr lang="es-MX" dirty="0" smtClean="0"/>
+              <a:t>("</a:t>
+            </a:r>
+            <a:r>
+              <a:rPr lang="es-MX" dirty="0" err="1" smtClean="0"/>
+              <a:t>div_principal</a:t>
+            </a:r>
+            <a:r>
+              <a:rPr lang="es-MX" dirty="0" smtClean="0"/>
+              <a:t>");</a:t>
+            </a:r>
+          </a:p>
+          <a:p>
+            <a:pPr marL="0" indent="0">
+              <a:buNone/>
+            </a:pPr>
+            <a:r>
+              <a:rPr lang="es-MX" dirty="0" err="1" smtClean="0"/>
+              <a:t>elDiv.addEventListener</a:t>
+            </a:r>
+            <a:r>
+              <a:rPr lang="es-MX" dirty="0" smtClean="0"/>
+              <a:t>("</a:t>
+            </a:r>
+            <a:r>
+              <a:rPr lang="es-MX" dirty="0" err="1" smtClean="0"/>
+              <a:t>click</a:t>
+            </a:r>
+            <a:r>
+              <a:rPr lang="es-MX" dirty="0" smtClean="0"/>
+              <a:t>", </a:t>
+            </a:r>
+            <a:r>
+              <a:rPr lang="es-MX" dirty="0" err="1" smtClean="0"/>
+              <a:t>muestraMensaje</a:t>
+            </a:r>
+            <a:r>
+              <a:rPr lang="es-MX" dirty="0" smtClean="0"/>
+              <a:t>, false);</a:t>
+            </a:r>
+          </a:p>
+          <a:p>
+            <a:pPr marL="0" indent="0">
+              <a:buNone/>
+            </a:pPr>
+            <a:r>
+              <a:rPr lang="es-MX" dirty="0" smtClean="0"/>
+              <a:t> </a:t>
+            </a:r>
+          </a:p>
+          <a:p>
+            <a:pPr marL="0" indent="0">
+              <a:buNone/>
+            </a:pPr>
+            <a:r>
+              <a:rPr lang="es-MX" dirty="0" smtClean="0"/>
+              <a:t>// Más adelante se decide desasociar la función al evento</a:t>
+            </a:r>
+          </a:p>
+          <a:p>
+            <a:pPr marL="0" indent="0">
+              <a:buNone/>
+            </a:pPr>
+            <a:r>
+              <a:rPr lang="es-MX" dirty="0" err="1" smtClean="0"/>
+              <a:t>elDiv.removeEventListener</a:t>
+            </a:r>
+            <a:r>
+              <a:rPr lang="es-MX" dirty="0" smtClean="0"/>
+              <a:t>("</a:t>
+            </a:r>
+            <a:r>
+              <a:rPr lang="es-MX" dirty="0" err="1" smtClean="0"/>
+              <a:t>click</a:t>
+            </a:r>
+            <a:r>
+              <a:rPr lang="es-MX" dirty="0" smtClean="0"/>
+              <a:t>", </a:t>
+            </a:r>
+            <a:r>
+              <a:rPr lang="es-MX" dirty="0" err="1" smtClean="0"/>
+              <a:t>muestraMensaje</a:t>
+            </a:r>
+            <a:r>
+              <a:rPr lang="es-MX" dirty="0" smtClean="0"/>
+              <a:t>, false);</a:t>
+            </a:r>
+            <a:endParaRPr lang="es-MX" dirty="0"/>
           </a:p>
         </p:txBody>
       </p:sp>
     </p:spTree>
     <p:extLst>
       <p:ext uri="{BB962C8B-B14F-4D97-AF65-F5344CB8AC3E}">
-        <p14:creationId xmlns:p14="http://schemas.microsoft.com/office/powerpoint/2010/main" val="2536250773"/>
+        <p14:creationId xmlns:p14="http://schemas.microsoft.com/office/powerpoint/2010/main" val="3518499788"/>
       </p:ext>
     </p:extLst>
   </p:cSld>
@@ -12972,6 +14155,435 @@
     <p:extLst>
       <p:ext uri="{BB962C8B-B14F-4D97-AF65-F5344CB8AC3E}">
         <p14:creationId xmlns:p14="http://schemas.microsoft.com/office/powerpoint/2010/main" val="2859124383"/>
+      </p:ext>
+    </p:extLst>
+  </p:cSld>
+  <p:clrMapOvr>
+    <a:masterClrMapping/>
+  </p:clrMapOvr>
+  <p:timing>
+    <p:tnLst>
+      <p:par>
+        <p:cTn id="1" dur="indefinite" restart="never" nodeType="tmRoot"/>
+      </p:par>
+    </p:tnLst>
+  </p:timing>
+</p:sld>
+</file>
+
+<file path=ppt/slides/slide110.xml><?xml version="1.0" encoding="utf-8"?>
+<p:sld xmlns:a="http://schemas.openxmlformats.org/drawingml/2006/main" xmlns:r="http://schemas.openxmlformats.org/officeDocument/2006/relationships" xmlns:p="http://schemas.openxmlformats.org/presentationml/2006/main">
+  <p:cSld>
+    <p:spTree>
+      <p:nvGrpSpPr>
+        <p:cNvPr id="1" name=""/>
+        <p:cNvGrpSpPr/>
+        <p:nvPr/>
+      </p:nvGrpSpPr>
+      <p:grpSpPr>
+        <a:xfrm>
+          <a:off x="0" y="0"/>
+          <a:ext cx="0" cy="0"/>
+          <a:chOff x="0" y="0"/>
+          <a:chExt cx="0" cy="0"/>
+        </a:xfrm>
+      </p:grpSpPr>
+      <p:sp>
+        <p:nvSpPr>
+          <p:cNvPr id="2" name="Título 1"/>
+          <p:cNvSpPr>
+            <a:spLocks noGrp="1"/>
+          </p:cNvSpPr>
+          <p:nvPr>
+            <p:ph type="title"/>
+          </p:nvPr>
+        </p:nvSpPr>
+        <p:spPr/>
+        <p:txBody>
+          <a:bodyPr/>
+          <a:lstStyle/>
+          <a:p>
+            <a:r>
+              <a:rPr lang="es-ES" altLang="es-MX" smtClean="0"/>
+              <a:t>DOM: Manejadores semánticos</a:t>
+            </a:r>
+            <a:endParaRPr lang="es-MX" dirty="0"/>
+          </a:p>
+        </p:txBody>
+      </p:sp>
+      <p:sp>
+        <p:nvSpPr>
+          <p:cNvPr id="3" name="Marcador de contenido 2"/>
+          <p:cNvSpPr>
+            <a:spLocks noGrp="1"/>
+          </p:cNvSpPr>
+          <p:nvPr>
+            <p:ph idx="1"/>
+          </p:nvPr>
+        </p:nvSpPr>
+        <p:spPr/>
+        <p:txBody>
+          <a:bodyPr>
+            <a:normAutofit fontScale="92500" lnSpcReduction="10000"/>
+          </a:bodyPr>
+          <a:lstStyle/>
+          <a:p>
+            <a:pPr marL="0" indent="0">
+              <a:buNone/>
+            </a:pPr>
+            <a:r>
+              <a:rPr lang="es-MX" dirty="0" err="1"/>
+              <a:t>removeEventListener</a:t>
+            </a:r>
+            <a:endParaRPr lang="es-MX" dirty="0" smtClean="0"/>
+          </a:p>
+          <a:p>
+            <a:pPr marL="0" indent="0">
+              <a:buNone/>
+            </a:pPr>
+            <a:r>
+              <a:rPr lang="es-MX" dirty="0" err="1"/>
+              <a:t>function</a:t>
+            </a:r>
+            <a:r>
+              <a:rPr lang="es-MX" dirty="0"/>
+              <a:t> </a:t>
+            </a:r>
+            <a:r>
+              <a:rPr lang="es-MX" dirty="0" err="1"/>
+              <a:t>muestraMensaje</a:t>
+            </a:r>
+            <a:r>
+              <a:rPr lang="es-MX" dirty="0"/>
+              <a:t>() {</a:t>
+            </a:r>
+          </a:p>
+          <a:p>
+            <a:pPr marL="0" indent="0">
+              <a:buNone/>
+            </a:pPr>
+            <a:r>
+              <a:rPr lang="es-MX" dirty="0"/>
+              <a:t>  </a:t>
+            </a:r>
+            <a:r>
+              <a:rPr lang="es-MX" dirty="0" err="1"/>
+              <a:t>alert</a:t>
+            </a:r>
+            <a:r>
+              <a:rPr lang="es-MX" dirty="0"/>
+              <a:t>("Has pulsado el ratón");</a:t>
+            </a:r>
+          </a:p>
+          <a:p>
+            <a:pPr marL="0" indent="0">
+              <a:buNone/>
+            </a:pPr>
+            <a:r>
+              <a:rPr lang="es-MX" dirty="0"/>
+              <a:t>}</a:t>
+            </a:r>
+          </a:p>
+          <a:p>
+            <a:pPr marL="0" indent="0">
+              <a:buNone/>
+            </a:pPr>
+            <a:r>
+              <a:rPr lang="es-MX" dirty="0" err="1"/>
+              <a:t>var</a:t>
+            </a:r>
+            <a:r>
+              <a:rPr lang="es-MX" dirty="0"/>
+              <a:t> </a:t>
+            </a:r>
+            <a:r>
+              <a:rPr lang="es-MX" dirty="0" err="1"/>
+              <a:t>elDiv</a:t>
+            </a:r>
+            <a:r>
+              <a:rPr lang="es-MX" dirty="0"/>
+              <a:t> = </a:t>
+            </a:r>
+            <a:r>
+              <a:rPr lang="es-MX" dirty="0" err="1"/>
+              <a:t>document.getElementById</a:t>
+            </a:r>
+            <a:r>
+              <a:rPr lang="es-MX" dirty="0"/>
+              <a:t>("</a:t>
+            </a:r>
+            <a:r>
+              <a:rPr lang="es-MX" dirty="0" err="1"/>
+              <a:t>div_principal</a:t>
+            </a:r>
+            <a:r>
+              <a:rPr lang="es-MX" dirty="0"/>
+              <a:t>");</a:t>
+            </a:r>
+          </a:p>
+          <a:p>
+            <a:pPr marL="0" indent="0">
+              <a:buNone/>
+            </a:pPr>
+            <a:r>
+              <a:rPr lang="es-MX" dirty="0" err="1"/>
+              <a:t>elDiv.addEventListener</a:t>
+            </a:r>
+            <a:r>
+              <a:rPr lang="es-MX" dirty="0"/>
+              <a:t>("</a:t>
+            </a:r>
+            <a:r>
+              <a:rPr lang="es-MX" dirty="0" err="1"/>
+              <a:t>click</a:t>
+            </a:r>
+            <a:r>
+              <a:rPr lang="es-MX" dirty="0"/>
+              <a:t>", </a:t>
+            </a:r>
+            <a:r>
+              <a:rPr lang="es-MX" dirty="0" err="1"/>
+              <a:t>muestraMensaje</a:t>
+            </a:r>
+            <a:r>
+              <a:rPr lang="es-MX" dirty="0"/>
+              <a:t>, false);</a:t>
+            </a:r>
+          </a:p>
+          <a:p>
+            <a:pPr marL="0" indent="0">
+              <a:buNone/>
+            </a:pPr>
+            <a:r>
+              <a:rPr lang="es-MX" dirty="0"/>
+              <a:t> </a:t>
+            </a:r>
+          </a:p>
+          <a:p>
+            <a:pPr marL="0" indent="0">
+              <a:buNone/>
+            </a:pPr>
+            <a:r>
+              <a:rPr lang="es-MX" dirty="0"/>
+              <a:t>// Más adelante se decide desasociar la función al evento</a:t>
+            </a:r>
+          </a:p>
+          <a:p>
+            <a:pPr marL="0" indent="0">
+              <a:buNone/>
+            </a:pPr>
+            <a:r>
+              <a:rPr lang="es-MX" dirty="0" err="1"/>
+              <a:t>elDiv.removeEventListener</a:t>
+            </a:r>
+            <a:r>
+              <a:rPr lang="es-MX" dirty="0"/>
+              <a:t>("</a:t>
+            </a:r>
+            <a:r>
+              <a:rPr lang="es-MX" dirty="0" err="1"/>
+              <a:t>click</a:t>
+            </a:r>
+            <a:r>
+              <a:rPr lang="es-MX" dirty="0"/>
+              <a:t>", </a:t>
+            </a:r>
+            <a:r>
+              <a:rPr lang="es-MX" dirty="0" err="1"/>
+              <a:t>muestraMensaje</a:t>
+            </a:r>
+            <a:r>
+              <a:rPr lang="es-MX" dirty="0"/>
+              <a:t>, true);</a:t>
+            </a:r>
+            <a:endParaRPr lang="es-MX" dirty="0" smtClean="0"/>
+          </a:p>
+        </p:txBody>
+      </p:sp>
+    </p:spTree>
+    <p:extLst>
+      <p:ext uri="{BB962C8B-B14F-4D97-AF65-F5344CB8AC3E}">
+        <p14:creationId xmlns:p14="http://schemas.microsoft.com/office/powerpoint/2010/main" val="1802846173"/>
+      </p:ext>
+    </p:extLst>
+  </p:cSld>
+  <p:clrMapOvr>
+    <a:masterClrMapping/>
+  </p:clrMapOvr>
+  <p:timing>
+    <p:tnLst>
+      <p:par>
+        <p:cTn id="1" dur="indefinite" restart="never" nodeType="tmRoot"/>
+      </p:par>
+    </p:tnLst>
+  </p:timing>
+</p:sld>
+</file>
+
+<file path=ppt/slides/slide111.xml><?xml version="1.0" encoding="utf-8"?>
+<p:sld xmlns:a="http://schemas.openxmlformats.org/drawingml/2006/main" xmlns:r="http://schemas.openxmlformats.org/officeDocument/2006/relationships" xmlns:p="http://schemas.openxmlformats.org/presentationml/2006/main">
+  <p:cSld>
+    <p:spTree>
+      <p:nvGrpSpPr>
+        <p:cNvPr id="1" name=""/>
+        <p:cNvGrpSpPr/>
+        <p:nvPr/>
+      </p:nvGrpSpPr>
+      <p:grpSpPr>
+        <a:xfrm>
+          <a:off x="0" y="0"/>
+          <a:ext cx="0" cy="0"/>
+          <a:chOff x="0" y="0"/>
+          <a:chExt cx="0" cy="0"/>
+        </a:xfrm>
+      </p:grpSpPr>
+      <p:sp>
+        <p:nvSpPr>
+          <p:cNvPr id="2" name="Título 1"/>
+          <p:cNvSpPr>
+            <a:spLocks noGrp="1"/>
+          </p:cNvSpPr>
+          <p:nvPr>
+            <p:ph type="title"/>
+          </p:nvPr>
+        </p:nvSpPr>
+        <p:spPr/>
+        <p:txBody>
+          <a:bodyPr/>
+          <a:lstStyle/>
+          <a:p>
+            <a:r>
+              <a:rPr lang="es-MX" dirty="0" smtClean="0"/>
+              <a:t>Ejemplo de clase</a:t>
+            </a:r>
+            <a:endParaRPr lang="es-MX" dirty="0"/>
+          </a:p>
+        </p:txBody>
+      </p:sp>
+      <p:pic>
+        <p:nvPicPr>
+          <p:cNvPr id="5" name="Marcador de contenido 4"/>
+          <p:cNvPicPr>
+            <a:picLocks noGrp="1" noChangeAspect="1"/>
+          </p:cNvPicPr>
+          <p:nvPr>
+            <p:ph idx="1"/>
+          </p:nvPr>
+        </p:nvPicPr>
+        <p:blipFill rotWithShape="1">
+          <a:blip r:embed="rId2"/>
+          <a:srcRect l="2782"/>
+          <a:stretch/>
+        </p:blipFill>
+        <p:spPr>
+          <a:xfrm>
+            <a:off x="1933303" y="1449977"/>
+            <a:ext cx="9321526" cy="4392023"/>
+          </a:xfrm>
+          <a:prstGeom prst="rect">
+            <a:avLst/>
+          </a:prstGeom>
+        </p:spPr>
+      </p:pic>
+    </p:spTree>
+    <p:extLst>
+      <p:ext uri="{BB962C8B-B14F-4D97-AF65-F5344CB8AC3E}">
+        <p14:creationId xmlns:p14="http://schemas.microsoft.com/office/powerpoint/2010/main" val="3489203078"/>
+      </p:ext>
+    </p:extLst>
+  </p:cSld>
+  <p:clrMapOvr>
+    <a:masterClrMapping/>
+  </p:clrMapOvr>
+  <p:timing>
+    <p:tnLst>
+      <p:par>
+        <p:cTn id="1" dur="indefinite" restart="never" nodeType="tmRoot"/>
+      </p:par>
+    </p:tnLst>
+  </p:timing>
+</p:sld>
+</file>
+
+<file path=ppt/slides/slide112.xml><?xml version="1.0" encoding="utf-8"?>
+<p:sld xmlns:a="http://schemas.openxmlformats.org/drawingml/2006/main" xmlns:r="http://schemas.openxmlformats.org/officeDocument/2006/relationships" xmlns:p="http://schemas.openxmlformats.org/presentationml/2006/main">
+  <p:cSld>
+    <p:spTree>
+      <p:nvGrpSpPr>
+        <p:cNvPr id="1" name=""/>
+        <p:cNvGrpSpPr/>
+        <p:nvPr/>
+      </p:nvGrpSpPr>
+      <p:grpSpPr>
+        <a:xfrm>
+          <a:off x="0" y="0"/>
+          <a:ext cx="0" cy="0"/>
+          <a:chOff x="0" y="0"/>
+          <a:chExt cx="0" cy="0"/>
+        </a:xfrm>
+      </p:grpSpPr>
+      <p:sp>
+        <p:nvSpPr>
+          <p:cNvPr id="2" name="Título 1"/>
+          <p:cNvSpPr>
+            <a:spLocks noGrp="1"/>
+          </p:cNvSpPr>
+          <p:nvPr>
+            <p:ph type="title"/>
+          </p:nvPr>
+        </p:nvSpPr>
+        <p:spPr/>
+        <p:txBody>
+          <a:bodyPr/>
+          <a:lstStyle/>
+          <a:p>
+            <a:r>
+              <a:rPr lang="es-CO" dirty="0" smtClean="0"/>
+              <a:t>Bibliografía </a:t>
+            </a:r>
+            <a:endParaRPr lang="es-CO" dirty="0"/>
+          </a:p>
+        </p:txBody>
+      </p:sp>
+      <p:sp>
+        <p:nvSpPr>
+          <p:cNvPr id="3" name="Marcador de contenido 2"/>
+          <p:cNvSpPr>
+            <a:spLocks noGrp="1"/>
+          </p:cNvSpPr>
+          <p:nvPr>
+            <p:ph idx="1"/>
+          </p:nvPr>
+        </p:nvSpPr>
+        <p:spPr/>
+        <p:txBody>
+          <a:bodyPr/>
+          <a:lstStyle/>
+          <a:p>
+            <a:r>
+              <a:rPr lang="es-CO" dirty="0">
+                <a:hlinkClick r:id="rId2"/>
+              </a:rPr>
+              <a:t>http://librosweb.es</a:t>
+            </a:r>
+            <a:r>
+              <a:rPr lang="es-CO" dirty="0" smtClean="0">
+                <a:hlinkClick r:id="rId2"/>
+              </a:rPr>
+              <a:t>/</a:t>
+            </a:r>
+            <a:r>
+              <a:rPr lang="es-CO" dirty="0" smtClean="0"/>
+              <a:t>, 2014. Introducción a JavaScript.</a:t>
+            </a:r>
+            <a:endParaRPr lang="es-CO" dirty="0"/>
+          </a:p>
+        </p:txBody>
+      </p:sp>
+    </p:spTree>
+    <p:extLst>
+      <p:ext uri="{BB962C8B-B14F-4D97-AF65-F5344CB8AC3E}">
+        <p14:creationId xmlns:p14="http://schemas.microsoft.com/office/powerpoint/2010/main" val="2536250773"/>
       </p:ext>
     </p:extLst>
   </p:cSld>
@@ -18044,6 +19656,48 @@
           </a:p>
         </p:txBody>
       </p:sp>
+      <p:pic>
+        <p:nvPicPr>
+          <p:cNvPr id="4" name="Imagen 3">
+            <a:hlinkClick r:id="rId2"/>
+          </p:cNvPr>
+          <p:cNvPicPr>
+            <a:picLocks noChangeAspect="1"/>
+          </p:cNvPicPr>
+          <p:nvPr/>
+        </p:nvPicPr>
+        <p:blipFill>
+          <a:blip r:embed="rId3" cstate="print">
+            <a:extLst>
+              <a:ext uri="{28A0092B-C50C-407E-A947-70E740481C1C}">
+                <a14:useLocalDpi xmlns:a14="http://schemas.microsoft.com/office/drawing/2010/main" val="0"/>
+              </a:ext>
+            </a:extLst>
+          </a:blip>
+          <a:stretch>
+            <a:fillRect/>
+          </a:stretch>
+        </p:blipFill>
+        <p:spPr>
+          <a:xfrm>
+            <a:off x="11249891" y="5230596"/>
+            <a:ext cx="942109" cy="942109"/>
+          </a:xfrm>
+          <a:prstGeom prst="rect">
+            <a:avLst/>
+          </a:prstGeom>
+          <a:ln>
+            <a:noFill/>
+          </a:ln>
+          <a:effectLst>
+            <a:outerShdw blurRad="292100" dist="139700" dir="2700000" algn="tl" rotWithShape="0">
+              <a:srgbClr val="333333">
+                <a:alpha val="65000"/>
+              </a:srgbClr>
+            </a:outerShdw>
+          </a:effectLst>
+        </p:spPr>
+      </p:pic>
     </p:spTree>
     <p:extLst>
       <p:ext uri="{BB962C8B-B14F-4D97-AF65-F5344CB8AC3E}">
@@ -32090,6 +33744,13 @@
   <p:clrMapOvr>
     <a:masterClrMapping/>
   </p:clrMapOvr>
+  <p:timing>
+    <p:tnLst>
+      <p:par>
+        <p:cTn id="1" dur="indefinite" restart="never" nodeType="tmRoot"/>
+      </p:par>
+    </p:tnLst>
+  </p:timing>
 </p:sld>
 </file>
 
@@ -34072,6 +35733,13 @@
   <p:clrMapOvr>
     <a:masterClrMapping/>
   </p:clrMapOvr>
+  <p:timing>
+    <p:tnLst>
+      <p:par>
+        <p:cTn id="1" dur="indefinite" restart="never" nodeType="tmRoot"/>
+      </p:par>
+    </p:tnLst>
+  </p:timing>
 </p:sld>
 </file>
 
@@ -34155,6 +35823,13 @@
   <p:clrMapOvr>
     <a:masterClrMapping/>
   </p:clrMapOvr>
+  <p:timing>
+    <p:tnLst>
+      <p:par>
+        <p:cTn id="1" dur="indefinite" restart="never" nodeType="tmRoot"/>
+      </p:par>
+    </p:tnLst>
+  </p:timing>
 </p:sld>
 </file>
 
@@ -34248,6 +35923,13 @@
   <p:clrMapOvr>
     <a:masterClrMapping/>
   </p:clrMapOvr>
+  <p:timing>
+    <p:tnLst>
+      <p:par>
+        <p:cTn id="1" dur="indefinite" restart="never" nodeType="tmRoot"/>
+      </p:par>
+    </p:tnLst>
+  </p:timing>
 </p:sld>
 </file>
 
@@ -34557,6 +36239,13 @@
   <p:clrMapOvr>
     <a:masterClrMapping/>
   </p:clrMapOvr>
+  <p:timing>
+    <p:tnLst>
+      <p:par>
+        <p:cTn id="1" dur="indefinite" restart="never" nodeType="tmRoot"/>
+      </p:par>
+    </p:tnLst>
+  </p:timing>
 </p:sld>
 </file>
 
@@ -34709,6 +36398,13 @@
   <p:clrMapOvr>
     <a:masterClrMapping/>
   </p:clrMapOvr>
+  <p:timing>
+    <p:tnLst>
+      <p:par>
+        <p:cTn id="1" dur="indefinite" restart="never" nodeType="tmRoot"/>
+      </p:par>
+    </p:tnLst>
+  </p:timing>
 </p:sld>
 </file>
 
@@ -34877,6 +36573,13 @@
   <p:clrMapOvr>
     <a:masterClrMapping/>
   </p:clrMapOvr>
+  <p:timing>
+    <p:tnLst>
+      <p:par>
+        <p:cTn id="1" dur="indefinite" restart="never" nodeType="tmRoot"/>
+      </p:par>
+    </p:tnLst>
+  </p:timing>
 </p:sld>
 </file>
 
@@ -35124,6 +36827,13 @@
   <p:clrMapOvr>
     <a:masterClrMapping/>
   </p:clrMapOvr>
+  <p:timing>
+    <p:tnLst>
+      <p:par>
+        <p:cTn id="1" dur="indefinite" restart="never" nodeType="tmRoot"/>
+      </p:par>
+    </p:tnLst>
+  </p:timing>
 </p:sld>
 </file>
 
@@ -35283,6 +36993,13 @@
   <p:clrMapOvr>
     <a:masterClrMapping/>
   </p:clrMapOvr>
+  <p:timing>
+    <p:tnLst>
+      <p:par>
+        <p:cTn id="1" dur="indefinite" restart="never" nodeType="tmRoot"/>
+      </p:par>
+    </p:tnLst>
+  </p:timing>
 </p:sld>
 </file>
 
@@ -35419,6 +37136,13 @@
   <p:clrMapOvr>
     <a:masterClrMapping/>
   </p:clrMapOvr>
+  <p:timing>
+    <p:tnLst>
+      <p:par>
+        <p:cTn id="1" dur="indefinite" restart="never" nodeType="tmRoot"/>
+      </p:par>
+    </p:tnLst>
+  </p:timing>
 </p:sld>
 </file>
 
@@ -35579,6 +37303,13 @@
   <p:clrMapOvr>
     <a:masterClrMapping/>
   </p:clrMapOvr>
+  <p:timing>
+    <p:tnLst>
+      <p:par>
+        <p:cTn id="1" dur="indefinite" restart="never" nodeType="tmRoot"/>
+      </p:par>
+    </p:tnLst>
+  </p:timing>
 </p:sld>
 </file>
 
@@ -35677,6 +37408,13 @@
   <p:clrMapOvr>
     <a:masterClrMapping/>
   </p:clrMapOvr>
+  <p:timing>
+    <p:tnLst>
+      <p:par>
+        <p:cTn id="1" dur="indefinite" restart="never" nodeType="tmRoot"/>
+      </p:par>
+    </p:tnLst>
+  </p:timing>
 </p:sld>
 </file>
 
@@ -35883,6 +37621,13 @@
   <p:clrMapOvr>
     <a:masterClrMapping/>
   </p:clrMapOvr>
+  <p:timing>
+    <p:tnLst>
+      <p:par>
+        <p:cTn id="1" dur="indefinite" restart="never" nodeType="tmRoot"/>
+      </p:par>
+    </p:tnLst>
+  </p:timing>
 </p:sld>
 </file>
 
@@ -36063,6 +37808,13 @@
   <p:clrMapOvr>
     <a:masterClrMapping/>
   </p:clrMapOvr>
+  <p:timing>
+    <p:tnLst>
+      <p:par>
+        <p:cTn id="1" dur="indefinite" restart="never" nodeType="tmRoot"/>
+      </p:par>
+    </p:tnLst>
+  </p:timing>
 </p:sld>
 </file>
 
@@ -36359,6 +38111,13 @@
   <p:clrMapOvr>
     <a:masterClrMapping/>
   </p:clrMapOvr>
+  <p:timing>
+    <p:tnLst>
+      <p:par>
+        <p:cTn id="1" dur="indefinite" restart="never" nodeType="tmRoot"/>
+      </p:par>
+    </p:tnLst>
+  </p:timing>
 </p:sld>
 </file>
 
@@ -36485,6 +38244,13 @@
   <p:clrMapOvr>
     <a:masterClrMapping/>
   </p:clrMapOvr>
+  <p:timing>
+    <p:tnLst>
+      <p:par>
+        <p:cTn id="1" dur="indefinite" restart="never" nodeType="tmRoot"/>
+      </p:par>
+    </p:tnLst>
+  </p:timing>
 </p:sld>
 </file>
 
@@ -36561,6 +38327,13 @@
   <p:clrMapOvr>
     <a:masterClrMapping/>
   </p:clrMapOvr>
+  <p:timing>
+    <p:tnLst>
+      <p:par>
+        <p:cTn id="1" dur="indefinite" restart="never" nodeType="tmRoot"/>
+      </p:par>
+    </p:tnLst>
+  </p:timing>
 </p:sld>
 </file>
 
@@ -36697,6 +38470,13 @@
   <p:clrMapOvr>
     <a:masterClrMapping/>
   </p:clrMapOvr>
+  <p:timing>
+    <p:tnLst>
+      <p:par>
+        <p:cTn id="1" dur="indefinite" restart="never" nodeType="tmRoot"/>
+      </p:par>
+    </p:tnLst>
+  </p:timing>
 </p:sld>
 </file>
 
@@ -36867,6 +38647,13 @@
   <p:clrMapOvr>
     <a:masterClrMapping/>
   </p:clrMapOvr>
+  <p:timing>
+    <p:tnLst>
+      <p:par>
+        <p:cTn id="1" dur="indefinite" restart="never" nodeType="tmRoot"/>
+      </p:par>
+    </p:tnLst>
+  </p:timing>
 </p:sld>
 </file>
 
@@ -36903,105 +38690,188 @@
           <a:lstStyle/>
           <a:p>
             <a:r>
-              <a:rPr lang="es-MX" dirty="0"/>
-              <a:t>Acceso directo a los atributos XHTML</a:t>
-            </a:r>
+              <a:rPr lang="es-MX" dirty="0" smtClean="0"/>
+              <a:t>Agregar y eliminar elementos al vuelo</a:t>
+            </a:r>
+            <a:endParaRPr lang="es-MX" dirty="0"/>
           </a:p>
         </p:txBody>
       </p:sp>
-      <p:sp>
-        <p:nvSpPr>
-          <p:cNvPr id="6" name="Marcador de contenido 5"/>
-          <p:cNvSpPr>
-            <a:spLocks noGrp="1"/>
-          </p:cNvSpPr>
+      <p:pic>
+        <p:nvPicPr>
+          <p:cNvPr id="1026" name="Picture 2" descr="Upload form with remove link"/>
+          <p:cNvPicPr>
+            <a:picLocks noGrp="1" noChangeAspect="1" noChangeArrowheads="1"/>
+          </p:cNvPicPr>
           <p:nvPr>
             <p:ph idx="1"/>
           </p:nvPr>
-        </p:nvSpPr>
-        <p:spPr/>
-        <p:txBody>
-          <a:bodyPr>
-            <a:normAutofit/>
-          </a:bodyPr>
-          <a:lstStyle/>
-          <a:p>
-            <a:pPr marL="0" indent="0">
-              <a:buNone/>
-            </a:pPr>
-            <a:r>
-              <a:rPr lang="es-MX" dirty="0" smtClean="0"/>
-              <a:t>Las etiquetas XHTML pueden tener dentro de la definición del elemento, atributos propios de cada etiqueta.</a:t>
-            </a:r>
-          </a:p>
-          <a:p>
-            <a:pPr marL="0" indent="0">
-              <a:buNone/>
-            </a:pPr>
-            <a:endParaRPr lang="es-MX" dirty="0"/>
-          </a:p>
-          <a:p>
-            <a:pPr marL="0" indent="0">
-              <a:buNone/>
-            </a:pPr>
-            <a:r>
-              <a:rPr lang="es-MX" dirty="0" smtClean="0"/>
-              <a:t>&lt;</a:t>
-            </a:r>
-            <a:r>
-              <a:rPr lang="es-MX" dirty="0" err="1" smtClean="0"/>
-              <a:t>tag</a:t>
-            </a:r>
-            <a:r>
-              <a:rPr lang="es-MX" dirty="0" smtClean="0"/>
-              <a:t> </a:t>
-            </a:r>
-            <a:r>
-              <a:rPr lang="es-MX" b="1" dirty="0" smtClean="0"/>
-              <a:t>atributo</a:t>
-            </a:r>
-            <a:r>
-              <a:rPr lang="es-MX" dirty="0" smtClean="0"/>
-              <a:t>=“</a:t>
-            </a:r>
-            <a:r>
-              <a:rPr lang="es-MX" b="1" dirty="0" smtClean="0"/>
-              <a:t>valor</a:t>
-            </a:r>
-            <a:r>
-              <a:rPr lang="es-MX" dirty="0" smtClean="0"/>
-              <a:t>” </a:t>
-            </a:r>
-            <a:r>
-              <a:rPr lang="es-MX" b="1" dirty="0" smtClean="0"/>
-              <a:t>atributo</a:t>
-            </a:r>
-            <a:r>
-              <a:rPr lang="es-MX" dirty="0" smtClean="0"/>
-              <a:t>=“</a:t>
-            </a:r>
-            <a:r>
-              <a:rPr lang="es-MX" b="1" dirty="0" smtClean="0"/>
-              <a:t>valor</a:t>
-            </a:r>
-            <a:r>
-              <a:rPr lang="es-MX" dirty="0" smtClean="0"/>
-              <a:t>”&gt;</a:t>
-            </a:r>
-            <a:endParaRPr lang="es-MX" dirty="0"/>
-          </a:p>
-        </p:txBody>
-      </p:sp>
+        </p:nvPicPr>
+        <p:blipFill rotWithShape="1">
+          <a:blip r:embed="rId2">
+            <a:extLst>
+              <a:ext uri="{28A0092B-C50C-407E-A947-70E740481C1C}">
+                <a14:useLocalDpi xmlns:a14="http://schemas.microsoft.com/office/drawing/2010/main" val="0"/>
+              </a:ext>
+            </a:extLst>
+          </a:blip>
+          <a:srcRect r="20553" b="51470"/>
+          <a:stretch/>
+        </p:blipFill>
+        <p:spPr bwMode="auto">
+          <a:xfrm>
+            <a:off x="3435928" y="2181415"/>
+            <a:ext cx="4350327" cy="1282221"/>
+          </a:xfrm>
+          <a:prstGeom prst="rect">
+            <a:avLst/>
+          </a:prstGeom>
+          <a:noFill/>
+          <a:extLst>
+            <a:ext uri="{909E8E84-426E-40DD-AFC4-6F175D3DCCD1}">
+              <a14:hiddenFill xmlns:a14="http://schemas.microsoft.com/office/drawing/2010/main">
+                <a:solidFill>
+                  <a:srgbClr val="FFFFFF"/>
+                </a:solidFill>
+              </a14:hiddenFill>
+            </a:ext>
+          </a:extLst>
+        </p:spPr>
+      </p:pic>
+      <p:pic>
+        <p:nvPicPr>
+          <p:cNvPr id="5" name="Picture 2" descr="Upload form with remove link"/>
+          <p:cNvPicPr>
+            <a:picLocks noChangeAspect="1" noChangeArrowheads="1"/>
+          </p:cNvPicPr>
+          <p:nvPr/>
+        </p:nvPicPr>
+        <p:blipFill rotWithShape="1">
+          <a:blip r:embed="rId2">
+            <a:extLst>
+              <a:ext uri="{28A0092B-C50C-407E-A947-70E740481C1C}">
+                <a14:useLocalDpi xmlns:a14="http://schemas.microsoft.com/office/drawing/2010/main" val="0"/>
+              </a:ext>
+            </a:extLst>
+          </a:blip>
+          <a:srcRect t="74224" r="20553"/>
+          <a:stretch/>
+        </p:blipFill>
+        <p:spPr bwMode="auto">
+          <a:xfrm>
+            <a:off x="3435928" y="2782599"/>
+            <a:ext cx="4350327" cy="681037"/>
+          </a:xfrm>
+          <a:prstGeom prst="rect">
+            <a:avLst/>
+          </a:prstGeom>
+          <a:noFill/>
+          <a:extLst>
+            <a:ext uri="{909E8E84-426E-40DD-AFC4-6F175D3DCCD1}">
+              <a14:hiddenFill xmlns:a14="http://schemas.microsoft.com/office/drawing/2010/main">
+                <a:solidFill>
+                  <a:srgbClr val="FFFFFF"/>
+                </a:solidFill>
+              </a14:hiddenFill>
+            </a:ext>
+          </a:extLst>
+        </p:spPr>
+      </p:pic>
+      <p:pic>
+        <p:nvPicPr>
+          <p:cNvPr id="6" name="Picture 2" descr="Upload form with remove link"/>
+          <p:cNvPicPr>
+            <a:picLocks noChangeAspect="1" noChangeArrowheads="1"/>
+          </p:cNvPicPr>
+          <p:nvPr/>
+        </p:nvPicPr>
+        <p:blipFill rotWithShape="1">
+          <a:blip r:embed="rId2">
+            <a:extLst>
+              <a:ext uri="{28A0092B-C50C-407E-A947-70E740481C1C}">
+                <a14:useLocalDpi xmlns:a14="http://schemas.microsoft.com/office/drawing/2010/main" val="0"/>
+              </a:ext>
+            </a:extLst>
+          </a:blip>
+          <a:srcRect r="20553" b="51470"/>
+          <a:stretch/>
+        </p:blipFill>
+        <p:spPr bwMode="auto">
+          <a:xfrm>
+            <a:off x="3435928" y="3954363"/>
+            <a:ext cx="4350327" cy="1282221"/>
+          </a:xfrm>
+          <a:prstGeom prst="rect">
+            <a:avLst/>
+          </a:prstGeom>
+          <a:noFill/>
+          <a:extLst>
+            <a:ext uri="{909E8E84-426E-40DD-AFC4-6F175D3DCCD1}">
+              <a14:hiddenFill xmlns:a14="http://schemas.microsoft.com/office/drawing/2010/main">
+                <a:solidFill>
+                  <a:srgbClr val="FFFFFF"/>
+                </a:solidFill>
+              </a14:hiddenFill>
+            </a:ext>
+          </a:extLst>
+        </p:spPr>
+      </p:pic>
+      <p:pic>
+        <p:nvPicPr>
+          <p:cNvPr id="7" name="Picture 2" descr="Upload form with remove link"/>
+          <p:cNvPicPr>
+            <a:picLocks noChangeAspect="1" noChangeArrowheads="1"/>
+          </p:cNvPicPr>
+          <p:nvPr/>
+        </p:nvPicPr>
+        <p:blipFill rotWithShape="1">
+          <a:blip r:embed="rId2">
+            <a:extLst>
+              <a:ext uri="{28A0092B-C50C-407E-A947-70E740481C1C}">
+                <a14:useLocalDpi xmlns:a14="http://schemas.microsoft.com/office/drawing/2010/main" val="0"/>
+              </a:ext>
+            </a:extLst>
+          </a:blip>
+          <a:srcRect t="74224" r="20553"/>
+          <a:stretch/>
+        </p:blipFill>
+        <p:spPr bwMode="auto">
+          <a:xfrm>
+            <a:off x="3435928" y="5193290"/>
+            <a:ext cx="4350327" cy="681037"/>
+          </a:xfrm>
+          <a:prstGeom prst="rect">
+            <a:avLst/>
+          </a:prstGeom>
+          <a:noFill/>
+          <a:extLst>
+            <a:ext uri="{909E8E84-426E-40DD-AFC4-6F175D3DCCD1}">
+              <a14:hiddenFill xmlns:a14="http://schemas.microsoft.com/office/drawing/2010/main">
+                <a:solidFill>
+                  <a:srgbClr val="FFFFFF"/>
+                </a:solidFill>
+              </a14:hiddenFill>
+            </a:ext>
+          </a:extLst>
+        </p:spPr>
+      </p:pic>
     </p:spTree>
     <p:extLst>
       <p:ext uri="{BB962C8B-B14F-4D97-AF65-F5344CB8AC3E}">
-        <p14:creationId xmlns:p14="http://schemas.microsoft.com/office/powerpoint/2010/main" val="4089761895"/>
+        <p14:creationId xmlns:p14="http://schemas.microsoft.com/office/powerpoint/2010/main" val="150858086"/>
       </p:ext>
     </p:extLst>
   </p:cSld>
   <p:clrMapOvr>
     <a:masterClrMapping/>
   </p:clrMapOvr>
+  <p:timing>
+    <p:tnLst>
+      <p:par>
+        <p:cTn id="1" dur="indefinite" restart="never" nodeType="tmRoot"/>
+      </p:par>
+    </p:tnLst>
+  </p:timing>
 </p:sld>
 </file>
 
@@ -37038,15 +38908,16 @@
           <a:lstStyle/>
           <a:p>
             <a:r>
-              <a:rPr lang="es-MX" dirty="0"/>
-              <a:t>Acceso directo a los atributos XHTML</a:t>
-            </a:r>
+              <a:rPr lang="es-MX" dirty="0" smtClean="0"/>
+              <a:t>Agregar y eliminar elementos al vuelo</a:t>
+            </a:r>
+            <a:endParaRPr lang="es-MX" dirty="0"/>
           </a:p>
         </p:txBody>
       </p:sp>
       <p:sp>
         <p:nvSpPr>
-          <p:cNvPr id="6" name="Marcador de contenido 5"/>
+          <p:cNvPr id="3" name="Marcador de contenido 2"/>
           <p:cNvSpPr>
             <a:spLocks noGrp="1"/>
           </p:cNvSpPr>
@@ -37057,7 +38928,7 @@
         <p:spPr/>
         <p:txBody>
           <a:bodyPr>
-            <a:normAutofit fontScale="92500" lnSpcReduction="20000"/>
+            <a:normAutofit/>
           </a:bodyPr>
           <a:lstStyle/>
           <a:p>
@@ -37065,8 +38936,178 @@
               <a:buNone/>
             </a:pPr>
             <a:r>
-              <a:rPr lang="es-MX" dirty="0"/>
-              <a:t>El siguiente ejemplo obtiene de forma directa la dirección a la que enlaza el enlace:</a:t>
+              <a:rPr lang="es-MX" sz="2000" dirty="0"/>
+              <a:t>&lt;</a:t>
+            </a:r>
+            <a:r>
+              <a:rPr lang="es-MX" sz="2000" dirty="0" err="1"/>
+              <a:t>form</a:t>
+            </a:r>
+            <a:r>
+              <a:rPr lang="es-MX" sz="2000" dirty="0"/>
+              <a:t> </a:t>
+            </a:r>
+            <a:r>
+              <a:rPr lang="es-MX" sz="2000" dirty="0" err="1"/>
+              <a:t>enctype</a:t>
+            </a:r>
+            <a:r>
+              <a:rPr lang="es-MX" sz="2000" dirty="0"/>
+              <a:t>="</a:t>
+            </a:r>
+            <a:r>
+              <a:rPr lang="es-MX" sz="2000" dirty="0" err="1"/>
+              <a:t>multipart</a:t>
+            </a:r>
+            <a:r>
+              <a:rPr lang="es-MX" sz="2000" dirty="0"/>
+              <a:t>/</a:t>
+            </a:r>
+            <a:r>
+              <a:rPr lang="es-MX" sz="2000" dirty="0" err="1"/>
+              <a:t>form</a:t>
+            </a:r>
+            <a:r>
+              <a:rPr lang="es-MX" sz="2000" dirty="0"/>
+              <a:t>-data" </a:t>
+            </a:r>
+            <a:r>
+              <a:rPr lang="es-MX" sz="2000" dirty="0" err="1"/>
+              <a:t>action</a:t>
+            </a:r>
+            <a:r>
+              <a:rPr lang="es-MX" sz="2000" dirty="0"/>
+              <a:t>="" </a:t>
+            </a:r>
+            <a:r>
+              <a:rPr lang="es-MX" sz="2000" dirty="0" err="1"/>
+              <a:t>method</a:t>
+            </a:r>
+            <a:r>
+              <a:rPr lang="es-MX" sz="2000" dirty="0"/>
+              <a:t>="post"&gt;</a:t>
+            </a:r>
+          </a:p>
+          <a:p>
+            <a:pPr marL="0" indent="0">
+              <a:buNone/>
+            </a:pPr>
+            <a:r>
+              <a:rPr lang="es-MX" sz="2000" dirty="0"/>
+              <a:t>&lt;</a:t>
+            </a:r>
+            <a:r>
+              <a:rPr lang="es-MX" sz="2000" dirty="0" smtClean="0"/>
+              <a:t>p&gt;Archivo(s) a subir&lt;/</a:t>
+            </a:r>
+            <a:r>
+              <a:rPr lang="es-MX" sz="2000" dirty="0"/>
+              <a:t>p&gt;</a:t>
+            </a:r>
+          </a:p>
+          <a:p>
+            <a:pPr marL="0" indent="0">
+              <a:buNone/>
+            </a:pPr>
+            <a:r>
+              <a:rPr lang="es-MX" sz="2000" dirty="0"/>
+              <a:t>&lt;div id</a:t>
+            </a:r>
+            <a:r>
+              <a:rPr lang="es-MX" sz="2000" dirty="0" smtClean="0"/>
+              <a:t>="files"&gt;</a:t>
+            </a:r>
+            <a:endParaRPr lang="es-MX" sz="2000" dirty="0"/>
+          </a:p>
+          <a:p>
+            <a:pPr marL="0" indent="0">
+              <a:buNone/>
+            </a:pPr>
+            <a:r>
+              <a:rPr lang="es-MX" sz="2000" dirty="0" smtClean="0"/>
+              <a:t>&lt;/</a:t>
+            </a:r>
+            <a:r>
+              <a:rPr lang="es-MX" sz="2000" dirty="0"/>
+              <a:t>div&gt;</a:t>
+            </a:r>
+          </a:p>
+          <a:p>
+            <a:pPr marL="0" indent="0">
+              <a:buNone/>
+            </a:pPr>
+            <a:r>
+              <a:rPr lang="es-MX" sz="2000" dirty="0"/>
+              <a:t>&lt;p&gt;&lt;input </a:t>
+            </a:r>
+            <a:r>
+              <a:rPr lang="es-MX" sz="2000" dirty="0" err="1"/>
+              <a:t>type</a:t>
+            </a:r>
+            <a:r>
+              <a:rPr lang="es-MX" sz="2000" dirty="0"/>
+              <a:t>="</a:t>
+            </a:r>
+            <a:r>
+              <a:rPr lang="es-MX" sz="2000" dirty="0" err="1"/>
+              <a:t>button</a:t>
+            </a:r>
+            <a:r>
+              <a:rPr lang="es-MX" sz="2000" dirty="0"/>
+              <a:t>" </a:t>
+            </a:r>
+            <a:r>
+              <a:rPr lang="es-MX" sz="2000" dirty="0" err="1"/>
+              <a:t>value</a:t>
+            </a:r>
+            <a:r>
+              <a:rPr lang="es-MX" sz="2000" dirty="0"/>
+              <a:t>="</a:t>
+            </a:r>
+            <a:r>
+              <a:rPr lang="es-MX" sz="2000" dirty="0" err="1"/>
+              <a:t>Add</a:t>
+            </a:r>
+            <a:r>
+              <a:rPr lang="es-MX" sz="2000" dirty="0"/>
+              <a:t> File" </a:t>
+            </a:r>
+            <a:r>
+              <a:rPr lang="es-MX" sz="2000" dirty="0" err="1"/>
+              <a:t>onclick</a:t>
+            </a:r>
+            <a:r>
+              <a:rPr lang="es-MX" sz="2000" dirty="0"/>
+              <a:t>="</a:t>
+            </a:r>
+            <a:r>
+              <a:rPr lang="es-MX" sz="2000" dirty="0" err="1" smtClean="0"/>
+              <a:t>addArchivo</a:t>
+            </a:r>
+            <a:r>
+              <a:rPr lang="es-MX" sz="2000" dirty="0" smtClean="0"/>
+              <a:t>();" </a:t>
+            </a:r>
+            <a:r>
+              <a:rPr lang="es-MX" sz="2000" dirty="0"/>
+              <a:t>/&gt;&lt;/p&gt;</a:t>
+            </a:r>
+          </a:p>
+          <a:p>
+            <a:pPr marL="0" indent="0">
+              <a:buNone/>
+            </a:pPr>
+            <a:r>
+              <a:rPr lang="es-MX" sz="2000" dirty="0"/>
+              <a:t>&lt;/</a:t>
+            </a:r>
+            <a:r>
+              <a:rPr lang="es-MX" sz="2000" dirty="0" err="1"/>
+              <a:t>form</a:t>
+            </a:r>
+            <a:r>
+              <a:rPr lang="es-MX" sz="2000" dirty="0"/>
+              <a:t>&gt;</a:t>
             </a:r>
           </a:p>
           <a:p>
@@ -37075,122 +39116,25 @@
             </a:pPr>
             <a:endParaRPr lang="es-MX" dirty="0"/>
           </a:p>
-          <a:p>
-            <a:pPr marL="0" indent="0">
-              <a:buNone/>
-            </a:pPr>
-            <a:r>
-              <a:rPr lang="es-MX" dirty="0" err="1"/>
-              <a:t>var</a:t>
-            </a:r>
-            <a:r>
-              <a:rPr lang="es-MX" dirty="0"/>
-              <a:t> enlace = </a:t>
-            </a:r>
-            <a:r>
-              <a:rPr lang="es-MX" b="1" dirty="0" err="1"/>
-              <a:t>document.getElementById</a:t>
-            </a:r>
-            <a:r>
-              <a:rPr lang="es-MX" dirty="0"/>
-              <a:t>("enlace");</a:t>
-            </a:r>
-          </a:p>
-          <a:p>
-            <a:pPr marL="0" indent="0">
-              <a:buNone/>
-            </a:pPr>
-            <a:endParaRPr lang="es-MX" dirty="0" smtClean="0"/>
-          </a:p>
-          <a:p>
-            <a:pPr marL="0" indent="0">
-              <a:buNone/>
-            </a:pPr>
-            <a:r>
-              <a:rPr lang="es-MX" b="1" dirty="0" err="1" smtClean="0"/>
-              <a:t>alert</a:t>
-            </a:r>
-            <a:r>
-              <a:rPr lang="es-MX" b="1" dirty="0" smtClean="0"/>
-              <a:t>(</a:t>
-            </a:r>
-            <a:r>
-              <a:rPr lang="es-MX" b="1" dirty="0" err="1" smtClean="0"/>
-              <a:t>enlace.href</a:t>
-            </a:r>
-            <a:r>
-              <a:rPr lang="es-MX" dirty="0" smtClean="0"/>
-              <a:t>);</a:t>
-            </a:r>
-            <a:br>
-              <a:rPr lang="es-MX" dirty="0" smtClean="0"/>
-            </a:br>
-            <a:endParaRPr lang="es-MX" dirty="0" smtClean="0"/>
-          </a:p>
-          <a:p>
-            <a:pPr marL="0" indent="0">
-              <a:buNone/>
-            </a:pPr>
-            <a:r>
-              <a:rPr lang="es-MX" dirty="0" smtClean="0"/>
-              <a:t>muestra </a:t>
-            </a:r>
-            <a:r>
-              <a:rPr lang="es-MX" dirty="0"/>
-              <a:t>http://www...</a:t>
-            </a:r>
-            <a:r>
-              <a:rPr lang="es-MX" dirty="0" err="1"/>
-              <a:t>com</a:t>
-            </a:r>
-            <a:endParaRPr lang="es-MX" dirty="0"/>
-          </a:p>
-          <a:p>
-            <a:pPr marL="0" indent="0">
-              <a:buNone/>
-            </a:pPr>
-            <a:r>
-              <a:rPr lang="es-MX" dirty="0"/>
-              <a:t> </a:t>
-            </a:r>
-          </a:p>
-          <a:p>
-            <a:pPr marL="0" indent="0">
-              <a:buNone/>
-            </a:pPr>
-            <a:r>
-              <a:rPr lang="es-MX" dirty="0"/>
-              <a:t>&lt;a id="enlace" </a:t>
-            </a:r>
-            <a:r>
-              <a:rPr lang="es-MX" b="1" dirty="0" err="1"/>
-              <a:t>href</a:t>
-            </a:r>
-            <a:r>
-              <a:rPr lang="es-MX" dirty="0"/>
-              <a:t>="http://www...</a:t>
-            </a:r>
-            <a:r>
-              <a:rPr lang="es-MX" dirty="0" err="1"/>
-              <a:t>com</a:t>
-            </a:r>
-            <a:r>
-              <a:rPr lang="es-MX" dirty="0"/>
-              <a:t>"&gt;Enlace&lt;/a&gt;</a:t>
-            </a:r>
-          </a:p>
         </p:txBody>
       </p:sp>
     </p:spTree>
     <p:extLst>
       <p:ext uri="{BB962C8B-B14F-4D97-AF65-F5344CB8AC3E}">
-        <p14:creationId xmlns:p14="http://schemas.microsoft.com/office/powerpoint/2010/main" val="1987649250"/>
+        <p14:creationId xmlns:p14="http://schemas.microsoft.com/office/powerpoint/2010/main" val="1326772818"/>
       </p:ext>
     </p:extLst>
   </p:cSld>
   <p:clrMapOvr>
     <a:masterClrMapping/>
   </p:clrMapOvr>
+  <p:timing>
+    <p:tnLst>
+      <p:par>
+        <p:cTn id="1" dur="indefinite" restart="never" nodeType="tmRoot"/>
+      </p:par>
+    </p:tnLst>
+  </p:timing>
 </p:sld>
 </file>
 
@@ -37227,15 +39171,16 @@
           <a:lstStyle/>
           <a:p>
             <a:r>
-              <a:rPr lang="es-MX" dirty="0"/>
-              <a:t>Acceso directo a los atributos XHTML</a:t>
-            </a:r>
+              <a:rPr lang="es-MX" dirty="0" smtClean="0"/>
+              <a:t>Agregar y eliminar elementos al vuelo</a:t>
+            </a:r>
+            <a:endParaRPr lang="es-MX" dirty="0"/>
           </a:p>
         </p:txBody>
       </p:sp>
       <p:sp>
         <p:nvSpPr>
-          <p:cNvPr id="6" name="Marcador de contenido 5"/>
+          <p:cNvPr id="3" name="Marcador de contenido 2"/>
           <p:cNvSpPr>
             <a:spLocks noGrp="1"/>
           </p:cNvSpPr>
@@ -37254,122 +39199,223 @@
               <a:buNone/>
             </a:pPr>
             <a:r>
+              <a:rPr lang="es-MX" sz="2400" dirty="0" err="1" smtClean="0"/>
+              <a:t>function</a:t>
+            </a:r>
+            <a:r>
+              <a:rPr lang="es-MX" sz="2400" dirty="0" smtClean="0"/>
+              <a:t> </a:t>
+            </a:r>
+            <a:r>
+              <a:rPr lang="es-MX" sz="2400" dirty="0" err="1" smtClean="0"/>
+              <a:t>addArchivo</a:t>
+            </a:r>
+            <a:r>
+              <a:rPr lang="es-MX" sz="2400" dirty="0" smtClean="0"/>
+              <a:t>() </a:t>
+            </a:r>
+            <a:r>
+              <a:rPr lang="es-MX" sz="2400" dirty="0"/>
+              <a:t>{</a:t>
+            </a:r>
+          </a:p>
+          <a:p>
+            <a:pPr marL="457200" lvl="1" indent="0">
+              <a:buNone/>
+            </a:pPr>
+            <a:r>
+              <a:rPr lang="es-MX" dirty="0"/>
+              <a:t>// </a:t>
+            </a:r>
+            <a:r>
+              <a:rPr lang="es-MX" dirty="0" err="1"/>
+              <a:t>Adds</a:t>
+            </a:r>
+            <a:r>
+              <a:rPr lang="es-MX" dirty="0"/>
+              <a:t> </a:t>
+            </a:r>
+            <a:r>
+              <a:rPr lang="es-MX" dirty="0" err="1"/>
+              <a:t>an</a:t>
+            </a:r>
+            <a:r>
+              <a:rPr lang="es-MX" dirty="0"/>
+              <a:t> </a:t>
+            </a:r>
+            <a:r>
+              <a:rPr lang="es-MX" dirty="0" err="1"/>
+              <a:t>element</a:t>
+            </a:r>
+            <a:r>
+              <a:rPr lang="es-MX" dirty="0"/>
+              <a:t> to </a:t>
+            </a:r>
+            <a:r>
+              <a:rPr lang="es-MX" dirty="0" err="1"/>
+              <a:t>the</a:t>
+            </a:r>
+            <a:r>
+              <a:rPr lang="es-MX" dirty="0"/>
+              <a:t> </a:t>
+            </a:r>
+            <a:r>
+              <a:rPr lang="es-MX" dirty="0" err="1"/>
+              <a:t>document</a:t>
+            </a:r>
+            <a:endParaRPr lang="es-MX" dirty="0"/>
+          </a:p>
+          <a:p>
+            <a:pPr marL="457200" lvl="1" indent="0">
+              <a:buNone/>
+            </a:pPr>
+            <a:r>
+              <a:rPr lang="es-MX" dirty="0" err="1"/>
+              <a:t>var</a:t>
+            </a:r>
+            <a:r>
+              <a:rPr lang="es-MX" dirty="0"/>
+              <a:t> p = </a:t>
+            </a:r>
+            <a:r>
+              <a:rPr lang="es-MX" dirty="0" err="1"/>
+              <a:t>document.getElementById</a:t>
+            </a:r>
+            <a:r>
               <a:rPr lang="es-MX" dirty="0" smtClean="0"/>
-              <a:t>Para el siguiente ejemplo, queremos obtener a través de la propiedad </a:t>
-            </a:r>
-            <a:r>
-              <a:rPr lang="es-MX" b="1" dirty="0" smtClean="0"/>
-              <a:t>Style</a:t>
+              <a:t>(“archivos”);</a:t>
+            </a:r>
+            <a:endParaRPr lang="es-MX" dirty="0"/>
+          </a:p>
+          <a:p>
+            <a:pPr marL="457200" lvl="1" indent="0">
+              <a:buNone/>
+            </a:pPr>
+            <a:r>
+              <a:rPr lang="es-MX" dirty="0" err="1"/>
+              <a:t>var</a:t>
+            </a:r>
+            <a:r>
+              <a:rPr lang="es-MX" dirty="0"/>
+              <a:t> </a:t>
+            </a:r>
+            <a:r>
+              <a:rPr lang="es-MX" dirty="0" err="1"/>
+              <a:t>newElement</a:t>
+            </a:r>
+            <a:r>
+              <a:rPr lang="es-MX" dirty="0"/>
+              <a:t> = </a:t>
+            </a:r>
+            <a:r>
+              <a:rPr lang="es-MX" dirty="0" err="1" smtClean="0"/>
+              <a:t>document.createElement</a:t>
             </a:r>
             <a:r>
               <a:rPr lang="es-MX" dirty="0" smtClean="0"/>
-              <a:t> el margen de la forma:</a:t>
-            </a:r>
-            <a:br>
+              <a:t>(“p”);</a:t>
+            </a:r>
+            <a:endParaRPr lang="es-MX" dirty="0"/>
+          </a:p>
+          <a:p>
+            <a:pPr marL="457200" lvl="1" indent="0">
+              <a:buNone/>
+            </a:pPr>
+            <a:r>
+              <a:rPr lang="es-MX" dirty="0" err="1"/>
+              <a:t>newElement.setAttribute</a:t>
+            </a:r>
+            <a:r>
+              <a:rPr lang="es-MX" dirty="0"/>
+              <a:t>('id', </a:t>
+            </a:r>
+            <a:r>
               <a:rPr lang="es-MX" dirty="0" smtClean="0"/>
-            </a:br>
-            <a:endParaRPr lang="es-MX" dirty="0" smtClean="0"/>
+              <a:t>“</a:t>
+            </a:r>
+            <a:r>
+              <a:rPr lang="es-MX" dirty="0" err="1" smtClean="0"/>
+              <a:t>contenedor_archivo</a:t>
+            </a:r>
+            <a:r>
+              <a:rPr lang="es-MX" dirty="0" smtClean="0"/>
+              <a:t>”);</a:t>
+            </a:r>
+            <a:endParaRPr lang="es-MX" dirty="0"/>
+          </a:p>
+          <a:p>
+            <a:pPr marL="457200" lvl="1" indent="0">
+              <a:buNone/>
+            </a:pPr>
+            <a:r>
+              <a:rPr lang="es-MX" dirty="0" err="1"/>
+              <a:t>newElement.innerHTML</a:t>
+            </a:r>
+            <a:r>
+              <a:rPr lang="es-MX" dirty="0"/>
+              <a:t> = </a:t>
+            </a:r>
+            <a:r>
+              <a:rPr lang="es-MX" dirty="0" err="1"/>
+              <a:t>html</a:t>
+            </a:r>
+            <a:r>
+              <a:rPr lang="es-MX" dirty="0"/>
+              <a:t>;</a:t>
+            </a:r>
+          </a:p>
+          <a:p>
+            <a:pPr marL="457200" lvl="1" indent="0">
+              <a:buNone/>
+            </a:pPr>
+            <a:r>
+              <a:rPr lang="es-MX" dirty="0" err="1"/>
+              <a:t>p.appendChild</a:t>
+            </a:r>
+            <a:r>
+              <a:rPr lang="es-MX" dirty="0"/>
+              <a:t>(</a:t>
+            </a:r>
+            <a:r>
+              <a:rPr lang="es-MX" dirty="0" err="1"/>
+              <a:t>newElement</a:t>
+            </a:r>
+            <a:r>
+              <a:rPr lang="es-MX" dirty="0"/>
+              <a:t>);</a:t>
+            </a:r>
           </a:p>
           <a:p>
             <a:pPr marL="0" indent="0">
               <a:buNone/>
             </a:pPr>
             <a:r>
-              <a:rPr lang="es-MX" dirty="0" err="1" smtClean="0"/>
-              <a:t>var</a:t>
-            </a:r>
-            <a:r>
-              <a:rPr lang="es-MX" dirty="0" smtClean="0"/>
-              <a:t> </a:t>
-            </a:r>
-            <a:r>
-              <a:rPr lang="es-MX" dirty="0"/>
-              <a:t>imagen = </a:t>
-            </a:r>
-            <a:r>
-              <a:rPr lang="es-MX" dirty="0" err="1"/>
-              <a:t>document.getElementById</a:t>
-            </a:r>
-            <a:r>
-              <a:rPr lang="es-MX" dirty="0"/>
-              <a:t>("imagen");</a:t>
-            </a:r>
-          </a:p>
-          <a:p>
-            <a:pPr marL="0" indent="0">
-              <a:buNone/>
-            </a:pPr>
-            <a:r>
-              <a:rPr lang="es-MX" dirty="0" err="1"/>
-              <a:t>alert</a:t>
-            </a:r>
-            <a:r>
-              <a:rPr lang="es-MX" dirty="0"/>
-              <a:t>(</a:t>
-            </a:r>
-            <a:r>
-              <a:rPr lang="es-MX" dirty="0" err="1"/>
-              <a:t>imagen.style.margin</a:t>
-            </a:r>
-            <a:r>
-              <a:rPr lang="es-MX" dirty="0"/>
-              <a:t>);</a:t>
-            </a:r>
-          </a:p>
-          <a:p>
-            <a:pPr marL="0" indent="0">
-              <a:buNone/>
-            </a:pPr>
-            <a:r>
-              <a:rPr lang="es-MX" dirty="0"/>
-              <a:t> </a:t>
-            </a:r>
-          </a:p>
-          <a:p>
-            <a:pPr marL="0" indent="0">
-              <a:buNone/>
-            </a:pPr>
-            <a:r>
-              <a:rPr lang="es-MX" dirty="0"/>
-              <a:t>&lt;</a:t>
-            </a:r>
-            <a:r>
-              <a:rPr lang="es-MX" dirty="0" err="1"/>
-              <a:t>img</a:t>
-            </a:r>
-            <a:r>
-              <a:rPr lang="es-MX" dirty="0"/>
-              <a:t> id="imagen" </a:t>
-            </a:r>
-            <a:r>
-              <a:rPr lang="es-MX" dirty="0" err="1"/>
-              <a:t>style</a:t>
-            </a:r>
-            <a:r>
-              <a:rPr lang="es-MX" dirty="0"/>
-              <a:t>="margin:0; border:0;" </a:t>
-            </a:r>
-            <a:r>
-              <a:rPr lang="es-MX" dirty="0" err="1" smtClean="0"/>
-              <a:t>src</a:t>
-            </a:r>
-            <a:r>
-              <a:rPr lang="es-MX" dirty="0"/>
-              <a:t>="logo.png" /&gt;</a:t>
-            </a:r>
+              <a:rPr lang="es-MX" sz="2400" dirty="0"/>
+              <a:t>}</a:t>
+            </a:r>
+          </a:p>
+          <a:p>
+            <a:endParaRPr lang="es-MX" dirty="0"/>
           </a:p>
         </p:txBody>
       </p:sp>
     </p:spTree>
     <p:extLst>
       <p:ext uri="{BB962C8B-B14F-4D97-AF65-F5344CB8AC3E}">
-        <p14:creationId xmlns:p14="http://schemas.microsoft.com/office/powerpoint/2010/main" val="3016056999"/>
+        <p14:creationId xmlns:p14="http://schemas.microsoft.com/office/powerpoint/2010/main" val="488990344"/>
       </p:ext>
     </p:extLst>
   </p:cSld>
   <p:clrMapOvr>
     <a:masterClrMapping/>
   </p:clrMapOvr>
+  <p:timing>
+    <p:tnLst>
+      <p:par>
+        <p:cTn id="1" dur="indefinite" restart="never" nodeType="tmRoot"/>
+      </p:par>
+    </p:tnLst>
+  </p:timing>
 </p:sld>
 </file>
 
@@ -37406,156 +39452,73 @@
           <a:lstStyle/>
           <a:p>
             <a:r>
-              <a:rPr lang="es-MX" dirty="0"/>
-              <a:t>Acceso directo a los atributos XHTML</a:t>
-            </a:r>
+              <a:rPr lang="es-MX" dirty="0" smtClean="0"/>
+              <a:t>Agregar y eliminar elementos al vuelo</a:t>
+            </a:r>
+            <a:endParaRPr lang="es-MX" dirty="0"/>
           </a:p>
         </p:txBody>
       </p:sp>
-      <p:sp>
-        <p:nvSpPr>
-          <p:cNvPr id="6" name="Marcador de contenido 5"/>
-          <p:cNvSpPr>
-            <a:spLocks noGrp="1"/>
-          </p:cNvSpPr>
+      <p:pic>
+        <p:nvPicPr>
+          <p:cNvPr id="1026" name="Picture 2" descr="Upload form with remove link"/>
+          <p:cNvPicPr>
+            <a:picLocks noGrp="1" noChangeAspect="1" noChangeArrowheads="1"/>
+          </p:cNvPicPr>
           <p:nvPr>
             <p:ph idx="1"/>
           </p:nvPr>
-        </p:nvSpPr>
-        <p:spPr/>
-        <p:txBody>
-          <a:bodyPr>
-            <a:normAutofit/>
-          </a:bodyPr>
-          <a:lstStyle/>
-          <a:p>
-            <a:pPr marL="0" indent="0">
-              <a:buNone/>
-            </a:pPr>
-            <a:r>
-              <a:rPr lang="es-MX" dirty="0" err="1"/>
-              <a:t>var</a:t>
-            </a:r>
-            <a:r>
-              <a:rPr lang="es-MX" dirty="0"/>
-              <a:t> </a:t>
-            </a:r>
-            <a:r>
-              <a:rPr lang="es-MX" dirty="0" err="1"/>
-              <a:t>parrafo</a:t>
-            </a:r>
-            <a:r>
-              <a:rPr lang="es-MX" dirty="0"/>
-              <a:t> = </a:t>
-            </a:r>
-            <a:r>
-              <a:rPr lang="es-MX" dirty="0" err="1"/>
-              <a:t>document.getElementById</a:t>
-            </a:r>
-            <a:r>
-              <a:rPr lang="es-MX" dirty="0"/>
-              <a:t>("</a:t>
-            </a:r>
-            <a:r>
-              <a:rPr lang="es-MX" dirty="0" err="1"/>
-              <a:t>parrafo</a:t>
-            </a:r>
-            <a:r>
-              <a:rPr lang="es-MX" dirty="0"/>
-              <a:t>");</a:t>
-            </a:r>
-          </a:p>
-          <a:p>
-            <a:pPr marL="0" indent="0">
-              <a:buNone/>
-            </a:pPr>
-            <a:r>
-              <a:rPr lang="es-MX" dirty="0" err="1"/>
-              <a:t>alert</a:t>
-            </a:r>
-            <a:r>
-              <a:rPr lang="es-MX" dirty="0"/>
-              <a:t>(</a:t>
-            </a:r>
-            <a:r>
-              <a:rPr lang="es-MX" dirty="0" err="1"/>
-              <a:t>parrafo.style.fontWeight</a:t>
-            </a:r>
-            <a:r>
-              <a:rPr lang="es-MX" dirty="0"/>
-              <a:t>);  // muestra "</a:t>
-            </a:r>
-            <a:r>
-              <a:rPr lang="es-MX" dirty="0" err="1"/>
-              <a:t>bold</a:t>
-            </a:r>
-            <a:r>
-              <a:rPr lang="es-MX" dirty="0"/>
-              <a:t>"</a:t>
-            </a:r>
-          </a:p>
-          <a:p>
-            <a:pPr marL="0" indent="0">
-              <a:buNone/>
-            </a:pPr>
-            <a:r>
-              <a:rPr lang="es-MX" dirty="0"/>
-              <a:t> </a:t>
-            </a:r>
-          </a:p>
-          <a:p>
-            <a:pPr marL="0" indent="0">
-              <a:buNone/>
-            </a:pPr>
-            <a:r>
-              <a:rPr lang="es-MX" dirty="0"/>
-              <a:t>&lt;p id="</a:t>
-            </a:r>
-            <a:r>
-              <a:rPr lang="es-MX" dirty="0" err="1"/>
-              <a:t>parrafo</a:t>
-            </a:r>
-            <a:r>
-              <a:rPr lang="es-MX" dirty="0"/>
-              <a:t>" </a:t>
-            </a:r>
-            <a:r>
-              <a:rPr lang="es-MX" dirty="0" err="1"/>
-              <a:t>style</a:t>
-            </a:r>
-            <a:r>
-              <a:rPr lang="es-MX" dirty="0"/>
-              <a:t>="</a:t>
-            </a:r>
-            <a:r>
-              <a:rPr lang="es-MX" dirty="0" err="1"/>
-              <a:t>font-weight</a:t>
-            </a:r>
-            <a:r>
-              <a:rPr lang="es-MX" dirty="0"/>
-              <a:t>: </a:t>
-            </a:r>
-            <a:r>
-              <a:rPr lang="es-MX" dirty="0" err="1"/>
-              <a:t>bold</a:t>
-            </a:r>
-            <a:r>
-              <a:rPr lang="es-MX" dirty="0"/>
-              <a:t>;"&gt;...&lt;/p&gt;</a:t>
-            </a:r>
-          </a:p>
-        </p:txBody>
-      </p:sp>
+        </p:nvPicPr>
+        <p:blipFill>
+          <a:blip r:embed="rId2">
+            <a:extLst>
+              <a:ext uri="{28A0092B-C50C-407E-A947-70E740481C1C}">
+                <a14:useLocalDpi xmlns:a14="http://schemas.microsoft.com/office/drawing/2010/main" val="0"/>
+              </a:ext>
+            </a:extLst>
+          </a:blip>
+          <a:srcRect/>
+          <a:stretch>
+            <a:fillRect/>
+          </a:stretch>
+        </p:blipFill>
+        <p:spPr bwMode="auto">
+          <a:xfrm>
+            <a:off x="3435928" y="2181415"/>
+            <a:ext cx="5475720" cy="2642131"/>
+          </a:xfrm>
+          <a:prstGeom prst="rect">
+            <a:avLst/>
+          </a:prstGeom>
+          <a:noFill/>
+          <a:extLst>
+            <a:ext uri="{909E8E84-426E-40DD-AFC4-6F175D3DCCD1}">
+              <a14:hiddenFill xmlns:a14="http://schemas.microsoft.com/office/drawing/2010/main">
+                <a:solidFill>
+                  <a:srgbClr val="FFFFFF"/>
+                </a:solidFill>
+              </a14:hiddenFill>
+            </a:ext>
+          </a:extLst>
+        </p:spPr>
+      </p:pic>
     </p:spTree>
     <p:extLst>
       <p:ext uri="{BB962C8B-B14F-4D97-AF65-F5344CB8AC3E}">
-        <p14:creationId xmlns:p14="http://schemas.microsoft.com/office/powerpoint/2010/main" val="1396906600"/>
+        <p14:creationId xmlns:p14="http://schemas.microsoft.com/office/powerpoint/2010/main" val="1811519549"/>
       </p:ext>
     </p:extLst>
   </p:cSld>
   <p:clrMapOvr>
     <a:masterClrMapping/>
   </p:clrMapOvr>
+  <p:timing>
+    <p:tnLst>
+      <p:par>
+        <p:cTn id="1" dur="indefinite" restart="never" nodeType="tmRoot"/>
+      </p:par>
+    </p:tnLst>
+  </p:timing>
 </p:sld>
 </file>
 
@@ -37592,198 +39555,41 @@
           <a:lstStyle/>
           <a:p>
             <a:r>
-              <a:rPr lang="es-MX" dirty="0"/>
-              <a:t>Acceso directo a los atributos XHTML</a:t>
-            </a:r>
+              <a:rPr lang="es-MX" dirty="0" smtClean="0"/>
+              <a:t>Agregar y eliminar elementos al vuelo</a:t>
+            </a:r>
+            <a:endParaRPr lang="es-MX" dirty="0"/>
           </a:p>
         </p:txBody>
       </p:sp>
-      <p:sp>
-        <p:nvSpPr>
-          <p:cNvPr id="6" name="Marcador de contenido 5"/>
-          <p:cNvSpPr>
-            <a:spLocks noGrp="1"/>
-          </p:cNvSpPr>
+      <p:pic>
+        <p:nvPicPr>
+          <p:cNvPr id="6" name="2018-03-01_21-41-34">
+            <a:hlinkClick r:id="" action="ppaction://media"/>
+          </p:cNvPr>
+          <p:cNvPicPr>
+            <a:picLocks noGrp="1" noChangeAspect="1"/>
+          </p:cNvPicPr>
           <p:nvPr>
             <p:ph idx="1"/>
+            <a:videoFile r:link="rId2"/>
+            <p:extLst>
+              <p:ext uri="{DAA4B4D4-6D71-4841-9C94-3DE7FCFB9230}">
+                <p14:media xmlns:p14="http://schemas.microsoft.com/office/powerpoint/2010/main" r:embed="rId1"/>
+              </p:ext>
+            </p:extLst>
           </p:nvPr>
-        </p:nvSpPr>
-        <p:spPr/>
-        <p:txBody>
-          <a:bodyPr>
-            <a:normAutofit/>
-          </a:bodyPr>
-          <a:lstStyle/>
-          <a:p>
-            <a:pPr marL="0" indent="0">
-              <a:buNone/>
-            </a:pPr>
-            <a:r>
-              <a:rPr lang="es-MX" dirty="0" err="1"/>
-              <a:t>var</a:t>
-            </a:r>
-            <a:r>
-              <a:rPr lang="es-MX" dirty="0"/>
-              <a:t> </a:t>
-            </a:r>
-            <a:r>
-              <a:rPr lang="es-MX" dirty="0" err="1"/>
-              <a:t>parrafo</a:t>
-            </a:r>
-            <a:r>
-              <a:rPr lang="es-MX" dirty="0"/>
-              <a:t> = </a:t>
-            </a:r>
-            <a:r>
-              <a:rPr lang="es-MX" dirty="0" err="1"/>
-              <a:t>document.getElementById</a:t>
-            </a:r>
-            <a:r>
-              <a:rPr lang="es-MX" dirty="0"/>
-              <a:t>("</a:t>
-            </a:r>
-            <a:r>
-              <a:rPr lang="es-MX" dirty="0" err="1"/>
-              <a:t>parrafo</a:t>
-            </a:r>
-            <a:r>
-              <a:rPr lang="es-MX" dirty="0"/>
-              <a:t>");</a:t>
-            </a:r>
-          </a:p>
-          <a:p>
-            <a:pPr marL="0" indent="0">
-              <a:buNone/>
-            </a:pPr>
-            <a:r>
-              <a:rPr lang="es-MX" dirty="0" err="1"/>
-              <a:t>alert</a:t>
-            </a:r>
-            <a:r>
-              <a:rPr lang="es-MX" dirty="0"/>
-              <a:t>(</a:t>
-            </a:r>
-            <a:r>
-              <a:rPr lang="es-MX" dirty="0" err="1"/>
-              <a:t>parrafo.</a:t>
-            </a:r>
-            <a:r>
-              <a:rPr lang="es-MX" b="1" dirty="0" err="1"/>
-              <a:t>style</a:t>
-            </a:r>
-            <a:r>
-              <a:rPr lang="es-MX" dirty="0" err="1"/>
-              <a:t>.</a:t>
-            </a:r>
-            <a:r>
-              <a:rPr lang="es-MX" b="1" dirty="0" err="1">
-                <a:solidFill>
-                  <a:schemeClr val="tx1">
-                    <a:lumMod val="50000"/>
-                    <a:lumOff val="50000"/>
-                  </a:schemeClr>
-                </a:solidFill>
-              </a:rPr>
-              <a:t>fontWeight</a:t>
-            </a:r>
-            <a:r>
-              <a:rPr lang="es-MX" dirty="0"/>
-              <a:t>);  // muestra "</a:t>
-            </a:r>
-            <a:r>
-              <a:rPr lang="es-MX" dirty="0" err="1"/>
-              <a:t>bold</a:t>
-            </a:r>
-            <a:r>
-              <a:rPr lang="es-MX" dirty="0"/>
-              <a:t>"</a:t>
-            </a:r>
-          </a:p>
-          <a:p>
-            <a:pPr marL="0" indent="0">
-              <a:buNone/>
-            </a:pPr>
-            <a:r>
-              <a:rPr lang="es-MX" dirty="0"/>
-              <a:t> </a:t>
-            </a:r>
-          </a:p>
-          <a:p>
-            <a:pPr marL="0" indent="0">
-              <a:buNone/>
-            </a:pPr>
-            <a:r>
-              <a:rPr lang="es-MX" dirty="0"/>
-              <a:t>&lt;p id="</a:t>
-            </a:r>
-            <a:r>
-              <a:rPr lang="es-MX" dirty="0" err="1"/>
-              <a:t>parrafo</a:t>
-            </a:r>
-            <a:r>
-              <a:rPr lang="es-MX" dirty="0"/>
-              <a:t>" </a:t>
-            </a:r>
-            <a:r>
-              <a:rPr lang="es-MX" b="1" dirty="0" err="1"/>
-              <a:t>style</a:t>
-            </a:r>
-            <a:r>
-              <a:rPr lang="es-MX" dirty="0"/>
-              <a:t>="</a:t>
-            </a:r>
-            <a:r>
-              <a:rPr lang="es-MX" b="1" dirty="0" err="1">
-                <a:solidFill>
-                  <a:schemeClr val="tx1">
-                    <a:lumMod val="50000"/>
-                    <a:lumOff val="50000"/>
-                  </a:schemeClr>
-                </a:solidFill>
-              </a:rPr>
-              <a:t>font-weight</a:t>
-            </a:r>
-            <a:r>
-              <a:rPr lang="es-MX" dirty="0"/>
-              <a:t>: </a:t>
-            </a:r>
-            <a:r>
-              <a:rPr lang="es-MX" dirty="0" err="1"/>
-              <a:t>bold</a:t>
-            </a:r>
-            <a:r>
-              <a:rPr lang="es-MX" dirty="0"/>
-              <a:t>;"&gt;...&lt;/p&gt;</a:t>
-            </a:r>
-          </a:p>
-        </p:txBody>
-      </p:sp>
-      <p:pic>
-        <p:nvPicPr>
-          <p:cNvPr id="3" name="Imagen 2">
-            <a:hlinkClick r:id="rId2"/>
-          </p:cNvPr>
-          <p:cNvPicPr>
-            <a:picLocks noChangeAspect="1"/>
-          </p:cNvPicPr>
-          <p:nvPr/>
         </p:nvPicPr>
         <p:blipFill>
-          <a:blip r:embed="rId3" cstate="print">
-            <a:extLst>
-              <a:ext uri="{28A0092B-C50C-407E-A947-70E740481C1C}">
-                <a14:useLocalDpi xmlns:a14="http://schemas.microsoft.com/office/drawing/2010/main" val="0"/>
-              </a:ext>
-            </a:extLst>
-          </a:blip>
+          <a:blip r:embed="rId4"/>
           <a:stretch>
             <a:fillRect/>
           </a:stretch>
         </p:blipFill>
         <p:spPr>
           <a:xfrm>
-            <a:off x="11249891" y="5256501"/>
-            <a:ext cx="942109" cy="942109"/>
+            <a:off x="4808538" y="1825625"/>
+            <a:ext cx="4122737" cy="4016375"/>
           </a:xfrm>
           <a:prstGeom prst="rect">
             <a:avLst/>
@@ -37792,24 +39598,117 @@
             <a:noFill/>
           </a:ln>
           <a:effectLst>
-            <a:outerShdw blurRad="292100" dist="139700" dir="2700000" algn="tl" rotWithShape="0">
-              <a:srgbClr val="333333">
-                <a:alpha val="65000"/>
+            <a:outerShdw blurRad="254000" dist="63500" dir="5400000" sx="105000" sy="105000" algn="t" rotWithShape="0">
+              <a:srgbClr val="000000">
+                <a:alpha val="40000"/>
               </a:srgbClr>
             </a:outerShdw>
           </a:effectLst>
+          <a:scene3d>
+            <a:camera prst="perspectiveRelaxedModerately" fov="2700000">
+              <a:rot lat="20400000" lon="0" rev="0"/>
+            </a:camera>
+            <a:lightRig rig="soft" dir="t"/>
+          </a:scene3d>
+          <a:sp3d extrusionH="952500">
+            <a:bevelT w="127000" h="127000"/>
+            <a:bevelB/>
+            <a:extrusionClr>
+              <a:srgbClr val="FFFFFF"/>
+            </a:extrusionClr>
+          </a:sp3d>
         </p:spPr>
       </p:pic>
     </p:spTree>
     <p:extLst>
       <p:ext uri="{BB962C8B-B14F-4D97-AF65-F5344CB8AC3E}">
-        <p14:creationId xmlns:p14="http://schemas.microsoft.com/office/powerpoint/2010/main" val="628534029"/>
+        <p14:creationId xmlns:p14="http://schemas.microsoft.com/office/powerpoint/2010/main" val="4165401356"/>
       </p:ext>
     </p:extLst>
   </p:cSld>
   <p:clrMapOvr>
     <a:masterClrMapping/>
   </p:clrMapOvr>
+  <p:timing>
+    <p:tnLst>
+      <p:par>
+        <p:cTn id="1" dur="indefinite" restart="never" nodeType="tmRoot">
+          <p:childTnLst>
+            <p:seq concurrent="1" nextAc="seek">
+              <p:cTn id="2" restart="whenNotActive" fill="hold" evtFilter="cancelBubble" nodeType="interactiveSeq">
+                <p:stCondLst>
+                  <p:cond evt="onClick" delay="0">
+                    <p:tgtEl>
+                      <p:spTgt spid="6"/>
+                    </p:tgtEl>
+                  </p:cond>
+                </p:stCondLst>
+                <p:endSync evt="end" delay="0">
+                  <p:rtn val="all"/>
+                </p:endSync>
+                <p:childTnLst>
+                  <p:par>
+                    <p:cTn id="3" fill="hold">
+                      <p:stCondLst>
+                        <p:cond delay="0"/>
+                      </p:stCondLst>
+                      <p:childTnLst>
+                        <p:par>
+                          <p:cTn id="4" fill="hold">
+                            <p:stCondLst>
+                              <p:cond delay="0"/>
+                            </p:stCondLst>
+                            <p:childTnLst>
+                              <p:par>
+                                <p:cTn id="5" presetID="2" presetClass="mediacall" presetSubtype="0" fill="hold" nodeType="clickEffect">
+                                  <p:stCondLst>
+                                    <p:cond delay="0"/>
+                                  </p:stCondLst>
+                                  <p:childTnLst>
+                                    <p:cmd type="call" cmd="togglePause">
+                                      <p:cBhvr>
+                                        <p:cTn id="6" dur="1" fill="hold"/>
+                                        <p:tgtEl>
+                                          <p:spTgt spid="6"/>
+                                        </p:tgtEl>
+                                      </p:cBhvr>
+                                    </p:cmd>
+                                  </p:childTnLst>
+                                </p:cTn>
+                              </p:par>
+                            </p:childTnLst>
+                          </p:cTn>
+                        </p:par>
+                      </p:childTnLst>
+                    </p:cTn>
+                  </p:par>
+                </p:childTnLst>
+              </p:cTn>
+              <p:nextCondLst>
+                <p:cond evt="onClick" delay="0">
+                  <p:tgtEl>
+                    <p:spTgt spid="6"/>
+                  </p:tgtEl>
+                </p:cond>
+              </p:nextCondLst>
+            </p:seq>
+            <p:video>
+              <p:cMediaNode vol="80000">
+                <p:cTn id="7" fill="hold" display="0">
+                  <p:stCondLst>
+                    <p:cond delay="indefinite"/>
+                  </p:stCondLst>
+                </p:cTn>
+                <p:tgtEl>
+                  <p:spTgt spid="6"/>
+                </p:tgtEl>
+              </p:cMediaNode>
+            </p:video>
+          </p:childTnLst>
+        </p:cTn>
+      </p:par>
+    </p:tnLst>
+  </p:timing>
 </p:sld>
 </file>
 
@@ -38083,15 +39982,16 @@
           <a:lstStyle/>
           <a:p>
             <a:r>
-              <a:rPr lang="es-MX" dirty="0"/>
-              <a:t>Acceso directo a los atributos XHTML</a:t>
-            </a:r>
+              <a:rPr lang="es-MX" dirty="0" smtClean="0"/>
+              <a:t>Agregar y eliminar elementos al vuelo</a:t>
+            </a:r>
+            <a:endParaRPr lang="es-MX" dirty="0"/>
           </a:p>
         </p:txBody>
       </p:sp>
       <p:sp>
         <p:nvSpPr>
-          <p:cNvPr id="6" name="Marcador de contenido 5"/>
+          <p:cNvPr id="3" name="Marcador de contenido 2"/>
           <p:cNvSpPr>
             <a:spLocks noGrp="1"/>
           </p:cNvSpPr>
@@ -38102,7 +40002,7 @@
         <p:spPr/>
         <p:txBody>
           <a:bodyPr>
-            <a:normAutofit/>
+            <a:normAutofit lnSpcReduction="10000"/>
           </a:bodyPr>
           <a:lstStyle/>
           <a:p>
@@ -38110,140 +40010,222 @@
               <a:buNone/>
             </a:pPr>
             <a:r>
-              <a:rPr lang="es-MX" dirty="0" smtClean="0"/>
-              <a:t>Para poder manipular los atributos </a:t>
-            </a:r>
-            <a:r>
-              <a:rPr lang="es-MX" b="1" dirty="0" smtClean="0"/>
-              <a:t>CSS</a:t>
-            </a:r>
-            <a:r>
-              <a:rPr lang="es-MX" dirty="0" smtClean="0"/>
-              <a:t> de nuestro elemento es necesario eliminar los </a:t>
-            </a:r>
-            <a:r>
-              <a:rPr lang="es-MX" b="1" dirty="0" smtClean="0"/>
-              <a:t>-</a:t>
-            </a:r>
-            <a:r>
-              <a:rPr lang="es-MX" dirty="0" smtClean="0"/>
-              <a:t> y </a:t>
-            </a:r>
-            <a:r>
               <a:rPr lang="es-MX" dirty="0"/>
-              <a:t>escribir en mayúscula la letra </a:t>
-            </a:r>
-            <a:r>
-              <a:rPr lang="es-MX" dirty="0" smtClean="0"/>
-              <a:t>que se encontraba después del guion. </a:t>
+              <a:t>&lt;</a:t>
+            </a:r>
+            <a:r>
+              <a:rPr lang="es-MX" dirty="0" err="1"/>
+              <a:t>form</a:t>
             </a:r>
             <a:r>
               <a:rPr lang="es-MX" dirty="0"/>
-              <a:t>A continuación se muestran algunos ejemplos:</a:t>
+              <a:t> </a:t>
+            </a:r>
+            <a:r>
+              <a:rPr lang="es-MX" dirty="0" err="1"/>
+              <a:t>enctype</a:t>
+            </a:r>
+            <a:r>
+              <a:rPr lang="es-MX" dirty="0"/>
+              <a:t>="</a:t>
+            </a:r>
+            <a:r>
+              <a:rPr lang="es-MX" dirty="0" err="1"/>
+              <a:t>multipart</a:t>
+            </a:r>
+            <a:r>
+              <a:rPr lang="es-MX" dirty="0"/>
+              <a:t>/</a:t>
+            </a:r>
+            <a:r>
+              <a:rPr lang="es-MX" dirty="0" err="1"/>
+              <a:t>form</a:t>
+            </a:r>
+            <a:r>
+              <a:rPr lang="es-MX" dirty="0"/>
+              <a:t>-data" </a:t>
+            </a:r>
+            <a:r>
+              <a:rPr lang="es-MX" dirty="0" err="1"/>
+              <a:t>action</a:t>
+            </a:r>
+            <a:r>
+              <a:rPr lang="es-MX" dirty="0"/>
+              <a:t>="" </a:t>
+            </a:r>
+            <a:r>
+              <a:rPr lang="es-MX" dirty="0" err="1"/>
+              <a:t>method</a:t>
+            </a:r>
+            <a:r>
+              <a:rPr lang="es-MX" dirty="0"/>
+              <a:t>="post"&gt;</a:t>
             </a:r>
           </a:p>
           <a:p>
             <a:pPr marL="0" indent="0">
               <a:buNone/>
             </a:pPr>
-            <a:endParaRPr lang="es-MX" dirty="0"/>
-          </a:p>
-          <a:p>
-            <a:pPr marL="457200" lvl="1" indent="0">
+            <a:r>
+              <a:rPr lang="es-MX" dirty="0"/>
+              <a:t>&lt;p&gt;</a:t>
+            </a:r>
+            <a:r>
+              <a:rPr lang="es-MX" dirty="0" err="1"/>
+              <a:t>Upload</a:t>
+            </a:r>
+            <a:r>
+              <a:rPr lang="es-MX" dirty="0"/>
+              <a:t> file(s)&lt;/p&gt;</a:t>
+            </a:r>
+          </a:p>
+          <a:p>
+            <a:pPr marL="0" indent="0">
               <a:buNone/>
             </a:pPr>
             <a:r>
-              <a:rPr lang="es-MX" b="1" dirty="0" err="1"/>
-              <a:t>font-weight</a:t>
-            </a:r>
-            <a:r>
               <a:rPr lang="es-MX" dirty="0"/>
-              <a:t> se transforma en </a:t>
-            </a:r>
-            <a:r>
-              <a:rPr lang="es-MX" b="1" dirty="0" err="1"/>
-              <a:t>fontWeight</a:t>
-            </a:r>
-            <a:endParaRPr lang="es-MX" b="1" dirty="0"/>
-          </a:p>
-          <a:p>
-            <a:pPr marL="457200" lvl="1" indent="0">
+              <a:t>&lt;div id="files"&gt;</a:t>
+            </a:r>
+          </a:p>
+          <a:p>
+            <a:pPr marL="0" indent="0">
               <a:buNone/>
             </a:pPr>
             <a:r>
-              <a:rPr lang="es-MX" b="1" dirty="0"/>
-              <a:t>line-</a:t>
-            </a:r>
-            <a:r>
-              <a:rPr lang="es-MX" b="1" dirty="0" err="1"/>
-              <a:t>height</a:t>
-            </a:r>
-            <a:r>
               <a:rPr lang="es-MX" dirty="0"/>
-              <a:t> se transforma en </a:t>
-            </a:r>
-            <a:r>
-              <a:rPr lang="es-MX" b="1" dirty="0" err="1"/>
-              <a:t>lineHeight</a:t>
-            </a:r>
-            <a:endParaRPr lang="es-MX" b="1" dirty="0"/>
-          </a:p>
-          <a:p>
-            <a:pPr marL="457200" lvl="1" indent="0">
+              <a:t>&lt;p&gt;&lt;input </a:t>
+            </a:r>
+            <a:r>
+              <a:rPr lang="es-MX" dirty="0" err="1"/>
+              <a:t>type</a:t>
+            </a:r>
+            <a:r>
+              <a:rPr lang="es-MX" dirty="0"/>
+              <a:t>="file" </a:t>
+            </a:r>
+            <a:r>
+              <a:rPr lang="es-MX" dirty="0" err="1"/>
+              <a:t>name</a:t>
+            </a:r>
+            <a:r>
+              <a:rPr lang="es-MX" dirty="0"/>
+              <a:t>="</a:t>
+            </a:r>
+            <a:r>
+              <a:rPr lang="es-MX" dirty="0" err="1"/>
+              <a:t>uploaded_file</a:t>
+            </a:r>
+            <a:r>
+              <a:rPr lang="es-MX" dirty="0"/>
+              <a:t>[]" /&gt;&lt;/p&gt;</a:t>
+            </a:r>
+          </a:p>
+          <a:p>
+            <a:pPr marL="0" indent="0">
               <a:buNone/>
             </a:pPr>
             <a:r>
-              <a:rPr lang="es-MX" b="1" dirty="0" err="1"/>
-              <a:t>border</a:t>
-            </a:r>
-            <a:r>
-              <a:rPr lang="es-MX" b="1" dirty="0"/>
-              <a:t>-top-</a:t>
-            </a:r>
-            <a:r>
-              <a:rPr lang="es-MX" b="1" dirty="0" err="1"/>
-              <a:t>style</a:t>
-            </a:r>
-            <a:r>
               <a:rPr lang="es-MX" dirty="0"/>
-              <a:t> se transforma en </a:t>
-            </a:r>
-            <a:r>
-              <a:rPr lang="es-MX" b="1" dirty="0" err="1"/>
-              <a:t>borderTopStyle</a:t>
-            </a:r>
-            <a:endParaRPr lang="es-MX" b="1" dirty="0"/>
-          </a:p>
-          <a:p>
-            <a:pPr marL="457200" lvl="1" indent="0">
+              <a:t>&lt;/div&gt;</a:t>
+            </a:r>
+          </a:p>
+          <a:p>
+            <a:pPr marL="0" indent="0">
               <a:buNone/>
             </a:pPr>
             <a:r>
-              <a:rPr lang="es-MX" b="1" dirty="0" err="1"/>
-              <a:t>list-style-image</a:t>
-            </a:r>
-            <a:r>
               <a:rPr lang="es-MX" dirty="0"/>
-              <a:t> se transforma en </a:t>
-            </a:r>
-            <a:r>
-              <a:rPr lang="es-MX" b="1" dirty="0" err="1"/>
-              <a:t>listStyleImage</a:t>
-            </a:r>
-            <a:endParaRPr lang="es-MX" b="1" dirty="0"/>
+              <a:t>&lt;p&gt;&lt;input </a:t>
+            </a:r>
+            <a:r>
+              <a:rPr lang="es-MX" dirty="0" err="1"/>
+              <a:t>type</a:t>
+            </a:r>
+            <a:r>
+              <a:rPr lang="es-MX" dirty="0"/>
+              <a:t>="</a:t>
+            </a:r>
+            <a:r>
+              <a:rPr lang="es-MX" dirty="0" err="1"/>
+              <a:t>button</a:t>
+            </a:r>
+            <a:r>
+              <a:rPr lang="es-MX" dirty="0"/>
+              <a:t>" </a:t>
+            </a:r>
+            <a:r>
+              <a:rPr lang="es-MX" dirty="0" err="1"/>
+              <a:t>value</a:t>
+            </a:r>
+            <a:r>
+              <a:rPr lang="es-MX" dirty="0"/>
+              <a:t>="</a:t>
+            </a:r>
+            <a:r>
+              <a:rPr lang="es-MX" dirty="0" err="1"/>
+              <a:t>Add</a:t>
+            </a:r>
+            <a:r>
+              <a:rPr lang="es-MX" dirty="0"/>
+              <a:t> File" </a:t>
+            </a:r>
+            <a:r>
+              <a:rPr lang="es-MX" dirty="0" err="1"/>
+              <a:t>onclick</a:t>
+            </a:r>
+            <a:r>
+              <a:rPr lang="es-MX" dirty="0"/>
+              <a:t>="</a:t>
+            </a:r>
+            <a:r>
+              <a:rPr lang="es-MX" dirty="0" err="1"/>
+              <a:t>addFile</a:t>
+            </a:r>
+            <a:r>
+              <a:rPr lang="es-MX" dirty="0"/>
+              <a:t>();" /&gt;&lt;/p&gt;</a:t>
+            </a:r>
+          </a:p>
+          <a:p>
+            <a:pPr marL="0" indent="0">
+              <a:buNone/>
+            </a:pPr>
+            <a:r>
+              <a:rPr lang="es-MX" dirty="0"/>
+              <a:t>&lt;/</a:t>
+            </a:r>
+            <a:r>
+              <a:rPr lang="es-MX" dirty="0" err="1"/>
+              <a:t>form</a:t>
+            </a:r>
+            <a:r>
+              <a:rPr lang="es-MX" dirty="0"/>
+              <a:t>&gt;</a:t>
+            </a:r>
+          </a:p>
+          <a:p>
+            <a:endParaRPr lang="es-MX" dirty="0"/>
           </a:p>
         </p:txBody>
       </p:sp>
     </p:spTree>
     <p:extLst>
       <p:ext uri="{BB962C8B-B14F-4D97-AF65-F5344CB8AC3E}">
-        <p14:creationId xmlns:p14="http://schemas.microsoft.com/office/powerpoint/2010/main" val="4058029257"/>
+        <p14:creationId xmlns:p14="http://schemas.microsoft.com/office/powerpoint/2010/main" val="4186827654"/>
       </p:ext>
     </p:extLst>
   </p:cSld>
   <p:clrMapOvr>
     <a:masterClrMapping/>
   </p:clrMapOvr>
+  <p:timing>
+    <p:tnLst>
+      <p:par>
+        <p:cTn id="1" dur="indefinite" restart="never" nodeType="tmRoot"/>
+      </p:par>
+    </p:tnLst>
+  </p:timing>
 </p:sld>
 </file>
 
@@ -38280,10 +40262,9 @@
           <a:lstStyle/>
           <a:p>
             <a:r>
-              <a:rPr lang="es-MX" smtClean="0"/>
+              <a:rPr lang="es-MX" dirty="0"/>
               <a:t>Acceso directo a los atributos XHTML</a:t>
             </a:r>
-            <a:endParaRPr lang="es-MX" dirty="0"/>
           </a:p>
         </p:txBody>
       </p:sp>
@@ -38299,7 +40280,9 @@
         </p:nvSpPr>
         <p:spPr/>
         <p:txBody>
-          <a:bodyPr/>
+          <a:bodyPr>
+            <a:normAutofit/>
+          </a:bodyPr>
           <a:lstStyle/>
           <a:p>
             <a:pPr marL="0" indent="0">
@@ -38307,126 +40290,62 @@
             </a:pPr>
             <a:r>
               <a:rPr lang="es-MX" dirty="0" smtClean="0"/>
-              <a:t>El único atributo que no podemos utilizar directamente es </a:t>
-            </a:r>
-            <a:r>
-              <a:rPr lang="es-MX" b="1" dirty="0" smtClean="0"/>
-              <a:t>CLASS</a:t>
-            </a:r>
-            <a:r>
-              <a:rPr lang="es-MX" dirty="0" smtClean="0"/>
-              <a:t>, porque es una palabra reservada en </a:t>
-            </a:r>
-            <a:r>
-              <a:rPr lang="es-MX" b="1" dirty="0" smtClean="0"/>
-              <a:t>JS</a:t>
-            </a:r>
-            <a:r>
-              <a:rPr lang="es-MX" dirty="0" smtClean="0"/>
-              <a:t>, la forma correcta de hacer referencia a </a:t>
-            </a:r>
-            <a:r>
-              <a:rPr lang="es-MX" b="1" dirty="0" err="1" smtClean="0"/>
-              <a:t>class</a:t>
-            </a:r>
-            <a:r>
-              <a:rPr lang="es-MX" dirty="0" smtClean="0"/>
-              <a:t> es </a:t>
-            </a:r>
-            <a:r>
-              <a:rPr lang="es-MX" b="1" dirty="0" err="1" smtClean="0"/>
-              <a:t>className</a:t>
-            </a:r>
-            <a:endParaRPr lang="es-MX" b="1" dirty="0" smtClean="0"/>
-          </a:p>
-          <a:p>
-            <a:endParaRPr lang="es-MX" dirty="0" smtClean="0"/>
-          </a:p>
-          <a:p>
-            <a:pPr marL="457200" lvl="1" indent="0">
+              <a:t>Las etiquetas XHTML pueden tener dentro de la definición del elemento, atributos propios de cada etiqueta.</a:t>
+            </a:r>
+          </a:p>
+          <a:p>
+            <a:pPr marL="0" indent="0">
               <a:buNone/>
             </a:pPr>
+            <a:endParaRPr lang="es-MX" dirty="0"/>
+          </a:p>
+          <a:p>
+            <a:pPr marL="0" indent="0">
+              <a:buNone/>
+            </a:pPr>
+            <a:r>
+              <a:rPr lang="es-MX" dirty="0" smtClean="0"/>
+              <a:t>&lt;</a:t>
+            </a:r>
             <a:r>
               <a:rPr lang="es-MX" dirty="0" err="1" smtClean="0"/>
-              <a:t>var</a:t>
+              <a:t>tag</a:t>
             </a:r>
             <a:r>
               <a:rPr lang="es-MX" dirty="0" smtClean="0"/>
               <a:t> </a:t>
             </a:r>
             <a:r>
-              <a:rPr lang="es-MX" dirty="0" err="1" smtClean="0"/>
-              <a:t>parrafo</a:t>
+              <a:rPr lang="es-MX" b="1" dirty="0" smtClean="0"/>
+              <a:t>atributo</a:t>
             </a:r>
             <a:r>
               <a:rPr lang="es-MX" dirty="0" smtClean="0"/>
-              <a:t> = </a:t>
-            </a:r>
-            <a:r>
-              <a:rPr lang="es-MX" dirty="0" err="1" smtClean="0"/>
-              <a:t>document.getElementById</a:t>
+              <a:t>=“</a:t>
+            </a:r>
+            <a:r>
+              <a:rPr lang="es-MX" b="1" dirty="0" smtClean="0"/>
+              <a:t>valor</a:t>
             </a:r>
             <a:r>
               <a:rPr lang="es-MX" dirty="0" smtClean="0"/>
-              <a:t>("</a:t>
-            </a:r>
-            <a:r>
-              <a:rPr lang="es-MX" dirty="0" err="1" smtClean="0"/>
-              <a:t>parrafo</a:t>
+              <a:t>” </a:t>
+            </a:r>
+            <a:r>
+              <a:rPr lang="es-MX" b="1" dirty="0" smtClean="0"/>
+              <a:t>atributo</a:t>
             </a:r>
             <a:r>
               <a:rPr lang="es-MX" dirty="0" smtClean="0"/>
-              <a:t>");</a:t>
-            </a:r>
-          </a:p>
-          <a:p>
-            <a:pPr marL="457200" lvl="1" indent="0">
-              <a:buNone/>
-            </a:pPr>
-            <a:r>
-              <a:rPr lang="es-MX" dirty="0" err="1" smtClean="0"/>
-              <a:t>alert</a:t>
+              <a:t>=“</a:t>
+            </a:r>
+            <a:r>
+              <a:rPr lang="es-MX" b="1" dirty="0" smtClean="0"/>
+              <a:t>valor</a:t>
             </a:r>
             <a:r>
               <a:rPr lang="es-MX" dirty="0" smtClean="0"/>
-              <a:t>(</a:t>
-            </a:r>
-            <a:r>
-              <a:rPr lang="es-MX" dirty="0" err="1" smtClean="0"/>
-              <a:t>parrafo.class</a:t>
-            </a:r>
-            <a:r>
-              <a:rPr lang="es-MX" dirty="0" smtClean="0"/>
-              <a:t>); // muestra "</a:t>
-            </a:r>
-            <a:r>
-              <a:rPr lang="es-MX" dirty="0" err="1" smtClean="0"/>
-              <a:t>undefined</a:t>
-            </a:r>
-            <a:r>
-              <a:rPr lang="es-MX" dirty="0" smtClean="0"/>
-              <a:t>"</a:t>
-            </a:r>
-          </a:p>
-          <a:p>
-            <a:pPr marL="457200" lvl="1" indent="0">
-              <a:buNone/>
-            </a:pPr>
-            <a:r>
-              <a:rPr lang="es-MX" dirty="0" err="1" smtClean="0"/>
-              <a:t>alert</a:t>
-            </a:r>
-            <a:r>
-              <a:rPr lang="es-MX" dirty="0" smtClean="0"/>
-              <a:t>(</a:t>
-            </a:r>
-            <a:r>
-              <a:rPr lang="es-MX" dirty="0" err="1" smtClean="0"/>
-              <a:t>parrafo.className</a:t>
-            </a:r>
-            <a:r>
-              <a:rPr lang="es-MX" dirty="0" smtClean="0"/>
-              <a:t>); // muestra "normal</a:t>
+              <a:t>”&gt;</a:t>
             </a:r>
             <a:endParaRPr lang="es-MX" dirty="0"/>
           </a:p>
@@ -38435,13 +40354,20 @@
     </p:spTree>
     <p:extLst>
       <p:ext uri="{BB962C8B-B14F-4D97-AF65-F5344CB8AC3E}">
-        <p14:creationId xmlns:p14="http://schemas.microsoft.com/office/powerpoint/2010/main" val="3844029008"/>
+        <p14:creationId xmlns:p14="http://schemas.microsoft.com/office/powerpoint/2010/main" val="4089761895"/>
       </p:ext>
     </p:extLst>
   </p:cSld>
   <p:clrMapOvr>
     <a:masterClrMapping/>
   </p:clrMapOvr>
+  <p:timing>
+    <p:tnLst>
+      <p:par>
+        <p:cTn id="1" dur="indefinite" restart="never" nodeType="tmRoot"/>
+      </p:par>
+    </p:tnLst>
+  </p:timing>
 </p:sld>
 </file>
 
@@ -38464,7 +40390,7 @@
       </p:grpSpPr>
       <p:sp>
         <p:nvSpPr>
-          <p:cNvPr id="22530" name="1 Título"/>
+          <p:cNvPr id="2" name="Título 1"/>
           <p:cNvSpPr>
             <a:spLocks noGrp="1"/>
           </p:cNvSpPr>
@@ -38478,20 +40404,15 @@
           <a:lstStyle/>
           <a:p>
             <a:r>
-              <a:rPr lang="es-ES" altLang="es-MX" dirty="0" smtClean="0"/>
-              <a:t>Ejercicio: </a:t>
-            </a:r>
-            <a:r>
-              <a:rPr lang="es-ES" altLang="es-MX" sz="3200" dirty="0" smtClean="0"/>
-              <a:t>Hacer el árbol del siguiente código.</a:t>
-            </a:r>
-            <a:endParaRPr lang="es-ES" altLang="es-MX" dirty="0" smtClean="0"/>
+              <a:rPr lang="es-MX" dirty="0"/>
+              <a:t>Acceso directo a los atributos XHTML</a:t>
+            </a:r>
           </a:p>
         </p:txBody>
       </p:sp>
       <p:sp>
         <p:nvSpPr>
-          <p:cNvPr id="22531" name="2 Marcador de contenido"/>
+          <p:cNvPr id="6" name="Marcador de contenido 5"/>
           <p:cNvSpPr>
             <a:spLocks noGrp="1"/>
           </p:cNvSpPr>
@@ -38502,7 +40423,7 @@
         <p:spPr/>
         <p:txBody>
           <a:bodyPr>
-            <a:normAutofit fontScale="92500" lnSpcReduction="10000"/>
+            <a:normAutofit fontScale="92500" lnSpcReduction="20000"/>
           </a:bodyPr>
           <a:lstStyle/>
           <a:p>
@@ -38510,255 +40431,118 @@
               <a:buNone/>
             </a:pPr>
             <a:r>
-              <a:rPr lang="es-ES" altLang="es-MX" sz="2400" dirty="0" smtClean="0"/>
-              <a:t>&lt;</a:t>
-            </a:r>
-            <a:r>
-              <a:rPr lang="es-ES" altLang="es-MX" sz="2400" dirty="0" err="1"/>
-              <a:t>bookstore</a:t>
-            </a:r>
-            <a:r>
-              <a:rPr lang="es-ES" altLang="es-MX" sz="2400" dirty="0"/>
-              <a:t>&gt;</a:t>
-            </a:r>
-          </a:p>
-          <a:p>
-            <a:pPr>
-              <a:buFontTx/>
+              <a:rPr lang="es-MX" dirty="0"/>
+              <a:t>El siguiente ejemplo obtiene de forma directa la dirección a la que enlaza el enlace:</a:t>
+            </a:r>
+          </a:p>
+          <a:p>
+            <a:pPr marL="0" indent="0">
               <a:buNone/>
             </a:pPr>
-            <a:r>
-              <a:rPr lang="es-ES" altLang="es-MX" sz="2400" dirty="0"/>
-              <a:t>		&lt;</a:t>
-            </a:r>
-            <a:r>
-              <a:rPr lang="es-ES" altLang="es-MX" sz="2400" dirty="0" err="1"/>
-              <a:t>book</a:t>
-            </a:r>
-            <a:r>
-              <a:rPr lang="es-ES" altLang="es-MX" sz="2400" dirty="0"/>
-              <a:t> </a:t>
-            </a:r>
-            <a:r>
-              <a:rPr lang="es-ES" altLang="es-MX" sz="2400" dirty="0" err="1"/>
-              <a:t>category</a:t>
-            </a:r>
-            <a:r>
-              <a:rPr lang="es-ES" altLang="es-MX" sz="2400" dirty="0"/>
-              <a:t>=“</a:t>
-            </a:r>
-            <a:r>
-              <a:rPr lang="es-ES" altLang="es-MX" sz="2400" dirty="0" err="1"/>
-              <a:t>history</a:t>
-            </a:r>
-            <a:r>
-              <a:rPr lang="es-ES" altLang="es-MX" sz="2400" dirty="0"/>
-              <a:t>”&gt;</a:t>
-            </a:r>
-          </a:p>
-          <a:p>
-            <a:pPr>
-              <a:buFontTx/>
+            <a:endParaRPr lang="es-MX" dirty="0"/>
+          </a:p>
+          <a:p>
+            <a:pPr marL="0" indent="0">
               <a:buNone/>
             </a:pPr>
             <a:r>
-              <a:rPr lang="es-ES" altLang="es-MX" sz="2400" dirty="0"/>
-              <a:t>			&lt;</a:t>
-            </a:r>
-            <a:r>
-              <a:rPr lang="es-ES" altLang="es-MX" sz="2400" dirty="0" err="1"/>
-              <a:t>title</a:t>
-            </a:r>
-            <a:r>
-              <a:rPr lang="es-ES" altLang="es-MX" sz="2400" dirty="0"/>
-              <a:t> </a:t>
-            </a:r>
-            <a:r>
-              <a:rPr lang="es-ES" altLang="es-MX" sz="2400" dirty="0" err="1"/>
-              <a:t>lang</a:t>
-            </a:r>
-            <a:r>
-              <a:rPr lang="es-ES" altLang="es-MX" sz="2400" dirty="0"/>
-              <a:t>=“</a:t>
-            </a:r>
-            <a:r>
-              <a:rPr lang="es-ES" altLang="es-MX" sz="2400" dirty="0" err="1"/>
-              <a:t>english</a:t>
-            </a:r>
-            <a:r>
-              <a:rPr lang="es-ES" altLang="es-MX" sz="2400" dirty="0"/>
-              <a:t>&gt;</a:t>
-            </a:r>
-          </a:p>
-          <a:p>
-            <a:pPr>
-              <a:buFontTx/>
+              <a:rPr lang="es-MX" dirty="0" err="1"/>
+              <a:t>var</a:t>
+            </a:r>
+            <a:r>
+              <a:rPr lang="es-MX" dirty="0"/>
+              <a:t> enlace = </a:t>
+            </a:r>
+            <a:r>
+              <a:rPr lang="es-MX" b="1" dirty="0" err="1"/>
+              <a:t>document.getElementById</a:t>
+            </a:r>
+            <a:r>
+              <a:rPr lang="es-MX" dirty="0"/>
+              <a:t>("enlace");</a:t>
+            </a:r>
+          </a:p>
+          <a:p>
+            <a:pPr marL="0" indent="0">
               <a:buNone/>
             </a:pPr>
-            <a:r>
-              <a:rPr lang="es-ES" altLang="es-MX" sz="2400" dirty="0"/>
-              <a:t>				</a:t>
-            </a:r>
-            <a:r>
-              <a:rPr lang="es-ES" altLang="es-MX" sz="2400" dirty="0" err="1"/>
-              <a:t>Everyday</a:t>
-            </a:r>
-            <a:r>
-              <a:rPr lang="es-ES" altLang="es-MX" sz="2400" dirty="0"/>
-              <a:t> </a:t>
-            </a:r>
-            <a:r>
-              <a:rPr lang="es-ES" altLang="es-MX" sz="2400" dirty="0" err="1"/>
-              <a:t>Italian</a:t>
-            </a:r>
-            <a:endParaRPr lang="es-ES" altLang="es-MX" sz="2400" dirty="0"/>
-          </a:p>
-          <a:p>
-            <a:pPr>
-              <a:buFontTx/>
+            <a:endParaRPr lang="es-MX" dirty="0" smtClean="0"/>
+          </a:p>
+          <a:p>
+            <a:pPr marL="0" indent="0">
               <a:buNone/>
             </a:pPr>
             <a:r>
-              <a:rPr lang="es-ES" altLang="es-MX" sz="2400" dirty="0"/>
-              <a:t>			&lt;/</a:t>
-            </a:r>
-            <a:r>
-              <a:rPr lang="es-ES" altLang="es-MX" sz="2400" dirty="0" err="1"/>
-              <a:t>title</a:t>
-            </a:r>
-            <a:r>
-              <a:rPr lang="es-ES" altLang="es-MX" sz="2400" dirty="0"/>
-              <a:t>&gt;</a:t>
-            </a:r>
-          </a:p>
-          <a:p>
-            <a:pPr>
-              <a:buFontTx/>
+              <a:rPr lang="es-MX" b="1" dirty="0" err="1" smtClean="0"/>
+              <a:t>alert</a:t>
+            </a:r>
+            <a:r>
+              <a:rPr lang="es-MX" b="1" dirty="0" smtClean="0"/>
+              <a:t>(</a:t>
+            </a:r>
+            <a:r>
+              <a:rPr lang="es-MX" b="1" dirty="0" err="1" smtClean="0"/>
+              <a:t>enlace.href</a:t>
+            </a:r>
+            <a:r>
+              <a:rPr lang="es-MX" dirty="0" smtClean="0"/>
+              <a:t>);</a:t>
+            </a:r>
+            <a:br>
+              <a:rPr lang="es-MX" dirty="0" smtClean="0"/>
+            </a:br>
+            <a:endParaRPr lang="es-MX" dirty="0" smtClean="0"/>
+          </a:p>
+          <a:p>
+            <a:pPr marL="0" indent="0">
               <a:buNone/>
             </a:pPr>
             <a:r>
-              <a:rPr lang="es-ES" altLang="es-MX" sz="2400" dirty="0"/>
-              <a:t>			&lt;</a:t>
-            </a:r>
-            <a:r>
-              <a:rPr lang="es-ES" altLang="es-MX" sz="2400" dirty="0" err="1"/>
-              <a:t>author</a:t>
-            </a:r>
-            <a:r>
-              <a:rPr lang="es-ES" altLang="es-MX" sz="2400" dirty="0"/>
-              <a:t>&gt;</a:t>
-            </a:r>
-            <a:r>
-              <a:rPr lang="es-ES" altLang="es-MX" sz="2400" dirty="0" err="1"/>
-              <a:t>Giada</a:t>
-            </a:r>
-            <a:r>
-              <a:rPr lang="es-ES" altLang="es-MX" sz="2400" dirty="0"/>
-              <a:t> de </a:t>
-            </a:r>
-            <a:r>
-              <a:rPr lang="es-ES" altLang="es-MX" sz="2400" dirty="0" err="1"/>
-              <a:t>Laurentis</a:t>
-            </a:r>
-            <a:r>
-              <a:rPr lang="es-ES" altLang="es-MX" sz="2400" dirty="0"/>
-              <a:t>&lt;/</a:t>
-            </a:r>
-            <a:r>
-              <a:rPr lang="es-ES" altLang="es-MX" sz="2400" dirty="0" err="1"/>
-              <a:t>author</a:t>
-            </a:r>
-            <a:r>
-              <a:rPr lang="es-ES" altLang="es-MX" sz="2400" dirty="0"/>
-              <a:t>&gt;</a:t>
-            </a:r>
-          </a:p>
-          <a:p>
-            <a:pPr>
-              <a:buFontTx/>
+              <a:rPr lang="es-MX" dirty="0" smtClean="0"/>
+              <a:t>muestra </a:t>
+            </a:r>
+            <a:r>
+              <a:rPr lang="es-MX" dirty="0"/>
+              <a:t>http://www...</a:t>
+            </a:r>
+            <a:r>
+              <a:rPr lang="es-MX" dirty="0" err="1"/>
+              <a:t>com</a:t>
+            </a:r>
+            <a:endParaRPr lang="es-MX" dirty="0"/>
+          </a:p>
+          <a:p>
+            <a:pPr marL="0" indent="0">
               <a:buNone/>
             </a:pPr>
             <a:r>
-              <a:rPr lang="es-ES" altLang="es-MX" sz="2400" dirty="0"/>
-              <a:t>			&lt;</a:t>
-            </a:r>
-            <a:r>
-              <a:rPr lang="es-ES" altLang="es-MX" sz="2400" dirty="0" err="1"/>
-              <a:t>year</a:t>
-            </a:r>
-            <a:r>
-              <a:rPr lang="es-ES" altLang="es-MX" sz="2400" dirty="0"/>
-              <a:t>&gt;2005&lt;/</a:t>
-            </a:r>
-            <a:r>
-              <a:rPr lang="es-ES" altLang="es-MX" sz="2400" dirty="0" err="1"/>
-              <a:t>year</a:t>
-            </a:r>
-            <a:r>
-              <a:rPr lang="es-ES" altLang="es-MX" sz="2400" dirty="0"/>
-              <a:t>&gt;</a:t>
-            </a:r>
-          </a:p>
-          <a:p>
-            <a:pPr>
-              <a:buFontTx/>
+              <a:rPr lang="es-MX" dirty="0"/>
+              <a:t> </a:t>
+            </a:r>
+          </a:p>
+          <a:p>
+            <a:pPr marL="0" indent="0">
               <a:buNone/>
             </a:pPr>
             <a:r>
-              <a:rPr lang="es-ES" altLang="es-MX" sz="2400" dirty="0"/>
-              <a:t>			&lt;</a:t>
-            </a:r>
-            <a:r>
-              <a:rPr lang="es-ES" altLang="es-MX" sz="2400" dirty="0" err="1"/>
-              <a:t>price</a:t>
-            </a:r>
-            <a:r>
-              <a:rPr lang="es-ES" altLang="es-MX" sz="2400" dirty="0"/>
-              <a:t>&gt;30&lt;/</a:t>
-            </a:r>
-            <a:r>
-              <a:rPr lang="es-ES" altLang="es-MX" sz="2400" dirty="0" err="1"/>
-              <a:t>price</a:t>
-            </a:r>
-            <a:r>
-              <a:rPr lang="es-ES" altLang="es-MX" sz="2400" dirty="0"/>
-              <a:t>&gt;</a:t>
-            </a:r>
-          </a:p>
-          <a:p>
-            <a:pPr>
-              <a:buFontTx/>
-              <a:buNone/>
-            </a:pPr>
-            <a:r>
-              <a:rPr lang="es-ES" altLang="es-MX" sz="2400" dirty="0"/>
-              <a:t>		&lt;/</a:t>
-            </a:r>
-            <a:r>
-              <a:rPr lang="es-ES" altLang="es-MX" sz="2400" dirty="0" err="1"/>
-              <a:t>book</a:t>
-            </a:r>
-            <a:r>
-              <a:rPr lang="es-ES" altLang="es-MX" sz="2400" dirty="0"/>
-              <a:t>&gt;</a:t>
-            </a:r>
-          </a:p>
-          <a:p>
-            <a:pPr>
-              <a:buFontTx/>
-              <a:buNone/>
-            </a:pPr>
-            <a:r>
-              <a:rPr lang="es-ES" altLang="es-MX" sz="2400" dirty="0" smtClean="0"/>
-              <a:t>&lt;/</a:t>
-            </a:r>
-            <a:r>
-              <a:rPr lang="es-ES" altLang="es-MX" sz="2400" dirty="0" err="1"/>
-              <a:t>bookstore</a:t>
-            </a:r>
-            <a:r>
-              <a:rPr lang="es-ES" altLang="es-MX" sz="2400" dirty="0"/>
-              <a:t>&gt;</a:t>
+              <a:rPr lang="es-MX" dirty="0"/>
+              <a:t>&lt;a id="enlace" </a:t>
+            </a:r>
+            <a:r>
+              <a:rPr lang="es-MX" b="1" dirty="0" err="1"/>
+              <a:t>href</a:t>
+            </a:r>
+            <a:r>
+              <a:rPr lang="es-MX" dirty="0"/>
+              <a:t>="http://www...</a:t>
+            </a:r>
+            <a:r>
+              <a:rPr lang="es-MX" dirty="0" err="1"/>
+              <a:t>com</a:t>
+            </a:r>
+            <a:r>
+              <a:rPr lang="es-MX" dirty="0"/>
+              <a:t>"&gt;Enlace&lt;/a&gt;</a:t>
             </a:r>
           </a:p>
         </p:txBody>
@@ -38766,13 +40550,20 @@
     </p:spTree>
     <p:extLst>
       <p:ext uri="{BB962C8B-B14F-4D97-AF65-F5344CB8AC3E}">
-        <p14:creationId xmlns:p14="http://schemas.microsoft.com/office/powerpoint/2010/main" val="1097348581"/>
+        <p14:creationId xmlns:p14="http://schemas.microsoft.com/office/powerpoint/2010/main" val="1987649250"/>
       </p:ext>
     </p:extLst>
   </p:cSld>
   <p:clrMapOvr>
     <a:masterClrMapping/>
   </p:clrMapOvr>
+  <p:timing>
+    <p:tnLst>
+      <p:par>
+        <p:cTn id="1" dur="indefinite" restart="never" nodeType="tmRoot"/>
+      </p:par>
+    </p:tnLst>
+  </p:timing>
 </p:sld>
 </file>
 
@@ -38795,7 +40586,7 @@
       </p:grpSpPr>
       <p:sp>
         <p:nvSpPr>
-          <p:cNvPr id="21506" name="1 Título"/>
+          <p:cNvPr id="2" name="Título 1"/>
           <p:cNvSpPr>
             <a:spLocks noGrp="1"/>
           </p:cNvSpPr>
@@ -38809,76 +40600,156 @@
           <a:lstStyle/>
           <a:p>
             <a:r>
-              <a:rPr lang="es-ES" altLang="es-MX" smtClean="0"/>
-              <a:t>Ejemplo de árbol DOM</a:t>
+              <a:rPr lang="es-MX" dirty="0"/>
+              <a:t>Acceso directo a los atributos XHTML</a:t>
             </a:r>
           </a:p>
         </p:txBody>
       </p:sp>
-      <p:pic>
-        <p:nvPicPr>
-          <p:cNvPr id="21507" name="Picture 2" descr="DOM node tree"/>
-          <p:cNvPicPr>
-            <a:picLocks noChangeAspect="1" noChangeArrowheads="1"/>
-          </p:cNvPicPr>
-          <p:nvPr/>
-        </p:nvPicPr>
-        <p:blipFill>
-          <a:blip r:embed="rId3">
-            <a:extLst>
-              <a:ext uri="{28A0092B-C50C-407E-A947-70E740481C1C}">
-                <a14:useLocalDpi xmlns:a14="http://schemas.microsoft.com/office/drawing/2010/main" val="0"/>
-              </a:ext>
-            </a:extLst>
-          </a:blip>
-          <a:srcRect/>
-          <a:stretch>
-            <a:fillRect/>
-          </a:stretch>
-        </p:blipFill>
-        <p:spPr bwMode="auto">
-          <a:xfrm>
-            <a:off x="2024063" y="1643063"/>
-            <a:ext cx="8215312" cy="4648200"/>
-          </a:xfrm>
-          <a:prstGeom prst="rect">
-            <a:avLst/>
-          </a:prstGeom>
-          <a:noFill/>
-          <a:ln>
-            <a:noFill/>
-          </a:ln>
-          <a:extLst>
-            <a:ext uri="{909E8E84-426E-40DD-AFC4-6F175D3DCCD1}">
-              <a14:hiddenFill xmlns:a14="http://schemas.microsoft.com/office/drawing/2010/main">
-                <a:solidFill>
-                  <a:srgbClr val="FFFFFF"/>
-                </a:solidFill>
-              </a14:hiddenFill>
-            </a:ext>
-            <a:ext uri="{91240B29-F687-4F45-9708-019B960494DF}">
-              <a14:hiddenLine xmlns:a14="http://schemas.microsoft.com/office/drawing/2010/main" w="9525">
-                <a:solidFill>
-                  <a:srgbClr val="000000"/>
-                </a:solidFill>
-                <a:miter lim="800000"/>
-                <a:headEnd/>
-                <a:tailEnd/>
-              </a14:hiddenLine>
-            </a:ext>
-          </a:extLst>
-        </p:spPr>
-      </p:pic>
+      <p:sp>
+        <p:nvSpPr>
+          <p:cNvPr id="6" name="Marcador de contenido 5"/>
+          <p:cNvSpPr>
+            <a:spLocks noGrp="1"/>
+          </p:cNvSpPr>
+          <p:nvPr>
+            <p:ph idx="1"/>
+          </p:nvPr>
+        </p:nvSpPr>
+        <p:spPr/>
+        <p:txBody>
+          <a:bodyPr>
+            <a:normAutofit/>
+          </a:bodyPr>
+          <a:lstStyle/>
+          <a:p>
+            <a:pPr marL="0" indent="0">
+              <a:buNone/>
+            </a:pPr>
+            <a:r>
+              <a:rPr lang="es-MX" dirty="0" smtClean="0"/>
+              <a:t>Para el siguiente ejemplo, queremos obtener a través de la propiedad </a:t>
+            </a:r>
+            <a:r>
+              <a:rPr lang="es-MX" b="1" dirty="0" smtClean="0"/>
+              <a:t>Style</a:t>
+            </a:r>
+            <a:r>
+              <a:rPr lang="es-MX" dirty="0" smtClean="0"/>
+              <a:t> el margen de la forma:</a:t>
+            </a:r>
+            <a:br>
+              <a:rPr lang="es-MX" dirty="0" smtClean="0"/>
+            </a:br>
+            <a:endParaRPr lang="es-MX" dirty="0" smtClean="0"/>
+          </a:p>
+          <a:p>
+            <a:pPr marL="0" indent="0">
+              <a:buNone/>
+            </a:pPr>
+            <a:r>
+              <a:rPr lang="es-MX" dirty="0" err="1" smtClean="0"/>
+              <a:t>var</a:t>
+            </a:r>
+            <a:r>
+              <a:rPr lang="es-MX" dirty="0" smtClean="0"/>
+              <a:t> </a:t>
+            </a:r>
+            <a:r>
+              <a:rPr lang="es-MX" dirty="0"/>
+              <a:t>imagen = </a:t>
+            </a:r>
+            <a:r>
+              <a:rPr lang="es-MX" dirty="0" err="1"/>
+              <a:t>document.getElementById</a:t>
+            </a:r>
+            <a:r>
+              <a:rPr lang="es-MX" dirty="0"/>
+              <a:t>("imagen");</a:t>
+            </a:r>
+          </a:p>
+          <a:p>
+            <a:pPr marL="0" indent="0">
+              <a:buNone/>
+            </a:pPr>
+            <a:r>
+              <a:rPr lang="es-MX" dirty="0" err="1"/>
+              <a:t>alert</a:t>
+            </a:r>
+            <a:r>
+              <a:rPr lang="es-MX" dirty="0"/>
+              <a:t>(</a:t>
+            </a:r>
+            <a:r>
+              <a:rPr lang="es-MX" dirty="0" err="1"/>
+              <a:t>imagen.style.margin</a:t>
+            </a:r>
+            <a:r>
+              <a:rPr lang="es-MX" dirty="0"/>
+              <a:t>);</a:t>
+            </a:r>
+          </a:p>
+          <a:p>
+            <a:pPr marL="0" indent="0">
+              <a:buNone/>
+            </a:pPr>
+            <a:r>
+              <a:rPr lang="es-MX" dirty="0"/>
+              <a:t> </a:t>
+            </a:r>
+          </a:p>
+          <a:p>
+            <a:pPr marL="0" indent="0">
+              <a:buNone/>
+            </a:pPr>
+            <a:r>
+              <a:rPr lang="es-MX" dirty="0"/>
+              <a:t>&lt;</a:t>
+            </a:r>
+            <a:r>
+              <a:rPr lang="es-MX" dirty="0" err="1"/>
+              <a:t>img</a:t>
+            </a:r>
+            <a:r>
+              <a:rPr lang="es-MX" dirty="0"/>
+              <a:t> id="imagen" </a:t>
+            </a:r>
+            <a:r>
+              <a:rPr lang="es-MX" dirty="0" err="1"/>
+              <a:t>style</a:t>
+            </a:r>
+            <a:r>
+              <a:rPr lang="es-MX" dirty="0"/>
+              <a:t>="margin:0; border:0;" </a:t>
+            </a:r>
+            <a:r>
+              <a:rPr lang="es-MX" dirty="0" err="1" smtClean="0"/>
+              <a:t>src</a:t>
+            </a:r>
+            <a:r>
+              <a:rPr lang="es-MX" dirty="0"/>
+              <a:t>="logo.png" /&gt;</a:t>
+            </a:r>
+          </a:p>
+        </p:txBody>
+      </p:sp>
     </p:spTree>
     <p:extLst>
       <p:ext uri="{BB962C8B-B14F-4D97-AF65-F5344CB8AC3E}">
-        <p14:creationId xmlns:p14="http://schemas.microsoft.com/office/powerpoint/2010/main" val="2972122350"/>
+        <p14:creationId xmlns:p14="http://schemas.microsoft.com/office/powerpoint/2010/main" val="3016056999"/>
       </p:ext>
     </p:extLst>
   </p:cSld>
   <p:clrMapOvr>
     <a:masterClrMapping/>
   </p:clrMapOvr>
+  <p:timing>
+    <p:tnLst>
+      <p:par>
+        <p:cTn id="1" dur="indefinite" restart="never" nodeType="tmRoot"/>
+      </p:par>
+    </p:tnLst>
+  </p:timing>
 </p:sld>
 </file>
 
@@ -38901,7 +40772,7 @@
       </p:grpSpPr>
       <p:sp>
         <p:nvSpPr>
-          <p:cNvPr id="2" name="1 Título"/>
+          <p:cNvPr id="2" name="Título 1"/>
           <p:cNvSpPr>
             <a:spLocks noGrp="1"/>
           </p:cNvSpPr>
@@ -38911,283 +40782,167 @@
         </p:nvSpPr>
         <p:spPr/>
         <p:txBody>
+          <a:bodyPr/>
+          <a:lstStyle/>
+          <a:p>
+            <a:r>
+              <a:rPr lang="es-MX" dirty="0"/>
+              <a:t>Acceso directo a los atributos XHTML</a:t>
+            </a:r>
+          </a:p>
+        </p:txBody>
+      </p:sp>
+      <p:sp>
+        <p:nvSpPr>
+          <p:cNvPr id="6" name="Marcador de contenido 5"/>
+          <p:cNvSpPr>
+            <a:spLocks noGrp="1"/>
+          </p:cNvSpPr>
+          <p:nvPr>
+            <p:ph idx="1"/>
+          </p:nvPr>
+        </p:nvSpPr>
+        <p:spPr/>
+        <p:txBody>
           <a:bodyPr>
             <a:normAutofit/>
           </a:bodyPr>
           <a:lstStyle/>
           <a:p>
-            <a:pPr>
-              <a:defRPr/>
+            <a:pPr marL="0" indent="0">
+              <a:buNone/>
             </a:pPr>
             <a:r>
-              <a:rPr lang="es-ES" dirty="0" smtClean="0"/>
-              <a:t>Windows vs </a:t>
-            </a:r>
-            <a:r>
-              <a:rPr lang="es-ES" dirty="0" err="1" smtClean="0"/>
-              <a:t>Document</a:t>
-            </a:r>
-            <a:endParaRPr lang="es-ES" dirty="0"/>
+              <a:rPr lang="es-MX" dirty="0" err="1"/>
+              <a:t>var</a:t>
+            </a:r>
+            <a:r>
+              <a:rPr lang="es-MX" dirty="0"/>
+              <a:t> </a:t>
+            </a:r>
+            <a:r>
+              <a:rPr lang="es-MX" dirty="0" err="1"/>
+              <a:t>parrafo</a:t>
+            </a:r>
+            <a:r>
+              <a:rPr lang="es-MX" dirty="0"/>
+              <a:t> = </a:t>
+            </a:r>
+            <a:r>
+              <a:rPr lang="es-MX" dirty="0" err="1"/>
+              <a:t>document.getElementById</a:t>
+            </a:r>
+            <a:r>
+              <a:rPr lang="es-MX" dirty="0"/>
+              <a:t>("</a:t>
+            </a:r>
+            <a:r>
+              <a:rPr lang="es-MX" dirty="0" err="1"/>
+              <a:t>parrafo</a:t>
+            </a:r>
+            <a:r>
+              <a:rPr lang="es-MX" dirty="0"/>
+              <a:t>");</a:t>
+            </a:r>
+          </a:p>
+          <a:p>
+            <a:pPr marL="0" indent="0">
+              <a:buNone/>
+            </a:pPr>
+            <a:r>
+              <a:rPr lang="es-MX" dirty="0" err="1"/>
+              <a:t>alert</a:t>
+            </a:r>
+            <a:r>
+              <a:rPr lang="es-MX" dirty="0"/>
+              <a:t>(</a:t>
+            </a:r>
+            <a:r>
+              <a:rPr lang="es-MX" dirty="0" err="1"/>
+              <a:t>parrafo.style.fontWeight</a:t>
+            </a:r>
+            <a:r>
+              <a:rPr lang="es-MX" dirty="0"/>
+              <a:t>);  // muestra "</a:t>
+            </a:r>
+            <a:r>
+              <a:rPr lang="es-MX" dirty="0" err="1"/>
+              <a:t>bold</a:t>
+            </a:r>
+            <a:r>
+              <a:rPr lang="es-MX" dirty="0"/>
+              <a:t>"</a:t>
+            </a:r>
+          </a:p>
+          <a:p>
+            <a:pPr marL="0" indent="0">
+              <a:buNone/>
+            </a:pPr>
+            <a:r>
+              <a:rPr lang="es-MX" dirty="0"/>
+              <a:t> </a:t>
+            </a:r>
+          </a:p>
+          <a:p>
+            <a:pPr marL="0" indent="0">
+              <a:buNone/>
+            </a:pPr>
+            <a:r>
+              <a:rPr lang="es-MX" dirty="0"/>
+              <a:t>&lt;p id="</a:t>
+            </a:r>
+            <a:r>
+              <a:rPr lang="es-MX" dirty="0" err="1"/>
+              <a:t>parrafo</a:t>
+            </a:r>
+            <a:r>
+              <a:rPr lang="es-MX" dirty="0"/>
+              <a:t>" </a:t>
+            </a:r>
+            <a:r>
+              <a:rPr lang="es-MX" dirty="0" err="1"/>
+              <a:t>style</a:t>
+            </a:r>
+            <a:r>
+              <a:rPr lang="es-MX" dirty="0"/>
+              <a:t>="</a:t>
+            </a:r>
+            <a:r>
+              <a:rPr lang="es-MX" dirty="0" err="1"/>
+              <a:t>font-weight</a:t>
+            </a:r>
+            <a:r>
+              <a:rPr lang="es-MX" dirty="0"/>
+              <a:t>: </a:t>
+            </a:r>
+            <a:r>
+              <a:rPr lang="es-MX" dirty="0" err="1"/>
+              <a:t>bold</a:t>
+            </a:r>
+            <a:r>
+              <a:rPr lang="es-MX" dirty="0"/>
+              <a:t>;"&gt;...&lt;/p&gt;</a:t>
+            </a:r>
           </a:p>
         </p:txBody>
       </p:sp>
-      <p:graphicFrame>
-        <p:nvGraphicFramePr>
-          <p:cNvPr id="4" name="Marcador de contenido 3"/>
-          <p:cNvGraphicFramePr>
-            <a:graphicFrameLocks noGrp="1"/>
-          </p:cNvGraphicFramePr>
-          <p:nvPr>
-            <p:ph idx="1"/>
-            <p:extLst>
-              <p:ext uri="{D42A27DB-BD31-4B8C-83A1-F6EECF244321}">
-                <p14:modId xmlns:p14="http://schemas.microsoft.com/office/powerpoint/2010/main" val="3743169109"/>
-              </p:ext>
-            </p:extLst>
-          </p:nvPr>
-        </p:nvGraphicFramePr>
-        <p:xfrm>
-          <a:off x="2072640" y="1965959"/>
-          <a:ext cx="8351520" cy="4058843"/>
-        </p:xfrm>
-        <a:graphic>
-          <a:graphicData uri="http://schemas.openxmlformats.org/drawingml/2006/table">
-            <a:tbl>
-              <a:tblPr firstRow="1" bandRow="1">
-                <a:tableStyleId>{073A0DAA-6AF3-43AB-8588-CEC1D06C72B9}</a:tableStyleId>
-              </a:tblPr>
-              <a:tblGrid>
-                <a:gridCol w="4175760">
-                  <a:extLst>
-                    <a:ext uri="{9D8B030D-6E8A-4147-A177-3AD203B41FA5}">
-                      <a16:colId xmlns:a16="http://schemas.microsoft.com/office/drawing/2014/main" val="1596070528"/>
-                    </a:ext>
-                  </a:extLst>
-                </a:gridCol>
-                <a:gridCol w="4175760">
-                  <a:extLst>
-                    <a:ext uri="{9D8B030D-6E8A-4147-A177-3AD203B41FA5}">
-                      <a16:colId xmlns:a16="http://schemas.microsoft.com/office/drawing/2014/main" val="2641734424"/>
-                    </a:ext>
-                  </a:extLst>
-                </a:gridCol>
-              </a:tblGrid>
-              <a:tr h="468834">
-                <a:tc>
-                  <a:txBody>
-                    <a:bodyPr/>
-                    <a:lstStyle/>
-                    <a:p>
-                      <a:pPr algn="ctr"/>
-                      <a:r>
-                        <a:rPr lang="es-MX" dirty="0" err="1" smtClean="0"/>
-                        <a:t>Window</a:t>
-                      </a:r>
-                      <a:endParaRPr lang="es-MX" dirty="0"/>
-                    </a:p>
-                  </a:txBody>
-                  <a:tcPr anchor="ctr"/>
-                </a:tc>
-                <a:tc>
-                  <a:txBody>
-                    <a:bodyPr/>
-                    <a:lstStyle/>
-                    <a:p>
-                      <a:pPr algn="ctr"/>
-                      <a:r>
-                        <a:rPr lang="es-MX" dirty="0" err="1" smtClean="0"/>
-                        <a:t>Document</a:t>
-                      </a:r>
-                      <a:endParaRPr lang="es-MX" dirty="0"/>
-                    </a:p>
-                  </a:txBody>
-                  <a:tcPr anchor="ctr"/>
-                </a:tc>
-                <a:extLst>
-                  <a:ext uri="{0D108BD9-81ED-4DB2-BD59-A6C34878D82A}">
-                    <a16:rowId xmlns:a16="http://schemas.microsoft.com/office/drawing/2014/main" val="3965714803"/>
-                  </a:ext>
-                </a:extLst>
-              </a:tr>
-              <a:tr h="973425">
-                <a:tc>
-                  <a:txBody>
-                    <a:bodyPr/>
-                    <a:lstStyle/>
-                    <a:p>
-                      <a:pPr>
-                        <a:defRPr/>
-                      </a:pPr>
-                      <a:r>
-                        <a:rPr lang="es-ES" dirty="0" err="1" smtClean="0"/>
-                        <a:t>window</a:t>
-                      </a:r>
-                      <a:r>
-                        <a:rPr lang="es-ES" dirty="0" smtClean="0"/>
-                        <a:t> representa la ventana</a:t>
-                      </a:r>
-                      <a:endParaRPr lang="es-MX" dirty="0"/>
-                    </a:p>
-                  </a:txBody>
-                  <a:tcPr/>
-                </a:tc>
-                <a:tc>
-                  <a:txBody>
-                    <a:bodyPr/>
-                    <a:lstStyle/>
-                    <a:p>
-                      <a:pPr>
-                        <a:defRPr/>
-                      </a:pPr>
-                      <a:r>
-                        <a:rPr lang="es-ES" dirty="0" err="1" smtClean="0"/>
-                        <a:t>document</a:t>
-                      </a:r>
-                      <a:r>
-                        <a:rPr lang="es-ES" dirty="0" smtClean="0"/>
-                        <a:t> representa el documento</a:t>
-                      </a:r>
-                      <a:endParaRPr lang="es-MX" dirty="0"/>
-                    </a:p>
-                  </a:txBody>
-                  <a:tcPr/>
-                </a:tc>
-                <a:extLst>
-                  <a:ext uri="{0D108BD9-81ED-4DB2-BD59-A6C34878D82A}">
-                    <a16:rowId xmlns:a16="http://schemas.microsoft.com/office/drawing/2014/main" val="3608420769"/>
-                  </a:ext>
-                </a:extLst>
-              </a:tr>
-              <a:tr h="1460555">
-                <a:tc>
-                  <a:txBody>
-                    <a:bodyPr/>
-                    <a:lstStyle/>
-                    <a:p>
-                      <a:pPr marL="0" marR="0" indent="0" algn="l" defTabSz="914400" rtl="0" eaLnBrk="1" fontAlgn="auto" latinLnBrk="0" hangingPunct="1">
-                        <a:lnSpc>
-                          <a:spcPct val="100000"/>
-                        </a:lnSpc>
-                        <a:spcBef>
-                          <a:spcPts val="0"/>
-                        </a:spcBef>
-                        <a:spcAft>
-                          <a:spcPts val="0"/>
-                        </a:spcAft>
-                        <a:buClrTx/>
-                        <a:buSzTx/>
-                        <a:buFontTx/>
-                        <a:buNone/>
-                        <a:tabLst/>
-                        <a:defRPr/>
-                      </a:pPr>
-                      <a:r>
-                        <a:rPr lang="es-ES" dirty="0" smtClean="0"/>
-                        <a:t>Entre los miembros de </a:t>
-                      </a:r>
-                      <a:r>
-                        <a:rPr lang="es-ES" dirty="0" err="1" smtClean="0"/>
-                        <a:t>window</a:t>
-                      </a:r>
-                      <a:r>
-                        <a:rPr lang="es-ES" dirty="0" smtClean="0"/>
-                        <a:t> están su ancho y alto (interiores y exteriores)</a:t>
-                      </a:r>
-                    </a:p>
-                    <a:p>
-                      <a:endParaRPr lang="es-MX" dirty="0"/>
-                    </a:p>
-                  </a:txBody>
-                  <a:tcPr/>
-                </a:tc>
-                <a:tc>
-                  <a:txBody>
-                    <a:bodyPr/>
-                    <a:lstStyle/>
-                    <a:p>
-                      <a:pPr marL="0" marR="0" indent="0" algn="l" defTabSz="914400" rtl="0" eaLnBrk="1" fontAlgn="auto" latinLnBrk="0" hangingPunct="1">
-                        <a:lnSpc>
-                          <a:spcPct val="100000"/>
-                        </a:lnSpc>
-                        <a:spcBef>
-                          <a:spcPts val="0"/>
-                        </a:spcBef>
-                        <a:spcAft>
-                          <a:spcPts val="0"/>
-                        </a:spcAft>
-                        <a:buClrTx/>
-                        <a:buSzTx/>
-                        <a:buFontTx/>
-                        <a:buNone/>
-                        <a:tabLst/>
-                        <a:defRPr/>
-                      </a:pPr>
-                      <a:r>
-                        <a:rPr lang="es-ES" dirty="0" smtClean="0"/>
-                        <a:t>Entre los miembros de </a:t>
-                      </a:r>
-                      <a:r>
-                        <a:rPr lang="es-ES" dirty="0" err="1" smtClean="0"/>
-                        <a:t>document</a:t>
-                      </a:r>
-                      <a:r>
-                        <a:rPr lang="es-ES" dirty="0" smtClean="0"/>
-                        <a:t> están su cookie y URL</a:t>
-                      </a:r>
-                    </a:p>
-                    <a:p>
-                      <a:endParaRPr lang="es-MX" dirty="0"/>
-                    </a:p>
-                  </a:txBody>
-                  <a:tcPr/>
-                </a:tc>
-                <a:extLst>
-                  <a:ext uri="{0D108BD9-81ED-4DB2-BD59-A6C34878D82A}">
-                    <a16:rowId xmlns:a16="http://schemas.microsoft.com/office/drawing/2014/main" val="1604709653"/>
-                  </a:ext>
-                </a:extLst>
-              </a:tr>
-              <a:tr h="1156029">
-                <a:tc>
-                  <a:txBody>
-                    <a:bodyPr/>
-                    <a:lstStyle/>
-                    <a:p>
-                      <a:endParaRPr lang="es-MX" dirty="0"/>
-                    </a:p>
-                  </a:txBody>
-                  <a:tcPr/>
-                </a:tc>
-                <a:tc>
-                  <a:txBody>
-                    <a:bodyPr/>
-                    <a:lstStyle/>
-                    <a:p>
-                      <a:endParaRPr lang="es-MX" dirty="0"/>
-                    </a:p>
-                  </a:txBody>
-                  <a:tcPr/>
-                </a:tc>
-                <a:extLst>
-                  <a:ext uri="{0D108BD9-81ED-4DB2-BD59-A6C34878D82A}">
-                    <a16:rowId xmlns:a16="http://schemas.microsoft.com/office/drawing/2014/main" val="3862893529"/>
-                  </a:ext>
-                </a:extLst>
-              </a:tr>
-            </a:tbl>
-          </a:graphicData>
-        </a:graphic>
-      </p:graphicFrame>
     </p:spTree>
     <p:extLst>
       <p:ext uri="{BB962C8B-B14F-4D97-AF65-F5344CB8AC3E}">
-        <p14:creationId xmlns:p14="http://schemas.microsoft.com/office/powerpoint/2010/main" val="2490450363"/>
+        <p14:creationId xmlns:p14="http://schemas.microsoft.com/office/powerpoint/2010/main" val="1396906600"/>
       </p:ext>
     </p:extLst>
   </p:cSld>
   <p:clrMapOvr>
     <a:masterClrMapping/>
   </p:clrMapOvr>
+  <p:timing>
+    <p:tnLst>
+      <p:par>
+        <p:cTn id="1" dur="indefinite" restart="never" nodeType="tmRoot"/>
+      </p:par>
+    </p:tnLst>
+  </p:timing>
 </p:sld>
 </file>
 
@@ -39210,7 +40965,7 @@
       </p:grpSpPr>
       <p:sp>
         <p:nvSpPr>
-          <p:cNvPr id="24578" name="1 Título"/>
+          <p:cNvPr id="2" name="Título 1"/>
           <p:cNvSpPr>
             <a:spLocks noGrp="1"/>
           </p:cNvSpPr>
@@ -39224,15 +40979,15 @@
           <a:lstStyle/>
           <a:p>
             <a:r>
-              <a:rPr lang="es-ES" altLang="es-MX" smtClean="0"/>
-              <a:t>DOM: Eventos</a:t>
+              <a:rPr lang="es-MX" dirty="0"/>
+              <a:t>Acceso directo a los atributos XHTML</a:t>
             </a:r>
           </a:p>
         </p:txBody>
       </p:sp>
       <p:sp>
         <p:nvSpPr>
-          <p:cNvPr id="3" name="2 Marcador de contenido"/>
+          <p:cNvPr id="6" name="Marcador de contenido 5"/>
           <p:cNvSpPr>
             <a:spLocks noGrp="1"/>
           </p:cNvSpPr>
@@ -39249,11 +41004,38 @@
           <a:p>
             <a:pPr marL="0" indent="0">
               <a:buNone/>
-              <a:defRPr/>
             </a:pPr>
             <a:r>
-              <a:rPr lang="es-ES" dirty="0" smtClean="0"/>
-              <a:t>DOM prevé el envío de eventos cuando se accede a documentos HTML o XML. </a:t>
+              <a:rPr lang="es-MX" dirty="0" err="1"/>
+              <a:t>var</a:t>
+            </a:r>
+            <a:r>
+              <a:rPr lang="es-MX" dirty="0"/>
+              <a:t> </a:t>
+            </a:r>
+            <a:r>
+              <a:rPr lang="es-MX" dirty="0" err="1"/>
+              <a:t>parrafo</a:t>
+            </a:r>
+            <a:r>
+              <a:rPr lang="es-MX" dirty="0"/>
+              <a:t> = </a:t>
+            </a:r>
+            <a:r>
+              <a:rPr lang="es-MX" dirty="0" err="1"/>
+              <a:t>document.getElementById</a:t>
+            </a:r>
+            <a:r>
+              <a:rPr lang="es-MX" dirty="0"/>
+              <a:t>("</a:t>
+            </a:r>
+            <a:r>
+              <a:rPr lang="es-MX" dirty="0" err="1"/>
+              <a:t>parrafo</a:t>
+            </a:r>
+            <a:r>
+              <a:rPr lang="es-MX" dirty="0"/>
+              <a:t>");</a:t>
             </a:r>
           </a:p>
           <a:p>
@@ -39261,16 +41043,47 @@
               <a:buNone/>
             </a:pPr>
             <a:r>
-              <a:rPr lang="es-ES" altLang="es-MX" dirty="0" smtClean="0"/>
-              <a:t>Cada objeto tiene asociado una serie de eventos posibles de ejecutar (</a:t>
-            </a:r>
-            <a:r>
-              <a:rPr lang="es-ES" altLang="es-MX" b="1" dirty="0" smtClean="0"/>
-              <a:t>HANDLER</a:t>
-            </a:r>
-            <a:r>
-              <a:rPr lang="es-ES" altLang="es-MX" dirty="0" smtClean="0"/>
-              <a:t>), pero estos solo pueden ejecutar una  instrucción asociada al mismo.</a:t>
+              <a:rPr lang="es-MX" dirty="0" err="1"/>
+              <a:t>alert</a:t>
+            </a:r>
+            <a:r>
+              <a:rPr lang="es-MX" dirty="0"/>
+              <a:t>(</a:t>
+            </a:r>
+            <a:r>
+              <a:rPr lang="es-MX" dirty="0" err="1"/>
+              <a:t>parrafo.</a:t>
+            </a:r>
+            <a:r>
+              <a:rPr lang="es-MX" b="1" dirty="0" err="1"/>
+              <a:t>style</a:t>
+            </a:r>
+            <a:r>
+              <a:rPr lang="es-MX" dirty="0" err="1"/>
+              <a:t>.</a:t>
+            </a:r>
+            <a:r>
+              <a:rPr lang="es-MX" b="1" dirty="0" err="1">
+                <a:solidFill>
+                  <a:schemeClr val="tx1">
+                    <a:lumMod val="50000"/>
+                    <a:lumOff val="50000"/>
+                  </a:schemeClr>
+                </a:solidFill>
+              </a:rPr>
+              <a:t>fontWeight</a:t>
+            </a:r>
+            <a:r>
+              <a:rPr lang="es-MX" dirty="0"/>
+              <a:t>);  // muestra "</a:t>
+            </a:r>
+            <a:r>
+              <a:rPr lang="es-MX" dirty="0" err="1"/>
+              <a:t>bold</a:t>
+            </a:r>
+            <a:r>
+              <a:rPr lang="es-MX" dirty="0"/>
+              <a:t>"</a:t>
             </a:r>
           </a:p>
           <a:p>
@@ -39278,44 +41091,119 @@
               <a:buNone/>
             </a:pPr>
             <a:r>
-              <a:rPr lang="es-ES" altLang="es-MX" dirty="0" smtClean="0"/>
-              <a:t>Por </a:t>
-            </a:r>
-            <a:r>
-              <a:rPr lang="es-ES" altLang="es-MX" dirty="0"/>
-              <a:t>ejemplo, el evento de pulsar un botón del ratón sobre un elemento tiene asociado el método o instrucciones correspondientes al atributo </a:t>
-            </a:r>
-            <a:r>
-              <a:rPr lang="es-ES" altLang="es-MX" i="1" dirty="0" err="1"/>
-              <a:t>onclick</a:t>
-            </a:r>
-            <a:r>
-              <a:rPr lang="es-ES" altLang="es-MX" i="1" dirty="0"/>
+              <a:rPr lang="es-MX" dirty="0"/>
               <a:t> </a:t>
             </a:r>
-            <a:r>
-              <a:rPr lang="es-ES" altLang="es-MX" dirty="0"/>
-              <a:t>de su etiqueta.</a:t>
-            </a:r>
-          </a:p>
-          <a:p>
-            <a:pPr>
-              <a:defRPr/>
+          </a:p>
+          <a:p>
+            <a:pPr marL="0" indent="0">
+              <a:buNone/>
             </a:pPr>
-            <a:endParaRPr lang="es-ES" dirty="0"/>
+            <a:r>
+              <a:rPr lang="es-MX" dirty="0"/>
+              <a:t>&lt;p id="</a:t>
+            </a:r>
+            <a:r>
+              <a:rPr lang="es-MX" dirty="0" err="1"/>
+              <a:t>parrafo</a:t>
+            </a:r>
+            <a:r>
+              <a:rPr lang="es-MX" dirty="0"/>
+              <a:t>" </a:t>
+            </a:r>
+            <a:r>
+              <a:rPr lang="es-MX" b="1" dirty="0" err="1"/>
+              <a:t>style</a:t>
+            </a:r>
+            <a:r>
+              <a:rPr lang="es-MX" dirty="0"/>
+              <a:t>="</a:t>
+            </a:r>
+            <a:r>
+              <a:rPr lang="es-MX" b="1" dirty="0" err="1">
+                <a:solidFill>
+                  <a:schemeClr val="tx1">
+                    <a:lumMod val="50000"/>
+                    <a:lumOff val="50000"/>
+                  </a:schemeClr>
+                </a:solidFill>
+              </a:rPr>
+              <a:t>font-weight</a:t>
+            </a:r>
+            <a:r>
+              <a:rPr lang="es-MX" dirty="0"/>
+              <a:t>: </a:t>
+            </a:r>
+            <a:r>
+              <a:rPr lang="es-MX" dirty="0" err="1"/>
+              <a:t>bold</a:t>
+            </a:r>
+            <a:r>
+              <a:rPr lang="es-MX" dirty="0"/>
+              <a:t>;"&gt;...&lt;/p&gt;</a:t>
+            </a:r>
           </a:p>
         </p:txBody>
       </p:sp>
+      <p:pic>
+        <p:nvPicPr>
+          <p:cNvPr id="3" name="Imagen 2">
+            <a:hlinkClick r:id="rId2"/>
+          </p:cNvPr>
+          <p:cNvPicPr>
+            <a:picLocks noChangeAspect="1"/>
+          </p:cNvPicPr>
+          <p:nvPr/>
+        </p:nvPicPr>
+        <p:blipFill>
+          <a:blip r:embed="rId3" cstate="print">
+            <a:extLst>
+              <a:ext uri="{28A0092B-C50C-407E-A947-70E740481C1C}">
+                <a14:useLocalDpi xmlns:a14="http://schemas.microsoft.com/office/drawing/2010/main" val="0"/>
+              </a:ext>
+            </a:extLst>
+          </a:blip>
+          <a:stretch>
+            <a:fillRect/>
+          </a:stretch>
+        </p:blipFill>
+        <p:spPr>
+          <a:xfrm>
+            <a:off x="11249891" y="5256501"/>
+            <a:ext cx="942109" cy="942109"/>
+          </a:xfrm>
+          <a:prstGeom prst="rect">
+            <a:avLst/>
+          </a:prstGeom>
+          <a:ln>
+            <a:noFill/>
+          </a:ln>
+          <a:effectLst>
+            <a:outerShdw blurRad="292100" dist="139700" dir="2700000" algn="tl" rotWithShape="0">
+              <a:srgbClr val="333333">
+                <a:alpha val="65000"/>
+              </a:srgbClr>
+            </a:outerShdw>
+          </a:effectLst>
+        </p:spPr>
+      </p:pic>
     </p:spTree>
     <p:extLst>
       <p:ext uri="{BB962C8B-B14F-4D97-AF65-F5344CB8AC3E}">
-        <p14:creationId xmlns:p14="http://schemas.microsoft.com/office/powerpoint/2010/main" val="3234957777"/>
+        <p14:creationId xmlns:p14="http://schemas.microsoft.com/office/powerpoint/2010/main" val="628534029"/>
       </p:ext>
     </p:extLst>
   </p:cSld>
   <p:clrMapOvr>
     <a:masterClrMapping/>
   </p:clrMapOvr>
+  <p:timing>
+    <p:tnLst>
+      <p:par>
+        <p:cTn id="1" dur="indefinite" restart="never" nodeType="tmRoot"/>
+      </p:par>
+    </p:tnLst>
+  </p:timing>
 </p:sld>
 </file>
 
@@ -39338,7 +41226,7 @@
       </p:grpSpPr>
       <p:sp>
         <p:nvSpPr>
-          <p:cNvPr id="2" name="1 Título"/>
+          <p:cNvPr id="2" name="Título 1"/>
           <p:cNvSpPr>
             <a:spLocks noGrp="1"/>
           </p:cNvSpPr>
@@ -39348,32 +41236,19 @@
         </p:nvSpPr>
         <p:spPr/>
         <p:txBody>
-          <a:bodyPr>
-            <a:normAutofit/>
-          </a:bodyPr>
+          <a:bodyPr/>
           <a:lstStyle/>
           <a:p>
-            <a:pPr>
-              <a:defRPr/>
-            </a:pPr>
-            <a:r>
-              <a:rPr lang="es-ES" dirty="0" smtClean="0"/>
-              <a:t>DOM: Eventos. </a:t>
-            </a:r>
-            <a:br>
-              <a:rPr lang="es-ES" dirty="0" smtClean="0"/>
-            </a:br>
-            <a:r>
-              <a:rPr lang="es-ES" sz="2400" dirty="0" smtClean="0"/>
-              <a:t>Atributos HTML que indican los métodos asociados</a:t>
-            </a:r>
-            <a:endParaRPr lang="es-ES" dirty="0"/>
+            <a:r>
+              <a:rPr lang="es-MX" dirty="0"/>
+              <a:t>Acceso directo a los atributos XHTML</a:t>
+            </a:r>
           </a:p>
         </p:txBody>
       </p:sp>
       <p:sp>
         <p:nvSpPr>
-          <p:cNvPr id="3" name="2 Marcador de contenido"/>
+          <p:cNvPr id="6" name="Marcador de contenido 5"/>
           <p:cNvSpPr>
             <a:spLocks noGrp="1"/>
           </p:cNvSpPr>
@@ -39384,115 +41259,142 @@
         <p:spPr/>
         <p:txBody>
           <a:bodyPr>
-            <a:normAutofit lnSpcReduction="10000"/>
+            <a:normAutofit/>
           </a:bodyPr>
           <a:lstStyle/>
           <a:p>
-            <a:pPr>
-              <a:defRPr/>
+            <a:pPr marL="0" indent="0">
+              <a:buNone/>
             </a:pPr>
             <a:r>
-              <a:rPr lang="es-ES" dirty="0" smtClean="0"/>
-              <a:t>Finalización de la carga de una página o de una imagen: </a:t>
-            </a:r>
-            <a:r>
-              <a:rPr lang="es-ES" b="1" dirty="0" err="1" smtClean="0"/>
-              <a:t>onLoad</a:t>
-            </a:r>
-            <a:endParaRPr lang="es-ES" b="1" dirty="0" smtClean="0"/>
-          </a:p>
-          <a:p>
-            <a:pPr>
-              <a:defRPr/>
+              <a:rPr lang="es-MX" dirty="0" smtClean="0"/>
+              <a:t>Para poder manipular los atributos </a:t>
+            </a:r>
+            <a:r>
+              <a:rPr lang="es-MX" b="1" dirty="0" smtClean="0"/>
+              <a:t>CSS</a:t>
+            </a:r>
+            <a:r>
+              <a:rPr lang="es-MX" dirty="0" smtClean="0"/>
+              <a:t> de nuestro elemento es necesario eliminar los </a:t>
+            </a:r>
+            <a:r>
+              <a:rPr lang="es-MX" b="1" dirty="0" smtClean="0"/>
+              <a:t>-</a:t>
+            </a:r>
+            <a:r>
+              <a:rPr lang="es-MX" dirty="0" smtClean="0"/>
+              <a:t> y </a:t>
+            </a:r>
+            <a:r>
+              <a:rPr lang="es-MX" dirty="0"/>
+              <a:t>escribir en mayúscula la letra </a:t>
+            </a:r>
+            <a:r>
+              <a:rPr lang="es-MX" dirty="0" smtClean="0"/>
+              <a:t>que se encontraba después del guion. </a:t>
+            </a:r>
+            <a:r>
+              <a:rPr lang="es-MX" dirty="0"/>
+              <a:t>A continuación se muestran algunos ejemplos:</a:t>
+            </a:r>
+          </a:p>
+          <a:p>
+            <a:pPr marL="0" indent="0">
+              <a:buNone/>
             </a:pPr>
-            <a:r>
-              <a:rPr lang="es-ES" dirty="0" smtClean="0"/>
-              <a:t>Pulsar un botón del ratón: </a:t>
-            </a:r>
-            <a:r>
-              <a:rPr lang="es-ES" b="1" dirty="0" err="1" smtClean="0"/>
-              <a:t>onclick</a:t>
-            </a:r>
-            <a:endParaRPr lang="es-ES" b="1" dirty="0" smtClean="0"/>
-          </a:p>
-          <a:p>
-            <a:pPr>
-              <a:defRPr/>
+            <a:endParaRPr lang="es-MX" dirty="0"/>
+          </a:p>
+          <a:p>
+            <a:pPr marL="457200" lvl="1" indent="0">
+              <a:buNone/>
             </a:pPr>
             <a:r>
-              <a:rPr lang="es-ES" dirty="0" smtClean="0"/>
-              <a:t>Entrar con el cursor del ratón sobre un elemento: </a:t>
-            </a:r>
-            <a:r>
-              <a:rPr lang="es-ES" b="1" dirty="0" err="1" smtClean="0"/>
-              <a:t>onMouseOver</a:t>
-            </a:r>
-            <a:r>
-              <a:rPr lang="es-ES" dirty="0" smtClean="0"/>
-              <a:t>, </a:t>
-            </a:r>
-            <a:r>
-              <a:rPr lang="es-ES" b="1" dirty="0" err="1" smtClean="0"/>
-              <a:t>onMouseOut</a:t>
-            </a:r>
-            <a:endParaRPr lang="es-ES" b="1" dirty="0" smtClean="0"/>
-          </a:p>
-          <a:p>
-            <a:pPr>
-              <a:defRPr/>
+              <a:rPr lang="es-MX" b="1" dirty="0" err="1"/>
+              <a:t>font-weight</a:t>
+            </a:r>
+            <a:r>
+              <a:rPr lang="es-MX" dirty="0"/>
+              <a:t> se transforma en </a:t>
+            </a:r>
+            <a:r>
+              <a:rPr lang="es-MX" b="1" dirty="0" err="1"/>
+              <a:t>fontWeight</a:t>
+            </a:r>
+            <a:endParaRPr lang="es-MX" b="1" dirty="0"/>
+          </a:p>
+          <a:p>
+            <a:pPr marL="457200" lvl="1" indent="0">
+              <a:buNone/>
             </a:pPr>
             <a:r>
-              <a:rPr lang="es-ES" dirty="0" smtClean="0"/>
-              <a:t>Seleccionar un campo en un formulario: </a:t>
-            </a:r>
-            <a:r>
-              <a:rPr lang="es-ES" b="1" dirty="0" err="1" smtClean="0"/>
-              <a:t>onFocus</a:t>
-            </a:r>
-            <a:endParaRPr lang="es-ES" b="1" dirty="0" smtClean="0"/>
-          </a:p>
-          <a:p>
-            <a:pPr>
-              <a:defRPr/>
+              <a:rPr lang="es-MX" b="1" dirty="0"/>
+              <a:t>line-</a:t>
+            </a:r>
+            <a:r>
+              <a:rPr lang="es-MX" b="1" dirty="0" err="1"/>
+              <a:t>height</a:t>
+            </a:r>
+            <a:r>
+              <a:rPr lang="es-MX" dirty="0"/>
+              <a:t> se transforma en </a:t>
+            </a:r>
+            <a:r>
+              <a:rPr lang="es-MX" b="1" dirty="0" err="1"/>
+              <a:t>lineHeight</a:t>
+            </a:r>
+            <a:endParaRPr lang="es-MX" b="1" dirty="0"/>
+          </a:p>
+          <a:p>
+            <a:pPr marL="457200" lvl="1" indent="0">
+              <a:buNone/>
             </a:pPr>
             <a:r>
-              <a:rPr lang="es-ES" dirty="0" smtClean="0"/>
-              <a:t>Enviar el contenido de un formulario mediante </a:t>
-            </a:r>
-            <a:r>
-              <a:rPr lang="es-ES" b="1" dirty="0" smtClean="0"/>
-              <a:t>HTTP</a:t>
-            </a:r>
-            <a:r>
-              <a:rPr lang="es-ES" dirty="0" smtClean="0"/>
-              <a:t>: </a:t>
-            </a:r>
-            <a:r>
-              <a:rPr lang="es-ES" b="1" dirty="0" err="1" smtClean="0"/>
-              <a:t>onSubmit</a:t>
-            </a:r>
-            <a:endParaRPr lang="es-ES" b="1" dirty="0" smtClean="0"/>
-          </a:p>
-          <a:p>
-            <a:pPr>
-              <a:defRPr/>
+              <a:rPr lang="es-MX" b="1" dirty="0" err="1"/>
+              <a:t>border</a:t>
+            </a:r>
+            <a:r>
+              <a:rPr lang="es-MX" b="1" dirty="0"/>
+              <a:t>-top-</a:t>
+            </a:r>
+            <a:r>
+              <a:rPr lang="es-MX" b="1" dirty="0" err="1"/>
+              <a:t>style</a:t>
+            </a:r>
+            <a:r>
+              <a:rPr lang="es-MX" dirty="0"/>
+              <a:t> se transforma en </a:t>
+            </a:r>
+            <a:r>
+              <a:rPr lang="es-MX" b="1" dirty="0" err="1"/>
+              <a:t>borderTopStyle</a:t>
+            </a:r>
+            <a:endParaRPr lang="es-MX" b="1" dirty="0"/>
+          </a:p>
+          <a:p>
+            <a:pPr marL="457200" lvl="1" indent="0">
+              <a:buNone/>
             </a:pPr>
             <a:r>
-              <a:rPr lang="es-ES" dirty="0" smtClean="0"/>
-              <a:t>Pulsar sobre una tecla: </a:t>
-            </a:r>
-            <a:r>
-              <a:rPr lang="es-ES" b="1" dirty="0" err="1" smtClean="0"/>
-              <a:t>onkeydown</a:t>
-            </a:r>
-            <a:endParaRPr lang="es-ES" b="1" dirty="0" smtClean="0"/>
+              <a:rPr lang="es-MX" b="1" dirty="0" err="1"/>
+              <a:t>list-style-image</a:t>
+            </a:r>
+            <a:r>
+              <a:rPr lang="es-MX" dirty="0"/>
+              <a:t> se transforma en </a:t>
+            </a:r>
+            <a:r>
+              <a:rPr lang="es-MX" b="1" dirty="0" err="1"/>
+              <a:t>listStyleImage</a:t>
+            </a:r>
+            <a:endParaRPr lang="es-MX" b="1" dirty="0"/>
           </a:p>
         </p:txBody>
       </p:sp>
     </p:spTree>
     <p:extLst>
       <p:ext uri="{BB962C8B-B14F-4D97-AF65-F5344CB8AC3E}">
-        <p14:creationId xmlns:p14="http://schemas.microsoft.com/office/powerpoint/2010/main" val="1089338212"/>
+        <p14:creationId xmlns:p14="http://schemas.microsoft.com/office/powerpoint/2010/main" val="4058029257"/>
       </p:ext>
     </p:extLst>
   </p:cSld>
@@ -39528,7 +41430,7 @@
       </p:grpSpPr>
       <p:sp>
         <p:nvSpPr>
-          <p:cNvPr id="25602" name="1 Título"/>
+          <p:cNvPr id="2" name="Título 1"/>
           <p:cNvSpPr>
             <a:spLocks noGrp="1"/>
           </p:cNvSpPr>
@@ -39542,15 +41444,16 @@
           <a:lstStyle/>
           <a:p>
             <a:r>
-              <a:rPr lang="es-ES" altLang="es-MX" dirty="0" smtClean="0"/>
-              <a:t>DOM: Eventos</a:t>
-            </a:r>
+              <a:rPr lang="es-MX" smtClean="0"/>
+              <a:t>Acceso directo a los atributos XHTML</a:t>
+            </a:r>
+            <a:endParaRPr lang="es-MX" dirty="0"/>
           </a:p>
         </p:txBody>
       </p:sp>
       <p:sp>
         <p:nvSpPr>
-          <p:cNvPr id="25603" name="2 Marcador de contenido"/>
+          <p:cNvPr id="6" name="Marcador de contenido 5"/>
           <p:cNvSpPr>
             <a:spLocks noGrp="1"/>
           </p:cNvSpPr>
@@ -39567,49 +41470,136 @@
               <a:buNone/>
             </a:pPr>
             <a:r>
-              <a:rPr lang="es-MX" altLang="es-MX" dirty="0" smtClean="0"/>
-              <a:t>Se </a:t>
-            </a:r>
-            <a:r>
-              <a:rPr lang="es-MX" altLang="es-MX" dirty="0"/>
-              <a:t>puede utilizar la palabra reservada </a:t>
-            </a:r>
-            <a:r>
-              <a:rPr lang="es-MX" altLang="es-MX" b="1" dirty="0" smtClean="0"/>
-              <a:t>THIS</a:t>
-            </a:r>
-            <a:r>
-              <a:rPr lang="es-MX" altLang="es-MX" dirty="0" smtClean="0"/>
-              <a:t> </a:t>
-            </a:r>
-            <a:r>
-              <a:rPr lang="es-MX" altLang="es-MX" dirty="0"/>
-              <a:t>para referirse al elemento XHTML sobre el que se está ejecutando el evento. </a:t>
-            </a:r>
-            <a:endParaRPr lang="es-MX" altLang="es-MX" dirty="0" smtClean="0"/>
-          </a:p>
-          <a:p>
-            <a:pPr marL="0" indent="0">
+              <a:rPr lang="es-MX" dirty="0" smtClean="0"/>
+              <a:t>El único atributo que no podemos utilizar directamente es </a:t>
+            </a:r>
+            <a:r>
+              <a:rPr lang="es-MX" b="1" dirty="0" smtClean="0"/>
+              <a:t>CLASS</a:t>
+            </a:r>
+            <a:r>
+              <a:rPr lang="es-MX" dirty="0" smtClean="0"/>
+              <a:t>, porque es una palabra reservada en </a:t>
+            </a:r>
+            <a:r>
+              <a:rPr lang="es-MX" b="1" dirty="0" smtClean="0"/>
+              <a:t>JS</a:t>
+            </a:r>
+            <a:r>
+              <a:rPr lang="es-MX" dirty="0" smtClean="0"/>
+              <a:t>, la forma correcta de hacer referencia a </a:t>
+            </a:r>
+            <a:r>
+              <a:rPr lang="es-MX" b="1" dirty="0" err="1" smtClean="0"/>
+              <a:t>class</a:t>
+            </a:r>
+            <a:r>
+              <a:rPr lang="es-MX" dirty="0" smtClean="0"/>
+              <a:t> es </a:t>
+            </a:r>
+            <a:r>
+              <a:rPr lang="es-MX" b="1" dirty="0" err="1" smtClean="0"/>
+              <a:t>className</a:t>
+            </a:r>
+            <a:endParaRPr lang="es-MX" b="1" dirty="0" smtClean="0"/>
+          </a:p>
+          <a:p>
+            <a:endParaRPr lang="es-MX" dirty="0" smtClean="0"/>
+          </a:p>
+          <a:p>
+            <a:pPr marL="457200" lvl="1" indent="0">
               <a:buNone/>
             </a:pPr>
-            <a:endParaRPr lang="es-MX" altLang="es-MX" dirty="0" smtClean="0"/>
-          </a:p>
-          <a:p>
-            <a:pPr marL="0" indent="0">
+            <a:r>
+              <a:rPr lang="es-MX" dirty="0" err="1" smtClean="0"/>
+              <a:t>var</a:t>
+            </a:r>
+            <a:r>
+              <a:rPr lang="es-MX" dirty="0" smtClean="0"/>
+              <a:t> </a:t>
+            </a:r>
+            <a:r>
+              <a:rPr lang="es-MX" dirty="0" err="1" smtClean="0"/>
+              <a:t>parrafo</a:t>
+            </a:r>
+            <a:r>
+              <a:rPr lang="es-MX" dirty="0" smtClean="0"/>
+              <a:t> = </a:t>
+            </a:r>
+            <a:r>
+              <a:rPr lang="es-MX" dirty="0" err="1" smtClean="0"/>
+              <a:t>document.getElementById</a:t>
+            </a:r>
+            <a:r>
+              <a:rPr lang="es-MX" dirty="0" smtClean="0"/>
+              <a:t>("</a:t>
+            </a:r>
+            <a:r>
+              <a:rPr lang="es-MX" dirty="0" err="1" smtClean="0"/>
+              <a:t>parrafo</a:t>
+            </a:r>
+            <a:r>
+              <a:rPr lang="es-MX" dirty="0" smtClean="0"/>
+              <a:t>");</a:t>
+            </a:r>
+          </a:p>
+          <a:p>
+            <a:pPr marL="457200" lvl="1" indent="0">
               <a:buNone/>
             </a:pPr>
             <a:r>
-              <a:rPr lang="es-MX" altLang="es-MX" dirty="0" smtClean="0"/>
-              <a:t>Esto es útil cuando necesitamos interactuar con el objeto que invoco al método.</a:t>
-            </a:r>
-            <a:endParaRPr lang="es-ES" altLang="es-MX" dirty="0" smtClean="0"/>
+              <a:rPr lang="es-MX" dirty="0" err="1" smtClean="0"/>
+              <a:t>alert</a:t>
+            </a:r>
+            <a:r>
+              <a:rPr lang="es-MX" dirty="0" smtClean="0"/>
+              <a:t>(</a:t>
+            </a:r>
+            <a:r>
+              <a:rPr lang="es-MX" dirty="0" err="1" smtClean="0"/>
+              <a:t>parrafo.class</a:t>
+            </a:r>
+            <a:r>
+              <a:rPr lang="es-MX" dirty="0" smtClean="0"/>
+              <a:t>); // muestra "</a:t>
+            </a:r>
+            <a:r>
+              <a:rPr lang="es-MX" dirty="0" err="1" smtClean="0"/>
+              <a:t>undefined</a:t>
+            </a:r>
+            <a:r>
+              <a:rPr lang="es-MX" dirty="0" smtClean="0"/>
+              <a:t>"</a:t>
+            </a:r>
+          </a:p>
+          <a:p>
+            <a:pPr marL="457200" lvl="1" indent="0">
+              <a:buNone/>
+            </a:pPr>
+            <a:r>
+              <a:rPr lang="es-MX" dirty="0" err="1" smtClean="0"/>
+              <a:t>alert</a:t>
+            </a:r>
+            <a:r>
+              <a:rPr lang="es-MX" dirty="0" smtClean="0"/>
+              <a:t>(</a:t>
+            </a:r>
+            <a:r>
+              <a:rPr lang="es-MX" dirty="0" err="1" smtClean="0"/>
+              <a:t>parrafo.className</a:t>
+            </a:r>
+            <a:r>
+              <a:rPr lang="es-MX" dirty="0" smtClean="0"/>
+              <a:t>); // muestra "normal</a:t>
+            </a:r>
+            <a:endParaRPr lang="es-MX" dirty="0"/>
           </a:p>
         </p:txBody>
       </p:sp>
     </p:spTree>
     <p:extLst>
       <p:ext uri="{BB962C8B-B14F-4D97-AF65-F5344CB8AC3E}">
-        <p14:creationId xmlns:p14="http://schemas.microsoft.com/office/powerpoint/2010/main" val="1986504087"/>
+        <p14:creationId xmlns:p14="http://schemas.microsoft.com/office/powerpoint/2010/main" val="3844029008"/>
       </p:ext>
     </p:extLst>
   </p:cSld>
@@ -39645,7 +41635,45 @@
       </p:grpSpPr>
       <p:sp>
         <p:nvSpPr>
-          <p:cNvPr id="25602" name="1 Título"/>
+          <p:cNvPr id="2" name="Rectángulo 1"/>
+          <p:cNvSpPr/>
+          <p:nvPr/>
+        </p:nvSpPr>
+        <p:spPr>
+          <a:xfrm>
+            <a:off x="1854200" y="1825625"/>
+            <a:ext cx="3786945" cy="4223483"/>
+          </a:xfrm>
+          <a:prstGeom prst="rect">
+            <a:avLst/>
+          </a:prstGeom>
+        </p:spPr>
+        <p:style>
+          <a:lnRef idx="2">
+            <a:schemeClr val="accent6"/>
+          </a:lnRef>
+          <a:fillRef idx="1">
+            <a:schemeClr val="lt1"/>
+          </a:fillRef>
+          <a:effectRef idx="0">
+            <a:schemeClr val="accent6"/>
+          </a:effectRef>
+          <a:fontRef idx="minor">
+            <a:schemeClr val="dk1"/>
+          </a:fontRef>
+        </p:style>
+        <p:txBody>
+          <a:bodyPr rtlCol="0" anchor="ctr"/>
+          <a:lstStyle/>
+          <a:p>
+            <a:pPr algn="ctr"/>
+            <a:endParaRPr lang="es-MX"/>
+          </a:p>
+        </p:txBody>
+      </p:sp>
+      <p:sp>
+        <p:nvSpPr>
+          <p:cNvPr id="22530" name="1 Título"/>
           <p:cNvSpPr>
             <a:spLocks noGrp="1"/>
           </p:cNvSpPr>
@@ -39660,73 +41688,685 @@
           <a:p>
             <a:r>
               <a:rPr lang="es-ES" altLang="es-MX" dirty="0" smtClean="0"/>
-              <a:t>DOM: Eventos</a:t>
-            </a:r>
+              <a:t>Ejercicio: </a:t>
+            </a:r>
+            <a:r>
+              <a:rPr lang="es-ES" altLang="es-MX" sz="3200" dirty="0" smtClean="0"/>
+              <a:t>Agregar y eliminar frutas dinámicamente.</a:t>
+            </a:r>
+            <a:endParaRPr lang="es-ES" altLang="es-MX" dirty="0" smtClean="0"/>
           </a:p>
         </p:txBody>
       </p:sp>
-      <p:sp>
-        <p:nvSpPr>
-          <p:cNvPr id="25603" name="2 Marcador de contenido"/>
-          <p:cNvSpPr>
-            <a:spLocks noGrp="1"/>
-          </p:cNvSpPr>
+      <p:pic>
+        <p:nvPicPr>
+          <p:cNvPr id="3" name="Marcador de contenido 2"/>
+          <p:cNvPicPr>
+            <a:picLocks noGrp="1" noChangeAspect="1"/>
+          </p:cNvPicPr>
           <p:nvPr>
             <p:ph idx="1"/>
           </p:nvPr>
-        </p:nvSpPr>
-        <p:spPr/>
+        </p:nvPicPr>
+        <p:blipFill>
+          <a:blip r:embed="rId3" cstate="print">
+            <a:extLst>
+              <a:ext uri="{28A0092B-C50C-407E-A947-70E740481C1C}">
+                <a14:useLocalDpi xmlns:a14="http://schemas.microsoft.com/office/drawing/2010/main" val="0"/>
+              </a:ext>
+            </a:extLst>
+          </a:blip>
+          <a:stretch>
+            <a:fillRect/>
+          </a:stretch>
+        </p:blipFill>
+        <p:spPr>
+          <a:xfrm>
+            <a:off x="4815319" y="2170832"/>
+            <a:ext cx="524412" cy="524412"/>
+          </a:xfrm>
+        </p:spPr>
+      </p:pic>
+      <p:pic>
+        <p:nvPicPr>
+          <p:cNvPr id="4" name="Imagen 3"/>
+          <p:cNvPicPr>
+            <a:picLocks noChangeAspect="1"/>
+          </p:cNvPicPr>
+          <p:nvPr/>
+        </p:nvPicPr>
+        <p:blipFill>
+          <a:blip r:embed="rId4" cstate="print">
+            <a:extLst>
+              <a:ext uri="{28A0092B-C50C-407E-A947-70E740481C1C}">
+                <a14:useLocalDpi xmlns:a14="http://schemas.microsoft.com/office/drawing/2010/main" val="0"/>
+              </a:ext>
+            </a:extLst>
+          </a:blip>
+          <a:stretch>
+            <a:fillRect/>
+          </a:stretch>
+        </p:blipFill>
+        <p:spPr>
+          <a:xfrm>
+            <a:off x="3505850" y="2121658"/>
+            <a:ext cx="483644" cy="545171"/>
+          </a:xfrm>
+          <a:prstGeom prst="rect">
+            <a:avLst/>
+          </a:prstGeom>
+        </p:spPr>
+      </p:pic>
+      <p:pic>
+        <p:nvPicPr>
+          <p:cNvPr id="5" name="Imagen 4"/>
+          <p:cNvPicPr>
+            <a:picLocks noChangeAspect="1"/>
+          </p:cNvPicPr>
+          <p:nvPr/>
+        </p:nvPicPr>
+        <p:blipFill>
+          <a:blip r:embed="rId5" cstate="print">
+            <a:extLst>
+              <a:ext uri="{28A0092B-C50C-407E-A947-70E740481C1C}">
+                <a14:useLocalDpi xmlns:a14="http://schemas.microsoft.com/office/drawing/2010/main" val="0"/>
+              </a:ext>
+            </a:extLst>
+          </a:blip>
+          <a:stretch>
+            <a:fillRect/>
+          </a:stretch>
+        </p:blipFill>
+        <p:spPr>
+          <a:xfrm>
+            <a:off x="2387111" y="2178486"/>
+            <a:ext cx="292914" cy="488343"/>
+          </a:xfrm>
+          <a:prstGeom prst="rect">
+            <a:avLst/>
+          </a:prstGeom>
+        </p:spPr>
+      </p:pic>
+      <p:sp>
+        <p:nvSpPr>
+          <p:cNvPr id="6" name="Elipse 5"/>
+          <p:cNvSpPr/>
+          <p:nvPr/>
+        </p:nvSpPr>
+        <p:spPr>
+          <a:xfrm>
+            <a:off x="1997612" y="3305908"/>
+            <a:ext cx="112542" cy="112542"/>
+          </a:xfrm>
+          <a:prstGeom prst="ellipse">
+            <a:avLst/>
+          </a:prstGeom>
+        </p:spPr>
+        <p:style>
+          <a:lnRef idx="2">
+            <a:schemeClr val="dk1">
+              <a:shade val="50000"/>
+            </a:schemeClr>
+          </a:lnRef>
+          <a:fillRef idx="1">
+            <a:schemeClr val="dk1"/>
+          </a:fillRef>
+          <a:effectRef idx="0">
+            <a:schemeClr val="dk1"/>
+          </a:effectRef>
+          <a:fontRef idx="minor">
+            <a:schemeClr val="lt1"/>
+          </a:fontRef>
+        </p:style>
         <p:txBody>
-          <a:bodyPr/>
+          <a:bodyPr rtlCol="0" anchor="ctr"/>
           <a:lstStyle/>
           <a:p>
-            <a:pPr marL="0" indent="0">
-              <a:buNone/>
-            </a:pPr>
-            <a:r>
-              <a:rPr lang="es-MX" altLang="es-MX" dirty="0"/>
-              <a:t>La definición de manejadores de eventos en los atributos XHTML es un método sencillo pero poco aconsejable para tratar con los eventos en JavaScript. </a:t>
-            </a:r>
-            <a:endParaRPr lang="es-MX" altLang="es-MX" dirty="0" smtClean="0"/>
-          </a:p>
-          <a:p>
-            <a:pPr marL="0" indent="0">
-              <a:buNone/>
-            </a:pPr>
-            <a:endParaRPr lang="es-MX" altLang="es-MX" dirty="0"/>
-          </a:p>
-          <a:p>
-            <a:pPr marL="0" indent="0">
-              <a:buNone/>
-            </a:pPr>
-            <a:r>
-              <a:rPr lang="es-MX" altLang="es-MX" dirty="0" smtClean="0"/>
-              <a:t>El </a:t>
-            </a:r>
-            <a:r>
-              <a:rPr lang="es-MX" altLang="es-MX" dirty="0"/>
-              <a:t>principal inconveniente </a:t>
-            </a:r>
-            <a:r>
-              <a:rPr lang="es-MX" altLang="es-MX" dirty="0" smtClean="0"/>
-              <a:t>es que si vas a colocar operaciones más </a:t>
-            </a:r>
-            <a:r>
-              <a:rPr lang="es-MX" altLang="es-MX" dirty="0" err="1" smtClean="0"/>
-              <a:t>complejas,va</a:t>
-            </a:r>
-            <a:r>
-              <a:rPr lang="es-MX" altLang="es-MX" dirty="0" smtClean="0"/>
-              <a:t> a incrementar el grado de complejidad al momento de actualizar o editar el comportamiento de la misma.</a:t>
-            </a:r>
-            <a:endParaRPr lang="es-ES" altLang="es-MX" dirty="0" smtClean="0"/>
+            <a:pPr algn="ctr"/>
+            <a:endParaRPr lang="es-MX"/>
+          </a:p>
+        </p:txBody>
+      </p:sp>
+      <p:sp>
+        <p:nvSpPr>
+          <p:cNvPr id="7" name="CuadroTexto 6"/>
+          <p:cNvSpPr txBox="1"/>
+          <p:nvPr/>
+        </p:nvSpPr>
+        <p:spPr>
+          <a:xfrm>
+            <a:off x="2053883" y="4965894"/>
+            <a:ext cx="3285848" cy="1200329"/>
+          </a:xfrm>
+          <a:prstGeom prst="rect">
+            <a:avLst/>
+          </a:prstGeom>
+          <a:noFill/>
+        </p:spPr>
+        <p:txBody>
+          <a:bodyPr wrap="square" rtlCol="0">
+            <a:spAutoFit/>
+          </a:bodyPr>
+          <a:lstStyle/>
+          <a:p>
+            <a:r>
+              <a:rPr lang="es-MX" dirty="0" smtClean="0"/>
+              <a:t>Si presiono sobre alguna de las frutas me debe permitir agregar a un &lt;</a:t>
+            </a:r>
+            <a:r>
+              <a:rPr lang="es-MX" dirty="0" err="1" smtClean="0"/>
+              <a:t>ul</a:t>
+            </a:r>
+            <a:r>
+              <a:rPr lang="es-MX" dirty="0" smtClean="0"/>
+              <a:t>&gt; la fruta que seleccione.</a:t>
+            </a:r>
+          </a:p>
+          <a:p>
+            <a:endParaRPr lang="es-MX" dirty="0"/>
+          </a:p>
+        </p:txBody>
+      </p:sp>
+      <p:sp>
+        <p:nvSpPr>
+          <p:cNvPr id="10" name="Rectángulo 9"/>
+          <p:cNvSpPr/>
+          <p:nvPr/>
+        </p:nvSpPr>
+        <p:spPr>
+          <a:xfrm>
+            <a:off x="6224595" y="1825625"/>
+            <a:ext cx="3786945" cy="4223483"/>
+          </a:xfrm>
+          <a:prstGeom prst="rect">
+            <a:avLst/>
+          </a:prstGeom>
+        </p:spPr>
+        <p:style>
+          <a:lnRef idx="2">
+            <a:schemeClr val="accent6"/>
+          </a:lnRef>
+          <a:fillRef idx="1">
+            <a:schemeClr val="lt1"/>
+          </a:fillRef>
+          <a:effectRef idx="0">
+            <a:schemeClr val="accent6"/>
+          </a:effectRef>
+          <a:fontRef idx="minor">
+            <a:schemeClr val="dk1"/>
+          </a:fontRef>
+        </p:style>
+        <p:txBody>
+          <a:bodyPr rtlCol="0" anchor="ctr"/>
+          <a:lstStyle/>
+          <a:p>
+            <a:pPr algn="ctr"/>
+            <a:endParaRPr lang="es-MX"/>
+          </a:p>
+        </p:txBody>
+      </p:sp>
+      <p:pic>
+        <p:nvPicPr>
+          <p:cNvPr id="11" name="Marcador de contenido 2"/>
+          <p:cNvPicPr>
+            <a:picLocks noChangeAspect="1"/>
+          </p:cNvPicPr>
+          <p:nvPr/>
+        </p:nvPicPr>
+        <p:blipFill>
+          <a:blip r:embed="rId3" cstate="print">
+            <a:extLst>
+              <a:ext uri="{28A0092B-C50C-407E-A947-70E740481C1C}">
+                <a14:useLocalDpi xmlns:a14="http://schemas.microsoft.com/office/drawing/2010/main" val="0"/>
+              </a:ext>
+            </a:extLst>
+          </a:blip>
+          <a:stretch>
+            <a:fillRect/>
+          </a:stretch>
+        </p:blipFill>
+        <p:spPr>
+          <a:xfrm>
+            <a:off x="9185714" y="2170832"/>
+            <a:ext cx="524412" cy="524412"/>
+          </a:xfrm>
+          <a:prstGeom prst="rect">
+            <a:avLst/>
+          </a:prstGeom>
+        </p:spPr>
+      </p:pic>
+      <p:pic>
+        <p:nvPicPr>
+          <p:cNvPr id="12" name="Imagen 11"/>
+          <p:cNvPicPr>
+            <a:picLocks noChangeAspect="1"/>
+          </p:cNvPicPr>
+          <p:nvPr/>
+        </p:nvPicPr>
+        <p:blipFill>
+          <a:blip r:embed="rId4" cstate="print">
+            <a:extLst>
+              <a:ext uri="{28A0092B-C50C-407E-A947-70E740481C1C}">
+                <a14:useLocalDpi xmlns:a14="http://schemas.microsoft.com/office/drawing/2010/main" val="0"/>
+              </a:ext>
+            </a:extLst>
+          </a:blip>
+          <a:stretch>
+            <a:fillRect/>
+          </a:stretch>
+        </p:blipFill>
+        <p:spPr>
+          <a:xfrm>
+            <a:off x="7876245" y="2121658"/>
+            <a:ext cx="483644" cy="545171"/>
+          </a:xfrm>
+          <a:prstGeom prst="rect">
+            <a:avLst/>
+          </a:prstGeom>
+        </p:spPr>
+      </p:pic>
+      <p:pic>
+        <p:nvPicPr>
+          <p:cNvPr id="13" name="Imagen 12"/>
+          <p:cNvPicPr>
+            <a:picLocks noChangeAspect="1"/>
+          </p:cNvPicPr>
+          <p:nvPr/>
+        </p:nvPicPr>
+        <p:blipFill>
+          <a:blip r:embed="rId5" cstate="print">
+            <a:extLst>
+              <a:ext uri="{28A0092B-C50C-407E-A947-70E740481C1C}">
+                <a14:useLocalDpi xmlns:a14="http://schemas.microsoft.com/office/drawing/2010/main" val="0"/>
+              </a:ext>
+            </a:extLst>
+          </a:blip>
+          <a:stretch>
+            <a:fillRect/>
+          </a:stretch>
+        </p:blipFill>
+        <p:spPr>
+          <a:xfrm>
+            <a:off x="6757506" y="2178486"/>
+            <a:ext cx="292914" cy="488343"/>
+          </a:xfrm>
+          <a:prstGeom prst="rect">
+            <a:avLst/>
+          </a:prstGeom>
+        </p:spPr>
+      </p:pic>
+      <p:sp>
+        <p:nvSpPr>
+          <p:cNvPr id="14" name="Elipse 13"/>
+          <p:cNvSpPr/>
+          <p:nvPr/>
+        </p:nvSpPr>
+        <p:spPr>
+          <a:xfrm>
+            <a:off x="6368007" y="3305908"/>
+            <a:ext cx="112542" cy="112542"/>
+          </a:xfrm>
+          <a:prstGeom prst="ellipse">
+            <a:avLst/>
+          </a:prstGeom>
+        </p:spPr>
+        <p:style>
+          <a:lnRef idx="2">
+            <a:schemeClr val="dk1">
+              <a:shade val="50000"/>
+            </a:schemeClr>
+          </a:lnRef>
+          <a:fillRef idx="1">
+            <a:schemeClr val="dk1"/>
+          </a:fillRef>
+          <a:effectRef idx="0">
+            <a:schemeClr val="dk1"/>
+          </a:effectRef>
+          <a:fontRef idx="minor">
+            <a:schemeClr val="lt1"/>
+          </a:fontRef>
+        </p:style>
+        <p:txBody>
+          <a:bodyPr rtlCol="0" anchor="ctr"/>
+          <a:lstStyle/>
+          <a:p>
+            <a:pPr algn="ctr"/>
+            <a:endParaRPr lang="es-MX"/>
+          </a:p>
+        </p:txBody>
+      </p:sp>
+      <p:sp>
+        <p:nvSpPr>
+          <p:cNvPr id="15" name="CuadroTexto 14"/>
+          <p:cNvSpPr txBox="1"/>
+          <p:nvPr/>
+        </p:nvSpPr>
+        <p:spPr>
+          <a:xfrm>
+            <a:off x="6424278" y="4965894"/>
+            <a:ext cx="3285848" cy="923330"/>
+          </a:xfrm>
+          <a:prstGeom prst="rect">
+            <a:avLst/>
+          </a:prstGeom>
+          <a:noFill/>
+        </p:spPr>
+        <p:txBody>
+          <a:bodyPr wrap="square" rtlCol="0">
+            <a:spAutoFit/>
+          </a:bodyPr>
+          <a:lstStyle/>
+          <a:p>
+            <a:r>
+              <a:rPr lang="es-MX" dirty="0" smtClean="0"/>
+              <a:t>A un lado debe aparecer una opción para poder eliminarla.</a:t>
+            </a:r>
+          </a:p>
+          <a:p>
+            <a:endParaRPr lang="es-MX" dirty="0"/>
+          </a:p>
+        </p:txBody>
+      </p:sp>
+      <p:pic>
+        <p:nvPicPr>
+          <p:cNvPr id="16" name="Imagen 15"/>
+          <p:cNvPicPr>
+            <a:picLocks noChangeAspect="1"/>
+          </p:cNvPicPr>
+          <p:nvPr/>
+        </p:nvPicPr>
+        <p:blipFill>
+          <a:blip r:embed="rId5" cstate="print">
+            <a:extLst>
+              <a:ext uri="{28A0092B-C50C-407E-A947-70E740481C1C}">
+                <a14:useLocalDpi xmlns:a14="http://schemas.microsoft.com/office/drawing/2010/main" val="0"/>
+              </a:ext>
+            </a:extLst>
+          </a:blip>
+          <a:stretch>
+            <a:fillRect/>
+          </a:stretch>
+        </p:blipFill>
+        <p:spPr>
+          <a:xfrm>
+            <a:off x="6757506" y="2930107"/>
+            <a:ext cx="292914" cy="488343"/>
+          </a:xfrm>
+          <a:prstGeom prst="rect">
+            <a:avLst/>
+          </a:prstGeom>
+        </p:spPr>
+      </p:pic>
+      <p:pic>
+        <p:nvPicPr>
+          <p:cNvPr id="17" name="Imagen 16"/>
+          <p:cNvPicPr>
+            <a:picLocks noChangeAspect="1"/>
+          </p:cNvPicPr>
+          <p:nvPr/>
+        </p:nvPicPr>
+        <p:blipFill>
+          <a:blip r:embed="rId4" cstate="print">
+            <a:extLst>
+              <a:ext uri="{28A0092B-C50C-407E-A947-70E740481C1C}">
+                <a14:useLocalDpi xmlns:a14="http://schemas.microsoft.com/office/drawing/2010/main" val="0"/>
+              </a:ext>
+            </a:extLst>
+          </a:blip>
+          <a:stretch>
+            <a:fillRect/>
+          </a:stretch>
+        </p:blipFill>
+        <p:spPr>
+          <a:xfrm>
+            <a:off x="6757506" y="3525521"/>
+            <a:ext cx="483644" cy="545171"/>
+          </a:xfrm>
+          <a:prstGeom prst="rect">
+            <a:avLst/>
+          </a:prstGeom>
+        </p:spPr>
+      </p:pic>
+      <p:pic>
+        <p:nvPicPr>
+          <p:cNvPr id="22" name="Imagen 21"/>
+          <p:cNvPicPr>
+            <a:picLocks noChangeAspect="1"/>
+          </p:cNvPicPr>
+          <p:nvPr/>
+        </p:nvPicPr>
+        <p:blipFill>
+          <a:blip r:embed="rId4" cstate="print">
+            <a:extLst>
+              <a:ext uri="{28A0092B-C50C-407E-A947-70E740481C1C}">
+                <a14:useLocalDpi xmlns:a14="http://schemas.microsoft.com/office/drawing/2010/main" val="0"/>
+              </a:ext>
+            </a:extLst>
+          </a:blip>
+          <a:stretch>
+            <a:fillRect/>
+          </a:stretch>
+        </p:blipFill>
+        <p:spPr>
+          <a:xfrm>
+            <a:off x="6757506" y="4089335"/>
+            <a:ext cx="483644" cy="545171"/>
+          </a:xfrm>
+          <a:prstGeom prst="rect">
+            <a:avLst/>
+          </a:prstGeom>
+        </p:spPr>
+      </p:pic>
+      <p:sp>
+        <p:nvSpPr>
+          <p:cNvPr id="23" name="Elipse 22"/>
+          <p:cNvSpPr/>
+          <p:nvPr/>
+        </p:nvSpPr>
+        <p:spPr>
+          <a:xfrm>
+            <a:off x="6368007" y="3881095"/>
+            <a:ext cx="112542" cy="112542"/>
+          </a:xfrm>
+          <a:prstGeom prst="ellipse">
+            <a:avLst/>
+          </a:prstGeom>
+        </p:spPr>
+        <p:style>
+          <a:lnRef idx="2">
+            <a:schemeClr val="dk1">
+              <a:shade val="50000"/>
+            </a:schemeClr>
+          </a:lnRef>
+          <a:fillRef idx="1">
+            <a:schemeClr val="dk1"/>
+          </a:fillRef>
+          <a:effectRef idx="0">
+            <a:schemeClr val="dk1"/>
+          </a:effectRef>
+          <a:fontRef idx="minor">
+            <a:schemeClr val="lt1"/>
+          </a:fontRef>
+        </p:style>
+        <p:txBody>
+          <a:bodyPr rtlCol="0" anchor="ctr"/>
+          <a:lstStyle/>
+          <a:p>
+            <a:pPr algn="ctr"/>
+            <a:endParaRPr lang="es-MX"/>
+          </a:p>
+        </p:txBody>
+      </p:sp>
+      <p:sp>
+        <p:nvSpPr>
+          <p:cNvPr id="24" name="Elipse 23"/>
+          <p:cNvSpPr/>
+          <p:nvPr/>
+        </p:nvSpPr>
+        <p:spPr>
+          <a:xfrm>
+            <a:off x="6368007" y="4496532"/>
+            <a:ext cx="112542" cy="112542"/>
+          </a:xfrm>
+          <a:prstGeom prst="ellipse">
+            <a:avLst/>
+          </a:prstGeom>
+        </p:spPr>
+        <p:style>
+          <a:lnRef idx="2">
+            <a:schemeClr val="dk1">
+              <a:shade val="50000"/>
+            </a:schemeClr>
+          </a:lnRef>
+          <a:fillRef idx="1">
+            <a:schemeClr val="dk1"/>
+          </a:fillRef>
+          <a:effectRef idx="0">
+            <a:schemeClr val="dk1"/>
+          </a:effectRef>
+          <a:fontRef idx="minor">
+            <a:schemeClr val="lt1"/>
+          </a:fontRef>
+        </p:style>
+        <p:txBody>
+          <a:bodyPr rtlCol="0" anchor="ctr"/>
+          <a:lstStyle/>
+          <a:p>
+            <a:pPr algn="ctr"/>
+            <a:endParaRPr lang="es-MX"/>
+          </a:p>
+        </p:txBody>
+      </p:sp>
+      <p:sp>
+        <p:nvSpPr>
+          <p:cNvPr id="8" name="Multiplicar 7"/>
+          <p:cNvSpPr/>
+          <p:nvPr/>
+        </p:nvSpPr>
+        <p:spPr>
+          <a:xfrm>
+            <a:off x="6944132" y="2817041"/>
+            <a:ext cx="766490" cy="754184"/>
+          </a:xfrm>
+          <a:prstGeom prst="mathMultiply">
+            <a:avLst>
+              <a:gd name="adj1" fmla="val 4997"/>
+            </a:avLst>
+          </a:prstGeom>
+        </p:spPr>
+        <p:style>
+          <a:lnRef idx="2">
+            <a:schemeClr val="accent2">
+              <a:shade val="50000"/>
+            </a:schemeClr>
+          </a:lnRef>
+          <a:fillRef idx="1">
+            <a:schemeClr val="accent2"/>
+          </a:fillRef>
+          <a:effectRef idx="0">
+            <a:schemeClr val="accent2"/>
+          </a:effectRef>
+          <a:fontRef idx="minor">
+            <a:schemeClr val="lt1"/>
+          </a:fontRef>
+        </p:style>
+        <p:txBody>
+          <a:bodyPr rtlCol="0" anchor="ctr"/>
+          <a:lstStyle/>
+          <a:p>
+            <a:pPr algn="ctr"/>
+            <a:endParaRPr lang="es-MX"/>
+          </a:p>
+        </p:txBody>
+      </p:sp>
+      <p:sp>
+        <p:nvSpPr>
+          <p:cNvPr id="27" name="Multiplicar 26"/>
+          <p:cNvSpPr/>
+          <p:nvPr/>
+        </p:nvSpPr>
+        <p:spPr>
+          <a:xfrm>
+            <a:off x="6944132" y="3430826"/>
+            <a:ext cx="766490" cy="754184"/>
+          </a:xfrm>
+          <a:prstGeom prst="mathMultiply">
+            <a:avLst>
+              <a:gd name="adj1" fmla="val 4997"/>
+            </a:avLst>
+          </a:prstGeom>
+        </p:spPr>
+        <p:style>
+          <a:lnRef idx="2">
+            <a:schemeClr val="accent2">
+              <a:shade val="50000"/>
+            </a:schemeClr>
+          </a:lnRef>
+          <a:fillRef idx="1">
+            <a:schemeClr val="accent2"/>
+          </a:fillRef>
+          <a:effectRef idx="0">
+            <a:schemeClr val="accent2"/>
+          </a:effectRef>
+          <a:fontRef idx="minor">
+            <a:schemeClr val="lt1"/>
+          </a:fontRef>
+        </p:style>
+        <p:txBody>
+          <a:bodyPr rtlCol="0" anchor="ctr"/>
+          <a:lstStyle/>
+          <a:p>
+            <a:pPr algn="ctr"/>
+            <a:endParaRPr lang="es-MX"/>
+          </a:p>
+        </p:txBody>
+      </p:sp>
+      <p:sp>
+        <p:nvSpPr>
+          <p:cNvPr id="28" name="Multiplicar 27"/>
+          <p:cNvSpPr/>
+          <p:nvPr/>
+        </p:nvSpPr>
+        <p:spPr>
+          <a:xfrm>
+            <a:off x="6981648" y="4067443"/>
+            <a:ext cx="766490" cy="754184"/>
+          </a:xfrm>
+          <a:prstGeom prst="mathMultiply">
+            <a:avLst>
+              <a:gd name="adj1" fmla="val 4997"/>
+            </a:avLst>
+          </a:prstGeom>
+        </p:spPr>
+        <p:style>
+          <a:lnRef idx="2">
+            <a:schemeClr val="accent2">
+              <a:shade val="50000"/>
+            </a:schemeClr>
+          </a:lnRef>
+          <a:fillRef idx="1">
+            <a:schemeClr val="accent2"/>
+          </a:fillRef>
+          <a:effectRef idx="0">
+            <a:schemeClr val="accent2"/>
+          </a:effectRef>
+          <a:fontRef idx="minor">
+            <a:schemeClr val="lt1"/>
+          </a:fontRef>
+        </p:style>
+        <p:txBody>
+          <a:bodyPr rtlCol="0" anchor="ctr"/>
+          <a:lstStyle/>
+          <a:p>
+            <a:pPr algn="ctr"/>
+            <a:endParaRPr lang="es-MX"/>
           </a:p>
         </p:txBody>
       </p:sp>
     </p:spTree>
     <p:extLst>
       <p:ext uri="{BB962C8B-B14F-4D97-AF65-F5344CB8AC3E}">
-        <p14:creationId xmlns:p14="http://schemas.microsoft.com/office/powerpoint/2010/main" val="1858236102"/>
+        <p14:creationId xmlns:p14="http://schemas.microsoft.com/office/powerpoint/2010/main" val="1097348581"/>
       </p:ext>
     </p:extLst>
   </p:cSld>
@@ -39762,7 +42402,7 @@
       </p:grpSpPr>
       <p:sp>
         <p:nvSpPr>
-          <p:cNvPr id="25602" name="1 Título"/>
+          <p:cNvPr id="22530" name="1 Título"/>
           <p:cNvSpPr>
             <a:spLocks noGrp="1"/>
           </p:cNvSpPr>
@@ -39777,11 +42417,11 @@
           <a:p>
             <a:r>
               <a:rPr lang="es-ES" altLang="es-MX" dirty="0" smtClean="0"/>
-              <a:t>DOM: </a:t>
-            </a:r>
-            <a:r>
-              <a:rPr lang="es-ES" altLang="es-MX" dirty="0" err="1" smtClean="0"/>
-              <a:t>This</a:t>
+              <a:t>Ejercicio: </a:t>
+            </a:r>
+            <a:r>
+              <a:rPr lang="es-ES" altLang="es-MX" sz="3200" dirty="0" smtClean="0"/>
+              <a:t>Hacer el árbol del siguiente código.</a:t>
             </a:r>
             <a:endParaRPr lang="es-ES" altLang="es-MX" dirty="0" smtClean="0"/>
           </a:p>
@@ -39789,7 +42429,7 @@
       </p:sp>
       <p:sp>
         <p:nvSpPr>
-          <p:cNvPr id="25603" name="2 Marcador de contenido"/>
+          <p:cNvPr id="22531" name="2 Marcador de contenido"/>
           <p:cNvSpPr>
             <a:spLocks noGrp="1"/>
           </p:cNvSpPr>
@@ -39800,7 +42440,7 @@
         <p:spPr/>
         <p:txBody>
           <a:bodyPr>
-            <a:normAutofit lnSpcReduction="10000"/>
+            <a:normAutofit fontScale="92500" lnSpcReduction="10000"/>
           </a:bodyPr>
           <a:lstStyle/>
           <a:p>
@@ -39808,280 +42448,263 @@
               <a:buNone/>
             </a:pPr>
             <a:r>
-              <a:rPr lang="es-MX" altLang="es-MX" sz="3000" dirty="0" smtClean="0"/>
-              <a:t>Sin </a:t>
-            </a:r>
-            <a:r>
-              <a:rPr lang="es-MX" altLang="es-MX" sz="3000" u="sng" dirty="0" err="1" smtClean="0"/>
-              <a:t>this</a:t>
-            </a:r>
-            <a:r>
-              <a:rPr lang="es-MX" altLang="es-MX" sz="3000" dirty="0" smtClean="0"/>
-              <a:t>:</a:t>
-            </a:r>
-          </a:p>
-          <a:p>
-            <a:pPr marL="0" indent="0">
+              <a:rPr lang="es-ES" altLang="es-MX" sz="2400" dirty="0" smtClean="0"/>
+              <a:t>&lt;</a:t>
+            </a:r>
+            <a:r>
+              <a:rPr lang="es-ES" altLang="es-MX" sz="2400" dirty="0" err="1"/>
+              <a:t>bookstore</a:t>
+            </a:r>
+            <a:r>
+              <a:rPr lang="es-ES" altLang="es-MX" sz="2400" dirty="0"/>
+              <a:t>&gt;</a:t>
+            </a:r>
+          </a:p>
+          <a:p>
+            <a:pPr>
+              <a:buFontTx/>
               <a:buNone/>
             </a:pPr>
             <a:r>
-              <a:rPr lang="es-ES" altLang="es-MX" sz="1800" dirty="0"/>
-              <a:t>&lt;div id="elemento" </a:t>
-            </a:r>
-            <a:r>
-              <a:rPr lang="es-ES" altLang="es-MX" sz="1800" dirty="0" err="1"/>
-              <a:t>style</a:t>
-            </a:r>
-            <a:r>
-              <a:rPr lang="es-ES" altLang="es-MX" sz="1800" dirty="0" smtClean="0"/>
-              <a:t>=" </a:t>
-            </a:r>
-            <a:r>
-              <a:rPr lang="es-ES" altLang="es-MX" sz="1800" dirty="0" err="1"/>
-              <a:t>border</a:t>
-            </a:r>
-            <a:r>
-              <a:rPr lang="es-ES" altLang="es-MX" sz="1800" dirty="0"/>
-              <a:t>: </a:t>
-            </a:r>
-            <a:r>
-              <a:rPr lang="es-ES" altLang="es-MX" sz="1800" dirty="0" err="1"/>
-              <a:t>thin</a:t>
-            </a:r>
-            <a:r>
-              <a:rPr lang="es-ES" altLang="es-MX" sz="1800" dirty="0"/>
+              <a:rPr lang="es-ES" altLang="es-MX" sz="2400" dirty="0"/>
+              <a:t>		&lt;</a:t>
+            </a:r>
+            <a:r>
+              <a:rPr lang="es-ES" altLang="es-MX" sz="2400" dirty="0" err="1"/>
+              <a:t>book</a:t>
+            </a:r>
+            <a:r>
+              <a:rPr lang="es-ES" altLang="es-MX" sz="2400" dirty="0"/>
               <a:t> </a:t>
             </a:r>
             <a:r>
-              <a:rPr lang="es-ES" altLang="es-MX" sz="1800" dirty="0" err="1"/>
-              <a:t>solid</a:t>
-            </a:r>
-            <a:r>
-              <a:rPr lang="es-ES" altLang="es-MX" sz="1800" dirty="0"/>
-              <a:t> </a:t>
-            </a:r>
-            <a:r>
-              <a:rPr lang="es-ES" altLang="es-MX" sz="1800" dirty="0" err="1"/>
-              <a:t>silver</a:t>
-            </a:r>
-            <a:r>
-              <a:rPr lang="es-ES" altLang="es-MX" sz="1800" dirty="0"/>
-              <a:t>" </a:t>
-            </a:r>
-            <a:r>
-              <a:rPr lang="es-ES" altLang="es-MX" sz="1800" dirty="0" smtClean="0"/>
-              <a:t/>
-            </a:r>
-            <a:br>
-              <a:rPr lang="es-ES" altLang="es-MX" sz="1800" dirty="0" smtClean="0"/>
-            </a:br>
-            <a:r>
-              <a:rPr lang="es-ES" altLang="es-MX" sz="1800" dirty="0" err="1" smtClean="0"/>
-              <a:t>onmouseover</a:t>
-            </a:r>
-            <a:r>
-              <a:rPr lang="es-ES" altLang="es-MX" sz="1800" dirty="0" smtClean="0"/>
-              <a:t> </a:t>
-            </a:r>
-            <a:r>
-              <a:rPr lang="es-ES" altLang="es-MX" sz="1800" dirty="0"/>
-              <a:t>= "</a:t>
-            </a:r>
-            <a:r>
-              <a:rPr lang="es-ES" altLang="es-MX" sz="1800" dirty="0" err="1"/>
-              <a:t>document.getElementById</a:t>
-            </a:r>
-            <a:r>
-              <a:rPr lang="es-ES" altLang="es-MX" sz="1800" dirty="0"/>
-              <a:t>('elemento').</a:t>
-            </a:r>
-            <a:r>
-              <a:rPr lang="es-ES" altLang="es-MX" sz="1800" dirty="0" err="1"/>
-              <a:t>style.borderColor</a:t>
-            </a:r>
-            <a:r>
-              <a:rPr lang="es-ES" altLang="es-MX" sz="1800" dirty="0"/>
-              <a:t> = '</a:t>
-            </a:r>
-            <a:r>
-              <a:rPr lang="es-ES" altLang="es-MX" sz="1800" dirty="0" err="1"/>
-              <a:t>black</a:t>
-            </a:r>
-            <a:r>
-              <a:rPr lang="es-ES" altLang="es-MX" sz="1800" dirty="0" smtClean="0"/>
-              <a:t>'"&gt;</a:t>
-            </a:r>
-            <a:endParaRPr lang="es-ES" altLang="es-MX" sz="1800" dirty="0"/>
-          </a:p>
-          <a:p>
-            <a:pPr marL="0" indent="0">
+              <a:rPr lang="es-ES" altLang="es-MX" sz="2400" dirty="0" err="1"/>
+              <a:t>category</a:t>
+            </a:r>
+            <a:r>
+              <a:rPr lang="es-ES" altLang="es-MX" sz="2400" dirty="0"/>
+              <a:t>=“</a:t>
+            </a:r>
+            <a:r>
+              <a:rPr lang="es-ES" altLang="es-MX" sz="2400" dirty="0" err="1"/>
+              <a:t>history</a:t>
+            </a:r>
+            <a:r>
+              <a:rPr lang="es-ES" altLang="es-MX" sz="2400" dirty="0"/>
+              <a:t>”&gt;</a:t>
+            </a:r>
+          </a:p>
+          <a:p>
+            <a:pPr>
+              <a:buFontTx/>
               <a:buNone/>
             </a:pPr>
             <a:r>
-              <a:rPr lang="es-ES" altLang="es-MX" sz="1800" dirty="0"/>
-              <a:t>  Sección de contenidos...</a:t>
-            </a:r>
-          </a:p>
-          <a:p>
-            <a:pPr marL="0" indent="0">
+              <a:rPr lang="es-ES" altLang="es-MX" sz="2400" dirty="0"/>
+              <a:t>			&lt;</a:t>
+            </a:r>
+            <a:r>
+              <a:rPr lang="es-ES" altLang="es-MX" sz="2400" dirty="0" err="1"/>
+              <a:t>title</a:t>
+            </a:r>
+            <a:r>
+              <a:rPr lang="es-ES" altLang="es-MX" sz="2400" dirty="0"/>
+              <a:t> </a:t>
+            </a:r>
+            <a:r>
+              <a:rPr lang="es-ES" altLang="es-MX" sz="2400" dirty="0" err="1"/>
+              <a:t>lang</a:t>
+            </a:r>
+            <a:r>
+              <a:rPr lang="es-ES" altLang="es-MX" sz="2400" dirty="0"/>
+              <a:t>=“</a:t>
+            </a:r>
+            <a:r>
+              <a:rPr lang="es-ES" altLang="es-MX" sz="2400" dirty="0" err="1"/>
+              <a:t>english</a:t>
+            </a:r>
+            <a:r>
+              <a:rPr lang="es-ES" altLang="es-MX" sz="2400" dirty="0"/>
+              <a:t>&gt;</a:t>
+            </a:r>
+          </a:p>
+          <a:p>
+            <a:pPr>
+              <a:buFontTx/>
               <a:buNone/>
             </a:pPr>
             <a:r>
-              <a:rPr lang="es-ES" altLang="es-MX" sz="1800" dirty="0"/>
-              <a:t>&lt;/div</a:t>
-            </a:r>
-            <a:r>
-              <a:rPr lang="es-ES" altLang="es-MX" sz="1800" dirty="0" smtClean="0"/>
-              <a:t>&gt;</a:t>
-            </a:r>
-          </a:p>
-          <a:p>
-            <a:pPr marL="0" indent="0">
+              <a:rPr lang="es-ES" altLang="es-MX" sz="2400" dirty="0"/>
+              <a:t>				</a:t>
+            </a:r>
+            <a:r>
+              <a:rPr lang="es-ES" altLang="es-MX" sz="2400" dirty="0" err="1"/>
+              <a:t>Everyday</a:t>
+            </a:r>
+            <a:r>
+              <a:rPr lang="es-ES" altLang="es-MX" sz="2400" dirty="0"/>
+              <a:t> </a:t>
+            </a:r>
+            <a:r>
+              <a:rPr lang="es-ES" altLang="es-MX" sz="2400" dirty="0" err="1"/>
+              <a:t>Italian</a:t>
+            </a:r>
+            <a:endParaRPr lang="es-ES" altLang="es-MX" sz="2400" dirty="0"/>
+          </a:p>
+          <a:p>
+            <a:pPr>
+              <a:buFontTx/>
               <a:buNone/>
             </a:pPr>
             <a:r>
-              <a:rPr lang="es-ES" altLang="es-MX" sz="3000" dirty="0" smtClean="0"/>
-              <a:t>Con </a:t>
-            </a:r>
-            <a:r>
-              <a:rPr lang="es-ES" altLang="es-MX" sz="3000" dirty="0" err="1" smtClean="0"/>
-              <a:t>this</a:t>
-            </a:r>
-            <a:r>
-              <a:rPr lang="es-ES" altLang="es-MX" sz="3000" dirty="0" smtClean="0"/>
-              <a:t>:</a:t>
-            </a:r>
-          </a:p>
-          <a:p>
-            <a:pPr marL="0" indent="0">
+              <a:rPr lang="es-ES" altLang="es-MX" sz="2400" dirty="0"/>
+              <a:t>			&lt;/</a:t>
+            </a:r>
+            <a:r>
+              <a:rPr lang="es-ES" altLang="es-MX" sz="2400" dirty="0" err="1"/>
+              <a:t>title</a:t>
+            </a:r>
+            <a:r>
+              <a:rPr lang="es-ES" altLang="es-MX" sz="2400" dirty="0"/>
+              <a:t>&gt;</a:t>
+            </a:r>
+          </a:p>
+          <a:p>
+            <a:pPr>
+              <a:buFontTx/>
               <a:buNone/>
             </a:pPr>
             <a:r>
-              <a:rPr lang="es-ES" altLang="es-MX" sz="1800" dirty="0" smtClean="0"/>
-              <a:t>&lt;</a:t>
-            </a:r>
-            <a:r>
-              <a:rPr lang="es-ES" altLang="es-MX" sz="1800" dirty="0"/>
-              <a:t>div id="elemento" </a:t>
-            </a:r>
-            <a:r>
-              <a:rPr lang="es-ES" altLang="es-MX" sz="1800" dirty="0" err="1"/>
-              <a:t>style</a:t>
-            </a:r>
-            <a:r>
-              <a:rPr lang="es-ES" altLang="es-MX" sz="1800" dirty="0"/>
-              <a:t>=" </a:t>
-            </a:r>
-            <a:r>
-              <a:rPr lang="es-ES" altLang="es-MX" sz="1800" dirty="0" err="1"/>
-              <a:t>border</a:t>
-            </a:r>
-            <a:r>
-              <a:rPr lang="es-ES" altLang="es-MX" sz="1800" dirty="0"/>
-              <a:t>: </a:t>
-            </a:r>
-            <a:r>
-              <a:rPr lang="es-ES" altLang="es-MX" sz="1800" dirty="0" err="1"/>
-              <a:t>thin</a:t>
-            </a:r>
-            <a:r>
-              <a:rPr lang="es-ES" altLang="es-MX" sz="1800" dirty="0"/>
-              <a:t> </a:t>
-            </a:r>
-            <a:r>
-              <a:rPr lang="es-ES" altLang="es-MX" sz="1800" dirty="0" err="1"/>
-              <a:t>solid</a:t>
-            </a:r>
-            <a:r>
-              <a:rPr lang="es-ES" altLang="es-MX" sz="1800" dirty="0"/>
-              <a:t> </a:t>
-            </a:r>
-            <a:r>
-              <a:rPr lang="es-ES" altLang="es-MX" sz="1800" dirty="0" err="1"/>
-              <a:t>silver</a:t>
-            </a:r>
-            <a:r>
-              <a:rPr lang="es-ES" altLang="es-MX" sz="1800" dirty="0"/>
-              <a:t>" </a:t>
-            </a:r>
-            <a:r>
-              <a:rPr lang="es-ES" altLang="es-MX" sz="1800" dirty="0" smtClean="0"/>
-              <a:t> </a:t>
-            </a:r>
-            <a:r>
-              <a:rPr lang="es-ES" altLang="es-MX" sz="1800" dirty="0" err="1" smtClean="0"/>
-              <a:t>onmouseover</a:t>
-            </a:r>
-            <a:r>
-              <a:rPr lang="es-ES" altLang="es-MX" sz="1800" dirty="0" smtClean="0"/>
-              <a:t> </a:t>
-            </a:r>
-            <a:r>
-              <a:rPr lang="es-ES" altLang="es-MX" sz="1800" dirty="0"/>
-              <a:t>= </a:t>
-            </a:r>
-            <a:r>
-              <a:rPr lang="es-ES" altLang="es-MX" sz="1800" dirty="0" smtClean="0"/>
-              <a:t>“</a:t>
-            </a:r>
-            <a:r>
-              <a:rPr lang="es-ES" altLang="es-MX" sz="1800" u="sng" dirty="0" err="1" smtClean="0"/>
-              <a:t>this.style.borderColor</a:t>
-            </a:r>
-            <a:r>
-              <a:rPr lang="es-ES" altLang="es-MX" sz="1800" dirty="0" smtClean="0"/>
-              <a:t> </a:t>
-            </a:r>
-            <a:r>
-              <a:rPr lang="es-ES" altLang="es-MX" sz="1800" dirty="0"/>
-              <a:t>= '</a:t>
-            </a:r>
-            <a:r>
-              <a:rPr lang="es-ES" altLang="es-MX" sz="1800" dirty="0" err="1"/>
-              <a:t>black</a:t>
-            </a:r>
-            <a:r>
-              <a:rPr lang="es-ES" altLang="es-MX" sz="1800" dirty="0" smtClean="0"/>
-              <a:t>'" </a:t>
-            </a:r>
-            <a:br>
-              <a:rPr lang="es-ES" altLang="es-MX" sz="1800" dirty="0" smtClean="0"/>
-            </a:br>
-            <a:r>
-              <a:rPr lang="es-ES" altLang="es-MX" sz="1800" dirty="0" smtClean="0"/>
+              <a:rPr lang="es-ES" altLang="es-MX" sz="2400" dirty="0"/>
+              <a:t>			&lt;</a:t>
+            </a:r>
+            <a:r>
+              <a:rPr lang="es-ES" altLang="es-MX" sz="2400" dirty="0" err="1"/>
+              <a:t>author</a:t>
+            </a:r>
+            <a:r>
+              <a:rPr lang="es-ES" altLang="es-MX" sz="2400" dirty="0"/>
               <a:t>&gt;</a:t>
             </a:r>
-            <a:endParaRPr lang="es-ES" altLang="es-MX" sz="1800" dirty="0"/>
-          </a:p>
-          <a:p>
-            <a:pPr marL="0" indent="0">
+            <a:r>
+              <a:rPr lang="es-ES" altLang="es-MX" sz="2400" dirty="0" err="1"/>
+              <a:t>Giada</a:t>
+            </a:r>
+            <a:r>
+              <a:rPr lang="es-ES" altLang="es-MX" sz="2400" dirty="0"/>
+              <a:t> de </a:t>
+            </a:r>
+            <a:r>
+              <a:rPr lang="es-ES" altLang="es-MX" sz="2400" dirty="0" err="1"/>
+              <a:t>Laurentis</a:t>
+            </a:r>
+            <a:r>
+              <a:rPr lang="es-ES" altLang="es-MX" sz="2400" dirty="0"/>
+              <a:t>&lt;/</a:t>
+            </a:r>
+            <a:r>
+              <a:rPr lang="es-ES" altLang="es-MX" sz="2400" dirty="0" err="1"/>
+              <a:t>author</a:t>
+            </a:r>
+            <a:r>
+              <a:rPr lang="es-ES" altLang="es-MX" sz="2400" dirty="0"/>
+              <a:t>&gt;</a:t>
+            </a:r>
+          </a:p>
+          <a:p>
+            <a:pPr>
+              <a:buFontTx/>
               <a:buNone/>
             </a:pPr>
             <a:r>
-              <a:rPr lang="es-ES" altLang="es-MX" sz="1800" dirty="0"/>
-              <a:t>  Sección de contenidos...</a:t>
-            </a:r>
-          </a:p>
-          <a:p>
-            <a:pPr marL="0" indent="0">
+              <a:rPr lang="es-ES" altLang="es-MX" sz="2400" dirty="0"/>
+              <a:t>			&lt;</a:t>
+            </a:r>
+            <a:r>
+              <a:rPr lang="es-ES" altLang="es-MX" sz="2400" dirty="0" err="1"/>
+              <a:t>year</a:t>
+            </a:r>
+            <a:r>
+              <a:rPr lang="es-ES" altLang="es-MX" sz="2400" dirty="0"/>
+              <a:t>&gt;2005&lt;/</a:t>
+            </a:r>
+            <a:r>
+              <a:rPr lang="es-ES" altLang="es-MX" sz="2400" dirty="0" err="1"/>
+              <a:t>year</a:t>
+            </a:r>
+            <a:r>
+              <a:rPr lang="es-ES" altLang="es-MX" sz="2400" dirty="0"/>
+              <a:t>&gt;</a:t>
+            </a:r>
+          </a:p>
+          <a:p>
+            <a:pPr>
+              <a:buFontTx/>
               <a:buNone/>
             </a:pPr>
             <a:r>
-              <a:rPr lang="es-ES" altLang="es-MX" sz="1800" dirty="0"/>
-              <a:t>&lt;/div</a:t>
-            </a:r>
-            <a:r>
-              <a:rPr lang="es-ES" altLang="es-MX" sz="1800" dirty="0" smtClean="0"/>
+              <a:rPr lang="es-ES" altLang="es-MX" sz="2400" dirty="0"/>
+              <a:t>			&lt;</a:t>
+            </a:r>
+            <a:r>
+              <a:rPr lang="es-ES" altLang="es-MX" sz="2400" dirty="0" err="1"/>
+              <a:t>price</a:t>
+            </a:r>
+            <a:r>
+              <a:rPr lang="es-ES" altLang="es-MX" sz="2400" dirty="0"/>
+              <a:t>&gt;30&lt;/</a:t>
+            </a:r>
+            <a:r>
+              <a:rPr lang="es-ES" altLang="es-MX" sz="2400" dirty="0" err="1"/>
+              <a:t>price</a:t>
+            </a:r>
+            <a:r>
+              <a:rPr lang="es-ES" altLang="es-MX" sz="2400" dirty="0"/>
               <a:t>&gt;</a:t>
             </a:r>
-            <a:endParaRPr lang="es-ES" altLang="es-MX" sz="1800" dirty="0"/>
+          </a:p>
+          <a:p>
+            <a:pPr>
+              <a:buFontTx/>
+              <a:buNone/>
+            </a:pPr>
+            <a:r>
+              <a:rPr lang="es-ES" altLang="es-MX" sz="2400" dirty="0"/>
+              <a:t>		&lt;/</a:t>
+            </a:r>
+            <a:r>
+              <a:rPr lang="es-ES" altLang="es-MX" sz="2400" dirty="0" err="1"/>
+              <a:t>book</a:t>
+            </a:r>
+            <a:r>
+              <a:rPr lang="es-ES" altLang="es-MX" sz="2400" dirty="0"/>
+              <a:t>&gt;</a:t>
+            </a:r>
+          </a:p>
+          <a:p>
+            <a:pPr>
+              <a:buFontTx/>
+              <a:buNone/>
+            </a:pPr>
+            <a:r>
+              <a:rPr lang="es-ES" altLang="es-MX" sz="2400" dirty="0" smtClean="0"/>
+              <a:t>&lt;/</a:t>
+            </a:r>
+            <a:r>
+              <a:rPr lang="es-ES" altLang="es-MX" sz="2400" dirty="0" err="1"/>
+              <a:t>bookstore</a:t>
+            </a:r>
+            <a:r>
+              <a:rPr lang="es-ES" altLang="es-MX" sz="2400" dirty="0"/>
+              <a:t>&gt;</a:t>
+            </a:r>
           </a:p>
         </p:txBody>
       </p:sp>
     </p:spTree>
     <p:extLst>
       <p:ext uri="{BB962C8B-B14F-4D97-AF65-F5344CB8AC3E}">
-        <p14:creationId xmlns:p14="http://schemas.microsoft.com/office/powerpoint/2010/main" val="2528752969"/>
+        <p14:creationId xmlns:p14="http://schemas.microsoft.com/office/powerpoint/2010/main" val="3991702216"/>
       </p:ext>
     </p:extLst>
   </p:cSld>

--- a/Plantilla.pptx
+++ b/Plantilla.pptx
@@ -5,10 +5,10 @@
     <p:sldMasterId id="2147483648" r:id="rId1"/>
   </p:sldMasterIdLst>
   <p:notesMasterIdLst>
-    <p:notesMasterId r:id="rId114"/>
+    <p:notesMasterId r:id="rId118"/>
   </p:notesMasterIdLst>
   <p:handoutMasterIdLst>
-    <p:handoutMasterId r:id="rId115"/>
+    <p:handoutMasterId r:id="rId119"/>
   </p:handoutMasterIdLst>
   <p:sldIdLst>
     <p:sldId id="256" r:id="rId2"/>
@@ -121,8 +121,12 @@
     <p:sldId id="375" r:id="rId109"/>
     <p:sldId id="376" r:id="rId110"/>
     <p:sldId id="377" r:id="rId111"/>
-    <p:sldId id="339" r:id="rId112"/>
-    <p:sldId id="286" r:id="rId113"/>
+    <p:sldId id="387" r:id="rId112"/>
+    <p:sldId id="388" r:id="rId113"/>
+    <p:sldId id="389" r:id="rId114"/>
+    <p:sldId id="390" r:id="rId115"/>
+    <p:sldId id="339" r:id="rId116"/>
+    <p:sldId id="286" r:id="rId117"/>
   </p:sldIdLst>
   <p:sldSz cx="12192000" cy="6858000"/>
   <p:notesSz cx="7315200" cy="9601200"/>
@@ -314,7 +318,7 @@
           <a:p>
             <a:fld id="{EDC82A51-097F-4864-A4F6-46FECE056A0F}" type="datetimeFigureOut">
               <a:rPr lang="es-MX" smtClean="0"/>
-              <a:t>01/03/2018</a:t>
+              <a:t>05/03/2018</a:t>
             </a:fld>
             <a:endParaRPr lang="es-MX"/>
           </a:p>
@@ -480,7 +484,7 @@
           <a:p>
             <a:fld id="{E63B3BB3-357B-4FB6-ADE2-74838EC5FF5B}" type="datetimeFigureOut">
               <a:rPr lang="es-MX" smtClean="0"/>
-              <a:t>01/03/2018</a:t>
+              <a:t>05/03/2018</a:t>
             </a:fld>
             <a:endParaRPr lang="es-MX"/>
           </a:p>
@@ -6238,7 +6242,7 @@
           <a:p>
             <a:fld id="{78BB2372-2761-44A5-AED3-734D90A1B253}" type="datetime1">
               <a:rPr lang="es-MX" smtClean="0"/>
-              <a:t>01/03/2018</a:t>
+              <a:t>05/03/2018</a:t>
             </a:fld>
             <a:endParaRPr lang="es-MX"/>
           </a:p>
@@ -6565,7 +6569,7 @@
           <a:p>
             <a:fld id="{B9B91C8B-79E6-4FAB-AAA7-803997839D51}" type="datetime1">
               <a:rPr lang="es-MX" smtClean="0"/>
-              <a:t>01/03/2018</a:t>
+              <a:t>05/03/2018</a:t>
             </a:fld>
             <a:endParaRPr lang="es-MX"/>
           </a:p>
@@ -6954,7 +6958,7 @@
           <a:p>
             <a:fld id="{525A6663-3E4E-4BE2-B7C2-3A277D8C1141}" type="datetime1">
               <a:rPr lang="es-MX" smtClean="0"/>
-              <a:t>01/03/2018</a:t>
+              <a:t>05/03/2018</a:t>
             </a:fld>
             <a:endParaRPr lang="es-MX"/>
           </a:p>
@@ -7478,7 +7482,7 @@
           <a:p>
             <a:fld id="{20C663D8-7129-46BF-8062-AF5F0D6B0C91}" type="datetime1">
               <a:rPr lang="es-MX" smtClean="0"/>
-              <a:t>01/03/2018</a:t>
+              <a:t>05/03/2018</a:t>
             </a:fld>
             <a:endParaRPr lang="es-MX"/>
           </a:p>
@@ -7952,7 +7956,7 @@
           <a:p>
             <a:fld id="{A59B6387-BD91-404A-94B0-4B385FB9C007}" type="datetime1">
               <a:rPr lang="es-MX" smtClean="0"/>
-              <a:t>01/03/2018</a:t>
+              <a:t>05/03/2018</a:t>
             </a:fld>
             <a:endParaRPr lang="es-MX"/>
           </a:p>
@@ -8347,7 +8351,7 @@
           <a:p>
             <a:fld id="{423DBE62-F9C6-4A5A-BC68-93E95FD9505D}" type="datetime1">
               <a:rPr lang="es-MX" smtClean="0"/>
-              <a:t>01/03/2018</a:t>
+              <a:t>05/03/2018</a:t>
             </a:fld>
             <a:endParaRPr lang="es-MX"/>
           </a:p>
@@ -8923,7 +8927,7 @@
           <a:p>
             <a:fld id="{A602A375-89B7-4F9D-A448-9546AA8105B1}" type="datetime1">
               <a:rPr lang="es-MX" smtClean="0"/>
-              <a:t>01/03/2018</a:t>
+              <a:t>05/03/2018</a:t>
             </a:fld>
             <a:endParaRPr lang="es-MX"/>
           </a:p>
@@ -9334,7 +9338,7 @@
           <a:p>
             <a:fld id="{5B8F175C-BFB3-412A-AB80-C4D6AE6272F7}" type="datetime1">
               <a:rPr lang="es-MX" smtClean="0"/>
-              <a:t>01/03/2018</a:t>
+              <a:t>05/03/2018</a:t>
             </a:fld>
             <a:endParaRPr lang="es-MX"/>
           </a:p>
@@ -9584,7 +9588,7 @@
             <a:fld id="{78BB2372-2761-44A5-AED3-734D90A1B253}" type="datetime1">
               <a:rPr lang="es-MX" smtClean="0"/>
               <a:pPr/>
-              <a:t>01/03/2018</a:t>
+              <a:t>05/03/2018</a:t>
             </a:fld>
             <a:endParaRPr lang="es-MX"/>
           </a:p>
@@ -9709,7 +9713,7 @@
           <a:p>
             <a:fld id="{4E6F4C02-A620-45D8-940B-97B1E5288140}" type="datetime1">
               <a:rPr lang="es-MX" smtClean="0"/>
-              <a:t>01/03/2018</a:t>
+              <a:t>05/03/2018</a:t>
             </a:fld>
             <a:endParaRPr lang="es-MX"/>
           </a:p>
@@ -10042,7 +10046,7 @@
           <a:p>
             <a:fld id="{71D4A01E-58B7-4E95-B611-CCD75B026A5D}" type="datetime1">
               <a:rPr lang="es-MX" smtClean="0"/>
-              <a:t>01/03/2018</a:t>
+              <a:t>05/03/2018</a:t>
             </a:fld>
             <a:endParaRPr lang="es-MX"/>
           </a:p>
@@ -10478,7 +10482,7 @@
           <a:p>
             <a:fld id="{2F1087C9-DB44-44FD-9E1D-7A9C2507E50D}" type="datetime1">
               <a:rPr lang="es-MX" smtClean="0"/>
-              <a:t>01/03/2018</a:t>
+              <a:t>05/03/2018</a:t>
             </a:fld>
             <a:endParaRPr lang="es-MX"/>
           </a:p>
@@ -10905,7 +10909,7 @@
           <a:p>
             <a:fld id="{86C499C8-E619-40EE-A327-D03ADBE772E0}" type="datetime1">
               <a:rPr lang="es-MX" smtClean="0"/>
-              <a:t>01/03/2018</a:t>
+              <a:t>05/03/2018</a:t>
             </a:fld>
             <a:endParaRPr lang="es-MX"/>
           </a:p>
@@ -11334,7 +11338,7 @@
           <a:p>
             <a:r>
               <a:rPr lang="es-CO" dirty="0" smtClean="0"/>
-              <a:t>Introducción JAVASCRIPT</a:t>
+              <a:t>Desarrollo de Aplicaciones Web</a:t>
             </a:r>
             <a:endParaRPr lang="es-CO" sz="4400" dirty="0"/>
           </a:p>
@@ -11357,7 +11361,19 @@
           <a:p>
             <a:r>
               <a:rPr lang="es-CO" dirty="0" smtClean="0"/>
-              <a:t>Desarrollo de aplicaciones III</a:t>
+              <a:t>Api de Google </a:t>
+            </a:r>
+            <a:r>
+              <a:rPr lang="es-CO" dirty="0" err="1" smtClean="0"/>
+              <a:t>Maps</a:t>
+            </a:r>
+            <a:r>
+              <a:rPr lang="es-CO" dirty="0" smtClean="0"/>
+              <a:t> en </a:t>
+            </a:r>
+            <a:r>
+              <a:rPr lang="es-CO" smtClean="0"/>
+              <a:t>Javascript</a:t>
             </a:r>
             <a:endParaRPr lang="es-CO" dirty="0"/>
           </a:p>
@@ -14453,6 +14469,1079 @@
           <a:lstStyle/>
           <a:p>
             <a:r>
+              <a:rPr lang="es-MX" dirty="0" err="1"/>
+              <a:t>setTimeout</a:t>
+            </a:r>
+            <a:r>
+              <a:rPr lang="es-MX" dirty="0"/>
+              <a:t>()</a:t>
+            </a:r>
+          </a:p>
+        </p:txBody>
+      </p:sp>
+      <p:sp>
+        <p:nvSpPr>
+          <p:cNvPr id="3" name="Marcador de contenido 2"/>
+          <p:cNvSpPr>
+            <a:spLocks noGrp="1"/>
+          </p:cNvSpPr>
+          <p:nvPr>
+            <p:ph idx="1"/>
+          </p:nvPr>
+        </p:nvSpPr>
+        <p:spPr/>
+        <p:txBody>
+          <a:bodyPr>
+            <a:normAutofit/>
+          </a:bodyPr>
+          <a:lstStyle/>
+          <a:p>
+            <a:pPr marL="0" indent="0">
+              <a:buNone/>
+            </a:pPr>
+            <a:r>
+              <a:rPr lang="es-MX" dirty="0" err="1"/>
+              <a:t>window.setTimeout</a:t>
+            </a:r>
+            <a:r>
+              <a:rPr lang="es-MX" dirty="0"/>
+              <a:t>(</a:t>
+            </a:r>
+            <a:r>
+              <a:rPr lang="es-MX" i="1" dirty="0" err="1"/>
+              <a:t>function</a:t>
+            </a:r>
+            <a:r>
+              <a:rPr lang="es-MX" dirty="0"/>
+              <a:t>,</a:t>
+            </a:r>
+            <a:r>
+              <a:rPr lang="es-MX" i="1" dirty="0"/>
+              <a:t> </a:t>
+            </a:r>
+            <a:r>
+              <a:rPr lang="es-MX" i="1" dirty="0" err="1"/>
+              <a:t>milliseconds</a:t>
+            </a:r>
+            <a:r>
+              <a:rPr lang="es-MX" dirty="0" smtClean="0"/>
+              <a:t>);</a:t>
+            </a:r>
+          </a:p>
+          <a:p>
+            <a:pPr marL="0" indent="0">
+              <a:buNone/>
+            </a:pPr>
+            <a:endParaRPr lang="es-MX" dirty="0" smtClean="0"/>
+          </a:p>
+          <a:p>
+            <a:pPr marL="0" indent="0">
+              <a:buNone/>
+            </a:pPr>
+            <a:r>
+              <a:rPr lang="en-US" dirty="0"/>
+              <a:t>&lt;button </a:t>
+            </a:r>
+            <a:r>
+              <a:rPr lang="en-US" dirty="0" err="1"/>
+              <a:t>onclick</a:t>
+            </a:r>
+            <a:r>
+              <a:rPr lang="en-US" dirty="0" smtClean="0"/>
+              <a:t>=“</a:t>
+            </a:r>
+            <a:r>
+              <a:rPr lang="en-US" dirty="0" err="1" smtClean="0"/>
+              <a:t>retardoHola</a:t>
+            </a:r>
+            <a:r>
+              <a:rPr lang="en-US" dirty="0" smtClean="0"/>
+              <a:t>()"&gt;</a:t>
+            </a:r>
+            <a:r>
+              <a:rPr lang="en-US" dirty="0"/>
+              <a:t>Try it&lt;/button&gt;</a:t>
+            </a:r>
+            <a:br>
+              <a:rPr lang="en-US" dirty="0"/>
+            </a:br>
+            <a:r>
+              <a:rPr lang="en-US" dirty="0"/>
+              <a:t/>
+            </a:r>
+            <a:br>
+              <a:rPr lang="en-US" dirty="0"/>
+            </a:br>
+            <a:r>
+              <a:rPr lang="en-US" dirty="0"/>
+              <a:t>&lt;script&gt;</a:t>
+            </a:r>
+            <a:br>
+              <a:rPr lang="en-US" dirty="0"/>
+            </a:br>
+            <a:r>
+              <a:rPr lang="en-US" dirty="0"/>
+              <a:t>function </a:t>
+            </a:r>
+            <a:r>
+              <a:rPr lang="en-US" dirty="0" err="1" smtClean="0"/>
+              <a:t>retardoHola</a:t>
+            </a:r>
+            <a:r>
+              <a:rPr lang="en-US" dirty="0" smtClean="0"/>
+              <a:t>() </a:t>
+            </a:r>
+            <a:r>
+              <a:rPr lang="en-US" dirty="0"/>
+              <a:t>{</a:t>
+            </a:r>
+            <a:br>
+              <a:rPr lang="en-US" dirty="0"/>
+            </a:br>
+            <a:r>
+              <a:rPr lang="en-US" dirty="0"/>
+              <a:t>    </a:t>
+            </a:r>
+            <a:r>
+              <a:rPr lang="en-US" dirty="0" err="1" smtClean="0"/>
+              <a:t>setTimeout</a:t>
+            </a:r>
+            <a:r>
+              <a:rPr lang="en-US" dirty="0" smtClean="0"/>
+              <a:t>(alert(‘HOLA’), </a:t>
+            </a:r>
+            <a:r>
+              <a:rPr lang="en-US" dirty="0"/>
+              <a:t>3000</a:t>
+            </a:r>
+            <a:r>
+              <a:rPr lang="en-US" dirty="0" smtClean="0"/>
+              <a:t>);</a:t>
+            </a:r>
+            <a:r>
+              <a:rPr lang="en-US" dirty="0"/>
+              <a:t/>
+            </a:r>
+            <a:br>
+              <a:rPr lang="en-US" dirty="0"/>
+            </a:br>
+            <a:r>
+              <a:rPr lang="en-US" dirty="0"/>
+              <a:t>}</a:t>
+            </a:r>
+            <a:br>
+              <a:rPr lang="en-US" dirty="0"/>
+            </a:br>
+            <a:r>
+              <a:rPr lang="en-US" dirty="0"/>
+              <a:t>&lt;/script&gt;</a:t>
+            </a:r>
+            <a:endParaRPr lang="es-MX" dirty="0" smtClean="0"/>
+          </a:p>
+          <a:p>
+            <a:pPr marL="0" indent="0">
+              <a:buNone/>
+            </a:pPr>
+            <a:endParaRPr lang="es-MX" dirty="0" smtClean="0"/>
+          </a:p>
+        </p:txBody>
+      </p:sp>
+    </p:spTree>
+    <p:extLst>
+      <p:ext uri="{BB962C8B-B14F-4D97-AF65-F5344CB8AC3E}">
+        <p14:creationId xmlns:p14="http://schemas.microsoft.com/office/powerpoint/2010/main" val="3002138664"/>
+      </p:ext>
+    </p:extLst>
+  </p:cSld>
+  <p:clrMapOvr>
+    <a:masterClrMapping/>
+  </p:clrMapOvr>
+  <p:timing>
+    <p:tnLst>
+      <p:par>
+        <p:cTn id="1" dur="indefinite" restart="never" nodeType="tmRoot"/>
+      </p:par>
+    </p:tnLst>
+  </p:timing>
+</p:sld>
+</file>
+
+<file path=ppt/slides/slide112.xml><?xml version="1.0" encoding="utf-8"?>
+<p:sld xmlns:a="http://schemas.openxmlformats.org/drawingml/2006/main" xmlns:r="http://schemas.openxmlformats.org/officeDocument/2006/relationships" xmlns:p="http://schemas.openxmlformats.org/presentationml/2006/main">
+  <p:cSld>
+    <p:spTree>
+      <p:nvGrpSpPr>
+        <p:cNvPr id="1" name=""/>
+        <p:cNvGrpSpPr/>
+        <p:nvPr/>
+      </p:nvGrpSpPr>
+      <p:grpSpPr>
+        <a:xfrm>
+          <a:off x="0" y="0"/>
+          <a:ext cx="0" cy="0"/>
+          <a:chOff x="0" y="0"/>
+          <a:chExt cx="0" cy="0"/>
+        </a:xfrm>
+      </p:grpSpPr>
+      <p:sp>
+        <p:nvSpPr>
+          <p:cNvPr id="2" name="Título 1"/>
+          <p:cNvSpPr>
+            <a:spLocks noGrp="1"/>
+          </p:cNvSpPr>
+          <p:nvPr>
+            <p:ph type="title"/>
+          </p:nvPr>
+        </p:nvSpPr>
+        <p:spPr/>
+        <p:txBody>
+          <a:bodyPr/>
+          <a:lstStyle/>
+          <a:p>
+            <a:r>
+              <a:rPr lang="es-MX" dirty="0" err="1"/>
+              <a:t>clearTimeout</a:t>
+            </a:r>
+            <a:r>
+              <a:rPr lang="es-MX" dirty="0"/>
+              <a:t>()</a:t>
+            </a:r>
+          </a:p>
+        </p:txBody>
+      </p:sp>
+      <p:sp>
+        <p:nvSpPr>
+          <p:cNvPr id="3" name="Marcador de contenido 2"/>
+          <p:cNvSpPr>
+            <a:spLocks noGrp="1"/>
+          </p:cNvSpPr>
+          <p:nvPr>
+            <p:ph idx="1"/>
+          </p:nvPr>
+        </p:nvSpPr>
+        <p:spPr/>
+        <p:txBody>
+          <a:bodyPr>
+            <a:normAutofit fontScale="92500" lnSpcReduction="10000"/>
+          </a:bodyPr>
+          <a:lstStyle/>
+          <a:p>
+            <a:pPr marL="0" indent="0">
+              <a:buNone/>
+            </a:pPr>
+            <a:r>
+              <a:rPr lang="es-MX" dirty="0" err="1"/>
+              <a:t>window.clearTimeout</a:t>
+            </a:r>
+            <a:r>
+              <a:rPr lang="es-MX" dirty="0"/>
+              <a:t>(</a:t>
+            </a:r>
+            <a:r>
+              <a:rPr lang="es-MX" i="1" dirty="0" err="1"/>
+              <a:t>timeoutVariable</a:t>
+            </a:r>
+            <a:r>
+              <a:rPr lang="es-MX" dirty="0" smtClean="0"/>
+              <a:t>);</a:t>
+            </a:r>
+          </a:p>
+          <a:p>
+            <a:pPr marL="0" indent="0">
+              <a:buNone/>
+            </a:pPr>
+            <a:endParaRPr lang="es-MX" dirty="0" smtClean="0"/>
+          </a:p>
+          <a:p>
+            <a:pPr marL="0" indent="0">
+              <a:buNone/>
+            </a:pPr>
+            <a:r>
+              <a:rPr lang="en-US" dirty="0"/>
+              <a:t>&lt;button </a:t>
+            </a:r>
+            <a:r>
+              <a:rPr lang="en-US" dirty="0" err="1"/>
+              <a:t>onclick</a:t>
+            </a:r>
+            <a:r>
+              <a:rPr lang="en-US" dirty="0" smtClean="0"/>
+              <a:t>=“</a:t>
+            </a:r>
+            <a:r>
+              <a:rPr lang="en-US" dirty="0" err="1" smtClean="0"/>
+              <a:t>retardoHola</a:t>
+            </a:r>
+            <a:r>
+              <a:rPr lang="en-US" dirty="0" smtClean="0"/>
+              <a:t>()"&gt;</a:t>
+            </a:r>
+            <a:r>
+              <a:rPr lang="en-US" dirty="0"/>
+              <a:t>Try it&lt;/button&gt;</a:t>
+            </a:r>
+            <a:br>
+              <a:rPr lang="en-US" dirty="0"/>
+            </a:br>
+            <a:r>
+              <a:rPr lang="en-US" dirty="0"/>
+              <a:t/>
+            </a:r>
+            <a:br>
+              <a:rPr lang="en-US" dirty="0"/>
+            </a:br>
+            <a:r>
+              <a:rPr lang="en-US" dirty="0"/>
+              <a:t>&lt;script&gt;</a:t>
+            </a:r>
+            <a:br>
+              <a:rPr lang="en-US" dirty="0"/>
+            </a:br>
+            <a:r>
+              <a:rPr lang="en-US" dirty="0"/>
+              <a:t>function </a:t>
+            </a:r>
+            <a:r>
+              <a:rPr lang="en-US" dirty="0" err="1" smtClean="0"/>
+              <a:t>retardoHola</a:t>
+            </a:r>
+            <a:r>
+              <a:rPr lang="en-US" dirty="0" smtClean="0"/>
+              <a:t>() </a:t>
+            </a:r>
+            <a:r>
+              <a:rPr lang="en-US" dirty="0"/>
+              <a:t>{</a:t>
+            </a:r>
+            <a:br>
+              <a:rPr lang="en-US" dirty="0"/>
+            </a:br>
+            <a:r>
+              <a:rPr lang="en-US" dirty="0"/>
+              <a:t>    </a:t>
+            </a:r>
+            <a:r>
+              <a:rPr lang="en-US" dirty="0" err="1" smtClean="0"/>
+              <a:t>setTimeout</a:t>
+            </a:r>
+            <a:r>
+              <a:rPr lang="en-US" dirty="0" smtClean="0"/>
+              <a:t>(alert(‘HOLA’), </a:t>
+            </a:r>
+            <a:r>
+              <a:rPr lang="en-US" dirty="0"/>
+              <a:t>3000</a:t>
+            </a:r>
+            <a:r>
+              <a:rPr lang="en-US" dirty="0" smtClean="0"/>
+              <a:t>);</a:t>
+            </a:r>
+            <a:r>
+              <a:rPr lang="en-US" dirty="0"/>
+              <a:t/>
+            </a:r>
+            <a:br>
+              <a:rPr lang="en-US" dirty="0"/>
+            </a:br>
+            <a:r>
+              <a:rPr lang="en-US" dirty="0" smtClean="0"/>
+              <a:t>}</a:t>
+            </a:r>
+          </a:p>
+          <a:p>
+            <a:pPr marL="0" indent="0">
+              <a:buNone/>
+            </a:pPr>
+            <a:r>
+              <a:rPr lang="en-US" dirty="0"/>
+              <a:t>&lt;button </a:t>
+            </a:r>
+            <a:r>
+              <a:rPr lang="en-US" dirty="0" err="1"/>
+              <a:t>onclick</a:t>
+            </a:r>
+            <a:r>
+              <a:rPr lang="en-US" dirty="0"/>
+              <a:t>="</a:t>
+            </a:r>
+            <a:r>
+              <a:rPr lang="en-US" dirty="0" err="1" smtClean="0"/>
+              <a:t>clearTimeout</a:t>
+            </a:r>
+            <a:r>
+              <a:rPr lang="en-US" dirty="0" smtClean="0"/>
+              <a:t>(</a:t>
+            </a:r>
+            <a:r>
+              <a:rPr lang="en-US" dirty="0" err="1"/>
+              <a:t>retardoHola</a:t>
+            </a:r>
+            <a:r>
+              <a:rPr lang="en-US" dirty="0" smtClean="0"/>
+              <a:t>)"&gt;</a:t>
+            </a:r>
+            <a:r>
+              <a:rPr lang="en-US" dirty="0" err="1" smtClean="0"/>
+              <a:t>Detener</a:t>
+            </a:r>
+            <a:r>
+              <a:rPr lang="en-US" dirty="0" smtClean="0"/>
+              <a:t/>
+            </a:r>
+            <a:br>
+              <a:rPr lang="en-US" dirty="0" smtClean="0"/>
+            </a:br>
+            <a:r>
+              <a:rPr lang="en-US" dirty="0" smtClean="0"/>
+              <a:t>&lt;/</a:t>
+            </a:r>
+            <a:r>
+              <a:rPr lang="en-US" dirty="0"/>
+              <a:t>button&gt;</a:t>
+            </a:r>
+            <a:br>
+              <a:rPr lang="en-US" dirty="0"/>
+            </a:br>
+            <a:r>
+              <a:rPr lang="en-US" dirty="0"/>
+              <a:t>&lt;/script&gt;</a:t>
+            </a:r>
+            <a:endParaRPr lang="es-MX" dirty="0" smtClean="0"/>
+          </a:p>
+          <a:p>
+            <a:pPr marL="0" indent="0">
+              <a:buNone/>
+            </a:pPr>
+            <a:endParaRPr lang="es-MX" dirty="0" smtClean="0"/>
+          </a:p>
+        </p:txBody>
+      </p:sp>
+    </p:spTree>
+    <p:extLst>
+      <p:ext uri="{BB962C8B-B14F-4D97-AF65-F5344CB8AC3E}">
+        <p14:creationId xmlns:p14="http://schemas.microsoft.com/office/powerpoint/2010/main" val="234973103"/>
+      </p:ext>
+    </p:extLst>
+  </p:cSld>
+  <p:clrMapOvr>
+    <a:masterClrMapping/>
+  </p:clrMapOvr>
+  <p:timing>
+    <p:tnLst>
+      <p:par>
+        <p:cTn id="1" dur="indefinite" restart="never" nodeType="tmRoot"/>
+      </p:par>
+    </p:tnLst>
+  </p:timing>
+</p:sld>
+</file>
+
+<file path=ppt/slides/slide113.xml><?xml version="1.0" encoding="utf-8"?>
+<p:sld xmlns:a="http://schemas.openxmlformats.org/drawingml/2006/main" xmlns:r="http://schemas.openxmlformats.org/officeDocument/2006/relationships" xmlns:p="http://schemas.openxmlformats.org/presentationml/2006/main">
+  <p:cSld>
+    <p:spTree>
+      <p:nvGrpSpPr>
+        <p:cNvPr id="1" name=""/>
+        <p:cNvGrpSpPr/>
+        <p:nvPr/>
+      </p:nvGrpSpPr>
+      <p:grpSpPr>
+        <a:xfrm>
+          <a:off x="0" y="0"/>
+          <a:ext cx="0" cy="0"/>
+          <a:chOff x="0" y="0"/>
+          <a:chExt cx="0" cy="0"/>
+        </a:xfrm>
+      </p:grpSpPr>
+      <p:sp>
+        <p:nvSpPr>
+          <p:cNvPr id="2" name="Título 1"/>
+          <p:cNvSpPr>
+            <a:spLocks noGrp="1"/>
+          </p:cNvSpPr>
+          <p:nvPr>
+            <p:ph type="title"/>
+          </p:nvPr>
+        </p:nvSpPr>
+        <p:spPr/>
+        <p:txBody>
+          <a:bodyPr/>
+          <a:lstStyle/>
+          <a:p>
+            <a:r>
+              <a:rPr lang="es-MX" dirty="0" err="1"/>
+              <a:t>setInterval</a:t>
+            </a:r>
+            <a:r>
+              <a:rPr lang="es-MX" dirty="0" smtClean="0"/>
+              <a:t>()</a:t>
+            </a:r>
+            <a:endParaRPr lang="es-MX" dirty="0"/>
+          </a:p>
+        </p:txBody>
+      </p:sp>
+      <p:sp>
+        <p:nvSpPr>
+          <p:cNvPr id="3" name="Marcador de contenido 2"/>
+          <p:cNvSpPr>
+            <a:spLocks noGrp="1"/>
+          </p:cNvSpPr>
+          <p:nvPr>
+            <p:ph idx="1"/>
+          </p:nvPr>
+        </p:nvSpPr>
+        <p:spPr/>
+        <p:txBody>
+          <a:bodyPr>
+            <a:normAutofit/>
+          </a:bodyPr>
+          <a:lstStyle/>
+          <a:p>
+            <a:pPr marL="0" indent="0">
+              <a:buNone/>
+            </a:pPr>
+            <a:r>
+              <a:rPr lang="es-MX" dirty="0" err="1"/>
+              <a:t>window.setInterval</a:t>
+            </a:r>
+            <a:r>
+              <a:rPr lang="es-MX" dirty="0"/>
+              <a:t>(</a:t>
+            </a:r>
+            <a:r>
+              <a:rPr lang="es-MX" i="1" dirty="0" err="1"/>
+              <a:t>function</a:t>
+            </a:r>
+            <a:r>
+              <a:rPr lang="es-MX" dirty="0"/>
+              <a:t>,</a:t>
+            </a:r>
+            <a:r>
+              <a:rPr lang="es-MX" i="1" dirty="0"/>
+              <a:t> </a:t>
+            </a:r>
+            <a:r>
+              <a:rPr lang="es-MX" i="1" dirty="0" err="1"/>
+              <a:t>milliseconds</a:t>
+            </a:r>
+            <a:r>
+              <a:rPr lang="es-MX" dirty="0"/>
+              <a:t>);</a:t>
+            </a:r>
+            <a:endParaRPr lang="es-MX" dirty="0" smtClean="0"/>
+          </a:p>
+          <a:p>
+            <a:pPr marL="0" indent="0">
+              <a:buNone/>
+            </a:pPr>
+            <a:endParaRPr lang="es-MX" dirty="0" smtClean="0"/>
+          </a:p>
+          <a:p>
+            <a:pPr marL="0" indent="0">
+              <a:buNone/>
+            </a:pPr>
+            <a:r>
+              <a:rPr lang="es-MX" dirty="0" err="1"/>
+              <a:t>var</a:t>
+            </a:r>
+            <a:r>
+              <a:rPr lang="es-MX" dirty="0"/>
+              <a:t> </a:t>
+            </a:r>
+            <a:r>
+              <a:rPr lang="es-MX" dirty="0" err="1"/>
+              <a:t>myVar</a:t>
+            </a:r>
+            <a:r>
+              <a:rPr lang="es-MX" dirty="0"/>
+              <a:t> = </a:t>
+            </a:r>
+            <a:r>
+              <a:rPr lang="es-MX" dirty="0" err="1"/>
+              <a:t>setInterval</a:t>
+            </a:r>
+            <a:r>
+              <a:rPr lang="es-MX" dirty="0"/>
+              <a:t>(</a:t>
+            </a:r>
+            <a:r>
+              <a:rPr lang="es-MX" dirty="0" err="1"/>
+              <a:t>myTimer</a:t>
+            </a:r>
+            <a:r>
+              <a:rPr lang="es-MX" dirty="0"/>
+              <a:t>, 1000);</a:t>
+            </a:r>
+            <a:br>
+              <a:rPr lang="es-MX" dirty="0"/>
+            </a:br>
+            <a:r>
+              <a:rPr lang="es-MX" dirty="0"/>
+              <a:t/>
+            </a:r>
+            <a:br>
+              <a:rPr lang="es-MX" dirty="0"/>
+            </a:br>
+            <a:r>
+              <a:rPr lang="es-MX" dirty="0" err="1"/>
+              <a:t>function</a:t>
+            </a:r>
+            <a:r>
+              <a:rPr lang="es-MX" dirty="0"/>
+              <a:t> </a:t>
+            </a:r>
+            <a:r>
+              <a:rPr lang="es-MX" dirty="0" err="1"/>
+              <a:t>myTimer</a:t>
+            </a:r>
+            <a:r>
+              <a:rPr lang="es-MX" dirty="0"/>
+              <a:t>() {</a:t>
+            </a:r>
+            <a:br>
+              <a:rPr lang="es-MX" dirty="0"/>
+            </a:br>
+            <a:r>
+              <a:rPr lang="es-MX" dirty="0"/>
+              <a:t>    </a:t>
+            </a:r>
+            <a:r>
+              <a:rPr lang="es-MX" dirty="0" err="1"/>
+              <a:t>var</a:t>
+            </a:r>
+            <a:r>
+              <a:rPr lang="es-MX" dirty="0"/>
+              <a:t> d = new Date();</a:t>
+            </a:r>
+            <a:br>
+              <a:rPr lang="es-MX" dirty="0"/>
+            </a:br>
+            <a:r>
+              <a:rPr lang="es-MX" dirty="0"/>
+              <a:t>    </a:t>
+            </a:r>
+            <a:r>
+              <a:rPr lang="es-MX" dirty="0" err="1"/>
+              <a:t>document.getElementById</a:t>
+            </a:r>
+            <a:r>
+              <a:rPr lang="es-MX" dirty="0"/>
+              <a:t>("demo").</a:t>
+            </a:r>
+            <a:r>
+              <a:rPr lang="es-MX" dirty="0" err="1"/>
+              <a:t>innerHTML</a:t>
+            </a:r>
+            <a:r>
+              <a:rPr lang="es-MX" dirty="0"/>
+              <a:t> = </a:t>
+            </a:r>
+            <a:r>
+              <a:rPr lang="es-MX" dirty="0" err="1"/>
+              <a:t>d.toLocaleTimeString</a:t>
+            </a:r>
+            <a:r>
+              <a:rPr lang="es-MX" dirty="0"/>
+              <a:t>();</a:t>
+            </a:r>
+            <a:br>
+              <a:rPr lang="es-MX" dirty="0"/>
+            </a:br>
+            <a:r>
+              <a:rPr lang="es-MX" dirty="0"/>
+              <a:t>}</a:t>
+            </a:r>
+            <a:endParaRPr lang="es-MX" dirty="0" smtClean="0"/>
+          </a:p>
+        </p:txBody>
+      </p:sp>
+    </p:spTree>
+    <p:extLst>
+      <p:ext uri="{BB962C8B-B14F-4D97-AF65-F5344CB8AC3E}">
+        <p14:creationId xmlns:p14="http://schemas.microsoft.com/office/powerpoint/2010/main" val="1688834016"/>
+      </p:ext>
+    </p:extLst>
+  </p:cSld>
+  <p:clrMapOvr>
+    <a:masterClrMapping/>
+  </p:clrMapOvr>
+  <p:timing>
+    <p:tnLst>
+      <p:par>
+        <p:cTn id="1" dur="indefinite" restart="never" nodeType="tmRoot"/>
+      </p:par>
+    </p:tnLst>
+  </p:timing>
+</p:sld>
+</file>
+
+<file path=ppt/slides/slide114.xml><?xml version="1.0" encoding="utf-8"?>
+<p:sld xmlns:a="http://schemas.openxmlformats.org/drawingml/2006/main" xmlns:r="http://schemas.openxmlformats.org/officeDocument/2006/relationships" xmlns:p="http://schemas.openxmlformats.org/presentationml/2006/main">
+  <p:cSld>
+    <p:spTree>
+      <p:nvGrpSpPr>
+        <p:cNvPr id="1" name=""/>
+        <p:cNvGrpSpPr/>
+        <p:nvPr/>
+      </p:nvGrpSpPr>
+      <p:grpSpPr>
+        <a:xfrm>
+          <a:off x="0" y="0"/>
+          <a:ext cx="0" cy="0"/>
+          <a:chOff x="0" y="0"/>
+          <a:chExt cx="0" cy="0"/>
+        </a:xfrm>
+      </p:grpSpPr>
+      <p:sp>
+        <p:nvSpPr>
+          <p:cNvPr id="2" name="Título 1"/>
+          <p:cNvSpPr>
+            <a:spLocks noGrp="1"/>
+          </p:cNvSpPr>
+          <p:nvPr>
+            <p:ph type="title"/>
+          </p:nvPr>
+        </p:nvSpPr>
+        <p:spPr/>
+        <p:txBody>
+          <a:bodyPr/>
+          <a:lstStyle/>
+          <a:p>
+            <a:r>
+              <a:rPr lang="es-MX" dirty="0" err="1"/>
+              <a:t>clearInterval</a:t>
+            </a:r>
+            <a:r>
+              <a:rPr lang="es-MX" dirty="0" smtClean="0"/>
+              <a:t>()</a:t>
+            </a:r>
+            <a:endParaRPr lang="es-MX" dirty="0"/>
+          </a:p>
+        </p:txBody>
+      </p:sp>
+      <p:sp>
+        <p:nvSpPr>
+          <p:cNvPr id="3" name="Marcador de contenido 2"/>
+          <p:cNvSpPr>
+            <a:spLocks noGrp="1"/>
+          </p:cNvSpPr>
+          <p:nvPr>
+            <p:ph idx="1"/>
+          </p:nvPr>
+        </p:nvSpPr>
+        <p:spPr/>
+        <p:txBody>
+          <a:bodyPr>
+            <a:normAutofit fontScale="77500" lnSpcReduction="20000"/>
+          </a:bodyPr>
+          <a:lstStyle/>
+          <a:p>
+            <a:pPr marL="0" indent="0">
+              <a:buNone/>
+            </a:pPr>
+            <a:r>
+              <a:rPr lang="es-MX" dirty="0" err="1"/>
+              <a:t>window</a:t>
+            </a:r>
+            <a:r>
+              <a:rPr lang="es-MX" dirty="0" smtClean="0"/>
+              <a:t>.</a:t>
+            </a:r>
+            <a:r>
+              <a:rPr lang="es-MX" dirty="0"/>
+              <a:t> </a:t>
+            </a:r>
+            <a:r>
+              <a:rPr lang="es-MX" dirty="0" err="1" smtClean="0"/>
+              <a:t>clearInterval</a:t>
+            </a:r>
+            <a:r>
+              <a:rPr lang="es-MX" dirty="0" smtClean="0"/>
+              <a:t>(</a:t>
+            </a:r>
+            <a:r>
+              <a:rPr lang="es-MX" dirty="0" err="1" smtClean="0"/>
+              <a:t>function</a:t>
+            </a:r>
+            <a:r>
+              <a:rPr lang="es-MX" dirty="0" smtClean="0"/>
+              <a:t>);</a:t>
+            </a:r>
+          </a:p>
+          <a:p>
+            <a:pPr marL="0" indent="0">
+              <a:buNone/>
+            </a:pPr>
+            <a:endParaRPr lang="es-MX" dirty="0" smtClean="0"/>
+          </a:p>
+          <a:p>
+            <a:pPr marL="0" indent="0">
+              <a:buNone/>
+            </a:pPr>
+            <a:r>
+              <a:rPr lang="es-MX" dirty="0"/>
+              <a:t>&lt;p id="demo"&gt;&lt;/p&gt;</a:t>
+            </a:r>
+            <a:br>
+              <a:rPr lang="es-MX" dirty="0"/>
+            </a:br>
+            <a:r>
+              <a:rPr lang="es-MX" dirty="0"/>
+              <a:t/>
+            </a:r>
+            <a:br>
+              <a:rPr lang="es-MX" dirty="0"/>
+            </a:br>
+            <a:r>
+              <a:rPr lang="es-MX" dirty="0"/>
+              <a:t>&lt;</a:t>
+            </a:r>
+            <a:r>
+              <a:rPr lang="es-MX" dirty="0" err="1"/>
+              <a:t>button</a:t>
+            </a:r>
+            <a:r>
+              <a:rPr lang="es-MX" dirty="0"/>
+              <a:t> </a:t>
+            </a:r>
+            <a:r>
+              <a:rPr lang="es-MX" dirty="0" err="1"/>
+              <a:t>onclick</a:t>
+            </a:r>
+            <a:r>
+              <a:rPr lang="es-MX" dirty="0"/>
+              <a:t>="</a:t>
+            </a:r>
+            <a:r>
+              <a:rPr lang="es-MX" dirty="0" err="1" smtClean="0"/>
+              <a:t>clearInterval</a:t>
+            </a:r>
+            <a:r>
+              <a:rPr lang="es-MX" dirty="0" smtClean="0"/>
+              <a:t>(</a:t>
+            </a:r>
+            <a:r>
+              <a:rPr lang="es-MX" dirty="0" err="1"/>
+              <a:t>miHora</a:t>
+            </a:r>
+            <a:r>
+              <a:rPr lang="es-MX" dirty="0" smtClean="0"/>
+              <a:t>)"&gt;</a:t>
+            </a:r>
+            <a:r>
+              <a:rPr lang="es-MX" dirty="0"/>
+              <a:t>Stop time&lt;/</a:t>
+            </a:r>
+            <a:r>
+              <a:rPr lang="es-MX" dirty="0" err="1"/>
+              <a:t>button</a:t>
+            </a:r>
+            <a:r>
+              <a:rPr lang="es-MX" dirty="0"/>
+              <a:t>&gt;</a:t>
+            </a:r>
+            <a:br>
+              <a:rPr lang="es-MX" dirty="0"/>
+            </a:br>
+            <a:r>
+              <a:rPr lang="es-MX" dirty="0"/>
+              <a:t/>
+            </a:r>
+            <a:br>
+              <a:rPr lang="es-MX" dirty="0"/>
+            </a:br>
+            <a:r>
+              <a:rPr lang="es-MX" dirty="0"/>
+              <a:t>&lt;script&gt;</a:t>
+            </a:r>
+            <a:br>
+              <a:rPr lang="es-MX" dirty="0"/>
+            </a:br>
+            <a:r>
+              <a:rPr lang="es-MX" dirty="0" err="1"/>
+              <a:t>var</a:t>
+            </a:r>
+            <a:r>
+              <a:rPr lang="es-MX" dirty="0"/>
+              <a:t> </a:t>
+            </a:r>
+            <a:r>
+              <a:rPr lang="es-MX" dirty="0" err="1" smtClean="0"/>
+              <a:t>miHora</a:t>
+            </a:r>
+            <a:r>
+              <a:rPr lang="es-MX" dirty="0" smtClean="0"/>
+              <a:t> </a:t>
+            </a:r>
+            <a:r>
+              <a:rPr lang="es-MX" dirty="0"/>
+              <a:t>= </a:t>
+            </a:r>
+            <a:r>
+              <a:rPr lang="es-MX" dirty="0" err="1"/>
+              <a:t>setInterval</a:t>
+            </a:r>
+            <a:r>
+              <a:rPr lang="es-MX" dirty="0"/>
+              <a:t>(</a:t>
+            </a:r>
+            <a:r>
+              <a:rPr lang="es-MX" dirty="0" err="1"/>
+              <a:t>myTimer</a:t>
+            </a:r>
+            <a:r>
+              <a:rPr lang="es-MX" dirty="0"/>
+              <a:t>, 1000</a:t>
+            </a:r>
+            <a:r>
+              <a:rPr lang="es-MX" dirty="0" smtClean="0"/>
+              <a:t>);</a:t>
+            </a:r>
+          </a:p>
+          <a:p>
+            <a:pPr marL="0" indent="0">
+              <a:buNone/>
+            </a:pPr>
+            <a:r>
+              <a:rPr lang="es-MX" dirty="0"/>
+              <a:t/>
+            </a:r>
+            <a:br>
+              <a:rPr lang="es-MX" dirty="0"/>
+            </a:br>
+            <a:r>
+              <a:rPr lang="es-MX" dirty="0" err="1"/>
+              <a:t>function</a:t>
+            </a:r>
+            <a:r>
+              <a:rPr lang="es-MX" dirty="0"/>
+              <a:t> </a:t>
+            </a:r>
+            <a:r>
+              <a:rPr lang="es-MX" dirty="0" err="1"/>
+              <a:t>myTimer</a:t>
+            </a:r>
+            <a:r>
+              <a:rPr lang="es-MX" dirty="0"/>
+              <a:t>() {</a:t>
+            </a:r>
+            <a:br>
+              <a:rPr lang="es-MX" dirty="0"/>
+            </a:br>
+            <a:r>
+              <a:rPr lang="es-MX" dirty="0"/>
+              <a:t>    </a:t>
+            </a:r>
+            <a:r>
+              <a:rPr lang="es-MX" dirty="0" err="1"/>
+              <a:t>var</a:t>
+            </a:r>
+            <a:r>
+              <a:rPr lang="es-MX" dirty="0"/>
+              <a:t> d = new Date();</a:t>
+            </a:r>
+            <a:br>
+              <a:rPr lang="es-MX" dirty="0"/>
+            </a:br>
+            <a:r>
+              <a:rPr lang="es-MX" dirty="0"/>
+              <a:t>    </a:t>
+            </a:r>
+            <a:r>
+              <a:rPr lang="es-MX" dirty="0" err="1"/>
+              <a:t>document.getElementById</a:t>
+            </a:r>
+            <a:r>
+              <a:rPr lang="es-MX" dirty="0"/>
+              <a:t>("demo").</a:t>
+            </a:r>
+            <a:r>
+              <a:rPr lang="es-MX" dirty="0" err="1"/>
+              <a:t>innerHTML</a:t>
+            </a:r>
+            <a:r>
+              <a:rPr lang="es-MX" dirty="0"/>
+              <a:t> = </a:t>
+            </a:r>
+            <a:r>
+              <a:rPr lang="es-MX" dirty="0" err="1"/>
+              <a:t>d.toLocaleTimeString</a:t>
+            </a:r>
+            <a:r>
+              <a:rPr lang="es-MX" dirty="0"/>
+              <a:t>();</a:t>
+            </a:r>
+            <a:br>
+              <a:rPr lang="es-MX" dirty="0"/>
+            </a:br>
+            <a:r>
+              <a:rPr lang="es-MX" dirty="0"/>
+              <a:t>}</a:t>
+            </a:r>
+            <a:br>
+              <a:rPr lang="es-MX" dirty="0"/>
+            </a:br>
+            <a:r>
+              <a:rPr lang="es-MX" dirty="0"/>
+              <a:t>&lt;/script&gt;</a:t>
+            </a:r>
+            <a:endParaRPr lang="es-MX" dirty="0" smtClean="0"/>
+          </a:p>
+        </p:txBody>
+      </p:sp>
+    </p:spTree>
+    <p:extLst>
+      <p:ext uri="{BB962C8B-B14F-4D97-AF65-F5344CB8AC3E}">
+        <p14:creationId xmlns:p14="http://schemas.microsoft.com/office/powerpoint/2010/main" val="1274001609"/>
+      </p:ext>
+    </p:extLst>
+  </p:cSld>
+  <p:clrMapOvr>
+    <a:masterClrMapping/>
+  </p:clrMapOvr>
+  <p:timing>
+    <p:tnLst>
+      <p:par>
+        <p:cTn id="1" dur="indefinite" restart="never" nodeType="tmRoot"/>
+      </p:par>
+    </p:tnLst>
+  </p:timing>
+</p:sld>
+</file>
+
+<file path=ppt/slides/slide115.xml><?xml version="1.0" encoding="utf-8"?>
+<p:sld xmlns:a="http://schemas.openxmlformats.org/drawingml/2006/main" xmlns:r="http://schemas.openxmlformats.org/officeDocument/2006/relationships" xmlns:p="http://schemas.openxmlformats.org/presentationml/2006/main">
+  <p:cSld>
+    <p:spTree>
+      <p:nvGrpSpPr>
+        <p:cNvPr id="1" name=""/>
+        <p:cNvGrpSpPr/>
+        <p:nvPr/>
+      </p:nvGrpSpPr>
+      <p:grpSpPr>
+        <a:xfrm>
+          <a:off x="0" y="0"/>
+          <a:ext cx="0" cy="0"/>
+          <a:chOff x="0" y="0"/>
+          <a:chExt cx="0" cy="0"/>
+        </a:xfrm>
+      </p:grpSpPr>
+      <p:sp>
+        <p:nvSpPr>
+          <p:cNvPr id="2" name="Título 1"/>
+          <p:cNvSpPr>
+            <a:spLocks noGrp="1"/>
+          </p:cNvSpPr>
+          <p:nvPr>
+            <p:ph type="title"/>
+          </p:nvPr>
+        </p:nvSpPr>
+        <p:spPr/>
+        <p:txBody>
+          <a:bodyPr/>
+          <a:lstStyle/>
+          <a:p>
+            <a:r>
               <a:rPr lang="es-MX" dirty="0" smtClean="0"/>
               <a:t>Ejemplo de clase</a:t>
             </a:r>
@@ -14505,7 +15594,7 @@
 </p:sld>
 </file>
 
-<file path=ppt/slides/slide112.xml><?xml version="1.0" encoding="utf-8"?>
+<file path=ppt/slides/slide116.xml><?xml version="1.0" encoding="utf-8"?>
 <p:sld xmlns:a="http://schemas.openxmlformats.org/drawingml/2006/main" xmlns:r="http://schemas.openxmlformats.org/officeDocument/2006/relationships" xmlns:p="http://schemas.openxmlformats.org/presentationml/2006/main">
   <p:cSld>
     <p:spTree>
@@ -42363,6 +43452,48 @@
           </a:p>
         </p:txBody>
       </p:sp>
+      <p:pic>
+        <p:nvPicPr>
+          <p:cNvPr id="25" name="Imagen 24">
+            <a:hlinkClick r:id="rId6"/>
+          </p:cNvPr>
+          <p:cNvPicPr>
+            <a:picLocks noChangeAspect="1"/>
+          </p:cNvPicPr>
+          <p:nvPr/>
+        </p:nvPicPr>
+        <p:blipFill>
+          <a:blip r:embed="rId7" cstate="print">
+            <a:extLst>
+              <a:ext uri="{28A0092B-C50C-407E-A947-70E740481C1C}">
+                <a14:useLocalDpi xmlns:a14="http://schemas.microsoft.com/office/drawing/2010/main" val="0"/>
+              </a:ext>
+            </a:extLst>
+          </a:blip>
+          <a:stretch>
+            <a:fillRect/>
+          </a:stretch>
+        </p:blipFill>
+        <p:spPr>
+          <a:xfrm>
+            <a:off x="11249891" y="5256501"/>
+            <a:ext cx="942109" cy="942109"/>
+          </a:xfrm>
+          <a:prstGeom prst="rect">
+            <a:avLst/>
+          </a:prstGeom>
+          <a:ln>
+            <a:noFill/>
+          </a:ln>
+          <a:effectLst>
+            <a:outerShdw blurRad="292100" dist="139700" dir="2700000" algn="tl" rotWithShape="0">
+              <a:srgbClr val="333333">
+                <a:alpha val="65000"/>
+              </a:srgbClr>
+            </a:outerShdw>
+          </a:effectLst>
+        </p:spPr>
+      </p:pic>
     </p:spTree>
     <p:extLst>
       <p:ext uri="{BB962C8B-B14F-4D97-AF65-F5344CB8AC3E}">
